--- a/Courses/Software-Sciences/Module-2-DS-and-Algo/09-Exception-Handling/09-Exception-Handling.pptx
+++ b/Courses/Software-Sciences/Module-2-DS-and-Algo/09-Exception-Handling/09-Exception-Handling.pptx
@@ -147,7 +147,7 @@
             <p14:sldId id="292"/>
           </p14:sldIdLst>
         </p14:section>
-        <p14:section name="Exception" id="{CE349CF6-EA10-4A20-877D-4BAB68E178C5}">
+        <p14:section name="Изключения" id="{CE349CF6-EA10-4A20-877D-4BAB68E178C5}">
           <p14:sldIdLst>
             <p14:sldId id="294"/>
             <p14:sldId id="494"/>
@@ -157,7 +157,7 @@
             <p14:sldId id="297"/>
           </p14:sldIdLst>
         </p14:section>
-        <p14:section name="Хвашане на exception" id="{DF2EE2B0-A873-419D-BF7D-08DBD14F089D}">
+        <p14:section name="Хващане на изключения" id="{DF2EE2B0-A873-419D-BF7D-08DBD14F089D}">
           <p14:sldIdLst>
             <p14:sldId id="299"/>
             <p14:sldId id="302"/>
@@ -321,7 +321,7 @@
           <a:p>
             <a:fld id="{4E087215-0C8F-4762-A664-737A353EC9A4}" type="datetimeFigureOut">
               <a:rPr lang="bg-BG" smtClean="0"/>
-              <a:t>24.2.2023 г.</a:t>
+              <a:t>19.08.23 г.</a:t>
             </a:fld>
             <a:endParaRPr lang="bg-BG" dirty="0"/>
           </a:p>
@@ -512,7 +512,7 @@
           <a:p>
             <a:fld id="{72D84649-876A-46C9-8472-14CB09C070D8}" type="datetimeFigureOut">
               <a:rPr lang="en-US" smtClean="0"/>
-              <a:t>2/24/2023</a:t>
+              <a:t>8/19/23</a:t>
             </a:fld>
             <a:endParaRPr lang="en-US" dirty="0"/>
           </a:p>
@@ -9846,8 +9846,8 @@
         </p:nvSpPr>
         <p:spPr>
           <a:xfrm>
-            <a:off x="555625" y="1134598"/>
-            <a:ext cx="11080750" cy="675000"/>
+            <a:off x="1840812" y="1113078"/>
+            <a:ext cx="8510375" cy="675000"/>
           </a:xfrm>
         </p:spPr>
         <p:txBody>
@@ -9860,8 +9860,29 @@
               <a:rPr lang="en-US" sz="3150" dirty="0">
                 <a:cs typeface="Calibri"/>
               </a:rPr>
-              <a:t>Хващане на грешло по време на програмат</a:t>
-            </a:r>
+              <a:t>Хващане на </a:t>
+            </a:r>
+            <a:r>
+              <a:rPr lang="bg-BG" sz="3150" dirty="0">
+                <a:cs typeface="Calibri"/>
+              </a:rPr>
+              <a:t>грешки </a:t>
+            </a:r>
+            <a:r>
+              <a:rPr lang="en-US" sz="3150" dirty="0">
+                <a:cs typeface="Calibri"/>
+              </a:rPr>
+              <a:t>по време на програмат</a:t>
+            </a:r>
+            <a:r>
+              <a:rPr lang="bg-BG" sz="3150" dirty="0">
+                <a:cs typeface="Calibri"/>
+              </a:rPr>
+              <a:t>а</a:t>
+            </a:r>
+            <a:endParaRPr lang="en-US" sz="3150" dirty="0">
+              <a:cs typeface="Calibri"/>
+            </a:endParaRPr>
           </a:p>
           <a:p>
             <a:endParaRPr lang="en-US" dirty="0">
@@ -9905,11 +9926,18 @@
               <a:t>Хващане на </a:t>
             </a:r>
             <a:r>
+              <a:rPr lang="bg-BG" sz="4750" dirty="0">
+                <a:ea typeface="+mj-lt"/>
+                <a:cs typeface="+mj-lt"/>
+              </a:rPr>
+              <a:t>грешки</a:t>
+            </a:r>
+            <a:r>
               <a:rPr lang="en-US" sz="4750" dirty="0">
                 <a:ea typeface="+mj-lt"/>
                 <a:cs typeface="+mj-lt"/>
               </a:rPr>
-              <a:t>exception </a:t>
+              <a:t> </a:t>
             </a:r>
             <a:endParaRPr lang="en-US" sz="4750" dirty="0">
               <a:cs typeface="Calibri"/>
@@ -10239,15 +10267,76 @@
               <a:rPr lang="en-US" sz="3150" dirty="0">
                 <a:cs typeface="Calibri"/>
               </a:rPr>
-              <a:t>Когато хванете </a:t>
+              <a:t>Когато </a:t>
+            </a:r>
+            <a:r>
+              <a:rPr lang="bg-BG" sz="3150" dirty="0">
+                <a:cs typeface="Calibri"/>
+              </a:rPr>
+              <a:t>хванете</a:t>
+            </a:r>
+            <a:r>
+              <a:rPr lang="en-US" sz="3150" dirty="0">
+                <a:cs typeface="Calibri"/>
+              </a:rPr>
+              <a:t> </a:t>
+            </a:r>
+            <a:r>
+              <a:rPr lang="bg-BG" sz="3150" dirty="0">
+                <a:ea typeface="+mn-lt"/>
+                <a:cs typeface="+mn-lt"/>
+              </a:rPr>
+              <a:t>изключение</a:t>
             </a:r>
             <a:r>
               <a:rPr lang="en-US" sz="3150" dirty="0">
                 <a:ea typeface="+mn-lt"/>
                 <a:cs typeface="+mn-lt"/>
               </a:rPr>
-              <a:t>exception от определен клас, може да хваните неговите деца също</a:t>
-            </a:r>
+              <a:t> от определен клас, може да </a:t>
+            </a:r>
+            <a:r>
+              <a:rPr lang="bg-BG" sz="3150" dirty="0">
+                <a:ea typeface="+mn-lt"/>
+                <a:cs typeface="+mn-lt"/>
+              </a:rPr>
+              <a:t>хванете и</a:t>
+            </a:r>
+            <a:r>
+              <a:rPr lang="en-US" sz="3150" dirty="0">
+                <a:ea typeface="+mn-lt"/>
+                <a:cs typeface="+mn-lt"/>
+              </a:rPr>
+              <a:t> </a:t>
+            </a:r>
+            <a:r>
+              <a:rPr lang="bg-BG" sz="3150" dirty="0">
+                <a:ea typeface="+mn-lt"/>
+                <a:cs typeface="+mn-lt"/>
+              </a:rPr>
+              <a:t>неговите "</a:t>
+            </a:r>
+            <a:r>
+              <a:rPr lang="bg-BG" sz="3150" b="1" dirty="0">
+                <a:solidFill>
+                  <a:schemeClr val="bg1"/>
+                </a:solidFill>
+                <a:ea typeface="+mn-lt"/>
+                <a:cs typeface="+mn-lt"/>
+              </a:rPr>
+              <a:t>изключения наследници</a:t>
+            </a:r>
+            <a:r>
+              <a:rPr lang="bg-BG" sz="3150" dirty="0">
+                <a:ea typeface="+mn-lt"/>
+                <a:cs typeface="+mn-lt"/>
+              </a:rPr>
+              <a:t>"</a:t>
+            </a:r>
+            <a:endParaRPr lang="en-US" sz="3150" dirty="0">
+              <a:ea typeface="+mn-lt"/>
+              <a:cs typeface="+mn-lt"/>
+            </a:endParaRPr>
           </a:p>
           <a:p>
             <a:pPr marL="0" indent="0">
@@ -10315,6 +10404,8 @@
                 <a:solidFill>
                   <a:schemeClr val="bg1"/>
                 </a:solidFill>
+                <a:latin typeface="Consolas" panose="020B0609020204030204" pitchFamily="49" charset="0"/>
+                <a:cs typeface="Consolas" panose="020B0609020204030204" pitchFamily="49" charset="0"/>
               </a:rPr>
               <a:t>ArithmeticException</a:t>
             </a:r>
@@ -10340,7 +10431,8 @@
                 <a:solidFill>
                   <a:schemeClr val="bg1"/>
                 </a:solidFill>
-                <a:cs typeface="Consolas" pitchFamily="49" charset="0"/>
+                <a:latin typeface="Consolas" panose="020B0609020204030204" pitchFamily="49" charset="0"/>
+                <a:cs typeface="Consolas" panose="020B0609020204030204" pitchFamily="49" charset="0"/>
               </a:rPr>
               <a:t>DivideByZeroException</a:t>
             </a:r>
@@ -10363,15 +10455,11 @@
                 <a:solidFill>
                   <a:schemeClr val="bg1"/>
                 </a:solidFill>
+                <a:latin typeface="Consolas" panose="020B0609020204030204" pitchFamily="49" charset="0"/>
+                <a:cs typeface="Consolas" panose="020B0609020204030204" pitchFamily="49" charset="0"/>
               </a:rPr>
               <a:t>OverflowException</a:t>
             </a:r>
-            <a:endParaRPr lang="en-US" sz="3150" b="1" noProof="1">
-              <a:solidFill>
-                <a:schemeClr val="bg1"/>
-              </a:solidFill>
-              <a:cs typeface="Consolas" pitchFamily="49" charset="0"/>
-            </a:endParaRPr>
           </a:p>
         </p:txBody>
       </p:sp>
@@ -10392,7 +10480,11 @@
           <a:p>
             <a:r>
               <a:rPr lang="en-US" sz="3950" dirty="0"/>
-              <a:t>Хващане на exceptions</a:t>
+              <a:t>Хващане на </a:t>
+            </a:r>
+            <a:r>
+              <a:rPr lang="bg-BG" sz="3950" dirty="0"/>
+              <a:t>изключения</a:t>
             </a:r>
             <a:endParaRPr lang="bg-BG" dirty="0"/>
           </a:p>
@@ -10409,7 +10501,7 @@
         <p:spPr bwMode="auto">
           <a:xfrm>
             <a:off x="687211" y="2439259"/>
-            <a:ext cx="9357139" cy="2478936"/>
+            <a:ext cx="9998789" cy="2478936"/>
           </a:xfrm>
           <a:prstGeom prst="rect">
             <a:avLst/>
@@ -10464,7 +10556,47 @@
                 <a:latin typeface="Consolas"/>
                 <a:cs typeface="Consolas" pitchFamily="49" charset="0"/>
               </a:rPr>
-              <a:t>  //Извършваме работа, която може да причини exception </a:t>
+              <a:t>  // Извършваме </a:t>
+            </a:r>
+            <a:r>
+              <a:rPr lang="bg-BG" sz="2350" b="1" i="1" noProof="1">
+                <a:solidFill>
+                  <a:schemeClr val="accent2"/>
+                </a:solidFill>
+                <a:latin typeface="Consolas"/>
+                <a:cs typeface="Consolas" pitchFamily="49" charset="0"/>
+              </a:rPr>
+              <a:t>операция</a:t>
+            </a:r>
+            <a:r>
+              <a:rPr lang="en-US" sz="2350" b="1" i="1" noProof="1">
+                <a:solidFill>
+                  <a:schemeClr val="accent2"/>
+                </a:solidFill>
+                <a:latin typeface="Consolas"/>
+                <a:cs typeface="Consolas" pitchFamily="49" charset="0"/>
+              </a:rPr>
+              <a:t>, която може да причини </a:t>
+            </a:r>
+            <a:r>
+              <a:rPr lang="bg-BG" sz="2350" b="1" i="1" noProof="1">
+                <a:solidFill>
+                  <a:schemeClr val="accent2"/>
+                </a:solidFill>
+                <a:latin typeface="Consolas"/>
+                <a:cs typeface="Consolas" pitchFamily="49" charset="0"/>
+              </a:rPr>
+              <a:t>изключение</a:t>
+            </a:r>
+            <a:r>
+              <a:rPr lang="en-US" sz="2350" b="1" i="1" noProof="1">
+                <a:solidFill>
+                  <a:schemeClr val="accent2"/>
+                </a:solidFill>
+                <a:latin typeface="Consolas"/>
+                <a:cs typeface="Consolas" pitchFamily="49" charset="0"/>
+              </a:rPr>
+              <a:t> </a:t>
             </a:r>
             <a:endParaRPr lang="en-US" sz="2350" b="1" i="1" noProof="1">
               <a:solidFill>
@@ -10533,7 +10665,27 @@
                 <a:latin typeface="Consolas"/>
                 <a:cs typeface="Consolas" pitchFamily="49" charset="0"/>
               </a:rPr>
-              <a:t>  // Хваща arithmetic exception</a:t>
+              <a:t>  // Хваща</a:t>
+            </a:r>
+            <a:r>
+              <a:rPr lang="bg-BG" sz="2350" b="1" i="1" noProof="1">
+                <a:solidFill>
+                  <a:schemeClr val="accent2"/>
+                </a:solidFill>
+                <a:latin typeface="Consolas"/>
+                <a:cs typeface="Consolas" pitchFamily="49" charset="0"/>
+              </a:rPr>
+              <a:t>ме</a:t>
+            </a:r>
+            <a:r>
+              <a:rPr lang="en-US" sz="2350" b="1" i="1" noProof="1">
+                <a:solidFill>
+                  <a:schemeClr val="accent2"/>
+                </a:solidFill>
+                <a:latin typeface="Consolas"/>
+                <a:cs typeface="Consolas" pitchFamily="49" charset="0"/>
+              </a:rPr>
+              <a:t> arithmetic exception</a:t>
             </a:r>
           </a:p>
           <a:p>
@@ -10633,7 +10785,7 @@
                             </p:stCondLst>
                             <p:childTnLst>
                               <p:par>
-                                <p:cTn id="5" presetID="1" presetClass="entr" presetSubtype="0" fill="hold" grpId="0" nodeType="clickEffect">
+                                <p:cTn id="5" presetID="1" presetClass="entr" presetSubtype="0" fill="hold" nodeType="clickEffect">
                                   <p:stCondLst>
                                     <p:cond delay="0"/>
                                   </p:stCondLst>
@@ -10641,113 +10793,6 @@
                                     <p:set>
                                       <p:cBhvr>
                                         <p:cTn id="6" dur="1" fill="hold">
-                                          <p:stCondLst>
-                                            <p:cond delay="0"/>
-                                          </p:stCondLst>
-                                        </p:cTn>
-                                        <p:tgtEl>
-                                          <p:spTgt spid="553988"/>
-                                        </p:tgtEl>
-                                        <p:attrNameLst>
-                                          <p:attrName>style.visibility</p:attrName>
-                                        </p:attrNameLst>
-                                      </p:cBhvr>
-                                      <p:to>
-                                        <p:strVal val="visible"/>
-                                      </p:to>
-                                    </p:set>
-                                  </p:childTnLst>
-                                </p:cTn>
-                              </p:par>
-                              <p:par>
-                                <p:cTn id="7" presetID="1" presetClass="entr" presetSubtype="0" fill="hold" nodeType="withEffect">
-                                  <p:stCondLst>
-                                    <p:cond delay="0"/>
-                                  </p:stCondLst>
-                                  <p:childTnLst>
-                                    <p:set>
-                                      <p:cBhvr>
-                                        <p:cTn id="8" dur="1" fill="hold">
-                                          <p:stCondLst>
-                                            <p:cond delay="0"/>
-                                          </p:stCondLst>
-                                        </p:cTn>
-                                        <p:tgtEl>
-                                          <p:spTgt spid="553988">
-                                            <p:txEl>
-                                              <p:pRg st="0" end="0"/>
-                                            </p:txEl>
-                                          </p:spTgt>
-                                        </p:tgtEl>
-                                        <p:attrNameLst>
-                                          <p:attrName>style.visibility</p:attrName>
-                                        </p:attrNameLst>
-                                      </p:cBhvr>
-                                      <p:to>
-                                        <p:strVal val="visible"/>
-                                      </p:to>
-                                    </p:set>
-                                  </p:childTnLst>
-                                </p:cTn>
-                              </p:par>
-                              <p:par>
-                                <p:cTn id="9" presetID="1" presetClass="entr" presetSubtype="0" fill="hold" nodeType="withEffect">
-                                  <p:stCondLst>
-                                    <p:cond delay="0"/>
-                                  </p:stCondLst>
-                                  <p:childTnLst>
-                                    <p:set>
-                                      <p:cBhvr>
-                                        <p:cTn id="10" dur="1" fill="hold">
-                                          <p:stCondLst>
-                                            <p:cond delay="0"/>
-                                          </p:stCondLst>
-                                        </p:cTn>
-                                        <p:tgtEl>
-                                          <p:spTgt spid="553988">
-                                            <p:txEl>
-                                              <p:pRg st="2" end="2"/>
-                                            </p:txEl>
-                                          </p:spTgt>
-                                        </p:tgtEl>
-                                        <p:attrNameLst>
-                                          <p:attrName>style.visibility</p:attrName>
-                                        </p:attrNameLst>
-                                      </p:cBhvr>
-                                      <p:to>
-                                        <p:strVal val="visible"/>
-                                      </p:to>
-                                    </p:set>
-                                  </p:childTnLst>
-                                </p:cTn>
-                              </p:par>
-                            </p:childTnLst>
-                          </p:cTn>
-                        </p:par>
-                      </p:childTnLst>
-                    </p:cTn>
-                  </p:par>
-                  <p:par>
-                    <p:cTn id="11" fill="hold">
-                      <p:stCondLst>
-                        <p:cond delay="indefinite"/>
-                      </p:stCondLst>
-                      <p:childTnLst>
-                        <p:par>
-                          <p:cTn id="12" fill="hold">
-                            <p:stCondLst>
-                              <p:cond delay="0"/>
-                            </p:stCondLst>
-                            <p:childTnLst>
-                              <p:par>
-                                <p:cTn id="13" presetID="1" presetClass="entr" presetSubtype="0" fill="hold" nodeType="clickEffect">
-                                  <p:stCondLst>
-                                    <p:cond delay="0"/>
-                                  </p:stCondLst>
-                                  <p:childTnLst>
-                                    <p:set>
-                                      <p:cBhvr>
-                                        <p:cTn id="14" dur="1" fill="hold">
                                           <p:stCondLst>
                                             <p:cond delay="0"/>
                                           </p:stCondLst>
@@ -10777,26 +10822,26 @@
                     </p:cTn>
                   </p:par>
                   <p:par>
-                    <p:cTn id="15" fill="hold">
+                    <p:cTn id="7" fill="hold">
                       <p:stCondLst>
                         <p:cond delay="indefinite"/>
                       </p:stCondLst>
                       <p:childTnLst>
                         <p:par>
-                          <p:cTn id="16" fill="hold">
+                          <p:cTn id="8" fill="hold">
                             <p:stCondLst>
                               <p:cond delay="0"/>
                             </p:stCondLst>
                             <p:childTnLst>
                               <p:par>
-                                <p:cTn id="17" presetID="1" presetClass="entr" presetSubtype="0" fill="hold" nodeType="clickEffect">
+                                <p:cTn id="9" presetID="1" presetClass="entr" presetSubtype="0" fill="hold" nodeType="clickEffect">
                                   <p:stCondLst>
                                     <p:cond delay="0"/>
                                   </p:stCondLst>
                                   <p:childTnLst>
                                     <p:set>
                                       <p:cBhvr>
-                                        <p:cTn id="18" dur="1" fill="hold">
+                                        <p:cTn id="10" dur="1" fill="hold">
                                           <p:stCondLst>
                                             <p:cond delay="0"/>
                                           </p:stCondLst>
@@ -10820,14 +10865,14 @@
                                 </p:cTn>
                               </p:par>
                               <p:par>
-                                <p:cTn id="19" presetID="1" presetClass="entr" presetSubtype="0" fill="hold" nodeType="withEffect">
+                                <p:cTn id="11" presetID="1" presetClass="entr" presetSubtype="0" fill="hold" nodeType="withEffect">
                                   <p:stCondLst>
                                     <p:cond delay="0"/>
                                   </p:stCondLst>
                                   <p:childTnLst>
                                     <p:set>
                                       <p:cBhvr>
-                                        <p:cTn id="20" dur="1" fill="hold">
+                                        <p:cTn id="12" dur="1" fill="hold">
                                           <p:stCondLst>
                                             <p:cond delay="0"/>
                                           </p:stCondLst>
@@ -10857,26 +10902,26 @@
                     </p:cTn>
                   </p:par>
                   <p:par>
-                    <p:cTn id="21" fill="hold">
+                    <p:cTn id="13" fill="hold">
                       <p:stCondLst>
                         <p:cond delay="indefinite"/>
                       </p:stCondLst>
                       <p:childTnLst>
                         <p:par>
-                          <p:cTn id="22" fill="hold">
+                          <p:cTn id="14" fill="hold">
                             <p:stCondLst>
                               <p:cond delay="0"/>
                             </p:stCondLst>
                             <p:childTnLst>
                               <p:par>
-                                <p:cTn id="23" presetID="1" presetClass="entr" presetSubtype="0" fill="hold" nodeType="clickEffect">
+                                <p:cTn id="15" presetID="1" presetClass="entr" presetSubtype="0" fill="hold" nodeType="clickEffect">
                                   <p:stCondLst>
                                     <p:cond delay="0"/>
                                   </p:stCondLst>
                                   <p:childTnLst>
                                     <p:set>
                                       <p:cBhvr>
-                                        <p:cTn id="24" dur="1" fill="hold">
+                                        <p:cTn id="16" dur="1" fill="hold">
                                           <p:stCondLst>
                                             <p:cond delay="0"/>
                                           </p:stCondLst>
@@ -10906,26 +10951,26 @@
                     </p:cTn>
                   </p:par>
                   <p:par>
-                    <p:cTn id="25" fill="hold">
+                    <p:cTn id="17" fill="hold">
                       <p:stCondLst>
                         <p:cond delay="indefinite"/>
                       </p:stCondLst>
                       <p:childTnLst>
                         <p:par>
-                          <p:cTn id="26" fill="hold">
+                          <p:cTn id="18" fill="hold">
                             <p:stCondLst>
                               <p:cond delay="0"/>
                             </p:stCondLst>
                             <p:childTnLst>
                               <p:par>
-                                <p:cTn id="27" presetID="1" presetClass="entr" presetSubtype="0" fill="hold" nodeType="clickEffect">
+                                <p:cTn id="19" presetID="1" presetClass="entr" presetSubtype="0" fill="hold" nodeType="clickEffect">
                                   <p:stCondLst>
                                     <p:cond delay="0"/>
                                   </p:stCondLst>
                                   <p:childTnLst>
                                     <p:set>
                                       <p:cBhvr>
-                                        <p:cTn id="28" dur="1" fill="hold">
+                                        <p:cTn id="20" dur="1" fill="hold">
                                           <p:stCondLst>
                                             <p:cond delay="0"/>
                                           </p:stCondLst>
@@ -10975,9 +11020,6 @@
         </p:cTn>
       </p:par>
     </p:tnLst>
-    <p:bldLst>
-      <p:bldP spid="553988" grpId="0" animBg="1"/>
-    </p:bldLst>
   </p:timing>
 </p:sld>
 </file>
@@ -11001,64 +11043,6 @@
       </p:grpSpPr>
       <p:sp>
         <p:nvSpPr>
-          <p:cNvPr id="2" name="Title 1">
-            <a:extLst>
-              <a:ext uri="{FF2B5EF4-FFF2-40B4-BE49-F238E27FC236}">
-                <a16:creationId xmlns:a16="http://schemas.microsoft.com/office/drawing/2014/main" id="{85773322-B777-4E65-BD66-EBB1187860B5}"/>
-              </a:ext>
-            </a:extLst>
-          </p:cNvPr>
-          <p:cNvSpPr>
-            <a:spLocks noGrp="1"/>
-          </p:cNvSpPr>
-          <p:nvPr>
-            <p:ph type="title"/>
-          </p:nvPr>
-        </p:nvSpPr>
-        <p:spPr/>
-        <p:txBody>
-          <a:bodyPr vert="horz" lIns="108000" tIns="36000" rIns="108000" bIns="36000" rtlCol="0" anchor="ctr" anchorCtr="0">
-            <a:noAutofit/>
-          </a:bodyPr>
-          <a:lstStyle/>
-          <a:p>
-            <a:r>
-              <a:rPr lang="en-US" sz="2900" dirty="0"/>
-              <a:t>Използване на много пъти блока </a:t>
-            </a:r>
-            <a:r>
-              <a:rPr lang="ru-RU" sz="2900" dirty="0">
-                <a:solidFill>
-                  <a:schemeClr val="bg1"/>
-                </a:solidFill>
-                <a:latin typeface="Consolas"/>
-              </a:rPr>
-              <a:t>catch</a:t>
-            </a:r>
-            <a:r>
-              <a:rPr lang="ru-RU" sz="2900" b="0" dirty="0">
-                <a:solidFill>
-                  <a:schemeClr val="tx2">
-                    <a:lumMod val="75000"/>
-                  </a:schemeClr>
-                </a:solidFill>
-                <a:ea typeface="+mj-lt"/>
-                <a:cs typeface="+mj-lt"/>
-              </a:rPr>
-              <a:t> </a:t>
-            </a:r>
-            <a:r>
-              <a:rPr lang="en-US" sz="2900" dirty="0"/>
-              <a:t> – примери</a:t>
-            </a:r>
-            <a:endParaRPr lang="en-US" sz="2900" dirty="0">
-              <a:cs typeface="Calibri"/>
-            </a:endParaRPr>
-          </a:p>
-        </p:txBody>
-      </p:sp>
-      <p:sp>
-        <p:nvSpPr>
           <p:cNvPr id="5" name="Text Placeholder 4">
             <a:extLst>
               <a:ext uri="{FF2B5EF4-FFF2-40B4-BE49-F238E27FC236}">
@@ -11074,10 +11058,6 @@
           </p:nvPr>
         </p:nvSpPr>
         <p:spPr bwMode="auto">
-          <a:xfrm>
-            <a:off x="2210813" y="1179731"/>
-            <a:ext cx="9293979" cy="5252230"/>
-          </a:xfrm>
           <a:prstGeom prst="rect">
             <a:avLst/>
           </a:prstGeom>
@@ -11380,6 +11360,65 @@
             <a:endParaRPr lang="bg-BG" sz="2396" b="1" noProof="1">
               <a:latin typeface="Consolas" pitchFamily="49" charset="0"/>
               <a:cs typeface="Consolas" pitchFamily="49" charset="0"/>
+            </a:endParaRPr>
+          </a:p>
+        </p:txBody>
+      </p:sp>
+      <p:sp>
+        <p:nvSpPr>
+          <p:cNvPr id="2" name="Title 1">
+            <a:extLst>
+              <a:ext uri="{FF2B5EF4-FFF2-40B4-BE49-F238E27FC236}">
+                <a16:creationId xmlns:a16="http://schemas.microsoft.com/office/drawing/2014/main" id="{85773322-B777-4E65-BD66-EBB1187860B5}"/>
+              </a:ext>
+            </a:extLst>
+          </p:cNvPr>
+          <p:cNvSpPr>
+            <a:spLocks noGrp="1"/>
+          </p:cNvSpPr>
+          <p:nvPr>
+            <p:ph type="title"/>
+          </p:nvPr>
+        </p:nvSpPr>
+        <p:spPr/>
+        <p:txBody>
+          <a:bodyPr vert="horz" lIns="108000" tIns="36000" rIns="108000" bIns="36000" rtlCol="0" anchor="ctr" anchorCtr="0">
+            <a:noAutofit/>
+          </a:bodyPr>
+          <a:lstStyle/>
+          <a:p>
+            <a:r>
+              <a:rPr lang="bg-BG" sz="3600" dirty="0"/>
+              <a:t>Многократно използване на </a:t>
+            </a:r>
+            <a:r>
+              <a:rPr lang="en-US" sz="3600" dirty="0">
+                <a:latin typeface="Consolas"/>
+              </a:rPr>
+              <a:t>catch</a:t>
+            </a:r>
+            <a:r>
+              <a:rPr lang="ru-RU" sz="3600" b="0" dirty="0">
+                <a:solidFill>
+                  <a:schemeClr val="tx2">
+                    <a:lumMod val="75000"/>
+                  </a:schemeClr>
+                </a:solidFill>
+                <a:ea typeface="+mj-lt"/>
+                <a:cs typeface="+mj-lt"/>
+              </a:rPr>
+              <a:t> </a:t>
+            </a:r>
+            <a:r>
+              <a:rPr lang="en-US" sz="3600" dirty="0"/>
+              <a:t>– </a:t>
+            </a:r>
+            <a:r>
+              <a:rPr lang="bg-BG" sz="3600" dirty="0"/>
+              <a:t>Пример</a:t>
+            </a:r>
+            <a:endParaRPr lang="en-US" sz="3600" dirty="0">
+              <a:cs typeface="Calibri"/>
             </a:endParaRPr>
           </a:p>
         </p:txBody>
@@ -12412,7 +12451,7 @@
         <p:spPr bwMode="auto">
           <a:xfrm>
             <a:off x="4970737" y="3730245"/>
-            <a:ext cx="2742486" cy="609557"/>
+            <a:ext cx="5130264" cy="609557"/>
           </a:xfrm>
           <a:prstGeom prst="wedgeRoundRectCallout">
             <a:avLst>
@@ -12462,12 +12501,12 @@
           <a:p>
             <a:pPr algn="ctr"/>
             <a:r>
-              <a:rPr lang="en-US" sz="2350" b="1" noProof="1">
+              <a:rPr lang="bg-BG" sz="2350" b="1" noProof="1">
                 <a:solidFill>
                   <a:srgbClr val="FFFFFF"/>
                 </a:solidFill>
               </a:rPr>
-              <a:t>Неразчитим код</a:t>
+              <a:t>Няма как да достигнем до този код</a:t>
             </a:r>
             <a:endParaRPr lang="bg-BG" dirty="0"/>
           </a:p>
@@ -12490,7 +12529,7 @@
         <p:spPr bwMode="auto">
           <a:xfrm>
             <a:off x="5334198" y="4836205"/>
-            <a:ext cx="2742486" cy="609557"/>
+            <a:ext cx="5130264" cy="609557"/>
           </a:xfrm>
           <a:prstGeom prst="wedgeRoundRectCallout">
             <a:avLst>
@@ -12540,14 +12579,14 @@
           <a:p>
             <a:pPr algn="ctr"/>
             <a:r>
-              <a:rPr lang="en-US" sz="2350" b="1" noProof="1">
+              <a:rPr lang="bg-BG" sz="2400" b="1" noProof="1">
                 <a:solidFill>
                   <a:srgbClr val="FFFFFF"/>
                 </a:solidFill>
               </a:rPr>
-              <a:t>Недостижим код</a:t>
-            </a:r>
-            <a:endParaRPr lang="bg-BG" dirty="0"/>
+              <a:t>Няма как да достигнем до този код</a:t>
+            </a:r>
+            <a:endParaRPr lang="bg-BG" sz="2400" dirty="0"/>
           </a:p>
         </p:txBody>
       </p:sp>
@@ -13271,7 +13310,71 @@
               <a:rPr lang="en-US" sz="3600" dirty="0">
                 <a:cs typeface="Calibri"/>
               </a:rPr>
-              <a:t>За да хванем всички грешки може да използваме конструктура:</a:t>
+              <a:t>За да хванем </a:t>
+            </a:r>
+            <a:r>
+              <a:rPr lang="en-US" sz="3600" b="1" dirty="0">
+                <a:solidFill>
+                  <a:schemeClr val="bg1"/>
+                </a:solidFill>
+                <a:cs typeface="Calibri"/>
+              </a:rPr>
+              <a:t>всички грешки</a:t>
+            </a:r>
+            <a:r>
+              <a:rPr lang="bg-BG" sz="3600" dirty="0">
+                <a:cs typeface="Calibri"/>
+              </a:rPr>
+              <a:t>,</a:t>
+            </a:r>
+            <a:r>
+              <a:rPr lang="bg-BG" sz="3600" b="1" dirty="0">
+                <a:solidFill>
+                  <a:schemeClr val="bg1"/>
+                </a:solidFill>
+                <a:cs typeface="Calibri"/>
+              </a:rPr>
+              <a:t> </a:t>
+            </a:r>
+            <a:r>
+              <a:rPr lang="en-US" sz="3600" dirty="0">
+                <a:cs typeface="Calibri"/>
+              </a:rPr>
+              <a:t>може да </a:t>
+            </a:r>
+            <a:r>
+              <a:rPr lang="en-US" sz="3600" dirty="0" err="1">
+                <a:cs typeface="Calibri"/>
+              </a:rPr>
+              <a:t>използваме</a:t>
+            </a:r>
+            <a:r>
+              <a:rPr lang="en-US" sz="3600" dirty="0">
+                <a:cs typeface="Calibri"/>
+              </a:rPr>
+              <a:t> </a:t>
+            </a:r>
+            <a:r>
+              <a:rPr lang="bg-BG" sz="3600" dirty="0">
+                <a:cs typeface="Calibri"/>
+              </a:rPr>
+              <a:t>конструкцията </a:t>
+            </a:r>
+            <a:r>
+              <a:rPr lang="en-US" sz="3600" b="1" dirty="0">
+                <a:solidFill>
+                  <a:schemeClr val="bg1"/>
+                </a:solidFill>
+                <a:latin typeface="Consolas" panose="020B0609020204030204" pitchFamily="49" charset="0"/>
+                <a:cs typeface="Consolas" panose="020B0609020204030204" pitchFamily="49" charset="0"/>
+              </a:rPr>
+              <a:t>try-catch</a:t>
+            </a:r>
+            <a:r>
+              <a:rPr lang="en-US" sz="3600" dirty="0">
+                <a:cs typeface="Calibri"/>
+              </a:rPr>
+              <a:t>:</a:t>
             </a:r>
           </a:p>
         </p:txBody>
@@ -13293,9 +13396,12 @@
           <a:p>
             <a:r>
               <a:rPr lang="en-US" sz="3950" dirty="0"/>
-              <a:t>Хващане на всички exception-и</a:t>
-            </a:r>
-            <a:endParaRPr lang="bg-BG" sz="3950" dirty="0"/>
+              <a:t>Хващане на всички </a:t>
+            </a:r>
+            <a:r>
+              <a:rPr lang="bg-BG" sz="3950" dirty="0"/>
+              <a:t>изключения</a:t>
+            </a:r>
           </a:p>
         </p:txBody>
       </p:sp>
@@ -13309,8 +13415,8 @@
         </p:nvSpPr>
         <p:spPr bwMode="auto">
           <a:xfrm>
-            <a:off x="639679" y="2898688"/>
-            <a:ext cx="11367376" cy="3752425"/>
+            <a:off x="291000" y="2529000"/>
+            <a:ext cx="11717498" cy="3752425"/>
           </a:xfrm>
           <a:prstGeom prst="rect">
             <a:avLst/>
@@ -13386,10 +13492,50 @@
                 <a:latin typeface="Consolas"/>
                 <a:cs typeface="Consolas" pitchFamily="49" charset="0"/>
               </a:rPr>
-              <a:t>// Извършваме работа, която може да причени </a:t>
+              <a:t>// Извършваме </a:t>
+            </a:r>
+            <a:r>
+              <a:rPr lang="bg-BG" sz="2750" b="1" i="1" noProof="1">
+                <a:solidFill>
+                  <a:schemeClr val="accent2"/>
+                </a:solidFill>
+                <a:latin typeface="Consolas"/>
+                <a:cs typeface="Consolas" pitchFamily="49" charset="0"/>
+              </a:rPr>
+              <a:t>операция</a:t>
             </a:r>
             <a:r>
               <a:rPr lang="en-US" sz="2750" b="1" i="1" noProof="1">
+                <a:solidFill>
+                  <a:schemeClr val="accent2"/>
+                </a:solidFill>
+                <a:latin typeface="Consolas"/>
+                <a:cs typeface="Consolas" pitchFamily="49" charset="0"/>
+              </a:rPr>
+              <a:t>, която може да прич</a:t>
+            </a:r>
+            <a:r>
+              <a:rPr lang="bg-BG" sz="2750" b="1" i="1" noProof="1">
+                <a:solidFill>
+                  <a:schemeClr val="accent2"/>
+                </a:solidFill>
+                <a:latin typeface="Consolas"/>
+                <a:cs typeface="Consolas" pitchFamily="49" charset="0"/>
+              </a:rPr>
+              <a:t>и</a:t>
+            </a:r>
+            <a:r>
+              <a:rPr lang="en-US" sz="2750" b="1" i="1" noProof="1">
+                <a:solidFill>
+                  <a:schemeClr val="accent2"/>
+                </a:solidFill>
+                <a:latin typeface="Consolas"/>
+                <a:cs typeface="Consolas" pitchFamily="49" charset="0"/>
+              </a:rPr>
+              <a:t>ни </a:t>
+            </a:r>
+            <a:r>
+              <a:rPr lang="bg-BG" sz="2750" b="1" i="1" noProof="1">
                 <a:solidFill>
                   <a:schemeClr val="accent2"/>
                 </a:solidFill>
@@ -13397,7 +13543,7 @@
                 <a:ea typeface="+mn-lt"/>
                 <a:cs typeface="+mn-lt"/>
               </a:rPr>
-              <a:t>exception</a:t>
+              <a:t>изключение</a:t>
             </a:r>
             <a:r>
               <a:rPr lang="en-US" sz="2750" b="1" noProof="1">
@@ -13937,10 +14083,16 @@
           <a:p>
             <a:pPr marL="360045" indent="-360045"/>
             <a:r>
+              <a:rPr lang="bg-BG" sz="3600" dirty="0">
+                <a:cs typeface="Calibri"/>
+              </a:rPr>
+              <a:t>Конструкцията</a:t>
+            </a:r>
+            <a:r>
               <a:rPr lang="en-US" sz="3600" dirty="0">
                 <a:cs typeface="Calibri"/>
               </a:rPr>
-              <a:t>Изразът </a:t>
+              <a:t> </a:t>
             </a:r>
             <a:r>
               <a:rPr lang="en-US" sz="3600" b="1" dirty="0">
@@ -13959,32 +14111,50 @@
               <a:t> винаги изпълнява </a:t>
             </a:r>
             <a:r>
-              <a:rPr lang="en-US" sz="3600" dirty="0" err="1">
+              <a:rPr lang="bg-BG" sz="3600" dirty="0">
                 <a:cs typeface="Calibri"/>
               </a:rPr>
-              <a:t>блокът</a:t>
+              <a:t>блока </a:t>
+            </a:r>
+            <a:r>
+              <a:rPr lang="en-US" sz="3600" b="1" dirty="0">
+                <a:solidFill>
+                  <a:schemeClr val="bg1"/>
+                </a:solidFill>
+                <a:latin typeface="Consolas"/>
+                <a:cs typeface="Calibri"/>
+              </a:rPr>
+              <a:t>finally</a:t>
             </a:r>
             <a:r>
               <a:rPr lang="en-US" sz="3600" dirty="0">
                 <a:cs typeface="Calibri"/>
               </a:rPr>
-              <a:t> </a:t>
-            </a:r>
-            <a:r>
-              <a:rPr lang="en-US" sz="3600" b="1" dirty="0">
-                <a:solidFill>
-                  <a:schemeClr val="bg1"/>
-                </a:solidFill>
-                <a:latin typeface="Consolas"/>
+              <a:t> (</a:t>
+            </a:r>
+            <a:r>
+              <a:rPr lang="bg-BG" sz="3600" dirty="0">
                 <a:cs typeface="Calibri"/>
               </a:rPr>
-              <a:t>finally</a:t>
+              <a:t>дори и</a:t>
             </a:r>
             <a:r>
               <a:rPr lang="en-US" sz="3600" dirty="0">
                 <a:cs typeface="Calibri"/>
               </a:rPr>
-              <a:t> (без да има грешки):</a:t>
+              <a:t> да </a:t>
+            </a:r>
+            <a:r>
+              <a:rPr lang="bg-BG" sz="3600" dirty="0">
+                <a:cs typeface="Calibri"/>
+              </a:rPr>
+              <a:t>няма</a:t>
+            </a:r>
+            <a:r>
+              <a:rPr lang="en-US" sz="3600" dirty="0">
+                <a:cs typeface="Calibri"/>
+              </a:rPr>
+              <a:t> грешки):</a:t>
             </a:r>
             <a:endParaRPr lang="en-US" sz="3600" dirty="0"/>
           </a:p>
@@ -14052,7 +14222,19 @@
               <a:rPr lang="en-US" sz="3600" dirty="0">
                 <a:cs typeface="Calibri"/>
               </a:rPr>
-              <a:t> (освобождаване на ресурси)</a:t>
+              <a:t> </a:t>
+            </a:r>
+            <a:r>
+              <a:rPr lang="bg-BG" sz="3600" dirty="0">
+                <a:cs typeface="Calibri"/>
+              </a:rPr>
+              <a:t>и </a:t>
+            </a:r>
+            <a:r>
+              <a:rPr lang="en-US" sz="3600" dirty="0">
+                <a:cs typeface="Calibri"/>
+              </a:rPr>
+              <a:t>освобождаване на ресурси</a:t>
             </a:r>
           </a:p>
         </p:txBody>
@@ -14075,10 +14257,24 @@
           <a:lstStyle/>
           <a:p>
             <a:r>
-              <a:rPr lang="en-US" sz="3950" dirty="0"/>
-              <a:t>Изразът Try-finally </a:t>
-            </a:r>
-            <a:endParaRPr lang="bg-BG" sz="3950" dirty="0"/>
+              <a:rPr lang="bg-BG" sz="4000" dirty="0"/>
+              <a:t>Конструкцията</a:t>
+            </a:r>
+            <a:r>
+              <a:rPr lang="en-US" sz="4000" dirty="0"/>
+              <a:t> </a:t>
+            </a:r>
+            <a:r>
+              <a:rPr lang="en-US" sz="4000" dirty="0">
+                <a:latin typeface="Consolas" panose="020B0609020204030204" pitchFamily="49" charset="0"/>
+                <a:cs typeface="Consolas" panose="020B0609020204030204" pitchFamily="49" charset="0"/>
+              </a:rPr>
+              <a:t>try-finally </a:t>
+            </a:r>
+            <a:endParaRPr lang="bg-BG" sz="4000" dirty="0">
+              <a:latin typeface="Consolas" panose="020B0609020204030204" pitchFamily="49" charset="0"/>
+              <a:cs typeface="Consolas" panose="020B0609020204030204" pitchFamily="49" charset="0"/>
+            </a:endParaRPr>
           </a:p>
         </p:txBody>
       </p:sp>
@@ -14092,8 +14288,8 @@
         </p:nvSpPr>
         <p:spPr bwMode="auto">
           <a:xfrm>
-            <a:off x="695401" y="2378324"/>
-            <a:ext cx="10237866" cy="2863721"/>
+            <a:off x="695400" y="2545279"/>
+            <a:ext cx="10845599" cy="2863721"/>
           </a:xfrm>
           <a:prstGeom prst="rect">
             <a:avLst/>
@@ -14148,7 +14344,47 @@
                 <a:latin typeface="Consolas"/>
                 <a:cs typeface="Consolas" pitchFamily="49" charset="0"/>
               </a:rPr>
-              <a:t>  // Извършваме работа, която може да прични грешка</a:t>
+              <a:t>  // Извършваме </a:t>
+            </a:r>
+            <a:r>
+              <a:rPr lang="bg-BG" sz="2750" b="1" i="1" noProof="1">
+                <a:solidFill>
+                  <a:schemeClr val="accent2"/>
+                </a:solidFill>
+                <a:latin typeface="Consolas"/>
+                <a:cs typeface="Consolas" pitchFamily="49" charset="0"/>
+              </a:rPr>
+              <a:t>операция</a:t>
+            </a:r>
+            <a:r>
+              <a:rPr lang="en-US" sz="2750" b="1" i="1" noProof="1">
+                <a:solidFill>
+                  <a:schemeClr val="accent2"/>
+                </a:solidFill>
+                <a:latin typeface="Consolas"/>
+                <a:cs typeface="Consolas" pitchFamily="49" charset="0"/>
+              </a:rPr>
+              <a:t>, която може да прич</a:t>
+            </a:r>
+            <a:r>
+              <a:rPr lang="bg-BG" sz="2750" b="1" i="1" noProof="1">
+                <a:solidFill>
+                  <a:schemeClr val="accent2"/>
+                </a:solidFill>
+                <a:latin typeface="Consolas"/>
+                <a:cs typeface="Consolas" pitchFamily="49" charset="0"/>
+              </a:rPr>
+              <a:t>и</a:t>
+            </a:r>
+            <a:r>
+              <a:rPr lang="en-US" sz="2750" b="1" i="1" noProof="1">
+                <a:solidFill>
+                  <a:schemeClr val="accent2"/>
+                </a:solidFill>
+                <a:latin typeface="Consolas"/>
+                <a:cs typeface="Consolas" pitchFamily="49" charset="0"/>
+              </a:rPr>
+              <a:t>ни грешка</a:t>
             </a:r>
             <a:endParaRPr lang="en-US" sz="2750" b="1" i="1" noProof="1">
               <a:solidFill>
@@ -14217,7 +14453,27 @@
                 <a:latin typeface="Consolas"/>
                 <a:cs typeface="Consolas" pitchFamily="49" charset="0"/>
               </a:rPr>
-              <a:t>// блокът винаги ще се изпълни</a:t>
+              <a:t>// </a:t>
+            </a:r>
+            <a:r>
+              <a:rPr lang="bg-BG" sz="2750" b="1" i="1" noProof="1">
+                <a:solidFill>
+                  <a:schemeClr val="accent2"/>
+                </a:solidFill>
+                <a:latin typeface="Consolas"/>
+                <a:cs typeface="Consolas" pitchFamily="49" charset="0"/>
+              </a:rPr>
+              <a:t>Б</a:t>
+            </a:r>
+            <a:r>
+              <a:rPr lang="en-US" sz="2750" b="1" i="1" noProof="1">
+                <a:solidFill>
+                  <a:schemeClr val="accent2"/>
+                </a:solidFill>
+                <a:latin typeface="Consolas"/>
+                <a:cs typeface="Consolas" pitchFamily="49" charset="0"/>
+              </a:rPr>
+              <a:t>локът винаги ще се изпълни</a:t>
             </a:r>
             <a:endParaRPr lang="en-US" sz="2750" b="1" i="1" noProof="1">
               <a:solidFill>
@@ -14666,16 +14922,25 @@
         </p:nvSpPr>
         <p:spPr/>
         <p:txBody>
-          <a:bodyPr/>
+          <a:bodyPr>
+            <a:normAutofit/>
+          </a:bodyPr>
           <a:lstStyle/>
           <a:p>
             <a:r>
-              <a:rPr lang="en-US" sz="3950" dirty="0">
+              <a:rPr lang="en-US" sz="4000" dirty="0">
+                <a:latin typeface="Consolas" panose="020B0609020204030204" pitchFamily="49" charset="0"/>
+                <a:cs typeface="Consolas" panose="020B0609020204030204" pitchFamily="49" charset="0"/>
+              </a:rPr>
+              <a:t>Try-finally</a:t>
+            </a:r>
+            <a:r>
+              <a:rPr lang="en-US" sz="4000" dirty="0">
                 <a:cs typeface="Consolas" pitchFamily="49" charset="0"/>
               </a:rPr>
-              <a:t>Try-finally – Пример</a:t>
-            </a:r>
-            <a:endParaRPr lang="bg-BG" dirty="0"/>
+              <a:t> – Пример</a:t>
+            </a:r>
+            <a:endParaRPr lang="bg-BG" sz="4000" dirty="0"/>
           </a:p>
         </p:txBody>
       </p:sp>
@@ -15553,6 +15818,53 @@
       </p:pic>
       <p:sp>
         <p:nvSpPr>
+          <p:cNvPr id="3" name="Subtitle 2">
+            <a:extLst>
+              <a:ext uri="{FF2B5EF4-FFF2-40B4-BE49-F238E27FC236}">
+                <a16:creationId xmlns:a16="http://schemas.microsoft.com/office/drawing/2014/main" id="{2572CC87-7E4C-3CFA-39FF-32594C6391A4}"/>
+              </a:ext>
+            </a:extLst>
+          </p:cNvPr>
+          <p:cNvSpPr>
+            <a:spLocks noGrp="1"/>
+          </p:cNvSpPr>
+          <p:nvPr>
+            <p:ph type="subTitle" sz="quarter" idx="11"/>
+          </p:nvPr>
+        </p:nvSpPr>
+        <p:spPr/>
+        <p:txBody>
+          <a:bodyPr/>
+          <a:lstStyle/>
+          <a:p>
+            <a:r>
+              <a:rPr lang="bg-BG" sz="4000" dirty="0">
+                <a:cs typeface="Arial"/>
+              </a:rPr>
+              <a:t>Ключовата </a:t>
+            </a:r>
+            <a:r>
+              <a:rPr lang="en-US" sz="4000" dirty="0">
+                <a:cs typeface="Arial"/>
+              </a:rPr>
+              <a:t>дума </a:t>
+            </a:r>
+            <a:r>
+              <a:rPr lang="en-US" sz="4000" dirty="0">
+                <a:latin typeface="Consolas" panose="020B0609020204030204" pitchFamily="49" charset="0"/>
+                <a:cs typeface="Consolas" panose="020B0609020204030204" pitchFamily="49" charset="0"/>
+              </a:rPr>
+              <a:t>Throw</a:t>
+            </a:r>
+            <a:endParaRPr lang="en-BG" dirty="0">
+              <a:latin typeface="Consolas" panose="020B0609020204030204" pitchFamily="49" charset="0"/>
+              <a:cs typeface="Consolas" panose="020B0609020204030204" pitchFamily="49" charset="0"/>
+            </a:endParaRPr>
+          </a:p>
+        </p:txBody>
+      </p:sp>
+      <p:sp>
+        <p:nvSpPr>
           <p:cNvPr id="4" name="Title 3">
             <a:extLst>
               <a:ext uri="{FF2B5EF4-FFF2-40B4-BE49-F238E27FC236}">
@@ -15569,8 +15881,8 @@
         </p:nvSpPr>
         <p:spPr>
           <a:xfrm>
-            <a:off x="72473" y="4704825"/>
-            <a:ext cx="12116328" cy="768084"/>
+            <a:off x="615109" y="4704825"/>
+            <a:ext cx="10961783" cy="768084"/>
           </a:xfrm>
         </p:spPr>
         <p:txBody>
@@ -15578,11 +15890,10 @@
           <a:lstStyle/>
           <a:p>
             <a:r>
-              <a:rPr lang="en-US" sz="5350" dirty="0">
-                <a:cs typeface="Arial"/>
-              </a:rPr>
-              <a:t>Използване на ключовата дума "Throw"</a:t>
-            </a:r>
+              <a:rPr lang="bg-BG" dirty="0"/>
+              <a:t>Хвърляне на грешки</a:t>
+            </a:r>
+            <a:endParaRPr lang="en-US" dirty="0"/>
           </a:p>
         </p:txBody>
       </p:sp>
@@ -15634,7 +15945,12 @@
             <p:ph type="body" sz="quarter" idx="10"/>
           </p:nvPr>
         </p:nvSpPr>
-        <p:spPr/>
+        <p:spPr>
+          <a:xfrm>
+            <a:off x="190402" y="1134000"/>
+            <a:ext cx="11818096" cy="5528766"/>
+          </a:xfrm>
+        </p:spPr>
         <p:txBody>
           <a:bodyPr vert="horz" lIns="108000" tIns="36000" rIns="108000" bIns="36000" rtlCol="0" anchor="t">
             <a:noAutofit/>
@@ -15653,18 +15969,42 @@
               </a:buClr>
             </a:pPr>
             <a:r>
-              <a:rPr lang="en-US" sz="3400" b="1" dirty="0">
+              <a:rPr lang="bg-BG" sz="3200" b="1" dirty="0">
                 <a:solidFill>
                   <a:schemeClr val="bg1"/>
                 </a:solidFill>
               </a:rPr>
-              <a:t>Хвърляме exception </a:t>
-            </a:r>
-            <a:r>
-              <a:rPr lang="en-US" sz="3400" dirty="0"/>
-              <a:t>със съобщение с грешка:</a:t>
-            </a:r>
-            <a:endParaRPr lang="en-US" sz="3400" dirty="0">
+              <a:t>Хвърляме</a:t>
+            </a:r>
+            <a:r>
+              <a:rPr lang="en-US" sz="3200" b="1" dirty="0">
+                <a:solidFill>
+                  <a:schemeClr val="bg1"/>
+                </a:solidFill>
+              </a:rPr>
+              <a:t> </a:t>
+            </a:r>
+            <a:r>
+              <a:rPr lang="bg-BG" sz="3200" b="1" dirty="0">
+                <a:solidFill>
+                  <a:schemeClr val="bg1"/>
+                </a:solidFill>
+              </a:rPr>
+              <a:t>изключение</a:t>
+            </a:r>
+            <a:r>
+              <a:rPr lang="en-US" sz="3200" b="1" dirty="0">
+                <a:solidFill>
+                  <a:schemeClr val="bg1"/>
+                </a:solidFill>
+              </a:rPr>
+              <a:t> </a:t>
+            </a:r>
+            <a:r>
+              <a:rPr lang="en-US" sz="3200" dirty="0"/>
+              <a:t>със съобщение:</a:t>
+            </a:r>
+            <a:endParaRPr lang="en-US" sz="3200" dirty="0">
               <a:cs typeface="Calibri"/>
             </a:endParaRPr>
           </a:p>
@@ -15690,11 +16030,15 @@
               </a:spcBef>
             </a:pPr>
             <a:r>
-              <a:rPr lang="en-US" sz="3400" dirty="0"/>
-              <a:t>Exceptions може да приема </a:t>
-            </a:r>
-            <a:r>
-              <a:rPr lang="en-US" sz="3400" b="1" dirty="0">
+              <a:rPr lang="bg-BG" sz="3200" dirty="0"/>
+              <a:t>Изключението</a:t>
+            </a:r>
+            <a:r>
+              <a:rPr lang="en-US" sz="3200" dirty="0"/>
+              <a:t> може да приема </a:t>
+            </a:r>
+            <a:r>
+              <a:rPr lang="en-US" sz="3200" b="1" dirty="0">
                 <a:solidFill>
                   <a:schemeClr val="bg1"/>
                 </a:solidFill>
@@ -15702,22 +16046,30 @@
               <a:t>съобщение </a:t>
             </a:r>
             <a:r>
-              <a:rPr lang="en-US" sz="3400" dirty="0"/>
+              <a:rPr lang="en-US" sz="3200" dirty="0"/>
               <a:t>+</a:t>
             </a:r>
             <a:r>
-              <a:rPr lang="en-US" sz="3400" b="1" dirty="0">
+              <a:rPr lang="en-US" sz="3200" b="1" dirty="0">
                 <a:solidFill>
                   <a:schemeClr val="bg1"/>
                 </a:solidFill>
               </a:rPr>
-              <a:t> exception </a:t>
-            </a:r>
-            <a:r>
-              <a:rPr lang="en-US" sz="3400" dirty="0"/>
+              <a:t> </a:t>
+            </a:r>
+            <a:r>
+              <a:rPr lang="bg-BG" sz="3200" b="1" dirty="0">
+                <a:solidFill>
+                  <a:schemeClr val="bg1"/>
+                </a:solidFill>
+              </a:rPr>
+              <a:t>друго изключение </a:t>
+            </a:r>
+            <a:r>
+              <a:rPr lang="bg-BG" sz="3200" dirty="0"/>
               <a:t>(причина):</a:t>
             </a:r>
-            <a:endParaRPr lang="en-US" sz="3400" dirty="0">
+            <a:endParaRPr lang="en-US" sz="3200" dirty="0">
               <a:cs typeface="Calibri"/>
             </a:endParaRPr>
           </a:p>
@@ -15769,7 +16121,7 @@
                 <a:spcPts val="0"/>
               </a:spcBef>
             </a:pPr>
-            <a:endParaRPr lang="en-US" sz="3400" dirty="0">
+            <a:endParaRPr lang="en-US" sz="1800" dirty="0">
               <a:cs typeface="Calibri"/>
             </a:endParaRPr>
           </a:p>
@@ -15779,42 +16131,32 @@
                 <a:spcPct val="100000"/>
               </a:lnSpc>
               <a:spcBef>
-                <a:spcPts val="0"/>
-              </a:spcBef>
-            </a:pPr>
-            <a:endParaRPr lang="en-US" sz="1800" dirty="0">
-              <a:cs typeface="Calibri"/>
-            </a:endParaRPr>
-          </a:p>
-          <a:p>
-            <a:pPr marL="360045" indent="-360045">
-              <a:lnSpc>
-                <a:spcPct val="100000"/>
-              </a:lnSpc>
-              <a:spcBef>
-                <a:spcPts val="0"/>
+                <a:spcPts val="4000"/>
               </a:spcBef>
               <a:buClr>
                 <a:schemeClr val="tx1"/>
               </a:buClr>
             </a:pPr>
             <a:r>
-              <a:rPr lang="en-US" sz="3400" dirty="0"/>
-              <a:t>Нарича се "</a:t>
-            </a:r>
-            <a:r>
-              <a:rPr lang="en-US" sz="3400" b="1" dirty="0">
+              <a:rPr lang="en-US" sz="3200" dirty="0"/>
+              <a:t>Нарича се</a:t>
+            </a:r>
+            <a:r>
+              <a:rPr lang="bg-BG" sz="3200" dirty="0"/>
+              <a:t> </a:t>
+            </a:r>
+            <a:r>
+              <a:rPr lang="bg-BG" sz="3200" b="1" dirty="0">
                 <a:solidFill>
                   <a:schemeClr val="bg1"/>
                 </a:solidFill>
               </a:rPr>
-              <a:t>chaining</a:t>
-            </a:r>
-            <a:r>
-              <a:rPr lang="en-US" sz="3400" dirty="0"/>
-              <a:t>" exceptions</a:t>
-            </a:r>
-            <a:endParaRPr lang="bg-BG" sz="3400" dirty="0">
+              <a:t>верига от изключения</a:t>
+            </a:r>
+            <a:endParaRPr lang="bg-BG" sz="3200" dirty="0">
+              <a:solidFill>
+                <a:schemeClr val="bg1"/>
+              </a:solidFill>
               <a:cs typeface="Calibri"/>
             </a:endParaRPr>
           </a:p>
@@ -15855,7 +16197,7 @@
         </p:nvSpPr>
         <p:spPr bwMode="auto">
           <a:xfrm>
-            <a:off x="695400" y="1810945"/>
+            <a:off x="695400" y="1674000"/>
             <a:ext cx="10512862" cy="605245"/>
           </a:xfrm>
           <a:prstGeom prst="rect">
@@ -15916,7 +16258,7 @@
         </p:nvSpPr>
         <p:spPr bwMode="auto">
           <a:xfrm>
-            <a:off x="695400" y="3522441"/>
+            <a:off x="695400" y="3339000"/>
             <a:ext cx="10512862" cy="2541489"/>
           </a:xfrm>
           <a:prstGeom prst="rect">
@@ -16203,7 +16545,7 @@
                                         <p:tgtEl>
                                           <p:spTgt spid="564227">
                                             <p:txEl>
-                                              <p:pRg st="8" end="8"/>
+                                              <p:pRg st="7" end="7"/>
                                             </p:txEl>
                                           </p:spTgt>
                                         </p:tgtEl>
@@ -16279,7 +16621,12 @@
             <p:ph type="body" sz="quarter" idx="10"/>
           </p:nvPr>
         </p:nvSpPr>
-        <p:spPr/>
+        <p:spPr>
+          <a:xfrm>
+            <a:off x="111000" y="1196125"/>
+            <a:ext cx="12001598" cy="5528766"/>
+          </a:xfrm>
+        </p:spPr>
         <p:txBody>
           <a:bodyPr vert="horz" lIns="108000" tIns="36000" rIns="108000" bIns="36000" rtlCol="0" anchor="t">
             <a:normAutofit/>
@@ -16295,11 +16642,23 @@
               </a:spcBef>
             </a:pPr>
             <a:r>
-              <a:rPr lang="en-US" sz="3550" dirty="0"/>
-              <a:t>Exceptions се хвърля(raised) чрез ключовата дума</a:t>
-            </a:r>
-            <a:r>
-              <a:rPr lang="en-US" sz="3550" dirty="0">
+              <a:rPr lang="bg-BG" sz="3400" dirty="0"/>
+              <a:t>Изключение</a:t>
+            </a:r>
+            <a:r>
+              <a:rPr lang="en-US" sz="3400" dirty="0"/>
+              <a:t> се хвърля</a:t>
+            </a:r>
+            <a:r>
+              <a:rPr lang="bg-BG" sz="3400" dirty="0"/>
+              <a:t> </a:t>
+            </a:r>
+            <a:r>
+              <a:rPr lang="en-US" sz="3400" dirty="0"/>
+              <a:t>чрез ключовата дума</a:t>
+            </a:r>
+            <a:r>
+              <a:rPr lang="en-US" sz="3400" dirty="0">
                 <a:solidFill>
                   <a:srgbClr val="234465"/>
                 </a:solidFill>
@@ -16309,7 +16668,7 @@
               <a:t> </a:t>
             </a:r>
             <a:r>
-              <a:rPr lang="en-US" sz="3550" b="1" dirty="0">
+              <a:rPr lang="en-US" sz="3400" b="1" dirty="0">
                 <a:solidFill>
                   <a:schemeClr val="bg1"/>
                 </a:solidFill>
@@ -16319,7 +16678,7 @@
               <a:t>throw</a:t>
             </a:r>
             <a:r>
-              <a:rPr lang="en-US" sz="3550" dirty="0">
+              <a:rPr lang="en-US" sz="3400" dirty="0">
                 <a:solidFill>
                   <a:schemeClr val="tx2">
                     <a:lumMod val="75000"/>
@@ -16328,7 +16687,7 @@
               </a:rPr>
               <a:t> </a:t>
             </a:r>
-            <a:endParaRPr lang="en-US" sz="3550" dirty="0">
+            <a:endParaRPr lang="en-US" sz="3400" dirty="0">
               <a:solidFill>
                 <a:schemeClr val="tx2">
                   <a:lumMod val="75000"/>
@@ -16347,10 +16706,10 @@
               </a:spcBef>
             </a:pPr>
             <a:r>
-              <a:rPr lang="bg-BG" sz="3599" dirty="0"/>
-              <a:t>Известява че в кода има проблем</a:t>
-            </a:r>
-            <a:endParaRPr lang="en-US" sz="3599" dirty="0">
+              <a:rPr lang="bg-BG" sz="3400" dirty="0"/>
+              <a:t>Известява, че в кода има проблем</a:t>
+            </a:r>
+            <a:endParaRPr lang="en-US" sz="3400" dirty="0">
               <a:cs typeface="Calibri"/>
             </a:endParaRPr>
           </a:p>
@@ -16364,10 +16723,26 @@
               </a:spcBef>
             </a:pPr>
             <a:r>
-              <a:rPr lang="en-US" sz="3550" dirty="0"/>
-              <a:t>Когато се хвърли exception:</a:t>
-            </a:r>
-            <a:endParaRPr lang="en-US" sz="3550" dirty="0">
+              <a:rPr lang="en-US" sz="3400" dirty="0"/>
+              <a:t>Когато се </a:t>
+            </a:r>
+            <a:r>
+              <a:rPr lang="bg-BG" sz="3400" dirty="0"/>
+              <a:t>хвърли</a:t>
+            </a:r>
+            <a:r>
+              <a:rPr lang="en-US" sz="3400" dirty="0"/>
+              <a:t> </a:t>
+            </a:r>
+            <a:r>
+              <a:rPr lang="bg-BG" sz="3400" dirty="0"/>
+              <a:t>изключение</a:t>
+            </a:r>
+            <a:r>
+              <a:rPr lang="en-US" sz="3400" dirty="0"/>
+              <a:t>:</a:t>
+            </a:r>
+            <a:endParaRPr lang="en-US" sz="3400" dirty="0">
               <a:cs typeface="Calibri"/>
             </a:endParaRPr>
           </a:p>
@@ -16381,10 +16756,21 @@
               </a:spcBef>
             </a:pPr>
             <a:r>
-              <a:rPr lang="en-US" sz="3350" dirty="0"/>
-              <a:t>Програмата спира</a:t>
-            </a:r>
-            <a:endParaRPr lang="en-US" sz="3399" dirty="0">
+              <a:rPr lang="en-US" sz="3200" dirty="0"/>
+              <a:t>Програмата </a:t>
+            </a:r>
+            <a:r>
+              <a:rPr lang="en-US" sz="3200" b="1" dirty="0">
+                <a:solidFill>
+                  <a:schemeClr val="bg1"/>
+                </a:solidFill>
+              </a:rPr>
+              <a:t>спира</a:t>
+            </a:r>
+            <a:endParaRPr lang="en-US" sz="3200" b="1" dirty="0">
+              <a:solidFill>
+                <a:schemeClr val="bg1"/>
+              </a:solidFill>
               <a:cs typeface="Calibri"/>
             </a:endParaRPr>
           </a:p>
@@ -16398,30 +16784,62 @@
               </a:spcBef>
             </a:pPr>
             <a:r>
-              <a:rPr lang="en-US" sz="3350" dirty="0"/>
-              <a:t>Exception-a преминава през стака</a:t>
-            </a:r>
-            <a:endParaRPr lang="en-US" sz="3350" dirty="0">
-              <a:cs typeface="Calibri"/>
-            </a:endParaRPr>
-          </a:p>
-          <a:p>
-            <a:pPr marL="1255395" lvl="2" indent="-360045">
-              <a:lnSpc>
-                <a:spcPct val="100000"/>
-              </a:lnSpc>
-              <a:spcBef>
-                <a:spcPts val="1200"/>
-              </a:spcBef>
-            </a:pPr>
-            <a:r>
-              <a:rPr lang="en-US" sz="3150" dirty="0">
+              <a:rPr lang="bg-BG" sz="3200" dirty="0"/>
+              <a:t>Изключението</a:t>
+            </a:r>
+            <a:r>
+              <a:rPr lang="en-US" sz="3200" dirty="0"/>
+              <a:t> преминава през </a:t>
+            </a:r>
+            <a:r>
+              <a:rPr lang="bg-BG" sz="3200" b="1" dirty="0">
+                <a:solidFill>
+                  <a:schemeClr val="bg1"/>
+                </a:solidFill>
+              </a:rPr>
+              <a:t>стека</a:t>
+            </a:r>
+            <a:r>
+              <a:rPr lang="bg-BG" sz="3200" b="1" dirty="0">
+                <a:solidFill>
+                  <a:schemeClr val="bg1"/>
+                </a:solidFill>
                 <a:cs typeface="Calibri"/>
               </a:rPr>
-              <a:t>Докато достигне до негови блок </a:t>
-            </a:r>
-            <a:r>
-              <a:rPr lang="en-US" sz="3150" b="1" dirty="0">
+              <a:t> </a:t>
+            </a:r>
+            <a:r>
+              <a:rPr lang="bg-BG" sz="3200" dirty="0" err="1">
+                <a:cs typeface="Calibri"/>
+              </a:rPr>
+              <a:t>д</a:t>
+            </a:r>
+            <a:r>
+              <a:rPr lang="en-US" sz="3200" dirty="0" err="1">
+                <a:cs typeface="Calibri"/>
+              </a:rPr>
+              <a:t>окато</a:t>
+            </a:r>
+            <a:r>
+              <a:rPr lang="en-US" sz="3200" dirty="0">
+                <a:cs typeface="Calibri"/>
+              </a:rPr>
+              <a:t> достигне до блок</a:t>
+            </a:r>
+            <a:r>
+              <a:rPr lang="bg-BG" sz="3200" dirty="0">
+                <a:cs typeface="Calibri"/>
+              </a:rPr>
+              <a:t>а</a:t>
+            </a:r>
+            <a:r>
+              <a:rPr lang="en-US" sz="3200" dirty="0">
+                <a:cs typeface="Calibri"/>
+              </a:rPr>
+              <a:t> </a:t>
+            </a:r>
+            <a:r>
+              <a:rPr lang="en-US" sz="3200" b="1" dirty="0">
                 <a:solidFill>
                   <a:schemeClr val="bg1"/>
                 </a:solidFill>
@@ -16431,7 +16849,7 @@
               <a:t>catch</a:t>
             </a:r>
             <a:r>
-              <a:rPr lang="en-US" sz="3150" dirty="0">
+              <a:rPr lang="en-US" sz="3200" dirty="0">
                 <a:solidFill>
                   <a:schemeClr val="tx2">
                     <a:lumMod val="75000"/>
@@ -16442,7 +16860,7 @@
               </a:rPr>
               <a:t> </a:t>
             </a:r>
-            <a:endParaRPr lang="en-US" sz="3150" dirty="0">
+            <a:endParaRPr lang="en-US" sz="3200" dirty="0">
               <a:solidFill>
                 <a:schemeClr val="tx2">
                   <a:lumMod val="75000"/>
@@ -16460,10 +16878,26 @@
               </a:spcBef>
             </a:pPr>
             <a:r>
-              <a:rPr lang="en-US" sz="3350" dirty="0"/>
-              <a:t>Не хванат exceptions изписва съобщение за грешка</a:t>
-            </a:r>
-            <a:endParaRPr lang="en-US" sz="3350" dirty="0">
+              <a:rPr lang="bg-BG" sz="3400" dirty="0"/>
+              <a:t>При </a:t>
+            </a:r>
+            <a:r>
+              <a:rPr lang="bg-BG" sz="3400" b="1" dirty="0">
+                <a:solidFill>
+                  <a:schemeClr val="bg1"/>
+                </a:solidFill>
+              </a:rPr>
+              <a:t>нехванато изключение</a:t>
+            </a:r>
+            <a:r>
+              <a:rPr lang="bg-BG" sz="3400" dirty="0"/>
+              <a:t>, се </a:t>
+            </a:r>
+            <a:r>
+              <a:rPr lang="en-US" sz="3400" dirty="0"/>
+              <a:t>изписва съобщение за грешка</a:t>
+            </a:r>
+            <a:endParaRPr lang="en-US" sz="3400" dirty="0">
               <a:cs typeface="Calibri"/>
             </a:endParaRPr>
           </a:p>
@@ -16486,7 +16920,11 @@
           <a:p>
             <a:r>
               <a:rPr lang="en-US" sz="3950" dirty="0"/>
-              <a:t>Хвърляне на exceptions</a:t>
+              <a:t>Хвърляне на </a:t>
+            </a:r>
+            <a:r>
+              <a:rPr lang="bg-BG" sz="3950" dirty="0"/>
+              <a:t>изключения</a:t>
             </a:r>
             <a:endParaRPr lang="bg-BG" dirty="0"/>
           </a:p>
@@ -16652,33 +17090,15 @@
                                   </p:childTnLst>
                                 </p:cTn>
                               </p:par>
-                            </p:childTnLst>
-                          </p:cTn>
-                        </p:par>
-                      </p:childTnLst>
-                    </p:cTn>
-                  </p:par>
-                  <p:par>
-                    <p:cTn id="11" fill="hold">
-                      <p:stCondLst>
-                        <p:cond delay="indefinite"/>
-                      </p:stCondLst>
-                      <p:childTnLst>
-                        <p:par>
-                          <p:cTn id="12" fill="hold">
-                            <p:stCondLst>
-                              <p:cond delay="0"/>
-                            </p:stCondLst>
-                            <p:childTnLst>
                               <p:par>
-                                <p:cTn id="13" presetID="1" presetClass="entr" presetSubtype="0" fill="hold" nodeType="clickEffect">
+                                <p:cTn id="11" presetID="1" presetClass="entr" presetSubtype="0" fill="hold" nodeType="withEffect">
                                   <p:stCondLst>
                                     <p:cond delay="0"/>
                                   </p:stCondLst>
                                   <p:childTnLst>
                                     <p:set>
                                       <p:cBhvr>
-                                        <p:cTn id="14" dur="1" fill="hold">
+                                        <p:cTn id="12" dur="1" fill="hold">
                                           <p:stCondLst>
                                             <p:cond delay="0"/>
                                           </p:stCondLst>
@@ -16708,26 +17128,26 @@
                     </p:cTn>
                   </p:par>
                   <p:par>
-                    <p:cTn id="15" fill="hold">
+                    <p:cTn id="13" fill="hold">
                       <p:stCondLst>
                         <p:cond delay="indefinite"/>
                       </p:stCondLst>
                       <p:childTnLst>
                         <p:par>
-                          <p:cTn id="16" fill="hold">
+                          <p:cTn id="14" fill="hold">
                             <p:stCondLst>
                               <p:cond delay="0"/>
                             </p:stCondLst>
                             <p:childTnLst>
                               <p:par>
-                                <p:cTn id="17" presetID="1" presetClass="entr" presetSubtype="0" fill="hold" nodeType="clickEffect">
+                                <p:cTn id="15" presetID="1" presetClass="entr" presetSubtype="0" fill="hold" nodeType="clickEffect">
                                   <p:stCondLst>
                                     <p:cond delay="0"/>
                                   </p:stCondLst>
                                   <p:childTnLst>
                                     <p:set>
                                       <p:cBhvr>
-                                        <p:cTn id="18" dur="1" fill="hold">
+                                        <p:cTn id="16" dur="1" fill="hold">
                                           <p:stCondLst>
                                             <p:cond delay="0"/>
                                           </p:stCondLst>
@@ -16750,8 +17170,26 @@
                                   </p:childTnLst>
                                 </p:cTn>
                               </p:par>
+                            </p:childTnLst>
+                          </p:cTn>
+                        </p:par>
+                      </p:childTnLst>
+                    </p:cTn>
+                  </p:par>
+                  <p:par>
+                    <p:cTn id="17" fill="hold">
+                      <p:stCondLst>
+                        <p:cond delay="indefinite"/>
+                      </p:stCondLst>
+                      <p:childTnLst>
+                        <p:par>
+                          <p:cTn id="18" fill="hold">
+                            <p:stCondLst>
+                              <p:cond delay="0"/>
+                            </p:stCondLst>
+                            <p:childTnLst>
                               <p:par>
-                                <p:cTn id="19" presetID="1" presetClass="entr" presetSubtype="0" fill="hold" nodeType="withEffect">
+                                <p:cTn id="19" presetID="1" presetClass="entr" presetSubtype="0" fill="hold" nodeType="clickEffect">
                                   <p:stCondLst>
                                     <p:cond delay="0"/>
                                   </p:stCondLst>
@@ -16767,55 +17205,6 @@
                                           <p:spTgt spid="562179">
                                             <p:txEl>
                                               <p:pRg st="5" end="5"/>
-                                            </p:txEl>
-                                          </p:spTgt>
-                                        </p:tgtEl>
-                                        <p:attrNameLst>
-                                          <p:attrName>style.visibility</p:attrName>
-                                        </p:attrNameLst>
-                                      </p:cBhvr>
-                                      <p:to>
-                                        <p:strVal val="visible"/>
-                                      </p:to>
-                                    </p:set>
-                                  </p:childTnLst>
-                                </p:cTn>
-                              </p:par>
-                            </p:childTnLst>
-                          </p:cTn>
-                        </p:par>
-                      </p:childTnLst>
-                    </p:cTn>
-                  </p:par>
-                  <p:par>
-                    <p:cTn id="21" fill="hold">
-                      <p:stCondLst>
-                        <p:cond delay="indefinite"/>
-                      </p:stCondLst>
-                      <p:childTnLst>
-                        <p:par>
-                          <p:cTn id="22" fill="hold">
-                            <p:stCondLst>
-                              <p:cond delay="0"/>
-                            </p:stCondLst>
-                            <p:childTnLst>
-                              <p:par>
-                                <p:cTn id="23" presetID="1" presetClass="entr" presetSubtype="0" fill="hold" nodeType="clickEffect">
-                                  <p:stCondLst>
-                                    <p:cond delay="0"/>
-                                  </p:stCondLst>
-                                  <p:childTnLst>
-                                    <p:set>
-                                      <p:cBhvr>
-                                        <p:cTn id="24" dur="1" fill="hold">
-                                          <p:stCondLst>
-                                            <p:cond delay="0"/>
-                                          </p:stCondLst>
-                                        </p:cTn>
-                                        <p:tgtEl>
-                                          <p:spTgt spid="562179">
-                                            <p:txEl>
-                                              <p:pRg st="6" end="6"/>
                                             </p:txEl>
                                           </p:spTgt>
                                         </p:tgtEl>
@@ -16906,11 +17295,18 @@
               </a:lnSpc>
             </a:pPr>
             <a:r>
+              <a:rPr lang="bg-BG" sz="3600" dirty="0">
+                <a:ea typeface="+mn-lt"/>
+                <a:cs typeface="+mn-lt"/>
+              </a:rPr>
+              <a:t>Изключенията</a:t>
+            </a:r>
+            <a:r>
               <a:rPr lang="en-US" sz="3600" dirty="0">
                 <a:ea typeface="+mn-lt"/>
                 <a:cs typeface="+mn-lt"/>
               </a:rPr>
-              <a:t>Exception-ите могат да се </a:t>
+              <a:t> могат да се </a:t>
             </a:r>
             <a:r>
               <a:rPr lang="en-US" sz="3600" b="1" dirty="0">
@@ -16942,18 +17338,15 @@
         </p:nvSpPr>
         <p:spPr/>
         <p:txBody>
-          <a:bodyPr/>
+          <a:bodyPr>
+            <a:normAutofit fontScale="90000"/>
+          </a:bodyPr>
           <a:lstStyle/>
           <a:p>
             <a:r>
               <a:rPr lang="bg-BG" dirty="0"/>
-              <a:t>Преизползване на хвърляне на</a:t>
-            </a:r>
-            <a:r>
-              <a:rPr lang="en-US" dirty="0"/>
-              <a:t> exception</a:t>
-            </a:r>
-            <a:endParaRPr lang="bg-BG" dirty="0"/>
+              <a:t>Преизползване на хвърляне на изключение</a:t>
+            </a:r>
           </a:p>
         </p:txBody>
       </p:sp>
@@ -17414,8 +17807,8 @@
               <a:buAutoNum type="arabicPeriod"/>
             </a:pPr>
             <a:r>
-              <a:rPr lang="en-US" dirty="0"/>
-              <a:t>Какво е еxceptions?</a:t>
+              <a:rPr lang="bg-BG" dirty="0"/>
+              <a:t>Изключения</a:t>
             </a:r>
             <a:endParaRPr lang="bg-BG" dirty="0">
               <a:cs typeface="Calibri"/>
@@ -17429,7 +17822,15 @@
             </a:pPr>
             <a:r>
               <a:rPr lang="en-US" dirty="0"/>
-              <a:t>Класа </a:t>
+              <a:t>Клас</a:t>
+            </a:r>
+            <a:r>
+              <a:rPr lang="bg-BG" dirty="0"/>
+              <a:t>ът</a:t>
+            </a:r>
+            <a:r>
+              <a:rPr lang="en-US" dirty="0"/>
+              <a:t> </a:t>
             </a:r>
             <a:r>
               <a:rPr lang="en-US" b="1" noProof="1">
@@ -17453,10 +17854,29 @@
               <a:lnSpc>
                 <a:spcPct val="100000"/>
               </a:lnSpc>
+              <a:buClr>
+                <a:schemeClr val="tx1"/>
+              </a:buClr>
             </a:pPr>
             <a:r>
+              <a:rPr lang="bg-BG" b="1" dirty="0">
+                <a:solidFill>
+                  <a:schemeClr val="bg1"/>
+                </a:solidFill>
+              </a:rPr>
+              <a:t>Видове</a:t>
+            </a:r>
+            <a:r>
               <a:rPr lang="en-US" dirty="0"/>
-              <a:t>Видове Exceptions и тяхната </a:t>
+              <a:t> </a:t>
+            </a:r>
+            <a:r>
+              <a:rPr lang="bg-BG" dirty="0"/>
+              <a:t>изключения</a:t>
+            </a:r>
+            <a:r>
+              <a:rPr lang="en-US" dirty="0"/>
+              <a:t> и тяхната </a:t>
             </a:r>
             <a:r>
               <a:rPr lang="en-US" dirty="0">
@@ -17479,7 +17899,11 @@
             </a:pPr>
             <a:r>
               <a:rPr lang="en-US" dirty="0"/>
-              <a:t>Хващане на exceptions</a:t>
+              <a:t>Хващане на </a:t>
+            </a:r>
+            <a:r>
+              <a:rPr lang="bg-BG" dirty="0"/>
+              <a:t>изключения</a:t>
             </a:r>
             <a:endParaRPr lang="en-US" dirty="0">
               <a:cs typeface="Calibri"/>
@@ -17519,20 +17943,20 @@
               <a:buAutoNum type="arabicPeriod"/>
             </a:pPr>
             <a:r>
+              <a:rPr lang="bg-BG" dirty="0"/>
+              <a:t>Хвърляне </a:t>
+            </a:r>
+            <a:r>
               <a:rPr lang="ru-RU" dirty="0"/>
-              <a:t>Покачване (</a:t>
+              <a:t>на</a:t>
             </a:r>
             <a:r>
               <a:rPr lang="en-US" dirty="0"/>
-              <a:t>хвърляне</a:t>
-            </a:r>
-            <a:r>
-              <a:rPr lang="ru-RU" dirty="0"/>
-              <a:t>) на</a:t>
-            </a:r>
-            <a:r>
-              <a:rPr lang="en-US" dirty="0"/>
-              <a:t> exception</a:t>
+              <a:t> </a:t>
+            </a:r>
+            <a:r>
+              <a:rPr lang="bg-BG" dirty="0"/>
+              <a:t>изключения</a:t>
             </a:r>
             <a:endParaRPr lang="en-US" dirty="0">
               <a:cs typeface="Calibri"/>
@@ -17572,8 +17996,8 @@
               <a:buAutoNum type="arabicPeriod"/>
             </a:pPr>
             <a:r>
-              <a:rPr lang="en-US" dirty="0"/>
-              <a:t>Exception: Добра практика</a:t>
+              <a:rPr lang="bg-BG" dirty="0"/>
+              <a:t>Утвърдени практики при изключенията</a:t>
             </a:r>
             <a:endParaRPr lang="en-US" dirty="0">
               <a:cs typeface="Calibri"/>
@@ -17797,7 +18221,7 @@
                                         <p:tgtEl>
                                           <p:spTgt spid="3">
                                             <p:txEl>
-                                              <p:pRg st="1" end="1"/>
+                                              <p:pRg st="2" end="2"/>
                                             </p:txEl>
                                           </p:spTgt>
                                         </p:tgtEl>
@@ -17846,7 +18270,38 @@
                                         <p:tgtEl>
                                           <p:spTgt spid="3">
                                             <p:txEl>
-                                              <p:pRg st="2" end="2"/>
+                                              <p:pRg st="3" end="3"/>
+                                            </p:txEl>
+                                          </p:spTgt>
+                                        </p:tgtEl>
+                                        <p:attrNameLst>
+                                          <p:attrName>style.visibility</p:attrName>
+                                        </p:attrNameLst>
+                                      </p:cBhvr>
+                                      <p:to>
+                                        <p:strVal val="visible"/>
+                                      </p:to>
+                                    </p:set>
+                                  </p:childTnLst>
+                                </p:cTn>
+                              </p:par>
+                              <p:par>
+                                <p:cTn id="11" presetID="1" presetClass="entr" presetSubtype="0" fill="hold" nodeType="withEffect">
+                                  <p:stCondLst>
+                                    <p:cond delay="0"/>
+                                  </p:stCondLst>
+                                  <p:childTnLst>
+                                    <p:set>
+                                      <p:cBhvr>
+                                        <p:cTn id="12" dur="1" fill="hold">
+                                          <p:stCondLst>
+                                            <p:cond delay="0"/>
+                                          </p:stCondLst>
+                                        </p:cTn>
+                                        <p:tgtEl>
+                                          <p:spTgt spid="3">
+                                            <p:txEl>
+                                              <p:pRg st="4" end="4"/>
                                             </p:txEl>
                                           </p:spTgt>
                                         </p:tgtEl>
@@ -17868,26 +18323,26 @@
                     </p:cTn>
                   </p:par>
                   <p:par>
-                    <p:cTn id="11" fill="hold">
+                    <p:cTn id="13" fill="hold">
                       <p:stCondLst>
                         <p:cond delay="indefinite"/>
                       </p:stCondLst>
                       <p:childTnLst>
                         <p:par>
-                          <p:cTn id="12" fill="hold">
+                          <p:cTn id="14" fill="hold">
                             <p:stCondLst>
                               <p:cond delay="0"/>
                             </p:stCondLst>
                             <p:childTnLst>
                               <p:par>
-                                <p:cTn id="13" presetID="1" presetClass="entr" presetSubtype="0" fill="hold" nodeType="clickEffect">
+                                <p:cTn id="15" presetID="1" presetClass="entr" presetSubtype="0" fill="hold" nodeType="clickEffect">
                                   <p:stCondLst>
                                     <p:cond delay="0"/>
                                   </p:stCondLst>
                                   <p:childTnLst>
                                     <p:set>
                                       <p:cBhvr>
-                                        <p:cTn id="14" dur="1" fill="hold">
+                                        <p:cTn id="16" dur="1" fill="hold">
                                           <p:stCondLst>
                                             <p:cond delay="0"/>
                                           </p:stCondLst>
@@ -17895,7 +18350,7 @@
                                         <p:tgtEl>
                                           <p:spTgt spid="3">
                                             <p:txEl>
-                                              <p:pRg st="3" end="3"/>
+                                              <p:pRg st="5" end="5"/>
                                             </p:txEl>
                                           </p:spTgt>
                                         </p:tgtEl>
@@ -17910,26 +18365,8 @@
                                   </p:childTnLst>
                                 </p:cTn>
                               </p:par>
-                            </p:childTnLst>
-                          </p:cTn>
-                        </p:par>
-                      </p:childTnLst>
-                    </p:cTn>
-                  </p:par>
-                  <p:par>
-                    <p:cTn id="15" fill="hold">
-                      <p:stCondLst>
-                        <p:cond delay="indefinite"/>
-                      </p:stCondLst>
-                      <p:childTnLst>
-                        <p:par>
-                          <p:cTn id="16" fill="hold">
-                            <p:stCondLst>
-                              <p:cond delay="0"/>
-                            </p:stCondLst>
-                            <p:childTnLst>
                               <p:par>
-                                <p:cTn id="17" presetID="1" presetClass="entr" presetSubtype="0" fill="hold" nodeType="clickEffect">
+                                <p:cTn id="17" presetID="1" presetClass="entr" presetSubtype="0" fill="hold" nodeType="withEffect">
                                   <p:stCondLst>
                                     <p:cond delay="0"/>
                                   </p:stCondLst>
@@ -17944,7 +18381,7 @@
                                         <p:tgtEl>
                                           <p:spTgt spid="3">
                                             <p:txEl>
-                                              <p:pRg st="4" end="4"/>
+                                              <p:pRg st="6" end="6"/>
                                             </p:txEl>
                                           </p:spTgt>
                                         </p:tgtEl>
@@ -17986,104 +18423,6 @@
                                     <p:set>
                                       <p:cBhvr>
                                         <p:cTn id="22" dur="1" fill="hold">
-                                          <p:stCondLst>
-                                            <p:cond delay="0"/>
-                                          </p:stCondLst>
-                                        </p:cTn>
-                                        <p:tgtEl>
-                                          <p:spTgt spid="3">
-                                            <p:txEl>
-                                              <p:pRg st="5" end="5"/>
-                                            </p:txEl>
-                                          </p:spTgt>
-                                        </p:tgtEl>
-                                        <p:attrNameLst>
-                                          <p:attrName>style.visibility</p:attrName>
-                                        </p:attrNameLst>
-                                      </p:cBhvr>
-                                      <p:to>
-                                        <p:strVal val="visible"/>
-                                      </p:to>
-                                    </p:set>
-                                  </p:childTnLst>
-                                </p:cTn>
-                              </p:par>
-                            </p:childTnLst>
-                          </p:cTn>
-                        </p:par>
-                      </p:childTnLst>
-                    </p:cTn>
-                  </p:par>
-                  <p:par>
-                    <p:cTn id="23" fill="hold">
-                      <p:stCondLst>
-                        <p:cond delay="indefinite"/>
-                      </p:stCondLst>
-                      <p:childTnLst>
-                        <p:par>
-                          <p:cTn id="24" fill="hold">
-                            <p:stCondLst>
-                              <p:cond delay="0"/>
-                            </p:stCondLst>
-                            <p:childTnLst>
-                              <p:par>
-                                <p:cTn id="25" presetID="1" presetClass="entr" presetSubtype="0" fill="hold" nodeType="clickEffect">
-                                  <p:stCondLst>
-                                    <p:cond delay="0"/>
-                                  </p:stCondLst>
-                                  <p:childTnLst>
-                                    <p:set>
-                                      <p:cBhvr>
-                                        <p:cTn id="26" dur="1" fill="hold">
-                                          <p:stCondLst>
-                                            <p:cond delay="0"/>
-                                          </p:stCondLst>
-                                        </p:cTn>
-                                        <p:tgtEl>
-                                          <p:spTgt spid="3">
-                                            <p:txEl>
-                                              <p:pRg st="6" end="6"/>
-                                            </p:txEl>
-                                          </p:spTgt>
-                                        </p:tgtEl>
-                                        <p:attrNameLst>
-                                          <p:attrName>style.visibility</p:attrName>
-                                        </p:attrNameLst>
-                                      </p:cBhvr>
-                                      <p:to>
-                                        <p:strVal val="visible"/>
-                                      </p:to>
-                                    </p:set>
-                                  </p:childTnLst>
-                                </p:cTn>
-                              </p:par>
-                            </p:childTnLst>
-                          </p:cTn>
-                        </p:par>
-                      </p:childTnLst>
-                    </p:cTn>
-                  </p:par>
-                  <p:par>
-                    <p:cTn id="27" fill="hold">
-                      <p:stCondLst>
-                        <p:cond delay="indefinite"/>
-                      </p:stCondLst>
-                      <p:childTnLst>
-                        <p:par>
-                          <p:cTn id="28" fill="hold">
-                            <p:stCondLst>
-                              <p:cond delay="0"/>
-                            </p:stCondLst>
-                            <p:childTnLst>
-                              <p:par>
-                                <p:cTn id="29" presetID="1" presetClass="entr" presetSubtype="0" fill="hold" nodeType="clickEffect">
-                                  <p:stCondLst>
-                                    <p:cond delay="0"/>
-                                  </p:stCondLst>
-                                  <p:childTnLst>
-                                    <p:set>
-                                      <p:cBhvr>
-                                        <p:cTn id="30" dur="1" fill="hold">
                                           <p:stCondLst>
                                             <p:cond delay="0"/>
                                           </p:stCondLst>
@@ -18171,7 +18510,15 @@
           <a:p>
             <a:r>
               <a:rPr lang="en-US" sz="3750" dirty="0"/>
-              <a:t>Хвърляне на exception-и – Примери</a:t>
+              <a:t>Хвърляне на </a:t>
+            </a:r>
+            <a:r>
+              <a:rPr lang="bg-BG" sz="3750" dirty="0"/>
+              <a:t>изключения</a:t>
+            </a:r>
+            <a:r>
+              <a:rPr lang="en-US" sz="3750" dirty="0"/>
+              <a:t> – Примери</a:t>
             </a:r>
             <a:endParaRPr lang="bg-BG" sz="3750" dirty="0"/>
           </a:p>
@@ -19047,8 +19394,8 @@
         </p:nvSpPr>
         <p:spPr>
           <a:xfrm>
-            <a:off x="3011" y="4704825"/>
-            <a:ext cx="12136012" cy="768084"/>
+            <a:off x="2577005" y="4689000"/>
+            <a:ext cx="7037989" cy="1784175"/>
           </a:xfrm>
         </p:spPr>
         <p:txBody>
@@ -19056,11 +19403,25 @@
           <a:lstStyle/>
           <a:p>
             <a:r>
-              <a:rPr lang="en-GB" sz="5350" dirty="0">
+              <a:rPr lang="bg-BG" sz="5350" dirty="0">
                 <a:cs typeface="Arial"/>
               </a:rPr>
-              <a:t>Най-добра практика за хващане на Exception </a:t>
-            </a:r>
+              <a:t>Утвърдени практики </a:t>
+            </a:r>
+            <a:br>
+              <a:rPr lang="bg-BG" sz="5350" dirty="0">
+                <a:cs typeface="Arial"/>
+              </a:rPr>
+            </a:br>
+            <a:r>
+              <a:rPr lang="bg-BG" sz="5350" dirty="0">
+                <a:cs typeface="Arial"/>
+              </a:rPr>
+              <a:t>при изключенията</a:t>
+            </a:r>
+            <a:endParaRPr lang="en-GB" sz="5350" dirty="0">
+              <a:cs typeface="Arial"/>
+            </a:endParaRPr>
           </a:p>
         </p:txBody>
       </p:sp>
@@ -19119,43 +19480,139 @@
           </a:bodyPr>
           <a:lstStyle/>
           <a:p>
+            <a:pPr indent="-360045">
+              <a:buClr>
+                <a:schemeClr val="tx1"/>
+              </a:buClr>
+            </a:pPr>
+            <a:r>
+              <a:rPr lang="bg-BG" sz="3400" dirty="0">
+                <a:ea typeface="+mn-lt"/>
+                <a:cs typeface="+mn-lt"/>
+              </a:rPr>
+              <a:t>Изключението</a:t>
+            </a:r>
+            <a:r>
+              <a:rPr lang="en-US" sz="3400" dirty="0">
+                <a:ea typeface="+mn-lt"/>
+                <a:cs typeface="+mn-lt"/>
+              </a:rPr>
+              <a:t> </a:t>
+            </a:r>
+            <a:r>
+              <a:rPr lang="en-US" sz="3400" dirty="0"/>
+              <a:t>трябва да бъде </a:t>
+            </a:r>
+            <a:r>
+              <a:rPr lang="en-US" sz="3400" b="1" dirty="0">
+                <a:solidFill>
+                  <a:schemeClr val="bg1"/>
+                </a:solidFill>
+              </a:rPr>
+              <a:t>най-долу в </a:t>
+            </a:r>
+            <a:r>
+              <a:rPr lang="en-US" sz="3400" b="1" dirty="0">
+                <a:solidFill>
+                  <a:schemeClr val="bg1"/>
+                </a:solidFill>
+                <a:ea typeface="+mn-lt"/>
+                <a:cs typeface="+mn-lt"/>
+              </a:rPr>
+              <a:t>йерархията</a:t>
+            </a:r>
+            <a:endParaRPr lang="en-US" sz="3400" b="1" dirty="0">
+              <a:solidFill>
+                <a:schemeClr val="bg1"/>
+              </a:solidFill>
+              <a:cs typeface="Calibri"/>
+            </a:endParaRPr>
+          </a:p>
+          <a:p>
+            <a:pPr lvl="1" indent="-360045">
+              <a:buClr>
+                <a:schemeClr val="tx1"/>
+              </a:buClr>
+            </a:pPr>
+            <a:r>
+              <a:rPr lang="en-US" sz="3200" dirty="0"/>
+              <a:t>В противен случай, ще възникне </a:t>
+            </a:r>
+            <a:r>
+              <a:rPr lang="en-US" sz="3200" b="1" dirty="0">
+                <a:solidFill>
+                  <a:schemeClr val="bg1"/>
+                </a:solidFill>
+              </a:rPr>
+              <a:t>грешка </a:t>
+            </a:r>
+            <a:r>
+              <a:rPr lang="bg-BG" sz="3200" b="1" dirty="0">
+                <a:solidFill>
+                  <a:schemeClr val="bg1"/>
+                </a:solidFill>
+              </a:rPr>
+              <a:t>при компилация</a:t>
+            </a:r>
+            <a:endParaRPr lang="en-US" sz="3200" b="1" dirty="0">
+              <a:solidFill>
+                <a:schemeClr val="bg1"/>
+              </a:solidFill>
+              <a:cs typeface="Calibri"/>
+            </a:endParaRPr>
+          </a:p>
+          <a:p>
             <a:pPr marL="360045" indent="-360045">
               <a:buClr>
                 <a:schemeClr val="tx1"/>
               </a:buClr>
             </a:pPr>
             <a:r>
-              <a:rPr lang="en-US" sz="3450" dirty="0">
-                <a:ea typeface="+mn-lt"/>
-                <a:cs typeface="+mn-lt"/>
-              </a:rPr>
-              <a:t>Блокът </a:t>
-            </a:r>
-            <a:r>
-              <a:rPr lang="en-US" sz="3450" b="1" dirty="0">
+              <a:rPr lang="en-US" sz="3400" dirty="0"/>
+              <a:t>Всеки </a:t>
+            </a:r>
+            <a:r>
+              <a:rPr lang="en-US" sz="3400" b="1" dirty="0">
                 <a:solidFill>
                   <a:schemeClr val="bg1"/>
                 </a:solidFill>
-                <a:ea typeface="+mn-lt"/>
-                <a:cs typeface="+mn-lt"/>
-              </a:rPr>
-              <a:t>Catch</a:t>
-            </a:r>
-            <a:r>
-              <a:rPr lang="en-US" sz="3450" dirty="0">
+                <a:latin typeface="Consolas"/>
+              </a:rPr>
+              <a:t>catch</a:t>
+            </a:r>
+            <a:r>
+              <a:rPr lang="en-US" sz="3400" dirty="0">
                 <a:solidFill>
                   <a:schemeClr val="tx2">
                     <a:lumMod val="75000"/>
                   </a:schemeClr>
                 </a:solidFill>
               </a:rPr>
-              <a:t> </a:t>
-            </a:r>
-            <a:r>
-              <a:rPr lang="en-US" sz="3450" dirty="0"/>
-              <a:t>трябва да: </a:t>
-            </a:r>
-            <a:endParaRPr lang="bg-BG" dirty="0"/>
+              <a:t> блок </a:t>
+            </a:r>
+            <a:r>
+              <a:rPr lang="en-US" sz="3400" dirty="0"/>
+              <a:t>трябва да хвърли </a:t>
+            </a:r>
+            <a:r>
+              <a:rPr lang="bg-BG" sz="3400" dirty="0"/>
+              <a:t>само</a:t>
+            </a:r>
+            <a:r>
+              <a:rPr lang="en-US" sz="3400" dirty="0"/>
+              <a:t> </a:t>
+            </a:r>
+            <a:r>
+              <a:rPr lang="bg-BG" sz="3400" dirty="0"/>
+              <a:t>изключения</a:t>
+            </a:r>
+            <a:r>
+              <a:rPr lang="en-US" sz="3400" dirty="0"/>
+              <a:t>, които се очакват </a:t>
+            </a:r>
+            <a:endParaRPr lang="en-US" sz="3400" dirty="0">
+              <a:cs typeface="Calibri"/>
+            </a:endParaRPr>
           </a:p>
           <a:p>
             <a:pPr lvl="1" indent="-360045">
@@ -19164,24 +19621,44 @@
               </a:buClr>
             </a:pPr>
             <a:r>
-              <a:rPr lang="en-US" sz="3150" dirty="0">
+              <a:rPr lang="en-US" sz="3200" dirty="0"/>
+              <a:t>Ако </a:t>
+            </a:r>
+            <a:r>
+              <a:rPr lang="bg-BG" sz="3200" dirty="0"/>
+              <a:t>методът </a:t>
+            </a:r>
+            <a:r>
+              <a:rPr lang="en-US" sz="3200" dirty="0"/>
+              <a:t>е </a:t>
+            </a:r>
+            <a:r>
+              <a:rPr lang="bg-BG" sz="3200" dirty="0"/>
+              <a:t>неспособен</a:t>
+            </a:r>
+            <a:r>
+              <a:rPr lang="en-US" sz="3200" dirty="0"/>
+              <a:t> </a:t>
+            </a:r>
+            <a:r>
+              <a:rPr lang="bg-BG" sz="3200" dirty="0"/>
+              <a:t>да хване </a:t>
+            </a:r>
+            <a:r>
+              <a:rPr lang="bg-BG" sz="3200" dirty="0">
                 <a:ea typeface="+mn-lt"/>
                 <a:cs typeface="+mn-lt"/>
               </a:rPr>
-              <a:t>Exception-a </a:t>
-            </a:r>
-            <a:r>
-              <a:rPr lang="en-US" sz="3150" dirty="0"/>
-              <a:t>трябва да бъде най-долу в </a:t>
-            </a:r>
-            <a:r>
-              <a:rPr lang="en-US" sz="3150" dirty="0">
+              <a:t>изключение</a:t>
+            </a:r>
+            <a:r>
+              <a:rPr lang="en-US" sz="3200" dirty="0">
                 <a:ea typeface="+mn-lt"/>
                 <a:cs typeface="+mn-lt"/>
               </a:rPr>
-              <a:t>йерархията</a:t>
-            </a:r>
-            <a:endParaRPr lang="en-US" sz="3150" dirty="0">
+              <a:t>, трябва да го оставите</a:t>
+            </a:r>
+            <a:endParaRPr lang="en-US" sz="3200" dirty="0">
               <a:cs typeface="Calibri"/>
             </a:endParaRPr>
           </a:p>
@@ -19192,90 +19669,25 @@
               </a:buClr>
             </a:pPr>
             <a:r>
-              <a:rPr lang="en-US" sz="3150" dirty="0"/>
-              <a:t>В противен случай, ще възникне грешка при компилацията</a:t>
-            </a:r>
-            <a:endParaRPr lang="en-US" sz="3150" dirty="0">
-              <a:cs typeface="Calibri"/>
-            </a:endParaRPr>
-          </a:p>
-          <a:p>
-            <a:pPr marL="360045" indent="-360045">
-              <a:buClr>
-                <a:schemeClr val="tx1"/>
-              </a:buClr>
-            </a:pPr>
-            <a:r>
-              <a:rPr lang="en-US" sz="3450" dirty="0"/>
-              <a:t>Всеки </a:t>
-            </a:r>
-            <a:r>
-              <a:rPr lang="en-US" sz="3450" b="1" dirty="0">
-                <a:solidFill>
-                  <a:schemeClr val="bg1"/>
-                </a:solidFill>
-                <a:latin typeface="Consolas"/>
-              </a:rPr>
-              <a:t>catch</a:t>
-            </a:r>
-            <a:r>
-              <a:rPr lang="en-US" sz="3450" dirty="0">
-                <a:solidFill>
-                  <a:schemeClr val="tx2">
-                    <a:lumMod val="75000"/>
-                  </a:schemeClr>
-                </a:solidFill>
-              </a:rPr>
-              <a:t> блок </a:t>
-            </a:r>
-            <a:r>
-              <a:rPr lang="en-US" sz="3450" dirty="0"/>
-              <a:t>трябва да хвърли само exceptions, които се очакват </a:t>
-            </a:r>
-            <a:endParaRPr lang="en-US" sz="3450" dirty="0">
-              <a:cs typeface="Calibri"/>
-            </a:endParaRPr>
-          </a:p>
-          <a:p>
-            <a:pPr lvl="1" indent="-360045">
-              <a:buClr>
-                <a:schemeClr val="tx1"/>
-              </a:buClr>
-            </a:pPr>
-            <a:r>
-              <a:rPr lang="en-US" sz="3150" dirty="0"/>
-              <a:t>Ако метода е некомпетентен за хващане на </a:t>
-            </a:r>
-            <a:r>
-              <a:rPr lang="en-US" sz="3150" dirty="0">
+              <a:rPr lang="en-US" sz="3200" dirty="0"/>
+              <a:t>Хващането на всички </a:t>
+            </a:r>
+            <a:r>
+              <a:rPr lang="bg-BG" sz="3200" dirty="0">
                 <a:ea typeface="+mn-lt"/>
                 <a:cs typeface="+mn-lt"/>
               </a:rPr>
-              <a:t>exception, трябва да го оставите</a:t>
-            </a:r>
-            <a:endParaRPr lang="en-US" sz="3150" dirty="0">
-              <a:cs typeface="Calibri"/>
-            </a:endParaRPr>
-          </a:p>
-          <a:p>
-            <a:pPr lvl="1" indent="-360045">
-              <a:buClr>
-                <a:schemeClr val="tx1"/>
-              </a:buClr>
-            </a:pPr>
-            <a:r>
-              <a:rPr lang="en-US" sz="3150" dirty="0"/>
-              <a:t>Хващането на всички </a:t>
-            </a:r>
-            <a:r>
-              <a:rPr lang="en-US" sz="3150" dirty="0">
+              <a:t>изключения</a:t>
+            </a:r>
+            <a:r>
+              <a:rPr lang="en-US" sz="3200" dirty="0">
                 <a:ea typeface="+mn-lt"/>
                 <a:cs typeface="+mn-lt"/>
               </a:rPr>
-              <a:t>exception-и без оглед на техния тип е </a:t>
-            </a:r>
-            <a:r>
-              <a:rPr lang="en-US" sz="3150" b="1" dirty="0">
+              <a:t> без оглед на техния тип е </a:t>
+            </a:r>
+            <a:r>
+              <a:rPr lang="en-US" sz="3200" b="1" dirty="0">
                 <a:solidFill>
                   <a:schemeClr val="bg1"/>
                 </a:solidFill>
@@ -19285,10 +19697,10 @@
               <a:t>лоша практика</a:t>
             </a:r>
             <a:r>
-              <a:rPr lang="en-US" sz="3150" dirty="0"/>
+              <a:rPr lang="en-US" sz="3200" dirty="0"/>
               <a:t>!</a:t>
             </a:r>
-            <a:endParaRPr lang="en-US" sz="3150" dirty="0">
+            <a:endParaRPr lang="en-US" sz="3200" dirty="0">
               <a:cs typeface="Calibri"/>
             </a:endParaRPr>
           </a:p>
@@ -19306,14 +19718,19 @@
         </p:nvSpPr>
         <p:spPr/>
         <p:txBody>
-          <a:bodyPr/>
+          <a:bodyPr>
+            <a:normAutofit/>
+          </a:bodyPr>
           <a:lstStyle/>
           <a:p>
             <a:r>
-              <a:rPr lang="en-GB" sz="3950" dirty="0"/>
-              <a:t>Използване на блока Catch</a:t>
-            </a:r>
-            <a:endParaRPr lang="bg-BG" sz="3950" dirty="0"/>
+              <a:rPr lang="bg-BG" sz="4000" dirty="0"/>
+              <a:t>Утвърдени практики (1)</a:t>
+            </a:r>
+            <a:endParaRPr lang="bg-BG" sz="4000" dirty="0">
+              <a:latin typeface="Consolas" panose="020B0609020204030204" pitchFamily="49" charset="0"/>
+              <a:cs typeface="Consolas" panose="020B0609020204030204" pitchFamily="49" charset="0"/>
+            </a:endParaRPr>
           </a:p>
         </p:txBody>
       </p:sp>
@@ -19428,33 +19845,15 @@
                                   </p:childTnLst>
                                 </p:cTn>
                               </p:par>
-                            </p:childTnLst>
-                          </p:cTn>
-                        </p:par>
-                      </p:childTnLst>
-                    </p:cTn>
-                  </p:par>
-                  <p:par>
-                    <p:cTn id="7" fill="hold">
-                      <p:stCondLst>
-                        <p:cond delay="indefinite"/>
-                      </p:stCondLst>
-                      <p:childTnLst>
-                        <p:par>
-                          <p:cTn id="8" fill="hold">
-                            <p:stCondLst>
-                              <p:cond delay="0"/>
-                            </p:stCondLst>
-                            <p:childTnLst>
                               <p:par>
-                                <p:cTn id="9" presetID="1" presetClass="entr" presetSubtype="0" fill="hold" nodeType="clickEffect">
+                                <p:cTn id="7" presetID="1" presetClass="entr" presetSubtype="0" fill="hold" nodeType="withEffect">
                                   <p:stCondLst>
                                     <p:cond delay="0"/>
                                   </p:stCondLst>
                                   <p:childTnLst>
                                     <p:set>
                                       <p:cBhvr>
-                                        <p:cTn id="10" dur="1" fill="hold">
+                                        <p:cTn id="8" dur="1" fill="hold">
                                           <p:stCondLst>
                                             <p:cond delay="0"/>
                                           </p:stCondLst>
@@ -19484,26 +19883,26 @@
                     </p:cTn>
                   </p:par>
                   <p:par>
-                    <p:cTn id="11" fill="hold">
+                    <p:cTn id="9" fill="hold">
                       <p:stCondLst>
                         <p:cond delay="indefinite"/>
                       </p:stCondLst>
                       <p:childTnLst>
                         <p:par>
-                          <p:cTn id="12" fill="hold">
+                          <p:cTn id="10" fill="hold">
                             <p:stCondLst>
                               <p:cond delay="0"/>
                             </p:stCondLst>
                             <p:childTnLst>
                               <p:par>
-                                <p:cTn id="13" presetID="1" presetClass="entr" presetSubtype="0" fill="hold" nodeType="clickEffect">
+                                <p:cTn id="11" presetID="1" presetClass="entr" presetSubtype="0" fill="hold" nodeType="clickEffect">
                                   <p:stCondLst>
                                     <p:cond delay="0"/>
                                   </p:stCondLst>
                                   <p:childTnLst>
                                     <p:set>
                                       <p:cBhvr>
-                                        <p:cTn id="14" dur="1" fill="hold">
+                                        <p:cTn id="12" dur="1" fill="hold">
                                           <p:stCondLst>
                                             <p:cond delay="0"/>
                                           </p:stCondLst>
@@ -19512,55 +19911,6 @@
                                           <p:spTgt spid="590851">
                                             <p:txEl>
                                               <p:pRg st="4" end="4"/>
-                                            </p:txEl>
-                                          </p:spTgt>
-                                        </p:tgtEl>
-                                        <p:attrNameLst>
-                                          <p:attrName>style.visibility</p:attrName>
-                                        </p:attrNameLst>
-                                      </p:cBhvr>
-                                      <p:to>
-                                        <p:strVal val="visible"/>
-                                      </p:to>
-                                    </p:set>
-                                  </p:childTnLst>
-                                </p:cTn>
-                              </p:par>
-                            </p:childTnLst>
-                          </p:cTn>
-                        </p:par>
-                      </p:childTnLst>
-                    </p:cTn>
-                  </p:par>
-                  <p:par>
-                    <p:cTn id="15" fill="hold">
-                      <p:stCondLst>
-                        <p:cond delay="indefinite"/>
-                      </p:stCondLst>
-                      <p:childTnLst>
-                        <p:par>
-                          <p:cTn id="16" fill="hold">
-                            <p:stCondLst>
-                              <p:cond delay="0"/>
-                            </p:stCondLst>
-                            <p:childTnLst>
-                              <p:par>
-                                <p:cTn id="17" presetID="1" presetClass="entr" presetSubtype="0" fill="hold" nodeType="clickEffect">
-                                  <p:stCondLst>
-                                    <p:cond delay="0"/>
-                                  </p:stCondLst>
-                                  <p:childTnLst>
-                                    <p:set>
-                                      <p:cBhvr>
-                                        <p:cTn id="18" dur="1" fill="hold">
-                                          <p:stCondLst>
-                                            <p:cond delay="0"/>
-                                          </p:stCondLst>
-                                        </p:cTn>
-                                        <p:tgtEl>
-                                          <p:spTgt spid="590851">
-                                            <p:txEl>
-                                              <p:pRg st="5" end="5"/>
                                             </p:txEl>
                                           </p:spTgt>
                                         </p:tgtEl>
@@ -19656,7 +20006,27 @@
                 <a:latin typeface="Calibri"/>
                 <a:cs typeface="Calibri"/>
               </a:rPr>
-              <a:t>Когато имаме невалидни параметри, използваме методите:</a:t>
+              <a:t>Когато имаме </a:t>
+            </a:r>
+            <a:r>
+              <a:rPr lang="en-US" sz="3150" b="1" dirty="0">
+                <a:solidFill>
+                  <a:srgbClr val="234465"/>
+                </a:solidFill>
+                <a:latin typeface="Calibri"/>
+                <a:cs typeface="Calibri"/>
+              </a:rPr>
+              <a:t>невалидни параметри</a:t>
+            </a:r>
+            <a:r>
+              <a:rPr lang="en-US" sz="3150" dirty="0">
+                <a:solidFill>
+                  <a:srgbClr val="234465"/>
+                </a:solidFill>
+                <a:latin typeface="Calibri"/>
+                <a:cs typeface="Calibri"/>
+              </a:rPr>
+              <a:t>, използваме методите:</a:t>
             </a:r>
           </a:p>
           <a:p>
@@ -19669,7 +20039,7 @@
               </a:buClr>
             </a:pPr>
             <a:r>
-              <a:rPr lang="en-US" sz="2950" b="1" noProof="1">
+              <a:rPr lang="en-US" sz="3000" b="1" noProof="1">
                 <a:solidFill>
                   <a:schemeClr val="bg1"/>
                 </a:solidFill>
@@ -19679,11 +20049,11 @@
               <a:t>ArgumentException</a:t>
             </a:r>
             <a:r>
-              <a:rPr lang="en-US" sz="2950" dirty="0"/>
+              <a:rPr lang="en-US" sz="3000" dirty="0"/>
               <a:t>, </a:t>
             </a:r>
             <a:r>
-              <a:rPr lang="en-US" sz="2950" b="1" noProof="1">
+              <a:rPr lang="en-US" sz="3000" b="1" noProof="1">
                 <a:solidFill>
                   <a:schemeClr val="bg1"/>
                 </a:solidFill>
@@ -19693,14 +20063,14 @@
               <a:t>ArgumentNullException</a:t>
             </a:r>
             <a:r>
-              <a:rPr lang="en-US" sz="2950" dirty="0"/>
+              <a:rPr lang="en-US" sz="3000" dirty="0"/>
               <a:t>, </a:t>
             </a:r>
             <a:br>
-              <a:rPr lang="en-US" sz="2950" dirty="0"/>
+              <a:rPr lang="en-US" sz="3000" dirty="0"/>
             </a:br>
             <a:r>
-              <a:rPr lang="en-US" sz="2950" b="1" noProof="1">
+              <a:rPr lang="en-US" sz="3000" b="1" noProof="1">
                 <a:solidFill>
                   <a:schemeClr val="bg1"/>
                 </a:solidFill>
@@ -19727,7 +20097,27 @@
                 <a:latin typeface="Calibri"/>
                 <a:cs typeface="Calibri"/>
               </a:rPr>
-              <a:t>Когато дадена операция не може да се осъществи, използваме:</a:t>
+              <a:t>Когато дадена операция </a:t>
+            </a:r>
+            <a:r>
+              <a:rPr lang="en-US" sz="3150" b="1" dirty="0">
+                <a:solidFill>
+                  <a:srgbClr val="234465"/>
+                </a:solidFill>
+                <a:latin typeface="Calibri"/>
+                <a:cs typeface="Calibri"/>
+              </a:rPr>
+              <a:t>не може да се осъществи</a:t>
+            </a:r>
+            <a:r>
+              <a:rPr lang="en-US" sz="3150" dirty="0">
+                <a:solidFill>
+                  <a:srgbClr val="234465"/>
+                </a:solidFill>
+                <a:latin typeface="Calibri"/>
+                <a:cs typeface="Calibri"/>
+              </a:rPr>
+              <a:t>, използваме:</a:t>
             </a:r>
           </a:p>
           <a:p>
@@ -19740,7 +20130,7 @@
               </a:buClr>
             </a:pPr>
             <a:r>
-              <a:rPr lang="en-US" sz="2950" b="1" noProof="1">
+              <a:rPr lang="en-US" sz="3000" b="1" noProof="1">
                 <a:solidFill>
                   <a:schemeClr val="bg1"/>
                 </a:solidFill>
@@ -19767,7 +20157,47 @@
                 <a:latin typeface="Calibri"/>
                 <a:cs typeface="Calibri"/>
               </a:rPr>
-              <a:t>Когато метод не имплементиран, използваме:</a:t>
+              <a:t>Когато метод </a:t>
+            </a:r>
+            <a:r>
+              <a:rPr lang="en-US" sz="3150" b="1" dirty="0">
+                <a:solidFill>
+                  <a:srgbClr val="234465"/>
+                </a:solidFill>
+                <a:latin typeface="Calibri"/>
+                <a:cs typeface="Calibri"/>
+              </a:rPr>
+              <a:t>не</a:t>
+            </a:r>
+            <a:r>
+              <a:rPr lang="bg-BG" sz="3150" b="1" dirty="0">
+                <a:solidFill>
+                  <a:srgbClr val="234465"/>
+                </a:solidFill>
+                <a:latin typeface="Calibri"/>
+                <a:cs typeface="Calibri"/>
+              </a:rPr>
+              <a:t> е</a:t>
+            </a:r>
+            <a:r>
+              <a:rPr lang="en-US" sz="3150" b="1" dirty="0">
+                <a:solidFill>
+                  <a:srgbClr val="234465"/>
+                </a:solidFill>
+                <a:latin typeface="Calibri"/>
+                <a:cs typeface="Calibri"/>
+              </a:rPr>
+              <a:t> имплементиран</a:t>
+            </a:r>
+            <a:r>
+              <a:rPr lang="en-US" sz="3150" dirty="0">
+                <a:solidFill>
+                  <a:srgbClr val="234465"/>
+                </a:solidFill>
+                <a:latin typeface="Calibri"/>
+                <a:cs typeface="Calibri"/>
+              </a:rPr>
+              <a:t>, използваме:</a:t>
             </a:r>
           </a:p>
           <a:p>
@@ -19780,7 +20210,7 @@
               </a:buClr>
             </a:pPr>
             <a:r>
-              <a:rPr lang="en-US" sz="2950" b="1" noProof="1">
+              <a:rPr lang="en-US" sz="3000" b="1" noProof="1">
                 <a:solidFill>
                   <a:schemeClr val="bg1"/>
                 </a:solidFill>
@@ -19801,7 +20231,19 @@
             </a:pPr>
             <a:r>
               <a:rPr lang="en-US" sz="3150" dirty="0"/>
-              <a:t>Ако няма подходящ exception:</a:t>
+              <a:t>Ако </a:t>
+            </a:r>
+            <a:r>
+              <a:rPr lang="en-US" sz="3150" b="1" dirty="0"/>
+              <a:t>няма </a:t>
+            </a:r>
+            <a:r>
+              <a:rPr lang="bg-BG" sz="3150" b="1" dirty="0"/>
+              <a:t>подходящо изключение</a:t>
+            </a:r>
+            <a:r>
+              <a:rPr lang="en-US" sz="3150" dirty="0"/>
+              <a:t>:</a:t>
             </a:r>
             <a:endParaRPr lang="en-US" sz="3150" dirty="0">
               <a:cs typeface="Calibri"/>
@@ -19817,23 +20259,51 @@
               </a:buClr>
             </a:pPr>
             <a:r>
-              <a:rPr lang="en-US" sz="2950" dirty="0"/>
-              <a:t>Създаваме собствен exception (наследя </a:t>
-            </a:r>
-            <a:r>
-              <a:rPr lang="en-US" sz="2950" b="1" dirty="0">
+              <a:rPr lang="en-US" sz="3000" dirty="0"/>
+              <a:t>Създаваме </a:t>
+            </a:r>
+            <a:r>
+              <a:rPr lang="bg-BG" sz="3000" b="1" dirty="0">
                 <a:solidFill>
                   <a:schemeClr val="bg1"/>
                 </a:solidFill>
+              </a:rPr>
+              <a:t>собствено изключение</a:t>
+            </a:r>
+            <a:r>
+              <a:rPr lang="en-US" sz="3000" b="1" dirty="0">
+                <a:solidFill>
+                  <a:schemeClr val="bg1"/>
+                </a:solidFill>
+              </a:rPr>
+              <a:t> </a:t>
+            </a:r>
+            <a:r>
+              <a:rPr lang="en-US" sz="3000" dirty="0"/>
+              <a:t>(</a:t>
+            </a:r>
+            <a:r>
+              <a:rPr lang="bg-BG" sz="3000" dirty="0"/>
+              <a:t>наследява</a:t>
+            </a:r>
+            <a:r>
+              <a:rPr lang="en-US" sz="3000" dirty="0"/>
+              <a:t> </a:t>
+            </a:r>
+            <a:r>
+              <a:rPr lang="en-US" sz="3000" b="1" dirty="0">
+                <a:solidFill>
+                  <a:schemeClr val="bg1"/>
+                </a:solidFill>
                 <a:latin typeface="Consolas"/>
               </a:rPr>
               <a:t>Exception</a:t>
             </a:r>
             <a:r>
-              <a:rPr lang="en-US" sz="2950" dirty="0"/>
+              <a:rPr lang="en-US" sz="3000" dirty="0"/>
               <a:t>)</a:t>
             </a:r>
-            <a:endParaRPr lang="en-US" sz="2950" noProof="1">
+            <a:endParaRPr lang="en-US" sz="3000" noProof="1">
               <a:solidFill>
                 <a:schemeClr val="accent5">
                   <a:lumMod val="20000"/>
@@ -19858,13 +20328,16 @@
         </p:nvSpPr>
         <p:spPr/>
         <p:txBody>
-          <a:bodyPr/>
+          <a:bodyPr>
+            <a:normAutofit/>
+          </a:bodyPr>
           <a:lstStyle/>
           <a:p>
             <a:r>
-              <a:rPr lang="en-US" sz="3950" dirty="0"/>
-              <a:t>Избиране на exception</a:t>
-            </a:r>
+              <a:rPr lang="bg-BG" sz="4000" dirty="0"/>
+              <a:t>Утвърдени практики (2)</a:t>
+            </a:r>
+            <a:endParaRPr lang="en-US" sz="4000" dirty="0"/>
           </a:p>
         </p:txBody>
       </p:sp>
@@ -20139,33 +20612,15 @@
                                   </p:childTnLst>
                                 </p:cTn>
                               </p:par>
-                            </p:childTnLst>
-                          </p:cTn>
-                        </p:par>
-                      </p:childTnLst>
-                    </p:cTn>
-                  </p:par>
-                  <p:par>
-                    <p:cTn id="19" fill="hold">
-                      <p:stCondLst>
-                        <p:cond delay="indefinite"/>
-                      </p:stCondLst>
-                      <p:childTnLst>
-                        <p:par>
-                          <p:cTn id="20" fill="hold">
-                            <p:stCondLst>
-                              <p:cond delay="0"/>
-                            </p:stCondLst>
-                            <p:childTnLst>
                               <p:par>
-                                <p:cTn id="21" presetID="1" presetClass="entr" presetSubtype="0" fill="hold" nodeType="clickEffect">
+                                <p:cTn id="19" presetID="1" presetClass="entr" presetSubtype="0" fill="hold" nodeType="withEffect">
                                   <p:stCondLst>
                                     <p:cond delay="0"/>
                                   </p:stCondLst>
                                   <p:childTnLst>
                                     <p:set>
                                       <p:cBhvr>
-                                        <p:cTn id="22" dur="1" fill="hold">
+                                        <p:cTn id="20" dur="1" fill="hold">
                                           <p:stCondLst>
                                             <p:cond delay="0"/>
                                           </p:stCondLst>
@@ -20249,35 +20704,9 @@
         <p:spPr/>
         <p:txBody>
           <a:bodyPr vert="horz" lIns="108000" tIns="36000" rIns="108000" bIns="36000" rtlCol="0" anchor="t">
-            <a:normAutofit fontScale="92500" lnSpcReduction="10000"/>
+            <a:normAutofit/>
           </a:bodyPr>
           <a:lstStyle/>
-          <a:p>
-            <a:pPr marL="360045" indent="-360045"/>
-            <a:r>
-              <a:rPr lang="en-US" sz="3450" dirty="0">
-                <a:cs typeface="Calibri"/>
-              </a:rPr>
-              <a:t>Когато един </a:t>
-            </a:r>
-            <a:r>
-              <a:rPr lang="en-US" sz="3450" dirty="0">
-                <a:ea typeface="+mn-lt"/>
-                <a:cs typeface="+mn-lt"/>
-              </a:rPr>
-              <a:t>exception се покачва, винаги трябва да минава </a:t>
-            </a:r>
-            <a:r>
-              <a:rPr lang="en-US" sz="3450" b="1" dirty="0">
-                <a:solidFill>
-                  <a:schemeClr val="bg1"/>
-                </a:solidFill>
-                <a:ea typeface="+mn-lt"/>
-                <a:cs typeface="+mn-lt"/>
-              </a:rPr>
-              <a:t>добро съобщение през конструкторите</a:t>
-            </a:r>
-          </a:p>
           <a:p>
             <a:pPr marL="360045" indent="-360045">
               <a:lnSpc>
@@ -20288,14 +20717,37 @@
               <a:rPr lang="en-US" sz="3450" dirty="0">
                 <a:cs typeface="Calibri"/>
               </a:rPr>
-              <a:t>Когато трябва да хвърляме </a:t>
+              <a:t>Когато хвърляме </a:t>
+            </a:r>
+            <a:r>
+              <a:rPr lang="bg-BG" sz="3450" dirty="0">
+                <a:cs typeface="Calibri"/>
+              </a:rPr>
+              <a:t>изключение</a:t>
             </a:r>
             <a:r>
               <a:rPr lang="en-US" sz="3450" dirty="0">
                 <a:ea typeface="+mn-lt"/>
                 <a:cs typeface="+mn-lt"/>
               </a:rPr>
-              <a:t>exception, трябва да имаме добро описание за грешките</a:t>
+              <a:t>, трябва да имаме </a:t>
+            </a:r>
+            <a:r>
+              <a:rPr lang="en-US" sz="3450" b="1" dirty="0">
+                <a:solidFill>
+                  <a:schemeClr val="bg1"/>
+                </a:solidFill>
+                <a:ea typeface="+mn-lt"/>
+                <a:cs typeface="+mn-lt"/>
+              </a:rPr>
+              <a:t>добро описание </a:t>
+            </a:r>
+            <a:r>
+              <a:rPr lang="en-US" sz="3450" dirty="0">
+                <a:ea typeface="+mn-lt"/>
+                <a:cs typeface="+mn-lt"/>
+              </a:rPr>
+              <a:t>за грешките</a:t>
             </a:r>
           </a:p>
           <a:p>
@@ -20308,7 +20760,46 @@
               <a:rPr lang="en-US" sz="3150" dirty="0">
                 <a:cs typeface="Calibri"/>
               </a:rPr>
-              <a:t>Съобщението трябва да обяснява какъв е проблема и как може да се реши</a:t>
+              <a:t>Съобщението трябва да обяснява </a:t>
+            </a:r>
+            <a:r>
+              <a:rPr lang="en-US" sz="3150" b="1" dirty="0">
+                <a:solidFill>
+                  <a:schemeClr val="bg1"/>
+                </a:solidFill>
+                <a:cs typeface="Calibri"/>
+              </a:rPr>
+              <a:t>какъв е </a:t>
+            </a:r>
+            <a:r>
+              <a:rPr lang="bg-BG" sz="3150" b="1" dirty="0">
+                <a:solidFill>
+                  <a:schemeClr val="bg1"/>
+                </a:solidFill>
+                <a:cs typeface="Calibri"/>
+              </a:rPr>
+              <a:t>проблемът </a:t>
+            </a:r>
+            <a:r>
+              <a:rPr lang="en-US" sz="3150" dirty="0">
+                <a:cs typeface="Calibri"/>
+              </a:rPr>
+              <a:t>и </a:t>
+            </a:r>
+            <a:r>
+              <a:rPr lang="en-US" sz="3150" b="1" dirty="0">
+                <a:solidFill>
+                  <a:schemeClr val="bg1"/>
+                </a:solidFill>
+                <a:cs typeface="Calibri"/>
+              </a:rPr>
+              <a:t>как може да се реши</a:t>
+            </a:r>
+            <a:r>
+              <a:rPr lang="bg-BG" sz="3150" dirty="0">
+                <a:cs typeface="Calibri"/>
+              </a:rPr>
+              <a:t>:</a:t>
             </a:r>
             <a:endParaRPr lang="en-US" sz="3150" dirty="0"/>
           </a:p>
@@ -20319,8 +20810,12 @@
               </a:lnSpc>
             </a:pPr>
             <a:r>
+              <a:rPr lang="bg-BG" sz="2950" dirty="0"/>
+              <a:t>Правилно</a:t>
+            </a:r>
+            <a:r>
               <a:rPr lang="en-US" sz="2950" dirty="0"/>
-              <a:t>Добър: "</a:t>
+              <a:t>: "</a:t>
             </a:r>
             <a:r>
               <a:rPr lang="en-US" sz="2950" i="1" dirty="0"/>
@@ -20341,11 +20836,11 @@
               </a:lnSpc>
             </a:pPr>
             <a:r>
-              <a:rPr lang="en-US" sz="2950" dirty="0">
+              <a:rPr lang="bg-BG" sz="2950" dirty="0">
                 <a:ea typeface="+mn-lt"/>
                 <a:cs typeface="+mn-lt"/>
               </a:rPr>
-              <a:t>Добър</a:t>
+              <a:t>Правилно</a:t>
             </a:r>
             <a:r>
               <a:rPr lang="en-US" sz="2950" dirty="0"/>
@@ -20370,8 +20865,12 @@
               </a:lnSpc>
             </a:pPr>
             <a:r>
+              <a:rPr lang="bg-BG" sz="2950" dirty="0"/>
+              <a:t>Грешно</a:t>
+            </a:r>
+            <a:r>
               <a:rPr lang="en-US" sz="2950" dirty="0"/>
-              <a:t>Лош: "</a:t>
+              <a:t>: "</a:t>
             </a:r>
             <a:r>
               <a:rPr lang="en-US" sz="2950" i="1" dirty="0"/>
@@ -20392,8 +20891,12 @@
               </a:lnSpc>
             </a:pPr>
             <a:r>
+              <a:rPr lang="bg-BG" sz="2950" dirty="0"/>
+              <a:t>Грешно</a:t>
+            </a:r>
+            <a:r>
               <a:rPr lang="en-US" sz="2950" dirty="0"/>
-              <a:t>Лош: "</a:t>
+              <a:t>: "</a:t>
             </a:r>
             <a:r>
               <a:rPr lang="en-US" sz="2950" i="1" dirty="0"/>
@@ -20403,36 +20906,6 @@
               <a:rPr lang="en-US" sz="2950" dirty="0"/>
               <a:t>"</a:t>
             </a:r>
-            <a:endParaRPr lang="en-US" sz="2950" dirty="0">
-              <a:cs typeface="Calibri"/>
-            </a:endParaRPr>
-          </a:p>
-          <a:p>
-            <a:pPr lvl="1" indent="-360045">
-              <a:lnSpc>
-                <a:spcPct val="100000"/>
-              </a:lnSpc>
-            </a:pPr>
-            <a:endParaRPr lang="en-US" dirty="0">
-              <a:cs typeface="Calibri"/>
-            </a:endParaRPr>
-          </a:p>
-          <a:p>
-            <a:pPr lvl="1" indent="-360045">
-              <a:lnSpc>
-                <a:spcPct val="100000"/>
-              </a:lnSpc>
-            </a:pPr>
-            <a:endParaRPr lang="en-US" dirty="0">
-              <a:cs typeface="Calibri"/>
-            </a:endParaRPr>
-          </a:p>
-          <a:p>
-            <a:pPr lvl="1" indent="-360045">
-              <a:lnSpc>
-                <a:spcPct val="100000"/>
-              </a:lnSpc>
-            </a:pPr>
             <a:endParaRPr lang="bg-BG" dirty="0">
               <a:cs typeface="Calibri"/>
             </a:endParaRPr>
@@ -20457,13 +20930,16 @@
         </p:nvSpPr>
         <p:spPr/>
         <p:txBody>
-          <a:bodyPr/>
+          <a:bodyPr>
+            <a:normAutofit/>
+          </a:bodyPr>
           <a:lstStyle/>
           <a:p>
             <a:r>
-              <a:rPr lang="en-US" sz="3950" dirty="0"/>
-              <a:t>Exception – Добра практика (1)</a:t>
-            </a:r>
+              <a:rPr lang="bg-BG" sz="4000" dirty="0"/>
+              <a:t>Утвърдени практики (3)</a:t>
+            </a:r>
+            <a:endParaRPr lang="en-US" sz="4000" dirty="0"/>
           </a:p>
         </p:txBody>
       </p:sp>
@@ -20563,7 +21039,7 @@
                                         <p:tgtEl>
                                           <p:spTgt spid="3">
                                             <p:txEl>
-                                              <p:pRg st="1" end="1"/>
+                                              <p:pRg st="0" end="0"/>
                                             </p:txEl>
                                           </p:spTgt>
                                         </p:tgtEl>
@@ -20612,7 +21088,7 @@
                                         <p:tgtEl>
                                           <p:spTgt spid="3">
                                             <p:txEl>
-                                              <p:pRg st="2" end="2"/>
+                                              <p:pRg st="1" end="1"/>
                                             </p:txEl>
                                           </p:spTgt>
                                         </p:tgtEl>
@@ -20661,7 +21137,7 @@
                                         <p:tgtEl>
                                           <p:spTgt spid="3">
                                             <p:txEl>
-                                              <p:pRg st="3" end="3"/>
+                                              <p:pRg st="2" end="2"/>
                                             </p:txEl>
                                           </p:spTgt>
                                         </p:tgtEl>
@@ -20710,7 +21186,7 @@
                                         <p:tgtEl>
                                           <p:spTgt spid="3">
                                             <p:txEl>
-                                              <p:pRg st="4" end="4"/>
+                                              <p:pRg st="3" end="3"/>
                                             </p:txEl>
                                           </p:spTgt>
                                         </p:tgtEl>
@@ -20759,7 +21235,7 @@
                                         <p:tgtEl>
                                           <p:spTgt spid="3">
                                             <p:txEl>
-                                              <p:pRg st="5" end="5"/>
+                                              <p:pRg st="4" end="4"/>
                                             </p:txEl>
                                           </p:spTgt>
                                         </p:tgtEl>
@@ -20808,7 +21284,7 @@
                                         <p:tgtEl>
                                           <p:spTgt spid="3">
                                             <p:txEl>
-                                              <p:pRg st="6" end="6"/>
+                                              <p:pRg st="5" end="5"/>
                                             </p:txEl>
                                           </p:spTgt>
                                         </p:tgtEl>
@@ -20894,13 +21370,44 @@
               </a:lnSpc>
             </a:pPr>
             <a:r>
-              <a:rPr lang="en-US" sz="3350" dirty="0">
+              <a:rPr lang="bg-BG" sz="3400" dirty="0">
                 <a:ea typeface="+mn-lt"/>
                 <a:cs typeface="+mn-lt"/>
               </a:rPr>
-              <a:t>Exception-ите могат да намалят произведителността на програмата</a:t>
-            </a:r>
-            <a:endParaRPr lang="en-US" sz="3350" dirty="0"/>
+              <a:t>Изключенията</a:t>
+            </a:r>
+            <a:r>
+              <a:rPr lang="en-US" sz="3400" dirty="0">
+                <a:ea typeface="+mn-lt"/>
+                <a:cs typeface="+mn-lt"/>
+              </a:rPr>
+              <a:t> могат да </a:t>
+            </a:r>
+            <a:r>
+              <a:rPr lang="en-US" sz="3400" b="1" dirty="0">
+                <a:solidFill>
+                  <a:schemeClr val="bg1"/>
+                </a:solidFill>
+                <a:ea typeface="+mn-lt"/>
+                <a:cs typeface="+mn-lt"/>
+              </a:rPr>
+              <a:t>намалят произведителността </a:t>
+            </a:r>
+            <a:r>
+              <a:rPr lang="en-US" sz="3400" dirty="0">
+                <a:ea typeface="+mn-lt"/>
+                <a:cs typeface="+mn-lt"/>
+              </a:rPr>
+              <a:t>на програмата</a:t>
+            </a:r>
+            <a:r>
+              <a:rPr lang="bg-BG" sz="3400" dirty="0">
+                <a:ea typeface="+mn-lt"/>
+                <a:cs typeface="+mn-lt"/>
+              </a:rPr>
+              <a:t>:</a:t>
+            </a:r>
+            <a:endParaRPr lang="en-US" sz="3400" dirty="0"/>
           </a:p>
           <a:p>
             <a:pPr lvl="1" indent="-360045">
@@ -20909,19 +21416,26 @@
               </a:lnSpc>
             </a:pPr>
             <a:r>
-              <a:rPr lang="en-US" sz="3150" dirty="0">
+              <a:rPr lang="en-US" sz="3200" dirty="0">
                 <a:cs typeface="Calibri"/>
               </a:rPr>
               <a:t>Хвърляме </a:t>
             </a:r>
             <a:r>
-              <a:rPr lang="en-US" sz="3150" dirty="0">
+              <a:rPr lang="bg-BG" sz="3200" dirty="0">
                 <a:ea typeface="+mn-lt"/>
                 <a:cs typeface="+mn-lt"/>
               </a:rPr>
-              <a:t>exception-и в много важни случаи</a:t>
-            </a:r>
-            <a:endParaRPr lang="en-US" sz="3150" dirty="0"/>
+              <a:t>изключения</a:t>
+            </a:r>
+            <a:r>
+              <a:rPr lang="en-US" sz="3200" dirty="0">
+                <a:ea typeface="+mn-lt"/>
+                <a:cs typeface="+mn-lt"/>
+              </a:rPr>
+              <a:t> в много важни случаи</a:t>
+            </a:r>
+            <a:endParaRPr lang="en-US" sz="3200" dirty="0"/>
           </a:p>
           <a:p>
             <a:pPr lvl="1" indent="-360045">
@@ -20930,19 +21444,26 @@
               </a:lnSpc>
             </a:pPr>
             <a:r>
-              <a:rPr lang="en-US" sz="3150" dirty="0">
+              <a:rPr lang="en-US" sz="3200" dirty="0">
                 <a:cs typeface="Calibri"/>
               </a:rPr>
               <a:t>Не хвърляме </a:t>
             </a:r>
             <a:r>
-              <a:rPr lang="en-US" sz="3150" dirty="0">
+              <a:rPr lang="bg-BG" sz="3200" dirty="0">
                 <a:ea typeface="+mn-lt"/>
                 <a:cs typeface="+mn-lt"/>
               </a:rPr>
-              <a:t>exception в нормалния поток на програмата</a:t>
-            </a:r>
-            <a:endParaRPr lang="en-US" sz="3150" dirty="0">
+              <a:t>изключения</a:t>
+            </a:r>
+            <a:r>
+              <a:rPr lang="en-US" sz="3200" dirty="0">
+                <a:ea typeface="+mn-lt"/>
+                <a:cs typeface="+mn-lt"/>
+              </a:rPr>
+              <a:t> в нормалния поток на програмата</a:t>
+            </a:r>
+            <a:endParaRPr lang="en-US" sz="3200" dirty="0">
               <a:cs typeface="Calibri"/>
             </a:endParaRPr>
           </a:p>
@@ -20953,11 +21474,25 @@
               </a:lnSpc>
             </a:pPr>
             <a:r>
-              <a:rPr lang="en-US" sz="3150" dirty="0">
+              <a:rPr lang="en-US" sz="3200" dirty="0">
                 <a:ea typeface="+mn-lt"/>
                 <a:cs typeface="+mn-lt"/>
               </a:rPr>
-              <a:t>.NET runtime може да хвърли exception-и по всяко време</a:t>
+              <a:t>.NET runtime може да хвърли </a:t>
+            </a:r>
+            <a:r>
+              <a:rPr lang="bg-BG" sz="3200" dirty="0">
+                <a:ea typeface="+mn-lt"/>
+                <a:cs typeface="+mn-lt"/>
+              </a:rPr>
+              <a:t>изключения</a:t>
+            </a:r>
+            <a:r>
+              <a:rPr lang="en-US" sz="3200" dirty="0">
+                <a:ea typeface="+mn-lt"/>
+                <a:cs typeface="+mn-lt"/>
+              </a:rPr>
+              <a:t> по всяко време</a:t>
             </a:r>
           </a:p>
           <a:p>
@@ -20967,11 +21502,11 @@
               </a:lnSpc>
             </a:pPr>
             <a:r>
-              <a:rPr lang="en-US" sz="2950" dirty="0"/>
+              <a:rPr lang="en-US" sz="3000" dirty="0"/>
               <a:t>Примерно </a:t>
             </a:r>
             <a:r>
-              <a:rPr lang="bg-BG" sz="2950" b="1" noProof="1">
+              <a:rPr lang="bg-BG" sz="3000" b="1" noProof="1">
                 <a:solidFill>
                   <a:schemeClr val="bg1"/>
                 </a:solidFill>
@@ -20980,7 +21515,7 @@
               </a:rPr>
               <a:t>System.OutOfMemoryException</a:t>
             </a:r>
-            <a:endParaRPr lang="bg-BG" sz="2950" b="1" dirty="0">
+            <a:endParaRPr lang="bg-BG" sz="3000" b="1" dirty="0">
               <a:solidFill>
                 <a:schemeClr val="bg1"/>
               </a:solidFill>
@@ -21002,25 +21537,15 @@
         </p:nvSpPr>
         <p:spPr/>
         <p:txBody>
-          <a:bodyPr/>
+          <a:bodyPr>
+            <a:normAutofit/>
+          </a:bodyPr>
           <a:lstStyle/>
           <a:p>
             <a:r>
-              <a:rPr lang="en-US" sz="3950" dirty="0"/>
-              <a:t>Exceptions – </a:t>
-            </a:r>
-            <a:r>
-              <a:rPr lang="en-US" sz="3950" dirty="0">
-                <a:ea typeface="+mj-lt"/>
-                <a:cs typeface="+mj-lt"/>
-              </a:rPr>
-              <a:t>Добра практика</a:t>
-            </a:r>
-            <a:r>
-              <a:rPr lang="en-US" sz="3950" dirty="0"/>
-              <a:t> (2)</a:t>
-            </a:r>
-            <a:endParaRPr lang="bg-BG" sz="3950" dirty="0"/>
+              <a:rPr lang="bg-BG" sz="4000" dirty="0"/>
+              <a:t>Утвърдени практики (4)</a:t>
+            </a:r>
           </a:p>
         </p:txBody>
       </p:sp>
@@ -21331,8 +21856,20 @@
           <a:p>
             <a:pPr marL="360045" indent="-360045"/>
             <a:r>
+              <a:rPr lang="bg-BG" sz="3350" dirty="0"/>
+              <a:t>Новото (създадено от нас)</a:t>
+            </a:r>
+            <a:r>
               <a:rPr lang="en-US" sz="3350" dirty="0"/>
-              <a:t>Персонализирания exception  наследява класа exception class (Примерно </a:t>
+              <a:t> </a:t>
+            </a:r>
+            <a:r>
+              <a:rPr lang="bg-BG" sz="3350" dirty="0"/>
+              <a:t>изключение</a:t>
+            </a:r>
+            <a:r>
+              <a:rPr lang="en-US" sz="3350" dirty="0"/>
+              <a:t> наследява класа </a:t>
             </a:r>
             <a:r>
               <a:rPr lang="en-US" sz="3350" b="1" noProof="1">
@@ -21345,11 +21882,15 @@
               <a:t>System.Exception</a:t>
             </a:r>
             <a:r>
-              <a:rPr lang="en-US" sz="3350" dirty="0"/>
-              <a:t>)</a:t>
+              <a:rPr lang="en-US" sz="3350" noProof="1">
+                <a:latin typeface="Calibri" panose="020F0502020204030204" pitchFamily="34" charset="0"/>
+                <a:cs typeface="Calibri" panose="020F0502020204030204" pitchFamily="34" charset="0"/>
+              </a:rPr>
+              <a:t>:</a:t>
             </a:r>
             <a:endParaRPr lang="bg-BG" sz="3350" dirty="0">
-              <a:cs typeface="Calibri"/>
+              <a:latin typeface="Calibri" panose="020F0502020204030204" pitchFamily="34" charset="0"/>
+              <a:cs typeface="Calibri" panose="020F0502020204030204" pitchFamily="34" charset="0"/>
             </a:endParaRPr>
           </a:p>
           <a:p>
@@ -21384,11 +21925,25 @@
               <a:t>Хвърляме </a:t>
             </a:r>
             <a:r>
+              <a:rPr lang="bg-BG" sz="3350" dirty="0">
+                <a:ea typeface="+mn-lt"/>
+                <a:cs typeface="+mn-lt"/>
+              </a:rPr>
+              <a:t>изключението,</a:t>
+            </a:r>
+            <a:r>
               <a:rPr lang="en-US" sz="3350" dirty="0">
                 <a:ea typeface="+mn-lt"/>
                 <a:cs typeface="+mn-lt"/>
               </a:rPr>
-              <a:t>exception както другите</a:t>
+              <a:t> както другите</a:t>
+            </a:r>
+            <a:r>
+              <a:rPr lang="bg-BG" sz="3350" dirty="0">
+                <a:ea typeface="+mn-lt"/>
+                <a:cs typeface="+mn-lt"/>
+              </a:rPr>
+              <a:t>:</a:t>
             </a:r>
             <a:endParaRPr lang="en-US" sz="3350" dirty="0">
               <a:cs typeface="Calibri"/>
@@ -21413,8 +21968,21 @@
           <a:p>
             <a:r>
               <a:rPr lang="en-US" sz="3950" dirty="0"/>
-              <a:t>Съзадаване на персонален exception</a:t>
-            </a:r>
+              <a:t>Съзадаване на </a:t>
+            </a:r>
+            <a:r>
+              <a:rPr lang="bg-BG" sz="3950" dirty="0"/>
+              <a:t>ново</a:t>
+            </a:r>
+            <a:r>
+              <a:rPr lang="en-US" sz="3950" dirty="0"/>
+              <a:t> </a:t>
+            </a:r>
+            <a:r>
+              <a:rPr lang="bg-BG" sz="3950" dirty="0"/>
+              <a:t>изключение</a:t>
+            </a:r>
+            <a:endParaRPr lang="en-US" sz="3950" dirty="0"/>
           </a:p>
         </p:txBody>
       </p:sp>
@@ -21428,7 +21996,7 @@
         </p:nvSpPr>
         <p:spPr bwMode="auto">
           <a:xfrm>
-            <a:off x="729696" y="2484247"/>
+            <a:off x="696000" y="2484247"/>
             <a:ext cx="10584944" cy="2298729"/>
           </a:xfrm>
           <a:prstGeom prst="rect">
@@ -21562,7 +22130,7 @@
         </p:nvSpPr>
         <p:spPr bwMode="auto">
           <a:xfrm>
-            <a:off x="729699" y="5633427"/>
+            <a:off x="696000" y="5634731"/>
             <a:ext cx="10584943" cy="618707"/>
           </a:xfrm>
           <a:prstGeom prst="rect">
@@ -22373,8 +22941,8 @@
         </p:nvSpPr>
         <p:spPr>
           <a:xfrm>
-            <a:off x="715466" y="1657149"/>
-            <a:ext cx="10917132" cy="4909036"/>
+            <a:off x="715465" y="1584000"/>
+            <a:ext cx="11026320" cy="4909036"/>
           </a:xfrm>
           <a:prstGeom prst="rect">
             <a:avLst/>
@@ -22400,12 +22968,20 @@
               <a:buChar char="§"/>
             </a:pPr>
             <a:r>
+              <a:rPr lang="bg-BG" sz="3400" dirty="0">
+                <a:solidFill>
+                  <a:schemeClr val="bg2"/>
+                </a:solidFill>
+              </a:rPr>
+              <a:t>Изключенията осигуряват</a:t>
+            </a:r>
+            <a:r>
               <a:rPr lang="en-US" sz="3400" dirty="0">
                 <a:solidFill>
                   <a:schemeClr val="bg2"/>
                 </a:solidFill>
               </a:rPr>
-              <a:t>Exception осигурява </a:t>
+              <a:t> </a:t>
             </a:r>
             <a:r>
               <a:rPr lang="en-US" sz="3400" b="1" dirty="0">
@@ -22425,6 +23001,14 @@
                 </a:solidFill>
               </a:rPr>
               <a:t> механизъм за хващане на грешки</a:t>
+            </a:r>
+            <a:r>
+              <a:rPr lang="bg-BG" sz="3400" dirty="0">
+                <a:solidFill>
+                  <a:schemeClr val="bg2"/>
+                </a:solidFill>
+              </a:rPr>
+              <a:t>:</a:t>
             </a:r>
             <a:endParaRPr lang="en-US" sz="3400" dirty="0">
               <a:solidFill>
@@ -22486,8 +23070,10 @@
                     <a:lumOff val="40000"/>
                   </a:schemeClr>
                 </a:solidFill>
-              </a:rPr>
-              <a:t>Try-catch</a:t>
+                <a:latin typeface="Consolas" panose="020B0609020204030204" pitchFamily="49" charset="0"/>
+                <a:cs typeface="Consolas" panose="020B0609020204030204" pitchFamily="49" charset="0"/>
+              </a:rPr>
+              <a:t>try-catch</a:t>
             </a:r>
             <a:r>
               <a:rPr lang="en-US" sz="3400" dirty="0">
@@ -22495,7 +23081,15 @@
                   <a:schemeClr val="bg2"/>
                 </a:solidFill>
               </a:rPr>
-              <a:t> позволява да хващаме exception-и</a:t>
+              <a:t> позволява да хващаме </a:t>
+            </a:r>
+            <a:r>
+              <a:rPr lang="bg-BG" sz="3400" dirty="0">
+                <a:solidFill>
+                  <a:schemeClr val="bg2"/>
+                </a:solidFill>
+              </a:rPr>
+              <a:t>изключения</a:t>
             </a:r>
             <a:endParaRPr lang="en-US" sz="3400" dirty="0">
               <a:solidFill>
@@ -22548,14 +23142,24 @@
               <a:t>Нехванати </a:t>
             </a:r>
             <a:r>
-              <a:rPr lang="en-US" sz="3400" dirty="0">
+              <a:rPr lang="bg-BG" sz="3400" dirty="0">
                 <a:solidFill>
                   <a:schemeClr val="bg2"/>
                 </a:solidFill>
                 <a:ea typeface="+mn-lt"/>
                 <a:cs typeface="+mn-lt"/>
               </a:rPr>
-              <a:t>exception-и приченяват съобщение с грешка</a:t>
+              <a:t>изключения причиняват</a:t>
+            </a:r>
+            <a:r>
+              <a:rPr lang="en-US" sz="3400" dirty="0">
+                <a:solidFill>
+                  <a:schemeClr val="bg2"/>
+                </a:solidFill>
+                <a:ea typeface="+mn-lt"/>
+                <a:cs typeface="+mn-lt"/>
+              </a:rPr>
+              <a:t> съобщение с грешка</a:t>
             </a:r>
           </a:p>
           <a:p>
@@ -22588,8 +23192,10 @@
                     <a:lumOff val="40000"/>
                   </a:schemeClr>
                 </a:solidFill>
-              </a:rPr>
-              <a:t>Try-finally</a:t>
+                <a:latin typeface="Consolas" panose="020B0609020204030204" pitchFamily="49" charset="0"/>
+                <a:cs typeface="Consolas" panose="020B0609020204030204" pitchFamily="49" charset="0"/>
+              </a:rPr>
+              <a:t>finally</a:t>
             </a:r>
             <a:r>
               <a:rPr lang="en-US" sz="3400" dirty="0">
@@ -23458,6 +24064,35 @@
       </p:pic>
       <p:sp>
         <p:nvSpPr>
+          <p:cNvPr id="4" name="Subtitle 3">
+            <a:extLst>
+              <a:ext uri="{FF2B5EF4-FFF2-40B4-BE49-F238E27FC236}">
+                <a16:creationId xmlns:a16="http://schemas.microsoft.com/office/drawing/2014/main" id="{88CEF802-9EDA-9A95-1F8B-5B6B3F11EC9C}"/>
+              </a:ext>
+            </a:extLst>
+          </p:cNvPr>
+          <p:cNvSpPr>
+            <a:spLocks noGrp="1"/>
+          </p:cNvSpPr>
+          <p:nvPr>
+            <p:ph type="subTitle" sz="quarter" idx="11"/>
+          </p:nvPr>
+        </p:nvSpPr>
+        <p:spPr/>
+        <p:txBody>
+          <a:bodyPr/>
+          <a:lstStyle/>
+          <a:p>
+            <a:r>
+              <a:rPr lang="bg-BG" dirty="0"/>
+              <a:t>Същност, синтаксис, видове</a:t>
+            </a:r>
+            <a:endParaRPr lang="en-BG" dirty="0"/>
+          </a:p>
+        </p:txBody>
+      </p:sp>
+      <p:sp>
+        <p:nvSpPr>
           <p:cNvPr id="3" name="Title 2">
             <a:extLst>
               <a:ext uri="{FF2B5EF4-FFF2-40B4-BE49-F238E27FC236}">
@@ -23472,17 +24107,21 @@
             <p:ph type="title" sz="quarter" idx="10"/>
           </p:nvPr>
         </p:nvSpPr>
-        <p:spPr/>
+        <p:spPr>
+          <a:xfrm>
+            <a:off x="615109" y="4704825"/>
+            <a:ext cx="10961783" cy="768084"/>
+          </a:xfrm>
+        </p:spPr>
         <p:txBody>
           <a:bodyPr/>
           <a:lstStyle/>
           <a:p>
             <a:r>
-              <a:rPr lang="en-US" sz="5350" dirty="0">
-                <a:cs typeface="Arial"/>
-              </a:rPr>
-              <a:t>Какво е еxception?</a:t>
-            </a:r>
+              <a:rPr lang="bg-BG" dirty="0"/>
+              <a:t>Изключения</a:t>
+            </a:r>
+            <a:endParaRPr lang="en-US" dirty="0"/>
           </a:p>
         </p:txBody>
       </p:sp>
@@ -23542,8 +24181,8 @@
         </p:nvSpPr>
         <p:spPr>
           <a:xfrm>
-            <a:off x="1971167" y="999634"/>
-            <a:ext cx="10126596" cy="5545145"/>
+            <a:off x="1821000" y="864000"/>
+            <a:ext cx="10371000" cy="5545145"/>
           </a:xfrm>
         </p:spPr>
         <p:txBody>
@@ -23561,12 +24200,12 @@
               </a:buClr>
             </a:pPr>
             <a:r>
-              <a:rPr lang="en-US" sz="3350" b="1" dirty="0">
+              <a:rPr lang="bg-BG" sz="3350" b="1" dirty="0">
                 <a:solidFill>
                   <a:schemeClr val="bg1"/>
                 </a:solidFill>
               </a:rPr>
-              <a:t>Exceptions</a:t>
+              <a:t>Изключение ==</a:t>
             </a:r>
             <a:r>
               <a:rPr lang="en-US" sz="3350" b="1" dirty="0"/>
@@ -23574,15 +24213,7 @@
             </a:r>
             <a:r>
               <a:rPr lang="en-US" sz="3350" dirty="0"/>
-              <a:t>хвърля грешка и проблем, </a:t>
-            </a:r>
-            <a:r>
-              <a:rPr lang="en-US" sz="3350" dirty="0" err="1"/>
-              <a:t>когато</a:t>
-            </a:r>
-            <a:r>
-              <a:rPr lang="en-US" sz="3350" dirty="0"/>
-              <a:t> програмата работи</a:t>
+              <a:t>грешка, когато програмата работи</a:t>
             </a:r>
             <a:endParaRPr lang="en-US" sz="3350" dirty="0">
               <a:cs typeface="Calibri"/>
@@ -23602,52 +24233,61 @@
                 <a:ea typeface="+mn-lt"/>
                 <a:cs typeface="+mn-lt"/>
               </a:rPr>
-              <a:t>Използваме </a:t>
-            </a:r>
-            <a:r>
-              <a:rPr lang="en-US" sz="3350" b="1" dirty="0">
-                <a:solidFill>
-                  <a:schemeClr val="bg1"/>
-                </a:solidFill>
+              <a:t>Използваме</a:t>
+            </a:r>
+            <a:r>
+              <a:rPr lang="bg-BG" sz="3350" dirty="0">
                 <a:ea typeface="+mn-lt"/>
                 <a:cs typeface="+mn-lt"/>
               </a:rPr>
-              <a:t>throw</a:t>
-            </a:r>
-            <a:r>
-              <a:rPr lang="en-US" sz="3350" b="1" dirty="0">
-                <a:ea typeface="+mn-lt"/>
-                <a:cs typeface="+mn-lt"/>
-              </a:rPr>
-              <a:t> </a:t>
+              <a:t> ключовата дума</a:t>
             </a:r>
             <a:r>
               <a:rPr lang="en-US" sz="3350" dirty="0">
                 <a:ea typeface="+mn-lt"/>
                 <a:cs typeface="+mn-lt"/>
               </a:rPr>
-              <a:t> за</a:t>
-            </a:r>
-            <a:r>
-              <a:rPr lang="en-US" sz="3350" dirty="0"/>
-              <a:t> да хвърлем  </a:t>
+              <a:t> </a:t>
             </a:r>
             <a:r>
               <a:rPr lang="en-US" sz="3350" b="1" dirty="0">
                 <a:solidFill>
                   <a:schemeClr val="bg1"/>
                 </a:solidFill>
+                <a:latin typeface="Consolas" panose="020B0609020204030204" pitchFamily="49" charset="0"/>
+                <a:ea typeface="+mn-lt"/>
+                <a:cs typeface="Consolas" panose="020B0609020204030204" pitchFamily="49" charset="0"/>
+              </a:rPr>
+              <a:t>throw</a:t>
+            </a:r>
+            <a:r>
+              <a:rPr lang="bg-BG" sz="3350" dirty="0">
                 <a:ea typeface="+mn-lt"/>
                 <a:cs typeface="+mn-lt"/>
               </a:rPr>
-              <a:t>exceptions</a:t>
-            </a:r>
-            <a:r>
-              <a:rPr lang="en-US" sz="3350" b="1" dirty="0">
+              <a:t>, </a:t>
+            </a:r>
+            <a:r>
+              <a:rPr lang="en-US" sz="3350" dirty="0">
                 <a:ea typeface="+mn-lt"/>
                 <a:cs typeface="+mn-lt"/>
               </a:rPr>
-              <a:t> </a:t>
+              <a:t>за</a:t>
+            </a:r>
+            <a:r>
+              <a:rPr lang="en-US" sz="3350" dirty="0"/>
+              <a:t> да</a:t>
+            </a:r>
+            <a:r>
+              <a:rPr lang="bg-BG" sz="3350" dirty="0"/>
+              <a:t> </a:t>
+            </a:r>
+            <a:br>
+              <a:rPr lang="bg-BG" sz="3350" dirty="0"/>
+            </a:br>
+            <a:r>
+              <a:rPr lang="bg-BG" sz="3350" dirty="0"/>
+              <a:t>"хвърлим" изключение:</a:t>
             </a:r>
             <a:endParaRPr lang="bg-BG" sz="3350" dirty="0">
               <a:ea typeface="+mn-lt"/>
@@ -23700,6 +24340,8 @@
                 <a:solidFill>
                   <a:schemeClr val="bg1"/>
                 </a:solidFill>
+                <a:latin typeface="Consolas" panose="020B0609020204030204" pitchFamily="49" charset="0"/>
+                <a:cs typeface="Consolas" panose="020B0609020204030204" pitchFamily="49" charset="0"/>
               </a:rPr>
               <a:t>Catch</a:t>
             </a:r>
@@ -23709,7 +24351,31 @@
                   <a:srgbClr val="234465"/>
                 </a:solidFill>
               </a:rPr>
-              <a:t> хваща проблем, за да го оправи</a:t>
+              <a:t> хваща </a:t>
+            </a:r>
+            <a:r>
+              <a:rPr lang="bg-BG" sz="3350" dirty="0">
+                <a:solidFill>
+                  <a:srgbClr val="234465"/>
+                </a:solidFill>
+              </a:rPr>
+              <a:t>изключение и</a:t>
+            </a:r>
+            <a:r>
+              <a:rPr lang="en-US" sz="3350" dirty="0">
+                <a:solidFill>
+                  <a:srgbClr val="234465"/>
+                </a:solidFill>
+              </a:rPr>
+              <a:t> </a:t>
+            </a:r>
+            <a:r>
+              <a:rPr lang="bg-BG" sz="3350" dirty="0">
+                <a:solidFill>
+                  <a:srgbClr val="234465"/>
+                </a:solidFill>
+              </a:rPr>
+              <a:t>изпълнява даден код:</a:t>
             </a:r>
             <a:endParaRPr lang="en-US" sz="3350" dirty="0">
               <a:solidFill>
@@ -23746,7 +24412,21 @@
                 <a:ea typeface="+mj-lt"/>
                 <a:cs typeface="+mj-lt"/>
               </a:rPr>
-              <a:t>Какво е еxception?</a:t>
+              <a:t>Какво е </a:t>
+            </a:r>
+            <a:r>
+              <a:rPr lang="bg-BG" sz="3950" dirty="0">
+                <a:ea typeface="+mj-lt"/>
+                <a:cs typeface="+mj-lt"/>
+              </a:rPr>
+              <a:t>изключение</a:t>
+            </a:r>
+            <a:r>
+              <a:rPr lang="en-US" sz="3950" dirty="0">
+                <a:ea typeface="+mj-lt"/>
+                <a:cs typeface="+mj-lt"/>
+              </a:rPr>
+              <a:t>?</a:t>
             </a:r>
             <a:endParaRPr lang="en-US" sz="3950" b="0" dirty="0">
               <a:ea typeface="+mj-lt"/>
@@ -23771,7 +24451,7 @@
         </p:nvSpPr>
         <p:spPr bwMode="auto">
           <a:xfrm>
-            <a:off x="2455697" y="2831442"/>
+            <a:off x="2270999" y="2655831"/>
             <a:ext cx="8988931" cy="1040443"/>
           </a:xfrm>
           <a:prstGeom prst="rect">
@@ -24050,7 +24730,7 @@
         </p:nvSpPr>
         <p:spPr bwMode="auto">
           <a:xfrm>
-            <a:off x="2455697" y="4509283"/>
+            <a:off x="2271000" y="4509283"/>
             <a:ext cx="8988931" cy="2298729"/>
           </a:xfrm>
           <a:prstGeom prst="rect">
@@ -24744,8 +25424,28 @@
           <a:lstStyle/>
           <a:p>
             <a:r>
+              <a:rPr lang="bg-BG" sz="3950" dirty="0"/>
+              <a:t>Как</a:t>
+            </a:r>
+            <a:r>
               <a:rPr lang="en-US" sz="3950" dirty="0"/>
-              <a:t>Как работят Exception-ите?</a:t>
+              <a:t> </a:t>
+            </a:r>
+            <a:r>
+              <a:rPr lang="bg-BG" sz="3950" dirty="0"/>
+              <a:t>работят</a:t>
+            </a:r>
+            <a:r>
+              <a:rPr lang="en-US" sz="3950" dirty="0"/>
+              <a:t> </a:t>
+            </a:r>
+            <a:r>
+              <a:rPr lang="bg-BG" sz="3950" dirty="0"/>
+              <a:t>изключенията</a:t>
+            </a:r>
+            <a:r>
+              <a:rPr lang="en-US" sz="3950" dirty="0"/>
+              <a:t>?</a:t>
             </a:r>
           </a:p>
         </p:txBody>
@@ -24816,6 +25516,8 @@
                 <a:solidFill>
                   <a:srgbClr val="FFFFFF"/>
                 </a:solidFill>
+                <a:latin typeface="Consolas" panose="020B0609020204030204" pitchFamily="49" charset="0"/>
+                <a:cs typeface="Consolas" panose="020B0609020204030204" pitchFamily="49" charset="0"/>
               </a:rPr>
               <a:t>try</a:t>
             </a:r>
@@ -24836,8 +25538,8 @@
         </p:nvSpPr>
         <p:spPr bwMode="auto">
           <a:xfrm>
-            <a:off x="6021080" y="2124340"/>
-            <a:ext cx="4258831" cy="837982"/>
+            <a:off x="6021080" y="1989000"/>
+            <a:ext cx="4349920" cy="1087606"/>
           </a:xfrm>
           <a:prstGeom prst="roundRect">
             <a:avLst/>
@@ -24892,6 +25594,21 @@
               </a:rPr>
               <a:t>Изпълнява код</a:t>
             </a:r>
+            <a:r>
+              <a:rPr lang="bg-BG" sz="2750" b="1" dirty="0">
+                <a:solidFill>
+                  <a:srgbClr val="FFFFFF"/>
+                </a:solidFill>
+                <a:cs typeface="Calibri"/>
+              </a:rPr>
+              <a:t>, с който се тества част от програмата</a:t>
+            </a:r>
+            <a:endParaRPr lang="en-US" sz="2750" b="1" dirty="0">
+              <a:solidFill>
+                <a:srgbClr val="FFFFFF"/>
+              </a:solidFill>
+              <a:cs typeface="Calibri"/>
+            </a:endParaRPr>
           </a:p>
         </p:txBody>
       </p:sp>
@@ -25010,6 +25727,8 @@
                 <a:solidFill>
                   <a:srgbClr val="FFFFFF"/>
                 </a:solidFill>
+                <a:latin typeface="Consolas" panose="020B0609020204030204" pitchFamily="49" charset="0"/>
+                <a:cs typeface="Consolas" panose="020B0609020204030204" pitchFamily="49" charset="0"/>
               </a:rPr>
               <a:t>catch</a:t>
             </a:r>
@@ -25031,7 +25750,7 @@
         <p:spPr bwMode="auto">
           <a:xfrm>
             <a:off x="6021080" y="3333499"/>
-            <a:ext cx="4258831" cy="1087607"/>
+            <a:ext cx="4349920" cy="1087607"/>
           </a:xfrm>
           <a:prstGeom prst="roundRect">
             <a:avLst/>
@@ -25083,15 +25802,15 @@
                   <a:srgbClr val="FFFFFF"/>
                 </a:solidFill>
               </a:rPr>
-              <a:t>Изпънява определен код, </a:t>
-            </a:r>
-            <a:r>
-              <a:rPr lang="en-US" sz="2750" b="1" dirty="0" err="1">
+              <a:t>Изпънява определен код,</a:t>
+            </a:r>
+            <a:r>
+              <a:rPr lang="bg-BG" sz="2750" b="1" dirty="0">
                 <a:solidFill>
                   <a:srgbClr val="FFFFFF"/>
                 </a:solidFill>
               </a:rPr>
-              <a:t>ако</a:t>
+              <a:t> </a:t>
             </a:r>
             <a:r>
               <a:rPr lang="en-US" sz="2750" b="1" dirty="0">
@@ -25099,8 +25818,21 @@
                   <a:srgbClr val="FFFFFF"/>
                 </a:solidFill>
               </a:rPr>
-              <a:t> има exception</a:t>
-            </a:r>
+              <a:t>ако има </a:t>
+            </a:r>
+            <a:r>
+              <a:rPr lang="bg-BG" sz="2750" b="1" dirty="0">
+                <a:solidFill>
+                  <a:srgbClr val="FFFFFF"/>
+                </a:solidFill>
+              </a:rPr>
+              <a:t>изключение</a:t>
+            </a:r>
+            <a:endParaRPr lang="en-US" sz="2750" b="1" dirty="0">
+              <a:solidFill>
+                <a:srgbClr val="FFFFFF"/>
+              </a:solidFill>
+            </a:endParaRPr>
           </a:p>
         </p:txBody>
       </p:sp>
@@ -25170,6 +25902,8 @@
                 <a:solidFill>
                   <a:srgbClr val="FFFFFF"/>
                 </a:solidFill>
+                <a:latin typeface="Consolas" panose="020B0609020204030204" pitchFamily="49" charset="0"/>
+                <a:cs typeface="Consolas" panose="020B0609020204030204" pitchFamily="49" charset="0"/>
               </a:rPr>
               <a:t>finally</a:t>
             </a:r>
@@ -25238,12 +25972,12 @@
           <a:p>
             <a:pPr algn="ctr"/>
             <a:r>
-              <a:rPr lang="en-US" sz="2750" b="1" dirty="0">
+              <a:rPr lang="bg-BG" sz="2750" b="1" dirty="0">
                 <a:solidFill>
                   <a:srgbClr val="FFFFFF"/>
                 </a:solidFill>
               </a:rPr>
-              <a:t>Винаги изпълнява код</a:t>
+              <a:t>Изпълнява код след проверката</a:t>
             </a:r>
             <a:endParaRPr lang="bg-BG" dirty="0"/>
           </a:p>
@@ -25679,7 +26413,12 @@
             <p:ph type="body" sz="quarter" idx="10"/>
           </p:nvPr>
         </p:nvSpPr>
-        <p:spPr/>
+        <p:spPr>
+          <a:xfrm>
+            <a:off x="2062766" y="1121682"/>
+            <a:ext cx="10129234" cy="5546589"/>
+          </a:xfrm>
+        </p:spPr>
         <p:txBody>
           <a:bodyPr vert="horz" lIns="108000" tIns="36000" rIns="108000" bIns="36000" rtlCol="0" anchor="t">
             <a:normAutofit/>
@@ -25692,40 +26431,28 @@
               </a:lnSpc>
             </a:pPr>
             <a:r>
-              <a:rPr lang="en-US" sz="3350" dirty="0"/>
-              <a:t>Exceptions са </a:t>
-            </a:r>
-            <a:r>
-              <a:rPr lang="en-US" sz="3350" b="1" dirty="0">
+              <a:rPr lang="bg-BG" sz="3400" dirty="0"/>
+              <a:t>В </a:t>
+            </a:r>
+            <a:r>
+              <a:rPr lang="en-US" sz="3400" dirty="0"/>
+              <a:t>C# </a:t>
+            </a:r>
+            <a:r>
+              <a:rPr lang="bg-BG" sz="3400" dirty="0"/>
+              <a:t>за хващане на грешки се използва класът </a:t>
+            </a:r>
+            <a:r>
+              <a:rPr lang="ru-RU" sz="3400" b="1" dirty="0">
                 <a:solidFill>
                   <a:schemeClr val="bg1"/>
                 </a:solidFill>
-              </a:rPr>
-              <a:t>класове </a:t>
-            </a:r>
-            <a:r>
-              <a:rPr lang="en-US" sz="3350" b="1" dirty="0">
-                <a:solidFill>
-                  <a:schemeClr val="bg1"/>
-                </a:solidFill>
-                <a:ea typeface="+mn-lt"/>
-                <a:cs typeface="+mn-lt"/>
-              </a:rPr>
-              <a:t> </a:t>
-            </a:r>
-            <a:r>
-              <a:rPr lang="en-US" sz="3350" dirty="0">
-                <a:ea typeface="+mn-lt"/>
-                <a:cs typeface="+mn-lt"/>
-              </a:rPr>
-              <a:t>в C#</a:t>
-            </a:r>
-            <a:endParaRPr lang="ru-RU" sz="3350" b="1" dirty="0">
-              <a:solidFill>
-                <a:schemeClr val="bg1"/>
-              </a:solidFill>
-              <a:cs typeface="Calibri"/>
-            </a:endParaRPr>
+                <a:latin typeface="Consolas"/>
+                <a:cs typeface="Consolas" pitchFamily="49" charset="0"/>
+              </a:rPr>
+              <a:t>System.Exception</a:t>
+            </a:r>
+            <a:endParaRPr lang="en-US" sz="3400" dirty="0"/>
           </a:p>
           <a:p>
             <a:pPr marL="360045" indent="-360045">
@@ -25734,57 +26461,26 @@
               </a:lnSpc>
             </a:pPr>
             <a:r>
-              <a:rPr lang="en-US" sz="3350" dirty="0"/>
-              <a:t>Класа </a:t>
-            </a:r>
-            <a:r>
-              <a:rPr lang="ru-RU" sz="3350" b="1" dirty="0">
+              <a:rPr lang="bg-BG" sz="3400" dirty="0"/>
+              <a:t>Той съдържа </a:t>
+            </a:r>
+            <a:r>
+              <a:rPr lang="en-US" sz="3400" dirty="0"/>
+              <a:t>информация за </a:t>
+            </a:r>
+            <a:r>
+              <a:rPr lang="en-US" sz="3400" b="1" dirty="0">
                 <a:solidFill>
                   <a:schemeClr val="bg1"/>
                 </a:solidFill>
-                <a:latin typeface="Consolas"/>
-                <a:cs typeface="Consolas" pitchFamily="49" charset="0"/>
-              </a:rPr>
-              <a:t>System.Exception</a:t>
-            </a:r>
-            <a:r>
-              <a:rPr lang="ru-RU" sz="3350" dirty="0">
-                <a:solidFill>
-                  <a:schemeClr val="bg1"/>
-                </a:solidFill>
-              </a:rPr>
-              <a:t> </a:t>
-            </a:r>
-            <a:r>
-              <a:rPr lang="en-US" sz="3350" dirty="0"/>
-              <a:t>е базиран за всички exception-и в CLR</a:t>
-            </a:r>
-            <a:endParaRPr lang="ru-RU" sz="3350" dirty="0">
-              <a:cs typeface="Calibri"/>
-            </a:endParaRPr>
-          </a:p>
-          <a:p>
-            <a:pPr lvl="1" indent="-360045">
-              <a:lnSpc>
-                <a:spcPct val="100000"/>
-              </a:lnSpc>
-            </a:pPr>
-            <a:r>
-              <a:rPr lang="en-US" sz="3150" dirty="0"/>
-              <a:t>Съдържа информация за </a:t>
-            </a:r>
-            <a:r>
-              <a:rPr lang="en-US" sz="3150" b="1" dirty="0">
-                <a:solidFill>
-                  <a:schemeClr val="bg1"/>
-                </a:solidFill>
               </a:rPr>
               <a:t>грешки</a:t>
             </a:r>
-            <a:endParaRPr lang="en-US" sz="3150" b="1" dirty="0">
-              <a:solidFill>
-                <a:schemeClr val="bg1"/>
-              </a:solidFill>
+            <a:r>
+              <a:rPr lang="en-US" sz="3400" dirty="0"/>
+              <a:t>:</a:t>
+            </a:r>
+            <a:endParaRPr lang="en-US" sz="3400" dirty="0">
               <a:cs typeface="Calibri"/>
             </a:endParaRPr>
           </a:p>
@@ -25798,7 +26494,7 @@
               </a:buClr>
             </a:pPr>
             <a:r>
-              <a:rPr lang="ru-RU" sz="3150" b="1" dirty="0">
+              <a:rPr lang="ru-RU" sz="3200" b="1" dirty="0">
                 <a:solidFill>
                   <a:schemeClr val="bg1"/>
                 </a:solidFill>
@@ -25808,7 +26504,7 @@
               <a:t>Message</a:t>
             </a:r>
             <a:r>
-              <a:rPr lang="ru-RU" sz="3150" dirty="0">
+              <a:rPr lang="ru-RU" sz="3200" dirty="0">
                 <a:solidFill>
                   <a:schemeClr val="tx2">
                     <a:lumMod val="75000"/>
@@ -25818,14 +26514,14 @@
               <a:t> </a:t>
             </a:r>
             <a:r>
-              <a:rPr lang="ru-RU" sz="3150" dirty="0"/>
+              <a:rPr lang="ru-RU" sz="3200" dirty="0"/>
               <a:t>–</a:t>
             </a:r>
             <a:r>
-              <a:rPr lang="en-US" sz="3150" dirty="0"/>
+              <a:rPr lang="en-US" sz="3200" dirty="0"/>
               <a:t> дава описание на грешката</a:t>
             </a:r>
-            <a:endParaRPr lang="ru-RU" dirty="0">
+            <a:endParaRPr lang="ru-RU" sz="3200" dirty="0">
               <a:cs typeface="Calibri"/>
             </a:endParaRPr>
           </a:p>
@@ -25839,7 +26535,7 @@
               </a:buClr>
             </a:pPr>
             <a:r>
-              <a:rPr lang="ru-RU" sz="2950" b="1" dirty="0">
+              <a:rPr lang="ru-RU" sz="3000" b="1" dirty="0">
                 <a:solidFill>
                   <a:schemeClr val="bg1"/>
                 </a:solidFill>
@@ -25849,7 +26545,7 @@
               <a:t>StackTrace</a:t>
             </a:r>
             <a:r>
-              <a:rPr lang="ru-RU" sz="2950" dirty="0">
+              <a:rPr lang="ru-RU" sz="3000" dirty="0">
                 <a:solidFill>
                   <a:schemeClr val="tx2">
                     <a:lumMod val="75000"/>
@@ -25859,15 +26555,15 @@
               <a:t> </a:t>
             </a:r>
             <a:r>
-              <a:rPr lang="ru-RU" sz="2950" dirty="0"/>
+              <a:rPr lang="ru-RU" sz="3000" dirty="0"/>
               <a:t>– </a:t>
             </a:r>
             <a:r>
-              <a:rPr lang="en-US" sz="2950" dirty="0"/>
+              <a:rPr lang="en-US" sz="3000" dirty="0"/>
               <a:t>дава информация на стека по-време на хвърляне на </a:t>
             </a:r>
             <a:r>
-              <a:rPr lang="en-US" sz="2950" dirty="0">
+              <a:rPr lang="en-US" sz="3000" dirty="0">
                 <a:ea typeface="+mn-lt"/>
                 <a:cs typeface="+mn-lt"/>
               </a:rPr>
@@ -25884,7 +26580,7 @@
               </a:buClr>
             </a:pPr>
             <a:r>
-              <a:rPr lang="ru-RU" sz="2950" b="1" dirty="0">
+              <a:rPr lang="ru-RU" sz="3000" b="1" dirty="0">
                 <a:solidFill>
                   <a:schemeClr val="bg1"/>
                 </a:solidFill>
@@ -25894,7 +26590,7 @@
               <a:t>InnerException</a:t>
             </a:r>
             <a:r>
-              <a:rPr lang="ru-RU" sz="2950" dirty="0">
+              <a:rPr lang="ru-RU" sz="3000" dirty="0">
                 <a:solidFill>
                   <a:schemeClr val="tx2">
                     <a:lumMod val="75000"/>
@@ -25904,35 +26600,21 @@
               <a:t> </a:t>
             </a:r>
             <a:r>
-              <a:rPr lang="ru-RU" sz="2950" dirty="0"/>
+              <a:rPr lang="ru-RU" sz="3000" dirty="0"/>
               <a:t>–</a:t>
             </a:r>
             <a:r>
-              <a:rPr lang="en-US" sz="2950" dirty="0"/>
+              <a:rPr lang="en-US" sz="3000" dirty="0"/>
               <a:t> exception</a:t>
             </a:r>
             <a:r>
-              <a:rPr lang="en-US" sz="2950" dirty="0">
+              <a:rPr lang="en-US" sz="3000" dirty="0">
                 <a:ea typeface="+mn-lt"/>
                 <a:cs typeface="+mn-lt"/>
               </a:rPr>
-              <a:t>, който е приченил сегашния exception (</a:t>
-            </a:r>
-            <a:r>
-              <a:rPr lang="en-US" sz="2950" dirty="0" err="1">
-                <a:ea typeface="+mn-lt"/>
-                <a:cs typeface="+mn-lt"/>
-              </a:rPr>
-              <a:t>ако</a:t>
-            </a:r>
-            <a:r>
-              <a:rPr lang="en-US" sz="2950" dirty="0">
-                <a:ea typeface="+mn-lt"/>
-                <a:cs typeface="+mn-lt"/>
-              </a:rPr>
-              <a:t> има)</a:t>
-            </a:r>
-            <a:endParaRPr lang="en-US" dirty="0">
+              <a:t>, който е приченил сегашния exception (ако има)</a:t>
+            </a:r>
+            <a:endParaRPr lang="en-US" sz="3000" dirty="0">
               <a:cs typeface="Calibri"/>
             </a:endParaRPr>
           </a:p>
@@ -25956,21 +26638,23 @@
         </p:nvSpPr>
         <p:spPr/>
         <p:txBody>
-          <a:bodyPr/>
+          <a:bodyPr>
+            <a:normAutofit/>
+          </a:bodyPr>
           <a:lstStyle/>
           <a:p>
             <a:r>
-              <a:rPr lang="bg-BG" sz="3950" dirty="0"/>
+              <a:rPr lang="bg-BG" sz="4000" dirty="0"/>
               <a:t>Клас </a:t>
             </a:r>
             <a:r>
-              <a:rPr lang="en-US" sz="3950" noProof="1">
+              <a:rPr lang="en-US" sz="4000" noProof="1">
                 <a:latin typeface="Consolas"/>
                 <a:cs typeface="Consolas" pitchFamily="49" charset="0"/>
               </a:rPr>
               <a:t>System.Exception</a:t>
             </a:r>
-            <a:endParaRPr lang="en-US" sz="3950" dirty="0">
+            <a:endParaRPr lang="en-US" sz="4000" dirty="0">
               <a:cs typeface="Calibri"/>
             </a:endParaRPr>
           </a:p>
@@ -26310,55 +26994,6 @@
                       </p:childTnLst>
                     </p:cTn>
                   </p:par>
-                  <p:par>
-                    <p:cTn id="17" fill="hold">
-                      <p:stCondLst>
-                        <p:cond delay="indefinite"/>
-                      </p:stCondLst>
-                      <p:childTnLst>
-                        <p:par>
-                          <p:cTn id="18" fill="hold">
-                            <p:stCondLst>
-                              <p:cond delay="0"/>
-                            </p:stCondLst>
-                            <p:childTnLst>
-                              <p:par>
-                                <p:cTn id="19" presetID="1" presetClass="entr" presetSubtype="0" fill="hold" nodeType="clickEffect">
-                                  <p:stCondLst>
-                                    <p:cond delay="0"/>
-                                  </p:stCondLst>
-                                  <p:childTnLst>
-                                    <p:set>
-                                      <p:cBhvr>
-                                        <p:cTn id="20" dur="1" fill="hold">
-                                          <p:stCondLst>
-                                            <p:cond delay="0"/>
-                                          </p:stCondLst>
-                                        </p:cTn>
-                                        <p:tgtEl>
-                                          <p:spTgt spid="2">
-                                            <p:txEl>
-                                              <p:pRg st="5" end="5"/>
-                                            </p:txEl>
-                                          </p:spTgt>
-                                        </p:tgtEl>
-                                        <p:attrNameLst>
-                                          <p:attrName>style.visibility</p:attrName>
-                                        </p:attrNameLst>
-                                      </p:cBhvr>
-                                      <p:to>
-                                        <p:strVal val="visible"/>
-                                      </p:to>
-                                    </p:set>
-                                  </p:childTnLst>
-                                </p:cTn>
-                              </p:par>
-                            </p:childTnLst>
-                          </p:cTn>
-                        </p:par>
-                      </p:childTnLst>
-                    </p:cTn>
-                  </p:par>
                 </p:childTnLst>
               </p:cTn>
               <p:prevCondLst>
@@ -26403,35 +27038,6 @@
       </p:grpSpPr>
       <p:sp>
         <p:nvSpPr>
-          <p:cNvPr id="2" name="Title 1">
-            <a:extLst>
-              <a:ext uri="{FF2B5EF4-FFF2-40B4-BE49-F238E27FC236}">
-                <a16:creationId xmlns:a16="http://schemas.microsoft.com/office/drawing/2014/main" id="{35E2F701-5968-4037-B0F1-B55B3C48F180}"/>
-              </a:ext>
-            </a:extLst>
-          </p:cNvPr>
-          <p:cNvSpPr>
-            <a:spLocks noGrp="1"/>
-          </p:cNvSpPr>
-          <p:nvPr>
-            <p:ph type="title"/>
-          </p:nvPr>
-        </p:nvSpPr>
-        <p:spPr/>
-        <p:txBody>
-          <a:bodyPr/>
-          <a:lstStyle/>
-          <a:p>
-            <a:r>
-              <a:rPr lang="en-US" sz="3950" dirty="0"/>
-              <a:t>Хващане на exception</a:t>
-            </a:r>
-            <a:endParaRPr lang="en-US" dirty="0"/>
-          </a:p>
-        </p:txBody>
-      </p:sp>
-      <p:sp>
-        <p:nvSpPr>
           <p:cNvPr id="3" name="Text Placeholder 2">
             <a:extLst>
               <a:ext uri="{FF2B5EF4-FFF2-40B4-BE49-F238E27FC236}">
@@ -26465,11 +27071,11 @@
               <a:t>В C# </a:t>
             </a:r>
             <a:r>
-              <a:rPr lang="en-US" sz="3600" dirty="0">
+              <a:rPr lang="bg-BG" sz="3600" dirty="0">
                 <a:ea typeface="+mn-lt"/>
                 <a:cs typeface="+mn-lt"/>
               </a:rPr>
-              <a:t>exception-ите могат да бъдат хванати с конструктура </a:t>
+              <a:t>изключенията могат да бъдат хванати с конструкцията </a:t>
             </a:r>
             <a:r>
               <a:rPr lang="en-US" sz="3600" b="1" dirty="0">
@@ -26534,14 +27140,14 @@
                 <a:spcPct val="100000"/>
               </a:lnSpc>
               <a:spcBef>
-                <a:spcPts val="2399"/>
+                <a:spcPts val="3000"/>
               </a:spcBef>
               <a:buClr>
                 <a:srgbClr val="234465"/>
               </a:buClr>
             </a:pPr>
             <a:r>
-              <a:rPr lang="en-US" sz="3600" dirty="0">
+              <a:rPr lang="bg-BG" sz="3600" dirty="0">
                 <a:solidFill>
                   <a:srgbClr val="234465"/>
                 </a:solidFill>
@@ -26551,14 +27157,14 @@
               <a:t>Блокът</a:t>
             </a:r>
             <a:r>
-              <a:rPr lang="en-US" sz="3600" dirty="0">
+              <a:rPr lang="bg-BG" sz="3600" dirty="0">
                 <a:ea typeface="+mn-lt"/>
                 <a:cs typeface="+mn-lt"/>
               </a:rPr>
               <a:t> </a:t>
             </a:r>
             <a:r>
-              <a:rPr lang="ru-RU" sz="3600" b="1" dirty="0">
+              <a:rPr lang="bg-BG" sz="3600" b="1" dirty="0">
                 <a:solidFill>
                   <a:schemeClr val="bg1"/>
                 </a:solidFill>
@@ -26568,7 +27174,7 @@
               <a:t>catch</a:t>
             </a:r>
             <a:r>
-              <a:rPr lang="ru-RU" sz="3600" dirty="0">
+              <a:rPr lang="bg-BG" sz="3600" dirty="0">
                 <a:solidFill>
                   <a:schemeClr val="tx2">
                     <a:lumMod val="75000"/>
@@ -26578,15 +27184,50 @@
               <a:t>  може да се използва много пъти за различни типове </a:t>
             </a:r>
             <a:r>
-              <a:rPr lang="en-US" sz="3600" dirty="0">
+              <a:rPr lang="bg-BG" sz="3600" dirty="0">
                 <a:ea typeface="+mn-lt"/>
                 <a:cs typeface="+mn-lt"/>
               </a:rPr>
-              <a:t>exception</a:t>
-            </a:r>
-            <a:endParaRPr lang="en-US" sz="3600" dirty="0">
+              <a:t>изключения</a:t>
+            </a:r>
+            <a:endParaRPr lang="bg-BG" sz="3600" dirty="0">
               <a:cs typeface="Calibri"/>
             </a:endParaRPr>
+          </a:p>
+        </p:txBody>
+      </p:sp>
+      <p:sp>
+        <p:nvSpPr>
+          <p:cNvPr id="2" name="Title 1">
+            <a:extLst>
+              <a:ext uri="{FF2B5EF4-FFF2-40B4-BE49-F238E27FC236}">
+                <a16:creationId xmlns:a16="http://schemas.microsoft.com/office/drawing/2014/main" id="{35E2F701-5968-4037-B0F1-B55B3C48F180}"/>
+              </a:ext>
+            </a:extLst>
+          </p:cNvPr>
+          <p:cNvSpPr>
+            <a:spLocks noGrp="1"/>
+          </p:cNvSpPr>
+          <p:nvPr>
+            <p:ph type="title"/>
+          </p:nvPr>
+        </p:nvSpPr>
+        <p:spPr/>
+        <p:txBody>
+          <a:bodyPr>
+            <a:normAutofit/>
+          </a:bodyPr>
+          <a:lstStyle/>
+          <a:p>
+            <a:r>
+              <a:rPr lang="en-US" sz="4000" dirty="0"/>
+              <a:t>Хващане на </a:t>
+            </a:r>
+            <a:r>
+              <a:rPr lang="bg-BG" sz="4000" dirty="0"/>
+              <a:t>изключение</a:t>
+            </a:r>
+            <a:endParaRPr lang="en-US" sz="4000" dirty="0"/>
           </a:p>
         </p:txBody>
       </p:sp>
@@ -26606,8 +27247,8 @@
         </p:nvSpPr>
         <p:spPr bwMode="auto">
           <a:xfrm>
-            <a:off x="1551000" y="2304000"/>
-            <a:ext cx="10710000" cy="2618653"/>
+            <a:off x="2316000" y="2430347"/>
+            <a:ext cx="9360000" cy="2618653"/>
           </a:xfrm>
           <a:prstGeom prst="rect">
             <a:avLst/>
@@ -26671,18 +27312,15 @@
                 <a:latin typeface="Consolas" pitchFamily="49" charset="0"/>
                 <a:cs typeface="Consolas" pitchFamily="49" charset="0"/>
               </a:rPr>
-              <a:t>Използвайте код, който може да предизвика </a:t>
-            </a:r>
-            <a:r>
-              <a:rPr lang="en-US" sz="2600" b="1" i="1" noProof="1">
-                <a:solidFill>
-                  <a:schemeClr val="accent2"/>
-                </a:solidFill>
-                <a:latin typeface="Consolas" pitchFamily="49" charset="0"/>
-                <a:cs typeface="Consolas" pitchFamily="49" charset="0"/>
-              </a:rPr>
-              <a:t>exception</a:t>
-            </a:r>
+              <a:t>Код, който може да предизвика грешка</a:t>
+            </a:r>
+            <a:endParaRPr lang="en-US" sz="2600" b="1" i="1" noProof="1">
+              <a:solidFill>
+                <a:schemeClr val="accent2"/>
+              </a:solidFill>
+              <a:latin typeface="Consolas" pitchFamily="49" charset="0"/>
+              <a:cs typeface="Consolas" pitchFamily="49" charset="0"/>
+            </a:endParaRPr>
           </a:p>
           <a:p>
             <a:pPr defTabSz="1218072" latinLnBrk="1"/>
@@ -26741,7 +27379,7 @@
                 <a:latin typeface="Consolas" pitchFamily="49" charset="0"/>
                 <a:cs typeface="Consolas" pitchFamily="49" charset="0"/>
               </a:rPr>
-              <a:t>  // </a:t>
+              <a:t>  //</a:t>
             </a:r>
             <a:r>
               <a:rPr lang="bg-BG" sz="2600" b="1" i="1" noProof="1">
@@ -26751,18 +27389,15 @@
                 <a:latin typeface="Consolas" pitchFamily="49" charset="0"/>
                 <a:cs typeface="Consolas" pitchFamily="49" charset="0"/>
               </a:rPr>
-              <a:t>Хващане на </a:t>
-            </a:r>
-            <a:r>
-              <a:rPr lang="en-US" sz="2600" b="1" i="1" noProof="1">
-                <a:solidFill>
-                  <a:schemeClr val="accent2"/>
-                </a:solidFill>
-                <a:latin typeface="Consolas" pitchFamily="49" charset="0"/>
-                <a:cs typeface="Consolas" pitchFamily="49" charset="0"/>
-              </a:rPr>
-              <a:t>exception</a:t>
-            </a:r>
+              <a:t> Код, който се изпълнява, ако възникне грешка</a:t>
+            </a:r>
+            <a:endParaRPr lang="en-US" sz="2600" b="1" i="1" noProof="1">
+              <a:solidFill>
+                <a:schemeClr val="accent2"/>
+              </a:solidFill>
+              <a:latin typeface="Consolas" pitchFamily="49" charset="0"/>
+              <a:cs typeface="Consolas" pitchFamily="49" charset="0"/>
+            </a:endParaRPr>
           </a:p>
           <a:p>
             <a:pPr defTabSz="1218072" latinLnBrk="1"/>
@@ -27176,15 +27811,19 @@
           <a:lstStyle/>
           <a:p>
             <a:r>
-              <a:rPr lang="en-US" sz="3950" dirty="0">
+              <a:rPr lang="en-US" sz="3950">
                 <a:ea typeface="+mj-lt"/>
                 <a:cs typeface="+mj-lt"/>
               </a:rPr>
               <a:t>Йерархия на </a:t>
             </a:r>
             <a:r>
-              <a:rPr lang="en-US" sz="3950" dirty="0"/>
-              <a:t>exception в .NET</a:t>
+              <a:rPr lang="bg-BG" sz="3950"/>
+              <a:t>изключенията</a:t>
+            </a:r>
+            <a:r>
+              <a:rPr lang="en-US" sz="3950"/>
+              <a:t> в .NET</a:t>
             </a:r>
             <a:endParaRPr lang="bg-BG" sz="3950" dirty="0"/>
           </a:p>
@@ -28879,6 +29518,44 @@
       </p:pic>
       <p:sp>
         <p:nvSpPr>
+          <p:cNvPr id="4" name="Subtitle 3">
+            <a:extLst>
+              <a:ext uri="{FF2B5EF4-FFF2-40B4-BE49-F238E27FC236}">
+                <a16:creationId xmlns:a16="http://schemas.microsoft.com/office/drawing/2014/main" id="{267DB33E-75B9-5BA4-6C58-804892D26A5A}"/>
+              </a:ext>
+            </a:extLst>
+          </p:cNvPr>
+          <p:cNvSpPr>
+            <a:spLocks noGrp="1"/>
+          </p:cNvSpPr>
+          <p:nvPr>
+            <p:ph type="subTitle" sz="quarter" idx="11"/>
+          </p:nvPr>
+        </p:nvSpPr>
+        <p:spPr/>
+        <p:txBody>
+          <a:bodyPr/>
+          <a:lstStyle/>
+          <a:p>
+            <a:r>
+              <a:rPr lang="en-GB" dirty="0">
+                <a:latin typeface="Consolas" panose="020B0609020204030204" pitchFamily="49" charset="0"/>
+                <a:cs typeface="Consolas" panose="020B0609020204030204" pitchFamily="49" charset="0"/>
+              </a:rPr>
+              <a:t>t</a:t>
+            </a:r>
+            <a:r>
+              <a:rPr lang="en-BG" dirty="0">
+                <a:latin typeface="Consolas" panose="020B0609020204030204" pitchFamily="49" charset="0"/>
+                <a:cs typeface="Consolas" panose="020B0609020204030204" pitchFamily="49" charset="0"/>
+              </a:rPr>
+              <a:t>ry-catch</a:t>
+            </a:r>
+          </a:p>
+        </p:txBody>
+      </p:sp>
+      <p:sp>
+        <p:nvSpPr>
           <p:cNvPr id="3" name="Title 2">
             <a:extLst>
               <a:ext uri="{FF2B5EF4-FFF2-40B4-BE49-F238E27FC236}">
@@ -28893,16 +29570,23 @@
             <p:ph type="title" sz="quarter" idx="10"/>
           </p:nvPr>
         </p:nvSpPr>
-        <p:spPr/>
+        <p:spPr>
+          <a:xfrm>
+            <a:off x="615109" y="4704825"/>
+            <a:ext cx="10961783" cy="768084"/>
+          </a:xfrm>
+        </p:spPr>
         <p:txBody>
           <a:bodyPr/>
           <a:lstStyle/>
           <a:p>
             <a:r>
-              <a:rPr lang="en-US" sz="5350" dirty="0">
-                <a:cs typeface="Arial"/>
-              </a:rPr>
-              <a:t>Хващане на exception</a:t>
+              <a:rPr lang="en-US" dirty="0"/>
+              <a:t>Хващане на </a:t>
+            </a:r>
+            <a:r>
+              <a:rPr lang="bg-BG" dirty="0"/>
+              <a:t>изключения</a:t>
             </a:r>
             <a:endParaRPr lang="en-US" dirty="0"/>
           </a:p>

--- a/Courses/Software-Sciences/Module-2-DS-and-Algo/09-Exception-Handling/09-Exception-Handling.pptx
+++ b/Courses/Software-Sciences/Module-2-DS-and-Algo/09-Exception-Handling/09-Exception-Handling.pptx
@@ -38,8 +38,8 @@
     <p:sldId id="317" r:id="rId26"/>
     <p:sldId id="318" r:id="rId27"/>
     <p:sldId id="319" r:id="rId28"/>
-    <p:sldId id="495" r:id="rId29"/>
-    <p:sldId id="496" r:id="rId30"/>
+    <p:sldId id="504" r:id="rId29"/>
+    <p:sldId id="505" r:id="rId30"/>
   </p:sldIdLst>
   <p:sldSz cx="12192000" cy="6858000"/>
   <p:notesSz cx="6858000" cy="9144000"/>
@@ -141,13 +141,13 @@
   <p:extLst>
     <p:ext uri="{521415D9-36F7-43E2-AB2F-B90AF26B5E84}">
       <p14:sectionLst xmlns:p14="http://schemas.microsoft.com/office/powerpoint/2010/main">
-        <p14:section name="Начало" id="{F78D0A00-D045-4AD3-AF0E-D62B71038B15}">
+        <p14:section name="Начало" id="{2431BBC9-9DF0-47BB-8993-7BC4BCCC54BF}">
           <p14:sldIdLst>
             <p14:sldId id="291"/>
             <p14:sldId id="292"/>
           </p14:sldIdLst>
         </p14:section>
-        <p14:section name="Изключения" id="{CE349CF6-EA10-4A20-877D-4BAB68E178C5}">
+        <p14:section name="Изключения" id="{88957331-35B6-457A-95F9-D914529C1691}">
           <p14:sldIdLst>
             <p14:sldId id="294"/>
             <p14:sldId id="494"/>
@@ -157,7 +157,7 @@
             <p14:sldId id="297"/>
           </p14:sldIdLst>
         </p14:section>
-        <p14:section name="Хващане на изключения" id="{DF2EE2B0-A873-419D-BF7D-08DBD14F089D}">
+        <p14:section name="Хващане на изключения" id="{C474931C-CA52-485D-B624-2299B17C7B28}">
           <p14:sldIdLst>
             <p14:sldId id="299"/>
             <p14:sldId id="302"/>
@@ -168,7 +168,7 @@
             <p14:sldId id="306"/>
           </p14:sldIdLst>
         </p14:section>
-        <p14:section name="Хвърляне на exception" id="{813C7047-16FF-43B5-87C8-FF3685EA98CA}">
+        <p14:section name="Хвърляне на Exception" id="{54AA78EC-D11C-42EC-89A7-1EA4DD3C9B0C}">
           <p14:sldIdLst>
             <p14:sldId id="308"/>
             <p14:sldId id="310"/>
@@ -177,7 +177,7 @@
             <p14:sldId id="312"/>
           </p14:sldIdLst>
         </p14:section>
-        <p14:section name="Добра практика" id="{CB57A74E-17A4-438F-B732-D2C14DAAF8FE}">
+        <p14:section name="Добра практика" id="{6DC66C89-6BED-43AD-8DAF-03FE0B9553DC}">
           <p14:sldIdLst>
             <p14:sldId id="313"/>
             <p14:sldId id="314"/>
@@ -187,11 +187,11 @@
             <p14:sldId id="318"/>
           </p14:sldIdLst>
         </p14:section>
-        <p14:section name="Обобщение" id="{1BC62222-ADBF-44D1-8795-B8F8F697458A}">
+        <p14:section name="Обобщение" id="{548F05AD-CE39-432A-9004-4B48032C233A}">
           <p14:sldIdLst>
             <p14:sldId id="319"/>
-            <p14:sldId id="495"/>
-            <p14:sldId id="496"/>
+            <p14:sldId id="504"/>
+            <p14:sldId id="505"/>
           </p14:sldIdLst>
         </p14:section>
       </p14:sectionLst>
@@ -215,16 +215,6 @@
     </p:ext>
   </p:extLst>
 </p:presentation>
-</file>
-
-<file path=ppt/revisionInfo.xml><?xml version="1.0" encoding="utf-8"?>
-<p1510:revInfo xmlns:a="http://schemas.openxmlformats.org/drawingml/2006/main" xmlns:r="http://schemas.openxmlformats.org/officeDocument/2006/relationships" xmlns:p1510="http://schemas.microsoft.com/office/powerpoint/2015/10/main">
-  <p1510:revLst>
-    <p1510:client id="{746EC785-FC71-8FFE-8961-4CAC78038F18}" v="1239" dt="2023-02-16T20:51:13.458"/>
-    <p1510:client id="{9E1890BA-7F11-6123-640D-F2BAFCF82C9C}" v="325" dt="2023-02-14T19:20:13.243"/>
-    <p1510:client id="{AEBE38BD-C43C-E54A-8A03-B3425F009BB0}" v="927" dt="2023-02-16T16:09:03.516"/>
-  </p1510:revLst>
-</p1510:revInfo>
 </file>
 
 <file path=ppt/handoutMasters/handoutMaster1.xml><?xml version="1.0" encoding="utf-8"?>
@@ -282,7 +272,7 @@
             </a:lvl1pPr>
           </a:lstStyle>
           <a:p>
-            <a:endParaRPr lang="bg-BG" dirty="0"/>
+            <a:endParaRPr lang="bg-BG"/>
           </a:p>
         </p:txBody>
       </p:sp>
@@ -321,9 +311,9 @@
           <a:p>
             <a:fld id="{4E087215-0C8F-4762-A664-737A353EC9A4}" type="datetimeFigureOut">
               <a:rPr lang="bg-BG" smtClean="0"/>
-              <a:t>19.08.23 г.</a:t>
+              <a:t>17.9.2023 г.</a:t>
             </a:fld>
-            <a:endParaRPr lang="bg-BG" dirty="0"/>
+            <a:endParaRPr lang="bg-BG"/>
           </a:p>
         </p:txBody>
       </p:sp>
@@ -345,8 +335,8 @@
         </p:nvSpPr>
         <p:spPr>
           <a:xfrm>
-            <a:off x="-1" y="8847000"/>
-            <a:ext cx="6443999" cy="297000"/>
+            <a:off x="-1" y="8892000"/>
+            <a:ext cx="6443999" cy="252000"/>
           </a:xfrm>
           <a:prstGeom prst="rect">
             <a:avLst/>
@@ -361,19 +351,24 @@
           </a:lstStyle>
           <a:p>
             <a:r>
-              <a:rPr lang="en-US" sz="1100" dirty="0"/>
-              <a:t>© SoftUni – </a:t>
-            </a:r>
-            <a:r>
-              <a:rPr lang="en-US" sz="1100" u="sng" dirty="0">
+              <a:rPr lang="bg-BG" sz="1100" dirty="0"/>
+              <a:t>Работна група </a:t>
+            </a:r>
+            <a:r>
+              <a:rPr lang="ru-RU" sz="1100" dirty="0"/>
+              <a:t>"Образование по програмиране и ИТ</a:t>
+            </a:r>
+            <a:r>
+              <a:rPr lang="bg-BG" sz="1100" dirty="0"/>
+              <a:t>", с подкрепата на </a:t>
+            </a:r>
+            <a:r>
+              <a:rPr lang="en-US" sz="1100" dirty="0">
                 <a:hlinkClick r:id="rId2"/>
               </a:rPr>
-              <a:t>https://softuni.org</a:t>
-            </a:r>
-            <a:r>
-              <a:rPr lang="en-US" sz="1100" dirty="0"/>
-              <a:t>. Copyrighted document. Unauthorized copy or reproduction is not permitted.</a:t>
-            </a:r>
+              <a:t>SoftUni</a:t>
+            </a:r>
+            <a:endParaRPr lang="en-US" sz="1100" dirty="0"/>
           </a:p>
         </p:txBody>
       </p:sp>
@@ -395,8 +390,8 @@
         </p:nvSpPr>
         <p:spPr>
           <a:xfrm>
-            <a:off x="6443999" y="8847000"/>
-            <a:ext cx="412413" cy="297000"/>
+            <a:off x="6443999" y="8892000"/>
+            <a:ext cx="412413" cy="252000"/>
           </a:xfrm>
           <a:prstGeom prst="rect">
             <a:avLst/>
@@ -479,7 +474,7 @@
             </a:lvl1pPr>
           </a:lstStyle>
           <a:p>
-            <a:endParaRPr lang="en-US" dirty="0"/>
+            <a:endParaRPr lang="en-US"/>
           </a:p>
         </p:txBody>
       </p:sp>
@@ -512,9 +507,9 @@
           <a:p>
             <a:fld id="{72D84649-876A-46C9-8472-14CB09C070D8}" type="datetimeFigureOut">
               <a:rPr lang="en-US" smtClean="0"/>
-              <a:t>8/19/23</a:t>
+              <a:t>9/17/2023</a:t>
             </a:fld>
-            <a:endParaRPr lang="en-US" dirty="0"/>
+            <a:endParaRPr lang="en-US"/>
           </a:p>
         </p:txBody>
       </p:sp>
@@ -547,7 +542,7 @@
           <a:bodyPr vert="horz" lIns="91440" tIns="45720" rIns="91440" bIns="45720" rtlCol="0" anchor="ctr"/>
           <a:lstStyle/>
           <a:p>
-            <a:endParaRPr lang="en-US" dirty="0"/>
+            <a:endParaRPr lang="en-US"/>
           </a:p>
         </p:txBody>
       </p:sp>
@@ -622,8 +617,8 @@
         </p:nvSpPr>
         <p:spPr>
           <a:xfrm>
-            <a:off x="6488999" y="8847000"/>
-            <a:ext cx="367414" cy="297000"/>
+            <a:off x="6488999" y="8892000"/>
+            <a:ext cx="367414" cy="252000"/>
           </a:xfrm>
           <a:prstGeom prst="rect">
             <a:avLst/>
@@ -663,8 +658,8 @@
         </p:nvSpPr>
         <p:spPr>
           <a:xfrm>
-            <a:off x="-1" y="8847000"/>
-            <a:ext cx="6488999" cy="297000"/>
+            <a:off x="-1" y="8892000"/>
+            <a:ext cx="6488999" cy="252000"/>
           </a:xfrm>
           <a:prstGeom prst="rect">
             <a:avLst/>
@@ -679,19 +674,24 @@
           </a:lstStyle>
           <a:p>
             <a:r>
-              <a:rPr lang="en-US" dirty="0"/>
-              <a:t>© SoftUni – </a:t>
-            </a:r>
-            <a:r>
-              <a:rPr lang="en-US" u="sng" dirty="0">
+              <a:rPr lang="bg-BG" sz="1100" dirty="0"/>
+              <a:t>Работна група </a:t>
+            </a:r>
+            <a:r>
+              <a:rPr lang="bg-BG" dirty="0"/>
+              <a:t>"Образование по програмиране и ИТ"</a:t>
+            </a:r>
+            <a:r>
+              <a:rPr lang="bg-BG" sz="1100" dirty="0"/>
+              <a:t>, с подкрепата на </a:t>
+            </a:r>
+            <a:r>
+              <a:rPr lang="en-US" sz="1100" dirty="0">
                 <a:hlinkClick r:id="rId2"/>
               </a:rPr>
-              <a:t>https://softuni.org</a:t>
-            </a:r>
-            <a:r>
-              <a:rPr lang="en-US" dirty="0"/>
-              <a:t>. Copyrighted document. Unauthorized copy or reproduction is not permitted.</a:t>
-            </a:r>
+              <a:t>SoftUni</a:t>
+            </a:r>
+            <a:endParaRPr lang="en-US" sz="1100" dirty="0"/>
           </a:p>
         </p:txBody>
       </p:sp>
@@ -908,10 +908,10 @@
       </p:sp>
       <p:sp>
         <p:nvSpPr>
-          <p:cNvPr id="8" name="Footer Placeholder 7">
+          <p:cNvPr id="2" name="Footer Placeholder 7">
             <a:extLst>
               <a:ext uri="{FF2B5EF4-FFF2-40B4-BE49-F238E27FC236}">
-                <a16:creationId xmlns:a16="http://schemas.microsoft.com/office/drawing/2014/main" id="{EDF1DA5E-3C61-43A0-9517-E8C3AFA6938C}"/>
+                <a16:creationId xmlns:a16="http://schemas.microsoft.com/office/drawing/2014/main" id="{1EC4C76E-63F8-BD39-C18E-4184E1ACE019}"/>
               </a:ext>
             </a:extLst>
           </p:cNvPr>
@@ -924,8 +924,8 @@
         </p:nvSpPr>
         <p:spPr>
           <a:xfrm>
-            <a:off x="-1" y="8847000"/>
-            <a:ext cx="6488999" cy="297000"/>
+            <a:off x="-1" y="8892000"/>
+            <a:ext cx="6488999" cy="252000"/>
           </a:xfrm>
           <a:prstGeom prst="rect">
             <a:avLst/>
@@ -940,26 +940,31 @@
           </a:lstStyle>
           <a:p>
             <a:r>
-              <a:rPr lang="en-US" dirty="0"/>
-              <a:t>© SoftUni – </a:t>
-            </a:r>
-            <a:r>
-              <a:rPr lang="en-US" u="sng" dirty="0">
+              <a:rPr lang="bg-BG" sz="1100" dirty="0"/>
+              <a:t>Работна група </a:t>
+            </a:r>
+            <a:r>
+              <a:rPr lang="bg-BG" dirty="0"/>
+              <a:t>"Образование по програмиране и ИТ"</a:t>
+            </a:r>
+            <a:r>
+              <a:rPr lang="bg-BG" sz="1100" dirty="0"/>
+              <a:t>, с подкрепата на </a:t>
+            </a:r>
+            <a:r>
+              <a:rPr lang="en-US" sz="1100" dirty="0">
                 <a:hlinkClick r:id="rId3"/>
               </a:rPr>
-              <a:t>https://softuni.org</a:t>
-            </a:r>
-            <a:r>
-              <a:rPr lang="en-US" dirty="0"/>
-              <a:t>. Copyrighted document. Unauthorized copy or reproduction is not permitted.</a:t>
-            </a:r>
+              <a:t>SoftUni</a:t>
+            </a:r>
+            <a:endParaRPr lang="en-US" sz="1100" dirty="0"/>
           </a:p>
         </p:txBody>
       </p:sp>
     </p:spTree>
     <p:extLst>
       <p:ext uri="{BB962C8B-B14F-4D97-AF65-F5344CB8AC3E}">
-        <p14:creationId xmlns:p14="http://schemas.microsoft.com/office/powerpoint/2010/main" val="3524710705"/>
+        <p14:creationId xmlns:p14="http://schemas.microsoft.com/office/powerpoint/2010/main" val="1484578952"/>
       </p:ext>
     </p:extLst>
   </p:cSld>
@@ -1078,10 +1083,10 @@
       </p:sp>
       <p:sp>
         <p:nvSpPr>
-          <p:cNvPr id="8" name="Footer Placeholder 7">
+          <p:cNvPr id="2" name="Footer Placeholder 7">
             <a:extLst>
               <a:ext uri="{FF2B5EF4-FFF2-40B4-BE49-F238E27FC236}">
-                <a16:creationId xmlns:a16="http://schemas.microsoft.com/office/drawing/2014/main" id="{0EA1951A-502A-4280-BD12-DEEBD190BBFB}"/>
+                <a16:creationId xmlns:a16="http://schemas.microsoft.com/office/drawing/2014/main" id="{B9171E5D-A71B-6BD4-AA18-D575597D1052}"/>
               </a:ext>
             </a:extLst>
           </p:cNvPr>
@@ -1094,8 +1099,8 @@
         </p:nvSpPr>
         <p:spPr>
           <a:xfrm>
-            <a:off x="-1" y="8847000"/>
-            <a:ext cx="6488999" cy="297000"/>
+            <a:off x="-1" y="8892000"/>
+            <a:ext cx="6488999" cy="252000"/>
           </a:xfrm>
           <a:prstGeom prst="rect">
             <a:avLst/>
@@ -1110,26 +1115,31 @@
           </a:lstStyle>
           <a:p>
             <a:r>
-              <a:rPr lang="en-US" dirty="0"/>
-              <a:t>© SoftUni – </a:t>
-            </a:r>
-            <a:r>
-              <a:rPr lang="en-US" u="sng" dirty="0">
+              <a:rPr lang="bg-BG" sz="1100" dirty="0"/>
+              <a:t>Работна група </a:t>
+            </a:r>
+            <a:r>
+              <a:rPr lang="bg-BG" dirty="0"/>
+              <a:t>"Образование по програмиране и ИТ"</a:t>
+            </a:r>
+            <a:r>
+              <a:rPr lang="bg-BG" sz="1100" dirty="0"/>
+              <a:t>, с подкрепата на </a:t>
+            </a:r>
+            <a:r>
+              <a:rPr lang="en-US" sz="1100" dirty="0">
                 <a:hlinkClick r:id="rId3"/>
               </a:rPr>
-              <a:t>https://softuni.org</a:t>
-            </a:r>
-            <a:r>
-              <a:rPr lang="en-US" dirty="0"/>
-              <a:t>. Copyrighted document. Unauthorized copy or reproduction is not permitted.</a:t>
-            </a:r>
+              <a:t>SoftUni</a:t>
+            </a:r>
+            <a:endParaRPr lang="en-US" sz="1100" dirty="0"/>
           </a:p>
         </p:txBody>
       </p:sp>
     </p:spTree>
     <p:extLst>
       <p:ext uri="{BB962C8B-B14F-4D97-AF65-F5344CB8AC3E}">
-        <p14:creationId xmlns:p14="http://schemas.microsoft.com/office/powerpoint/2010/main" val="2060157186"/>
+        <p14:creationId xmlns:p14="http://schemas.microsoft.com/office/powerpoint/2010/main" val="3363038925"/>
       </p:ext>
     </p:extLst>
   </p:cSld>
@@ -1248,10 +1258,10 @@
       </p:sp>
       <p:sp>
         <p:nvSpPr>
-          <p:cNvPr id="8" name="Footer Placeholder 7">
+          <p:cNvPr id="2" name="Footer Placeholder 7">
             <a:extLst>
               <a:ext uri="{FF2B5EF4-FFF2-40B4-BE49-F238E27FC236}">
-                <a16:creationId xmlns:a16="http://schemas.microsoft.com/office/drawing/2014/main" id="{447E0C1B-0E73-4F72-85C2-4E60F02B9A8D}"/>
+                <a16:creationId xmlns:a16="http://schemas.microsoft.com/office/drawing/2014/main" id="{CA8DDFC7-2964-60FD-C8E3-FD6F9CDD5AB7}"/>
               </a:ext>
             </a:extLst>
           </p:cNvPr>
@@ -1264,8 +1274,8 @@
         </p:nvSpPr>
         <p:spPr>
           <a:xfrm>
-            <a:off x="-1" y="8847000"/>
-            <a:ext cx="6488999" cy="297000"/>
+            <a:off x="-1" y="8892000"/>
+            <a:ext cx="6488999" cy="252000"/>
           </a:xfrm>
           <a:prstGeom prst="rect">
             <a:avLst/>
@@ -1280,26 +1290,31 @@
           </a:lstStyle>
           <a:p>
             <a:r>
-              <a:rPr lang="en-US" dirty="0"/>
-              <a:t>© SoftUni – </a:t>
-            </a:r>
-            <a:r>
-              <a:rPr lang="en-US" u="sng" dirty="0">
+              <a:rPr lang="bg-BG" sz="1100" dirty="0"/>
+              <a:t>Работна група </a:t>
+            </a:r>
+            <a:r>
+              <a:rPr lang="bg-BG" dirty="0"/>
+              <a:t>"Образование по програмиране и ИТ"</a:t>
+            </a:r>
+            <a:r>
+              <a:rPr lang="bg-BG" sz="1100" dirty="0"/>
+              <a:t>, с подкрепата на </a:t>
+            </a:r>
+            <a:r>
+              <a:rPr lang="en-US" sz="1100" dirty="0">
                 <a:hlinkClick r:id="rId3"/>
               </a:rPr>
-              <a:t>https://softuni.org</a:t>
-            </a:r>
-            <a:r>
-              <a:rPr lang="en-US" dirty="0"/>
-              <a:t>. Copyrighted document. Unauthorized copy or reproduction is not permitted.</a:t>
-            </a:r>
+              <a:t>SoftUni</a:t>
+            </a:r>
+            <a:endParaRPr lang="en-US" sz="1100" dirty="0"/>
           </a:p>
         </p:txBody>
       </p:sp>
     </p:spTree>
     <p:extLst>
       <p:ext uri="{BB962C8B-B14F-4D97-AF65-F5344CB8AC3E}">
-        <p14:creationId xmlns:p14="http://schemas.microsoft.com/office/powerpoint/2010/main" val="3000935522"/>
+        <p14:creationId xmlns:p14="http://schemas.microsoft.com/office/powerpoint/2010/main" val="1050406686"/>
       </p:ext>
     </p:extLst>
   </p:cSld>
@@ -1442,10 +1457,10 @@
       </p:sp>
       <p:sp>
         <p:nvSpPr>
-          <p:cNvPr id="7" name="Footer Placeholder 7">
+          <p:cNvPr id="4" name="Footer Placeholder 7">
             <a:extLst>
               <a:ext uri="{FF2B5EF4-FFF2-40B4-BE49-F238E27FC236}">
-                <a16:creationId xmlns:a16="http://schemas.microsoft.com/office/drawing/2014/main" id="{B6968A07-05B1-421E-9A3B-D10AED068FA2}"/>
+                <a16:creationId xmlns:a16="http://schemas.microsoft.com/office/drawing/2014/main" id="{3B673D52-E7D6-148D-1430-DC7A9370B68F}"/>
               </a:ext>
             </a:extLst>
           </p:cNvPr>
@@ -1458,8 +1473,8 @@
         </p:nvSpPr>
         <p:spPr>
           <a:xfrm>
-            <a:off x="-1" y="8847000"/>
-            <a:ext cx="6488999" cy="297000"/>
+            <a:off x="-1" y="8892000"/>
+            <a:ext cx="6488999" cy="252000"/>
           </a:xfrm>
           <a:prstGeom prst="rect">
             <a:avLst/>
@@ -1474,26 +1489,31 @@
           </a:lstStyle>
           <a:p>
             <a:r>
-              <a:rPr lang="en-US" dirty="0"/>
-              <a:t>© SoftUni – </a:t>
-            </a:r>
-            <a:r>
-              <a:rPr lang="en-US" u="sng" dirty="0">
+              <a:rPr lang="bg-BG" sz="1100" dirty="0"/>
+              <a:t>Работна група </a:t>
+            </a:r>
+            <a:r>
+              <a:rPr lang="bg-BG" dirty="0"/>
+              <a:t>"Образование по програмиране и ИТ"</a:t>
+            </a:r>
+            <a:r>
+              <a:rPr lang="bg-BG" sz="1100" dirty="0"/>
+              <a:t>, с подкрепата на </a:t>
+            </a:r>
+            <a:r>
+              <a:rPr lang="en-US" sz="1100" dirty="0">
                 <a:hlinkClick r:id="rId3"/>
               </a:rPr>
-              <a:t>https://softuni.org</a:t>
-            </a:r>
-            <a:r>
-              <a:rPr lang="en-US" dirty="0"/>
-              <a:t>. Copyrighted document. Unauthorized copy or reproduction is not permitted.</a:t>
-            </a:r>
+              <a:t>SoftUni</a:t>
+            </a:r>
+            <a:endParaRPr lang="en-US" sz="1100" dirty="0"/>
           </a:p>
         </p:txBody>
       </p:sp>
     </p:spTree>
     <p:extLst>
       <p:ext uri="{BB962C8B-B14F-4D97-AF65-F5344CB8AC3E}">
-        <p14:creationId xmlns:p14="http://schemas.microsoft.com/office/powerpoint/2010/main" val="890209395"/>
+        <p14:creationId xmlns:p14="http://schemas.microsoft.com/office/powerpoint/2010/main" val="2768033134"/>
       </p:ext>
     </p:extLst>
   </p:cSld>
@@ -1683,10 +1703,10 @@
       </p:sp>
       <p:sp>
         <p:nvSpPr>
-          <p:cNvPr id="6" name="Footer Placeholder 7">
+          <p:cNvPr id="5" name="Footer Placeholder 7">
             <a:extLst>
               <a:ext uri="{FF2B5EF4-FFF2-40B4-BE49-F238E27FC236}">
-                <a16:creationId xmlns:a16="http://schemas.microsoft.com/office/drawing/2014/main" id="{9CFE5E97-8D68-4134-8407-17031A0C4EE4}"/>
+                <a16:creationId xmlns:a16="http://schemas.microsoft.com/office/drawing/2014/main" id="{AE6E218B-141B-100F-6FAC-6BA7C0E4D958}"/>
               </a:ext>
             </a:extLst>
           </p:cNvPr>
@@ -1699,8 +1719,8 @@
         </p:nvSpPr>
         <p:spPr>
           <a:xfrm>
-            <a:off x="-1" y="8847000"/>
-            <a:ext cx="6488999" cy="297000"/>
+            <a:off x="-1" y="8892000"/>
+            <a:ext cx="6488999" cy="252000"/>
           </a:xfrm>
           <a:prstGeom prst="rect">
             <a:avLst/>
@@ -1715,26 +1735,31 @@
           </a:lstStyle>
           <a:p>
             <a:r>
-              <a:rPr lang="en-US" dirty="0"/>
-              <a:t>© SoftUni – </a:t>
-            </a:r>
-            <a:r>
-              <a:rPr lang="en-US" u="sng" dirty="0">
+              <a:rPr lang="bg-BG" sz="1100" dirty="0"/>
+              <a:t>Работна група </a:t>
+            </a:r>
+            <a:r>
+              <a:rPr lang="bg-BG" dirty="0"/>
+              <a:t>"Образование по програмиране и ИТ"</a:t>
+            </a:r>
+            <a:r>
+              <a:rPr lang="bg-BG" sz="1100" dirty="0"/>
+              <a:t>, с подкрепата на </a:t>
+            </a:r>
+            <a:r>
+              <a:rPr lang="en-US" sz="1100" dirty="0">
                 <a:hlinkClick r:id="rId3"/>
               </a:rPr>
-              <a:t>https://softuni.org</a:t>
-            </a:r>
-            <a:r>
-              <a:rPr lang="en-US" dirty="0"/>
-              <a:t>. Copyrighted document. Unauthorized copy or reproduction is not permitted.</a:t>
-            </a:r>
+              <a:t>SoftUni</a:t>
+            </a:r>
+            <a:endParaRPr lang="en-US" sz="1100" dirty="0"/>
           </a:p>
         </p:txBody>
       </p:sp>
     </p:spTree>
     <p:extLst>
       <p:ext uri="{BB962C8B-B14F-4D97-AF65-F5344CB8AC3E}">
-        <p14:creationId xmlns:p14="http://schemas.microsoft.com/office/powerpoint/2010/main" val="93676303"/>
+        <p14:creationId xmlns:p14="http://schemas.microsoft.com/office/powerpoint/2010/main" val="3399995581"/>
       </p:ext>
     </p:extLst>
   </p:cSld>
@@ -1788,7 +1813,7 @@
           <a:bodyPr/>
           <a:lstStyle/>
           <a:p>
-            <a:endParaRPr lang="en-US" dirty="0"/>
+            <a:endParaRPr lang="en-US"/>
           </a:p>
         </p:txBody>
       </p:sp>
@@ -1924,10 +1949,10 @@
       </p:sp>
       <p:sp>
         <p:nvSpPr>
-          <p:cNvPr id="7" name="Footer Placeholder 7">
+          <p:cNvPr id="5" name="Footer Placeholder 7">
             <a:extLst>
               <a:ext uri="{FF2B5EF4-FFF2-40B4-BE49-F238E27FC236}">
-                <a16:creationId xmlns:a16="http://schemas.microsoft.com/office/drawing/2014/main" id="{6440DE1F-FF39-450B-9BB2-FD91A9B92021}"/>
+                <a16:creationId xmlns:a16="http://schemas.microsoft.com/office/drawing/2014/main" id="{B02B8A6A-6AE9-CC4C-14FC-BE12B7680C5B}"/>
               </a:ext>
             </a:extLst>
           </p:cNvPr>
@@ -1940,8 +1965,8 @@
         </p:nvSpPr>
         <p:spPr>
           <a:xfrm>
-            <a:off x="-1" y="8847000"/>
-            <a:ext cx="6488999" cy="297000"/>
+            <a:off x="-1" y="8892000"/>
+            <a:ext cx="6488999" cy="252000"/>
           </a:xfrm>
           <a:prstGeom prst="rect">
             <a:avLst/>
@@ -1956,26 +1981,31 @@
           </a:lstStyle>
           <a:p>
             <a:r>
-              <a:rPr lang="en-US" dirty="0"/>
-              <a:t>© SoftUni – </a:t>
-            </a:r>
-            <a:r>
-              <a:rPr lang="en-US" u="sng" dirty="0">
+              <a:rPr lang="bg-BG" sz="1100" dirty="0"/>
+              <a:t>Работна група </a:t>
+            </a:r>
+            <a:r>
+              <a:rPr lang="bg-BG" dirty="0"/>
+              <a:t>"Образование по програмиране и ИТ"</a:t>
+            </a:r>
+            <a:r>
+              <a:rPr lang="bg-BG" sz="1100" dirty="0"/>
+              <a:t>, с подкрепата на </a:t>
+            </a:r>
+            <a:r>
+              <a:rPr lang="en-US" sz="1100" dirty="0">
                 <a:hlinkClick r:id="rId3"/>
               </a:rPr>
-              <a:t>https://softuni.org</a:t>
-            </a:r>
-            <a:r>
-              <a:rPr lang="en-US" dirty="0"/>
-              <a:t>. Copyrighted document. Unauthorized copy or reproduction is not permitted.</a:t>
-            </a:r>
+              <a:t>SoftUni</a:t>
+            </a:r>
+            <a:endParaRPr lang="en-US" sz="1100" dirty="0"/>
           </a:p>
         </p:txBody>
       </p:sp>
     </p:spTree>
     <p:extLst>
       <p:ext uri="{BB962C8B-B14F-4D97-AF65-F5344CB8AC3E}">
-        <p14:creationId xmlns:p14="http://schemas.microsoft.com/office/powerpoint/2010/main" val="2767550425"/>
+        <p14:creationId xmlns:p14="http://schemas.microsoft.com/office/powerpoint/2010/main" val="3298599780"/>
       </p:ext>
     </p:extLst>
   </p:cSld>
@@ -2094,10 +2124,10 @@
       </p:sp>
       <p:sp>
         <p:nvSpPr>
-          <p:cNvPr id="8" name="Footer Placeholder 7">
+          <p:cNvPr id="2" name="Footer Placeholder 7">
             <a:extLst>
               <a:ext uri="{FF2B5EF4-FFF2-40B4-BE49-F238E27FC236}">
-                <a16:creationId xmlns:a16="http://schemas.microsoft.com/office/drawing/2014/main" id="{AC9EE8B9-F358-4A1F-B218-4412FA38180C}"/>
+                <a16:creationId xmlns:a16="http://schemas.microsoft.com/office/drawing/2014/main" id="{CE393D0F-F4C7-9BB6-AD38-77CF84976674}"/>
               </a:ext>
             </a:extLst>
           </p:cNvPr>
@@ -2110,8 +2140,8 @@
         </p:nvSpPr>
         <p:spPr>
           <a:xfrm>
-            <a:off x="-1" y="8847000"/>
-            <a:ext cx="6488999" cy="297000"/>
+            <a:off x="-1" y="8892000"/>
+            <a:ext cx="6488999" cy="252000"/>
           </a:xfrm>
           <a:prstGeom prst="rect">
             <a:avLst/>
@@ -2126,26 +2156,31 @@
           </a:lstStyle>
           <a:p>
             <a:r>
-              <a:rPr lang="en-US" dirty="0"/>
-              <a:t>© SoftUni – </a:t>
-            </a:r>
-            <a:r>
-              <a:rPr lang="en-US" u="sng" dirty="0">
+              <a:rPr lang="bg-BG" sz="1100" dirty="0"/>
+              <a:t>Работна група </a:t>
+            </a:r>
+            <a:r>
+              <a:rPr lang="bg-BG" dirty="0"/>
+              <a:t>"Образование по програмиране и ИТ"</a:t>
+            </a:r>
+            <a:r>
+              <a:rPr lang="bg-BG" sz="1100" dirty="0"/>
+              <a:t>, с подкрепата на </a:t>
+            </a:r>
+            <a:r>
+              <a:rPr lang="en-US" sz="1100" dirty="0">
                 <a:hlinkClick r:id="rId3"/>
               </a:rPr>
-              <a:t>https://softuni.org</a:t>
-            </a:r>
-            <a:r>
-              <a:rPr lang="en-US" dirty="0"/>
-              <a:t>. Copyrighted document. Unauthorized copy or reproduction is not permitted.</a:t>
-            </a:r>
+              <a:t>SoftUni</a:t>
+            </a:r>
+            <a:endParaRPr lang="en-US" sz="1100" dirty="0"/>
           </a:p>
         </p:txBody>
       </p:sp>
     </p:spTree>
     <p:extLst>
       <p:ext uri="{BB962C8B-B14F-4D97-AF65-F5344CB8AC3E}">
-        <p14:creationId xmlns:p14="http://schemas.microsoft.com/office/powerpoint/2010/main" val="2858115169"/>
+        <p14:creationId xmlns:p14="http://schemas.microsoft.com/office/powerpoint/2010/main" val="4285067410"/>
       </p:ext>
     </p:extLst>
   </p:cSld>
@@ -2264,10 +2299,10 @@
       </p:sp>
       <p:sp>
         <p:nvSpPr>
-          <p:cNvPr id="8" name="Footer Placeholder 7">
+          <p:cNvPr id="2" name="Footer Placeholder 7">
             <a:extLst>
               <a:ext uri="{FF2B5EF4-FFF2-40B4-BE49-F238E27FC236}">
-                <a16:creationId xmlns:a16="http://schemas.microsoft.com/office/drawing/2014/main" id="{FBC5C138-5139-42E0-97D1-C99DE4BFA872}"/>
+                <a16:creationId xmlns:a16="http://schemas.microsoft.com/office/drawing/2014/main" id="{CEBB962B-BFBA-08E1-35B8-D92106200589}"/>
               </a:ext>
             </a:extLst>
           </p:cNvPr>
@@ -2280,8 +2315,8 @@
         </p:nvSpPr>
         <p:spPr>
           <a:xfrm>
-            <a:off x="-1" y="8847000"/>
-            <a:ext cx="6488999" cy="297000"/>
+            <a:off x="-1" y="8892000"/>
+            <a:ext cx="6488999" cy="252000"/>
           </a:xfrm>
           <a:prstGeom prst="rect">
             <a:avLst/>
@@ -2296,26 +2331,31 @@
           </a:lstStyle>
           <a:p>
             <a:r>
-              <a:rPr lang="en-US" dirty="0"/>
-              <a:t>© SoftUni – </a:t>
-            </a:r>
-            <a:r>
-              <a:rPr lang="en-US" u="sng" dirty="0">
+              <a:rPr lang="bg-BG" sz="1100" dirty="0"/>
+              <a:t>Работна група </a:t>
+            </a:r>
+            <a:r>
+              <a:rPr lang="bg-BG" dirty="0"/>
+              <a:t>"Образование по програмиране и ИТ"</a:t>
+            </a:r>
+            <a:r>
+              <a:rPr lang="bg-BG" sz="1100" dirty="0"/>
+              <a:t>, с подкрепата на </a:t>
+            </a:r>
+            <a:r>
+              <a:rPr lang="en-US" sz="1100" dirty="0">
                 <a:hlinkClick r:id="rId3"/>
               </a:rPr>
-              <a:t>https://softuni.org</a:t>
-            </a:r>
-            <a:r>
-              <a:rPr lang="en-US" dirty="0"/>
-              <a:t>. Copyrighted document. Unauthorized copy or reproduction is not permitted.</a:t>
-            </a:r>
+              <a:t>SoftUni</a:t>
+            </a:r>
+            <a:endParaRPr lang="en-US" sz="1100" dirty="0"/>
           </a:p>
         </p:txBody>
       </p:sp>
     </p:spTree>
     <p:extLst>
       <p:ext uri="{BB962C8B-B14F-4D97-AF65-F5344CB8AC3E}">
-        <p14:creationId xmlns:p14="http://schemas.microsoft.com/office/powerpoint/2010/main" val="4276214858"/>
+        <p14:creationId xmlns:p14="http://schemas.microsoft.com/office/powerpoint/2010/main" val="2733666677"/>
       </p:ext>
     </p:extLst>
   </p:cSld>
@@ -2434,10 +2474,10 @@
       </p:sp>
       <p:sp>
         <p:nvSpPr>
-          <p:cNvPr id="8" name="Footer Placeholder 7">
+          <p:cNvPr id="2" name="Footer Placeholder 7">
             <a:extLst>
               <a:ext uri="{FF2B5EF4-FFF2-40B4-BE49-F238E27FC236}">
-                <a16:creationId xmlns:a16="http://schemas.microsoft.com/office/drawing/2014/main" id="{099ED0E0-EE75-4AC9-9B3B-F2480E081D0D}"/>
+                <a16:creationId xmlns:a16="http://schemas.microsoft.com/office/drawing/2014/main" id="{49C0B643-D644-90FC-38CB-78E56D9158FE}"/>
               </a:ext>
             </a:extLst>
           </p:cNvPr>
@@ -2450,8 +2490,8 @@
         </p:nvSpPr>
         <p:spPr>
           <a:xfrm>
-            <a:off x="-1" y="8847000"/>
-            <a:ext cx="6488999" cy="297000"/>
+            <a:off x="-1" y="8892000"/>
+            <a:ext cx="6488999" cy="252000"/>
           </a:xfrm>
           <a:prstGeom prst="rect">
             <a:avLst/>
@@ -2466,26 +2506,31 @@
           </a:lstStyle>
           <a:p>
             <a:r>
-              <a:rPr lang="en-US" dirty="0"/>
-              <a:t>© SoftUni – </a:t>
-            </a:r>
-            <a:r>
-              <a:rPr lang="en-US" u="sng" dirty="0">
+              <a:rPr lang="bg-BG" sz="1100" dirty="0"/>
+              <a:t>Работна група </a:t>
+            </a:r>
+            <a:r>
+              <a:rPr lang="bg-BG" dirty="0"/>
+              <a:t>"Образование по програмиране и ИТ"</a:t>
+            </a:r>
+            <a:r>
+              <a:rPr lang="bg-BG" sz="1100" dirty="0"/>
+              <a:t>, с подкрепата на </a:t>
+            </a:r>
+            <a:r>
+              <a:rPr lang="en-US" sz="1100" dirty="0">
                 <a:hlinkClick r:id="rId3"/>
               </a:rPr>
-              <a:t>https://softuni.org</a:t>
-            </a:r>
-            <a:r>
-              <a:rPr lang="en-US" dirty="0"/>
-              <a:t>. Copyrighted document. Unauthorized copy or reproduction is not permitted.</a:t>
-            </a:r>
+              <a:t>SoftUni</a:t>
+            </a:r>
+            <a:endParaRPr lang="en-US" sz="1100" dirty="0"/>
           </a:p>
         </p:txBody>
       </p:sp>
     </p:spTree>
     <p:extLst>
       <p:ext uri="{BB962C8B-B14F-4D97-AF65-F5344CB8AC3E}">
-        <p14:creationId xmlns:p14="http://schemas.microsoft.com/office/powerpoint/2010/main" val="650123533"/>
+        <p14:creationId xmlns:p14="http://schemas.microsoft.com/office/powerpoint/2010/main" val="2043491862"/>
       </p:ext>
     </p:extLst>
   </p:cSld>
@@ -2604,10 +2649,10 @@
       </p:sp>
       <p:sp>
         <p:nvSpPr>
-          <p:cNvPr id="8" name="Footer Placeholder 7">
+          <p:cNvPr id="2" name="Footer Placeholder 7">
             <a:extLst>
               <a:ext uri="{FF2B5EF4-FFF2-40B4-BE49-F238E27FC236}">
-                <a16:creationId xmlns:a16="http://schemas.microsoft.com/office/drawing/2014/main" id="{068B0CAB-1944-4E4D-AAAD-C2848357D1A6}"/>
+                <a16:creationId xmlns:a16="http://schemas.microsoft.com/office/drawing/2014/main" id="{4E34F270-D904-BF4A-A8C6-29DAC4B3796E}"/>
               </a:ext>
             </a:extLst>
           </p:cNvPr>
@@ -2620,8 +2665,8 @@
         </p:nvSpPr>
         <p:spPr>
           <a:xfrm>
-            <a:off x="-1" y="8847000"/>
-            <a:ext cx="6488999" cy="297000"/>
+            <a:off x="-1" y="8892000"/>
+            <a:ext cx="6488999" cy="252000"/>
           </a:xfrm>
           <a:prstGeom prst="rect">
             <a:avLst/>
@@ -2636,26 +2681,31 @@
           </a:lstStyle>
           <a:p>
             <a:r>
-              <a:rPr lang="en-US" dirty="0"/>
-              <a:t>© SoftUni – </a:t>
-            </a:r>
-            <a:r>
-              <a:rPr lang="en-US" u="sng" dirty="0">
+              <a:rPr lang="bg-BG" sz="1100" dirty="0"/>
+              <a:t>Работна група </a:t>
+            </a:r>
+            <a:r>
+              <a:rPr lang="bg-BG" dirty="0"/>
+              <a:t>"Образование по програмиране и ИТ"</a:t>
+            </a:r>
+            <a:r>
+              <a:rPr lang="bg-BG" sz="1100" dirty="0"/>
+              <a:t>, с подкрепата на </a:t>
+            </a:r>
+            <a:r>
+              <a:rPr lang="en-US" sz="1100" dirty="0">
                 <a:hlinkClick r:id="rId3"/>
               </a:rPr>
-              <a:t>https://softuni.org</a:t>
-            </a:r>
-            <a:r>
-              <a:rPr lang="en-US" dirty="0"/>
-              <a:t>. Copyrighted document. Unauthorized copy or reproduction is not permitted.</a:t>
-            </a:r>
+              <a:t>SoftUni</a:t>
+            </a:r>
+            <a:endParaRPr lang="en-US" sz="1100" dirty="0"/>
           </a:p>
         </p:txBody>
       </p:sp>
     </p:spTree>
     <p:extLst>
       <p:ext uri="{BB962C8B-B14F-4D97-AF65-F5344CB8AC3E}">
-        <p14:creationId xmlns:p14="http://schemas.microsoft.com/office/powerpoint/2010/main" val="1084017062"/>
+        <p14:creationId xmlns:p14="http://schemas.microsoft.com/office/powerpoint/2010/main" val="1776682953"/>
       </p:ext>
     </p:extLst>
   </p:cSld>
@@ -2774,10 +2824,10 @@
       </p:sp>
       <p:sp>
         <p:nvSpPr>
-          <p:cNvPr id="8" name="Footer Placeholder 7">
+          <p:cNvPr id="2" name="Footer Placeholder 7">
             <a:extLst>
               <a:ext uri="{FF2B5EF4-FFF2-40B4-BE49-F238E27FC236}">
-                <a16:creationId xmlns:a16="http://schemas.microsoft.com/office/drawing/2014/main" id="{64105409-6929-4A18-8EC7-795F0462117B}"/>
+                <a16:creationId xmlns:a16="http://schemas.microsoft.com/office/drawing/2014/main" id="{23487EC0-5C27-972F-99CA-84EC7EAC5373}"/>
               </a:ext>
             </a:extLst>
           </p:cNvPr>
@@ -2790,8 +2840,8 @@
         </p:nvSpPr>
         <p:spPr>
           <a:xfrm>
-            <a:off x="-1" y="8847000"/>
-            <a:ext cx="6488999" cy="297000"/>
+            <a:off x="-1" y="8892000"/>
+            <a:ext cx="6488999" cy="252000"/>
           </a:xfrm>
           <a:prstGeom prst="rect">
             <a:avLst/>
@@ -2806,26 +2856,31 @@
           </a:lstStyle>
           <a:p>
             <a:r>
-              <a:rPr lang="en-US" dirty="0"/>
-              <a:t>© SoftUni – </a:t>
-            </a:r>
-            <a:r>
-              <a:rPr lang="en-US" u="sng" dirty="0">
+              <a:rPr lang="bg-BG" sz="1100" dirty="0"/>
+              <a:t>Работна група </a:t>
+            </a:r>
+            <a:r>
+              <a:rPr lang="bg-BG" dirty="0"/>
+              <a:t>"Образование по програмиране и ИТ"</a:t>
+            </a:r>
+            <a:r>
+              <a:rPr lang="bg-BG" sz="1100" dirty="0"/>
+              <a:t>, с подкрепата на </a:t>
+            </a:r>
+            <a:r>
+              <a:rPr lang="en-US" sz="1100" dirty="0">
                 <a:hlinkClick r:id="rId3"/>
               </a:rPr>
-              <a:t>https://softuni.org</a:t>
-            </a:r>
-            <a:r>
-              <a:rPr lang="en-US" dirty="0"/>
-              <a:t>. Copyrighted document. Unauthorized copy or reproduction is not permitted.</a:t>
-            </a:r>
+              <a:t>SoftUni</a:t>
+            </a:r>
+            <a:endParaRPr lang="en-US" sz="1100" dirty="0"/>
           </a:p>
         </p:txBody>
       </p:sp>
     </p:spTree>
     <p:extLst>
       <p:ext uri="{BB962C8B-B14F-4D97-AF65-F5344CB8AC3E}">
-        <p14:creationId xmlns:p14="http://schemas.microsoft.com/office/powerpoint/2010/main" val="2026500196"/>
+        <p14:creationId xmlns:p14="http://schemas.microsoft.com/office/powerpoint/2010/main" val="2409253632"/>
       </p:ext>
     </p:extLst>
   </p:cSld>
@@ -2944,10 +2999,10 @@
       </p:sp>
       <p:sp>
         <p:nvSpPr>
-          <p:cNvPr id="8" name="Footer Placeholder 7">
+          <p:cNvPr id="2" name="Footer Placeholder 7">
             <a:extLst>
               <a:ext uri="{FF2B5EF4-FFF2-40B4-BE49-F238E27FC236}">
-                <a16:creationId xmlns:a16="http://schemas.microsoft.com/office/drawing/2014/main" id="{F60B27F5-86D2-4AC8-83C6-8894DDF9C6EE}"/>
+                <a16:creationId xmlns:a16="http://schemas.microsoft.com/office/drawing/2014/main" id="{8825F4FB-CF83-FF94-2A40-A3B495C7F489}"/>
               </a:ext>
             </a:extLst>
           </p:cNvPr>
@@ -2960,8 +3015,8 @@
         </p:nvSpPr>
         <p:spPr>
           <a:xfrm>
-            <a:off x="-1" y="8847000"/>
-            <a:ext cx="6488999" cy="297000"/>
+            <a:off x="-1" y="8892000"/>
+            <a:ext cx="6488999" cy="252000"/>
           </a:xfrm>
           <a:prstGeom prst="rect">
             <a:avLst/>
@@ -2976,26 +3031,31 @@
           </a:lstStyle>
           <a:p>
             <a:r>
-              <a:rPr lang="en-US" dirty="0"/>
-              <a:t>© SoftUni – </a:t>
-            </a:r>
-            <a:r>
-              <a:rPr lang="en-US" u="sng" dirty="0">
+              <a:rPr lang="bg-BG" sz="1100" dirty="0"/>
+              <a:t>Работна група </a:t>
+            </a:r>
+            <a:r>
+              <a:rPr lang="bg-BG" dirty="0"/>
+              <a:t>"Образование по програмиране и ИТ"</a:t>
+            </a:r>
+            <a:r>
+              <a:rPr lang="bg-BG" sz="1100" dirty="0"/>
+              <a:t>, с подкрепата на </a:t>
+            </a:r>
+            <a:r>
+              <a:rPr lang="en-US" sz="1100" dirty="0">
                 <a:hlinkClick r:id="rId3"/>
               </a:rPr>
-              <a:t>https://softuni.org</a:t>
-            </a:r>
-            <a:r>
-              <a:rPr lang="en-US" dirty="0"/>
-              <a:t>. Copyrighted document. Unauthorized copy or reproduction is not permitted.</a:t>
-            </a:r>
+              <a:t>SoftUni</a:t>
+            </a:r>
+            <a:endParaRPr lang="en-US" sz="1100" dirty="0"/>
           </a:p>
         </p:txBody>
       </p:sp>
     </p:spTree>
     <p:extLst>
       <p:ext uri="{BB962C8B-B14F-4D97-AF65-F5344CB8AC3E}">
-        <p14:creationId xmlns:p14="http://schemas.microsoft.com/office/powerpoint/2010/main" val="3588420776"/>
+        <p14:creationId xmlns:p14="http://schemas.microsoft.com/office/powerpoint/2010/main" val="3952122436"/>
       </p:ext>
     </p:extLst>
   </p:cSld>
@@ -3114,10 +3174,10 @@
       </p:sp>
       <p:sp>
         <p:nvSpPr>
-          <p:cNvPr id="8" name="Footer Placeholder 7">
+          <p:cNvPr id="2" name="Footer Placeholder 7">
             <a:extLst>
               <a:ext uri="{FF2B5EF4-FFF2-40B4-BE49-F238E27FC236}">
-                <a16:creationId xmlns:a16="http://schemas.microsoft.com/office/drawing/2014/main" id="{63641B0A-8A7B-4474-AF76-763CB451F8D4}"/>
+                <a16:creationId xmlns:a16="http://schemas.microsoft.com/office/drawing/2014/main" id="{2313956A-1503-371E-F452-10638C09F0CE}"/>
               </a:ext>
             </a:extLst>
           </p:cNvPr>
@@ -3130,8 +3190,8 @@
         </p:nvSpPr>
         <p:spPr>
           <a:xfrm>
-            <a:off x="-1" y="8847000"/>
-            <a:ext cx="6488999" cy="297000"/>
+            <a:off x="-1" y="8892000"/>
+            <a:ext cx="6488999" cy="252000"/>
           </a:xfrm>
           <a:prstGeom prst="rect">
             <a:avLst/>
@@ -3146,26 +3206,31 @@
           </a:lstStyle>
           <a:p>
             <a:r>
-              <a:rPr lang="en-US" dirty="0"/>
-              <a:t>© SoftUni – </a:t>
-            </a:r>
-            <a:r>
-              <a:rPr lang="en-US" u="sng" dirty="0">
+              <a:rPr lang="bg-BG" sz="1100" dirty="0"/>
+              <a:t>Работна група </a:t>
+            </a:r>
+            <a:r>
+              <a:rPr lang="bg-BG" dirty="0"/>
+              <a:t>"Образование по програмиране и ИТ"</a:t>
+            </a:r>
+            <a:r>
+              <a:rPr lang="bg-BG" sz="1100" dirty="0"/>
+              <a:t>, с подкрепата на </a:t>
+            </a:r>
+            <a:r>
+              <a:rPr lang="en-US" sz="1100" dirty="0">
                 <a:hlinkClick r:id="rId3"/>
               </a:rPr>
-              <a:t>https://softuni.org</a:t>
-            </a:r>
-            <a:r>
-              <a:rPr lang="en-US" dirty="0"/>
-              <a:t>. Copyrighted document. Unauthorized copy or reproduction is not permitted.</a:t>
-            </a:r>
+              <a:t>SoftUni</a:t>
+            </a:r>
+            <a:endParaRPr lang="en-US" sz="1100" dirty="0"/>
           </a:p>
         </p:txBody>
       </p:sp>
     </p:spTree>
     <p:extLst>
       <p:ext uri="{BB962C8B-B14F-4D97-AF65-F5344CB8AC3E}">
-        <p14:creationId xmlns:p14="http://schemas.microsoft.com/office/powerpoint/2010/main" val="3199471204"/>
+        <p14:creationId xmlns:p14="http://schemas.microsoft.com/office/powerpoint/2010/main" val="356810634"/>
       </p:ext>
     </p:extLst>
   </p:cSld>
@@ -3284,10 +3349,10 @@
       </p:sp>
       <p:sp>
         <p:nvSpPr>
-          <p:cNvPr id="8" name="Footer Placeholder 7">
+          <p:cNvPr id="2" name="Footer Placeholder 7">
             <a:extLst>
               <a:ext uri="{FF2B5EF4-FFF2-40B4-BE49-F238E27FC236}">
-                <a16:creationId xmlns:a16="http://schemas.microsoft.com/office/drawing/2014/main" id="{6EE71AAB-2476-49F1-8E0B-40A3E5D3A6E0}"/>
+                <a16:creationId xmlns:a16="http://schemas.microsoft.com/office/drawing/2014/main" id="{6670B1CA-B6B0-11E9-ECCD-618076F19421}"/>
               </a:ext>
             </a:extLst>
           </p:cNvPr>
@@ -3300,8 +3365,8 @@
         </p:nvSpPr>
         <p:spPr>
           <a:xfrm>
-            <a:off x="-1" y="8847000"/>
-            <a:ext cx="6488999" cy="297000"/>
+            <a:off x="-1" y="8892000"/>
+            <a:ext cx="6488999" cy="252000"/>
           </a:xfrm>
           <a:prstGeom prst="rect">
             <a:avLst/>
@@ -3316,26 +3381,31 @@
           </a:lstStyle>
           <a:p>
             <a:r>
-              <a:rPr lang="en-US" dirty="0"/>
-              <a:t>© SoftUni – </a:t>
-            </a:r>
-            <a:r>
-              <a:rPr lang="en-US" u="sng" dirty="0">
+              <a:rPr lang="bg-BG" sz="1100" dirty="0"/>
+              <a:t>Работна група </a:t>
+            </a:r>
+            <a:r>
+              <a:rPr lang="bg-BG" dirty="0"/>
+              <a:t>"Образование по програмиране и ИТ"</a:t>
+            </a:r>
+            <a:r>
+              <a:rPr lang="bg-BG" sz="1100" dirty="0"/>
+              <a:t>, с подкрепата на </a:t>
+            </a:r>
+            <a:r>
+              <a:rPr lang="en-US" sz="1100" dirty="0">
                 <a:hlinkClick r:id="rId3"/>
               </a:rPr>
-              <a:t>https://softuni.org</a:t>
-            </a:r>
-            <a:r>
-              <a:rPr lang="en-US" dirty="0"/>
-              <a:t>. Copyrighted document. Unauthorized copy or reproduction is not permitted.</a:t>
-            </a:r>
+              <a:t>SoftUni</a:t>
+            </a:r>
+            <a:endParaRPr lang="en-US" sz="1100" dirty="0"/>
           </a:p>
         </p:txBody>
       </p:sp>
     </p:spTree>
     <p:extLst>
       <p:ext uri="{BB962C8B-B14F-4D97-AF65-F5344CB8AC3E}">
-        <p14:creationId xmlns:p14="http://schemas.microsoft.com/office/powerpoint/2010/main" val="945304837"/>
+        <p14:creationId xmlns:p14="http://schemas.microsoft.com/office/powerpoint/2010/main" val="934035050"/>
       </p:ext>
     </p:extLst>
   </p:cSld>
@@ -3346,7 +3416,7 @@
 </file>
 
 <file path=ppt/slideLayouts/slideLayout1.xml><?xml version="1.0" encoding="utf-8"?>
-<p:sldLayout xmlns:a="http://schemas.openxmlformats.org/drawingml/2006/main" xmlns:r="http://schemas.openxmlformats.org/officeDocument/2006/relationships" xmlns:p="http://schemas.openxmlformats.org/presentationml/2006/main" preserve="1">
+<p:sldLayout xmlns:a="http://schemas.openxmlformats.org/drawingml/2006/main" xmlns:r="http://schemas.openxmlformats.org/officeDocument/2006/relationships" xmlns:p="http://schemas.openxmlformats.org/presentationml/2006/main" preserve="1" userDrawn="1">
   <p:cSld name="Presentation Title Slide">
     <p:spTree>
       <p:nvGrpSpPr>
@@ -3372,7 +3442,7 @@
             </a:extLst>
           </p:cNvPr>
           <p:cNvSpPr/>
-          <p:nvPr/>
+          <p:nvPr userDrawn="1"/>
         </p:nvSpPr>
         <p:spPr>
           <a:xfrm>
@@ -3426,7 +3496,7 @@
               <a:tabLst/>
               <a:defRPr/>
             </a:pPr>
-            <a:endParaRPr kumimoji="0" lang="en-US" altLang="ko-KR" sz="2398" b="0" i="0" u="none" strike="noStrike" kern="1200" cap="none" spc="0" normalizeH="0" baseline="0" noProof="0" dirty="0">
+            <a:endParaRPr kumimoji="0" lang="en-US" altLang="ko-KR" sz="2398" b="0" i="0" u="none" strike="noStrike" kern="1200" cap="none" spc="0" normalizeH="0" baseline="0" noProof="0">
               <a:ln>
                 <a:noFill/>
               </a:ln>
@@ -3443,55 +3513,139 @@
           </a:p>
         </p:txBody>
       </p:sp>
-      <p:pic>
-        <p:nvPicPr>
-          <p:cNvPr id="14" name="Picture Logo SoftUni" descr="SoftUni logo">
+      <p:sp>
+        <p:nvSpPr>
+          <p:cNvPr id="33" name="Picture Placeholder Title Image">
             <a:extLst>
               <a:ext uri="{FF2B5EF4-FFF2-40B4-BE49-F238E27FC236}">
-                <a16:creationId xmlns:a16="http://schemas.microsoft.com/office/drawing/2014/main" id="{C4D6B2A2-DFF0-4712-BFEC-6676BEC99FEC}"/>
+                <a16:creationId xmlns:a16="http://schemas.microsoft.com/office/drawing/2014/main" id="{A04D819A-89E2-4714-8C56-1838BF467EF7}"/>
               </a:ext>
             </a:extLst>
           </p:cNvPr>
-          <p:cNvPicPr>
-            <a:picLocks noChangeAspect="1"/>
-          </p:cNvPicPr>
-          <p:nvPr userDrawn="1"/>
-        </p:nvPicPr>
-        <p:blipFill>
-          <a:blip r:embed="rId2">
-            <a:clrChange>
-              <a:clrFrom>
-                <a:srgbClr val="FFFFFF"/>
-              </a:clrFrom>
-              <a:clrTo>
-                <a:srgbClr val="FFFFFF">
-                  <a:alpha val="0"/>
-                </a:srgbClr>
-              </a:clrTo>
-            </a:clrChange>
+          <p:cNvSpPr>
+            <a:spLocks noGrp="1"/>
+          </p:cNvSpPr>
+          <p:nvPr>
+            <p:ph type="pic" sz="quarter" idx="10"/>
+          </p:nvPr>
+        </p:nvSpPr>
+        <p:spPr>
+          <a:xfrm>
+            <a:off x="6390123" y="3400017"/>
+            <a:ext cx="5248260" cy="2188983"/>
+          </a:xfrm>
+        </p:spPr>
+        <p:txBody>
+          <a:bodyPr/>
+          <a:lstStyle>
+            <a:lvl1pPr marL="0" indent="0" algn="ctr" latinLnBrk="0">
+              <a:buNone/>
+              <a:defRPr>
+                <a:solidFill>
+                  <a:schemeClr val="bg1"/>
+                </a:solidFill>
+              </a:defRPr>
+            </a:lvl1pPr>
+          </a:lstStyle>
+          <a:p>
+            <a:r>
+              <a:rPr lang="en-US" noProof="0" dirty="0"/>
+              <a:t>Click icon to add picture</a:t>
+            </a:r>
+          </a:p>
+        </p:txBody>
+      </p:sp>
+      <p:sp>
+        <p:nvSpPr>
+          <p:cNvPr id="10" name="Company Web Site">
             <a:extLst>
-              <a:ext uri="{28A0092B-C50C-407E-A947-70E740481C1C}">
-                <a14:useLocalDpi xmlns:a14="http://schemas.microsoft.com/office/drawing/2010/main" val="0"/>
+              <a:ext uri="{FF2B5EF4-FFF2-40B4-BE49-F238E27FC236}">
+                <a16:creationId xmlns:a16="http://schemas.microsoft.com/office/drawing/2014/main" id="{0B99B1EE-62FA-4AA4-920C-D444D6C0B778}"/>
               </a:ext>
             </a:extLst>
-          </a:blip>
-          <a:stretch>
-            <a:fillRect/>
-          </a:stretch>
-        </p:blipFill>
+          </p:cNvPr>
+          <p:cNvSpPr>
+            <a:spLocks noGrp="1"/>
+          </p:cNvSpPr>
+          <p:nvPr>
+            <p:ph type="body" sz="quarter" idx="22" hasCustomPrompt="1"/>
+          </p:nvPr>
+        </p:nvSpPr>
         <p:spPr>
           <a:xfrm>
-            <a:off x="4324460" y="5184000"/>
-            <a:ext cx="3751540" cy="1297655"/>
+            <a:off x="6390120" y="6086106"/>
+            <a:ext cx="5248260" cy="341313"/>
           </a:xfrm>
-          <a:prstGeom prst="rect">
-            <a:avLst/>
-          </a:prstGeom>
         </p:spPr>
-      </p:pic>
+        <p:txBody>
+          <a:bodyPr lIns="36000" rIns="36000" anchor="ctr" anchorCtr="0">
+            <a:noAutofit/>
+          </a:bodyPr>
+          <a:lstStyle>
+            <a:lvl1pPr marL="0" indent="0" algn="r">
+              <a:buNone/>
+              <a:defRPr sz="1800"/>
+            </a:lvl1pPr>
+          </a:lstStyle>
+          <a:p>
+            <a:pPr lvl="0"/>
+            <a:r>
+              <a:rPr lang="en-US" dirty="0"/>
+              <a:t>https://softuni.foundation  </a:t>
+            </a:r>
+          </a:p>
+        </p:txBody>
+      </p:sp>
       <p:sp>
         <p:nvSpPr>
-          <p:cNvPr id="31" name="Text Placeholder Company Site">
+          <p:cNvPr id="6" name="Company Name">
+            <a:extLst>
+              <a:ext uri="{FF2B5EF4-FFF2-40B4-BE49-F238E27FC236}">
+                <a16:creationId xmlns:a16="http://schemas.microsoft.com/office/drawing/2014/main" id="{2A76510A-0BAE-A827-E77C-BE88E38F52AA}"/>
+              </a:ext>
+            </a:extLst>
+          </p:cNvPr>
+          <p:cNvSpPr>
+            <a:spLocks noGrp="1"/>
+          </p:cNvSpPr>
+          <p:nvPr>
+            <p:ph type="body" sz="quarter" idx="21" hasCustomPrompt="1"/>
+          </p:nvPr>
+        </p:nvSpPr>
+        <p:spPr>
+          <a:xfrm>
+            <a:off x="6390122" y="5698189"/>
+            <a:ext cx="5248260" cy="374236"/>
+          </a:xfrm>
+        </p:spPr>
+        <p:txBody>
+          <a:bodyPr lIns="36000" rIns="36000" anchor="ctr" anchorCtr="0">
+            <a:normAutofit/>
+          </a:bodyPr>
+          <a:lstStyle>
+            <a:lvl1pPr marL="0" indent="0" algn="r">
+              <a:buNone/>
+              <a:defRPr sz="2000" b="1">
+                <a:solidFill>
+                  <a:schemeClr val="tx1">
+                    <a:lumMod val="75000"/>
+                  </a:schemeClr>
+                </a:solidFill>
+              </a:defRPr>
+            </a:lvl1pPr>
+          </a:lstStyle>
+          <a:p>
+            <a:pPr lvl="0"/>
+            <a:r>
+              <a:rPr lang="en-US" dirty="0"/>
+              <a:t>SoftUni Foundation</a:t>
+            </a:r>
+          </a:p>
+        </p:txBody>
+      </p:sp>
+      <p:sp>
+        <p:nvSpPr>
+          <p:cNvPr id="31" name="Author Position">
             <a:extLst>
               <a:ext uri="{FF2B5EF4-FFF2-40B4-BE49-F238E27FC236}">
                 <a16:creationId xmlns:a16="http://schemas.microsoft.com/office/drawing/2014/main" id="{3E6B87B7-9D33-4EBB-BD4F-C0436BA3FD72}"/>
@@ -3507,274 +3661,8 @@
         </p:nvSpPr>
         <p:spPr bwMode="auto">
           <a:xfrm>
-            <a:off x="8708505" y="6130863"/>
-            <a:ext cx="2951518" cy="341556"/>
-          </a:xfrm>
-          <a:prstGeom prst="rect">
-            <a:avLst/>
-          </a:prstGeom>
-          <a:noFill/>
-          <a:effectLst/>
-        </p:spPr>
-        <p:txBody>
-          <a:bodyPr wrap="square" lIns="36000" tIns="36000" rIns="36000" bIns="36000" rtlCol="0" anchor="ctr" anchorCtr="0">
-            <a:noAutofit/>
-          </a:bodyPr>
-          <a:lstStyle>
-            <a:lvl1pPr marL="0" indent="0" algn="r" rtl="0" fontAlgn="base" latinLnBrk="0">
-              <a:spcBef>
-                <a:spcPct val="0"/>
-              </a:spcBef>
-              <a:spcAft>
-                <a:spcPct val="0"/>
-              </a:spcAft>
-              <a:buNone/>
-              <a:defRPr lang="en-US" sz="1798" b="1" kern="1200" dirty="0" smtClean="0">
-                <a:solidFill>
-                  <a:schemeClr val="tx1">
-                    <a:lumMod val="75000"/>
-                  </a:schemeClr>
-                </a:solidFill>
-                <a:effectLst/>
-                <a:latin typeface="+mn-lt"/>
-                <a:ea typeface="+mn-ea"/>
-                <a:cs typeface="+mn-cs"/>
-              </a:defRPr>
-            </a:lvl1pPr>
-          </a:lstStyle>
-          <a:p>
-            <a:pPr lvl="0"/>
-            <a:r>
-              <a:rPr lang="en-US" noProof="0" dirty="0"/>
-              <a:t>Company Web Site</a:t>
-            </a:r>
-          </a:p>
-        </p:txBody>
-      </p:sp>
-      <p:sp>
-        <p:nvSpPr>
-          <p:cNvPr id="30" name="Text Placeholder Company Name">
-            <a:extLst>
-              <a:ext uri="{FF2B5EF4-FFF2-40B4-BE49-F238E27FC236}">
-                <a16:creationId xmlns:a16="http://schemas.microsoft.com/office/drawing/2014/main" id="{2EA92DCA-4DB5-4D03-ACD3-A6A296592D0C}"/>
-              </a:ext>
-            </a:extLst>
-          </p:cNvPr>
-          <p:cNvSpPr>
-            <a:spLocks noGrp="1"/>
-          </p:cNvSpPr>
-          <p:nvPr>
-            <p:ph type="body" sz="quarter" idx="17" hasCustomPrompt="1"/>
-          </p:nvPr>
-        </p:nvSpPr>
-        <p:spPr bwMode="auto">
-          <a:xfrm>
-            <a:off x="8708505" y="5756628"/>
-            <a:ext cx="2951518" cy="367080"/>
-          </a:xfrm>
-          <a:prstGeom prst="rect">
-            <a:avLst/>
-          </a:prstGeom>
-          <a:noFill/>
-          <a:effectLst/>
-        </p:spPr>
-        <p:txBody>
-          <a:bodyPr wrap="square" lIns="36000" tIns="36000" rIns="36000" bIns="36000" rtlCol="0" anchor="ctr" anchorCtr="0">
-            <a:noAutofit/>
-          </a:bodyPr>
-          <a:lstStyle>
-            <a:lvl1pPr marL="0" indent="0" algn="r" rtl="0" fontAlgn="base" latinLnBrk="0">
-              <a:spcBef>
-                <a:spcPct val="0"/>
-              </a:spcBef>
-              <a:spcAft>
-                <a:spcPct val="0"/>
-              </a:spcAft>
-              <a:buNone/>
-              <a:defRPr lang="en-US" sz="1998" b="1" kern="1200" dirty="0" smtClean="0">
-                <a:solidFill>
-                  <a:schemeClr val="tx1">
-                    <a:lumMod val="75000"/>
-                  </a:schemeClr>
-                </a:solidFill>
-                <a:effectLst/>
-                <a:latin typeface="+mn-lt"/>
-                <a:ea typeface="+mn-ea"/>
-                <a:cs typeface="+mn-cs"/>
-              </a:defRPr>
-            </a:lvl1pPr>
-          </a:lstStyle>
-          <a:p>
-            <a:pPr lvl="0"/>
-            <a:r>
-              <a:rPr lang="en-US" noProof="0" dirty="0"/>
-              <a:t>Company Name</a:t>
-            </a:r>
-          </a:p>
-        </p:txBody>
-      </p:sp>
-      <p:pic>
-        <p:nvPicPr>
-          <p:cNvPr id="35" name="Picture SoftUni Mascot" descr="SoftUni mascot">
-            <a:extLst>
-              <a:ext uri="{FF2B5EF4-FFF2-40B4-BE49-F238E27FC236}">
-                <a16:creationId xmlns:a16="http://schemas.microsoft.com/office/drawing/2014/main" id="{951E7DA9-C5F0-43D9-B013-3BDF9EEF029D}"/>
-              </a:ext>
-            </a:extLst>
-          </p:cNvPr>
-          <p:cNvPicPr>
-            <a:picLocks noChangeAspect="1"/>
-          </p:cNvPicPr>
-          <p:nvPr/>
-        </p:nvPicPr>
-        <p:blipFill rotWithShape="1">
-          <a:blip r:embed="rId3" cstate="print">
-            <a:extLst>
-              <a:ext uri="{28A0092B-C50C-407E-A947-70E740481C1C}">
-                <a14:useLocalDpi xmlns:a14="http://schemas.microsoft.com/office/drawing/2010/main" val="0"/>
-              </a:ext>
-            </a:extLst>
-          </a:blip>
-          <a:srcRect/>
-          <a:stretch/>
-        </p:blipFill>
-        <p:spPr>
-          <a:xfrm flipH="1">
-            <a:off x="8848924" y="2609644"/>
-            <a:ext cx="2788893" cy="3018284"/>
-          </a:xfrm>
-          <a:prstGeom prst="rect">
-            <a:avLst/>
-          </a:prstGeom>
-        </p:spPr>
-      </p:pic>
-      <p:pic>
-        <p:nvPicPr>
-          <p:cNvPr id="22" name="Picture Logo Software University" descr="Software University logo">
-            <a:hlinkClick r:id="rId4"/>
-            <a:extLst>
-              <a:ext uri="{FF2B5EF4-FFF2-40B4-BE49-F238E27FC236}">
-                <a16:creationId xmlns:a16="http://schemas.microsoft.com/office/drawing/2014/main" id="{F2315EB3-3FE4-4D3B-921E-5F209CEC13CB}"/>
-              </a:ext>
-            </a:extLst>
-          </p:cNvPr>
-          <p:cNvPicPr>
-            <a:picLocks noChangeAspect="1"/>
-          </p:cNvPicPr>
-          <p:nvPr userDrawn="1"/>
-        </p:nvPicPr>
-        <p:blipFill>
-          <a:blip r:embed="rId5">
-            <a:clrChange>
-              <a:clrFrom>
-                <a:srgbClr val="FFFFFF"/>
-              </a:clrFrom>
-              <a:clrTo>
-                <a:srgbClr val="FFFFFF">
-                  <a:alpha val="0"/>
-                </a:srgbClr>
-              </a:clrTo>
-            </a:clrChange>
-            <a:extLst>
-              <a:ext uri="{28A0092B-C50C-407E-A947-70E740481C1C}">
-                <a14:useLocalDpi xmlns:a14="http://schemas.microsoft.com/office/drawing/2010/main" val="0"/>
-              </a:ext>
-            </a:extLst>
-          </a:blip>
-          <a:stretch>
-            <a:fillRect/>
-          </a:stretch>
-        </p:blipFill>
-        <p:spPr>
-          <a:xfrm>
-            <a:off x="507944" y="5918567"/>
-            <a:ext cx="1830305" cy="628159"/>
-          </a:xfrm>
-          <a:prstGeom prst="rect">
-            <a:avLst/>
-          </a:prstGeom>
-        </p:spPr>
-      </p:pic>
-      <p:sp>
-        <p:nvSpPr>
-          <p:cNvPr id="40" name="Text Placeholder Author Position">
-            <a:extLst>
-              <a:ext uri="{FF2B5EF4-FFF2-40B4-BE49-F238E27FC236}">
-                <a16:creationId xmlns:a16="http://schemas.microsoft.com/office/drawing/2014/main" id="{CD940256-851E-46C8-8BFB-A5ECA6C7DA07}"/>
-              </a:ext>
-            </a:extLst>
-          </p:cNvPr>
-          <p:cNvSpPr>
-            <a:spLocks noGrp="1"/>
-          </p:cNvSpPr>
-          <p:nvPr>
-            <p:ph type="body" sz="quarter" idx="20" hasCustomPrompt="1"/>
-          </p:nvPr>
-        </p:nvSpPr>
-        <p:spPr bwMode="auto">
-          <a:xfrm>
-            <a:off x="553082" y="5344180"/>
-            <a:ext cx="2980696" cy="444793"/>
-          </a:xfrm>
-          <a:prstGeom prst="rect">
-            <a:avLst/>
-          </a:prstGeom>
-          <a:noFill/>
-          <a:effectLst/>
-        </p:spPr>
-        <p:txBody>
-          <a:bodyPr wrap="square" lIns="36000" tIns="36000" rIns="36000" bIns="36000" rtlCol="0" anchor="ctr" anchorCtr="0">
-            <a:spAutoFit/>
-          </a:bodyPr>
-          <a:lstStyle>
-            <a:lvl1pPr marL="0" indent="0" algn="l" rtl="0" fontAlgn="base" latinLnBrk="0">
-              <a:spcBef>
-                <a:spcPct val="0"/>
-              </a:spcBef>
-              <a:spcAft>
-                <a:spcPct val="0"/>
-              </a:spcAft>
-              <a:buNone/>
-              <a:defRPr lang="en-US" sz="2398" b="1" kern="1200" dirty="0" smtClean="0">
-                <a:solidFill>
-                  <a:schemeClr val="tx1"/>
-                </a:solidFill>
-                <a:effectLst/>
-                <a:latin typeface="+mn-lt"/>
-                <a:ea typeface="+mn-ea"/>
-                <a:cs typeface="+mn-cs"/>
-              </a:defRPr>
-            </a:lvl1pPr>
-          </a:lstStyle>
-          <a:p>
-            <a:pPr lvl="0"/>
-            <a:r>
-              <a:rPr lang="en-US" noProof="0" dirty="0"/>
-              <a:t>Position</a:t>
-            </a:r>
-          </a:p>
-        </p:txBody>
-      </p:sp>
-      <p:sp>
-        <p:nvSpPr>
-          <p:cNvPr id="36" name="Text Placeholder Author Name">
-            <a:extLst>
-              <a:ext uri="{FF2B5EF4-FFF2-40B4-BE49-F238E27FC236}">
-                <a16:creationId xmlns:a16="http://schemas.microsoft.com/office/drawing/2014/main" id="{3B21F47B-DE1F-442D-A2B7-6866F8786704}"/>
-              </a:ext>
-            </a:extLst>
-          </p:cNvPr>
-          <p:cNvSpPr>
-            <a:spLocks noGrp="1"/>
-          </p:cNvSpPr>
-          <p:nvPr>
-            <p:ph type="body" sz="quarter" idx="19" hasCustomPrompt="1"/>
-          </p:nvPr>
-        </p:nvSpPr>
-        <p:spPr bwMode="auto">
-          <a:xfrm>
-            <a:off x="553082" y="4851838"/>
-            <a:ext cx="2980696" cy="454398"/>
+            <a:off x="534045" y="6085863"/>
+            <a:ext cx="4751953" cy="341556"/>
           </a:xfrm>
           <a:prstGeom prst="rect">
             <a:avLst/>
@@ -3795,9 +3683,11 @@
                 <a:spcPct val="0"/>
               </a:spcAft>
               <a:buNone/>
-              <a:defRPr lang="en-US" sz="2798" b="1" kern="1200" dirty="0" smtClean="0">
-                <a:solidFill>
-                  <a:schemeClr val="tx1"/>
+              <a:defRPr lang="en-US" sz="1800" b="0" kern="1200" dirty="0" smtClean="0">
+                <a:solidFill>
+                  <a:schemeClr val="tx1">
+                    <a:lumMod val="75000"/>
+                  </a:schemeClr>
                 </a:solidFill>
                 <a:effectLst/>
                 <a:latin typeface="+mn-lt"/>
@@ -3810,17 +3700,17 @@
             <a:pPr lvl="0"/>
             <a:r>
               <a:rPr lang="en-US" noProof="0" dirty="0"/>
-              <a:t>Author Name</a:t>
+              <a:t>URL</a:t>
             </a:r>
           </a:p>
         </p:txBody>
       </p:sp>
       <p:sp>
         <p:nvSpPr>
-          <p:cNvPr id="33" name="Picture Placeholder Title Image">
+          <p:cNvPr id="30" name="Author Name">
             <a:extLst>
               <a:ext uri="{FF2B5EF4-FFF2-40B4-BE49-F238E27FC236}">
-                <a16:creationId xmlns:a16="http://schemas.microsoft.com/office/drawing/2014/main" id="{A04D819A-89E2-4714-8C56-1838BF467EF7}"/>
+                <a16:creationId xmlns:a16="http://schemas.microsoft.com/office/drawing/2014/main" id="{2EA92DCA-4DB5-4D03-ACD3-A6A296592D0C}"/>
               </a:ext>
             </a:extLst>
           </p:cNvPr>
@@ -3828,31 +3718,51 @@
             <a:spLocks noGrp="1"/>
           </p:cNvSpPr>
           <p:nvPr>
-            <p:ph type="pic" sz="quarter" idx="10"/>
+            <p:ph type="body" sz="quarter" idx="17" hasCustomPrompt="1"/>
           </p:nvPr>
         </p:nvSpPr>
-        <p:spPr>
+        <p:spPr bwMode="auto">
           <a:xfrm>
-            <a:off x="553082" y="2740913"/>
-            <a:ext cx="4642919" cy="1936503"/>
+            <a:off x="534046" y="5251106"/>
+            <a:ext cx="4751954" cy="724904"/>
           </a:xfrm>
+          <a:prstGeom prst="rect">
+            <a:avLst/>
+          </a:prstGeom>
+          <a:noFill/>
+          <a:effectLst/>
         </p:spPr>
         <p:txBody>
-          <a:bodyPr/>
+          <a:bodyPr wrap="square" lIns="36000" tIns="36000" rIns="36000" bIns="36000" rtlCol="0" anchor="ctr" anchorCtr="0">
+            <a:noAutofit/>
+          </a:bodyPr>
           <a:lstStyle>
-            <a:lvl1pPr marL="0" indent="0" algn="ctr" latinLnBrk="0">
+            <a:lvl1pPr marL="0" indent="0" algn="l" rtl="0" fontAlgn="base" latinLnBrk="0">
+              <a:spcBef>
+                <a:spcPct val="0"/>
+              </a:spcBef>
+              <a:spcAft>
+                <a:spcPct val="0"/>
+              </a:spcAft>
               <a:buNone/>
-              <a:defRPr>
-                <a:solidFill>
-                  <a:schemeClr val="bg1"/>
-                </a:solidFill>
+              <a:defRPr lang="en-US" sz="2000" b="1" kern="1200" dirty="0" smtClean="0">
+                <a:solidFill>
+                  <a:schemeClr val="tx1">
+                    <a:lumMod val="75000"/>
+                  </a:schemeClr>
+                </a:solidFill>
+                <a:effectLst/>
+                <a:latin typeface="+mn-lt"/>
+                <a:ea typeface="+mn-ea"/>
+                <a:cs typeface="+mn-cs"/>
               </a:defRPr>
             </a:lvl1pPr>
           </a:lstStyle>
           <a:p>
+            <a:pPr lvl="0"/>
             <a:r>
               <a:rPr lang="en-US" noProof="0" dirty="0"/>
-              <a:t>Click icon to add picture</a:t>
+              <a:t>Authors</a:t>
             </a:r>
           </a:p>
         </p:txBody>
@@ -3875,8 +3785,8 @@
         </p:nvSpPr>
         <p:spPr>
           <a:xfrm>
-            <a:off x="554182" y="1258272"/>
-            <a:ext cx="11083636" cy="1315728"/>
+            <a:off x="554746" y="1402942"/>
+            <a:ext cx="11083636" cy="1306057"/>
           </a:xfrm>
         </p:spPr>
         <p:txBody>
@@ -3886,7 +3796,7 @@
           <a:lstStyle>
             <a:lvl1pPr marL="0" indent="0" algn="ctr" latinLnBrk="0">
               <a:buNone/>
-              <a:defRPr sz="3598">
+              <a:defRPr sz="3600">
                 <a:solidFill>
                   <a:schemeClr val="tx1"/>
                 </a:solidFill>
@@ -3919,15 +3829,17 @@
         </p:nvSpPr>
         <p:spPr>
           <a:xfrm>
-            <a:off x="554182" y="321502"/>
-            <a:ext cx="11083636" cy="882654"/>
+            <a:off x="554746" y="321501"/>
+            <a:ext cx="11083636" cy="971589"/>
           </a:xfrm>
         </p:spPr>
         <p:txBody>
-          <a:bodyPr/>
+          <a:bodyPr>
+            <a:normAutofit/>
+          </a:bodyPr>
           <a:lstStyle>
             <a:lvl1pPr algn="ctr" latinLnBrk="0">
-              <a:defRPr sz="4798"/>
+              <a:defRPr sz="5400"/>
             </a:lvl1pPr>
           </a:lstStyle>
           <a:p>
@@ -3938,10 +3850,94 @@
           </a:p>
         </p:txBody>
       </p:sp>
+      <p:pic>
+        <p:nvPicPr>
+          <p:cNvPr id="4" name="Picture 3">
+            <a:extLst>
+              <a:ext uri="{FF2B5EF4-FFF2-40B4-BE49-F238E27FC236}">
+                <a16:creationId xmlns:a16="http://schemas.microsoft.com/office/drawing/2014/main" id="{324D0DB3-F60A-469B-7831-209CB666CCE4}"/>
+              </a:ext>
+            </a:extLst>
+          </p:cNvPr>
+          <p:cNvPicPr>
+            <a:picLocks noChangeAspect="1"/>
+          </p:cNvPicPr>
+          <p:nvPr userDrawn="1"/>
+        </p:nvPicPr>
+        <p:blipFill>
+          <a:blip r:embed="rId2" cstate="print">
+            <a:extLst>
+              <a:ext uri="{28A0092B-C50C-407E-A947-70E740481C1C}">
+                <a14:useLocalDpi xmlns:a14="http://schemas.microsoft.com/office/drawing/2010/main" val="0"/>
+              </a:ext>
+            </a:extLst>
+          </a:blip>
+          <a:stretch>
+            <a:fillRect/>
+          </a:stretch>
+        </p:blipFill>
+        <p:spPr>
+          <a:xfrm>
+            <a:off x="536549" y="4325954"/>
+            <a:ext cx="2538082" cy="633046"/>
+          </a:xfrm>
+          <a:prstGeom prst="rect">
+            <a:avLst/>
+          </a:prstGeom>
+        </p:spPr>
+      </p:pic>
+      <p:pic>
+        <p:nvPicPr>
+          <p:cNvPr id="5" name="Picture 4" title="CC-BY-NC-SA License">
+            <a:hlinkClick r:id="rId3" tooltip="This work is licensed under the &quot;Creative Commons Attribution-NonCommercial-ShareAlike 4.0 International&quot; license"/>
+            <a:extLst>
+              <a:ext uri="{FF2B5EF4-FFF2-40B4-BE49-F238E27FC236}">
+                <a16:creationId xmlns:a16="http://schemas.microsoft.com/office/drawing/2014/main" id="{2D40731C-0303-A69D-63FD-E048A73CA59F}"/>
+              </a:ext>
+            </a:extLst>
+          </p:cNvPr>
+          <p:cNvPicPr>
+            <a:picLocks noChangeAspect="1" noChangeArrowheads="1"/>
+          </p:cNvPicPr>
+          <p:nvPr userDrawn="1"/>
+        </p:nvPicPr>
+        <p:blipFill>
+          <a:blip r:embed="rId4">
+            <a:extLst>
+              <a:ext uri="{28A0092B-C50C-407E-A947-70E740481C1C}">
+                <a14:useLocalDpi xmlns:a14="http://schemas.microsoft.com/office/drawing/2010/main"/>
+              </a:ext>
+            </a:extLst>
+          </a:blip>
+          <a:srcRect/>
+          <a:stretch>
+            <a:fillRect/>
+          </a:stretch>
+        </p:blipFill>
+        <p:spPr bwMode="auto">
+          <a:xfrm>
+            <a:off x="3402682" y="4321352"/>
+            <a:ext cx="1809336" cy="633045"/>
+          </a:xfrm>
+          <a:prstGeom prst="roundRect">
+            <a:avLst>
+              <a:gd name="adj" fmla="val 3940"/>
+            </a:avLst>
+          </a:prstGeom>
+          <a:solidFill>
+            <a:srgbClr val="231F20">
+              <a:alpha val="50000"/>
+            </a:srgbClr>
+          </a:solidFill>
+          <a:ln>
+            <a:noFill/>
+          </a:ln>
+        </p:spPr>
+      </p:pic>
     </p:spTree>
     <p:extLst>
       <p:ext uri="{BB962C8B-B14F-4D97-AF65-F5344CB8AC3E}">
-        <p14:creationId xmlns:p14="http://schemas.microsoft.com/office/powerpoint/2010/main" val="970179299"/>
+        <p14:creationId xmlns:p14="http://schemas.microsoft.com/office/powerpoint/2010/main" val="370654144"/>
       </p:ext>
     </p:extLst>
   </p:cSld>
@@ -4055,7 +4051,7 @@
               <a:tabLst/>
               <a:defRPr/>
             </a:pPr>
-            <a:endParaRPr kumimoji="0" lang="en-US" altLang="ko-KR" sz="2398" b="0" i="0" u="none" strike="noStrike" kern="1200" cap="none" spc="0" normalizeH="0" baseline="0" noProof="0" dirty="0">
+            <a:endParaRPr kumimoji="0" lang="en-US" altLang="ko-KR" sz="2398" b="0" i="0" u="none" strike="noStrike" kern="1200" cap="none" spc="0" normalizeH="0" baseline="0" noProof="0">
               <a:ln>
                 <a:noFill/>
               </a:ln>
@@ -4178,7 +4174,7 @@
               <a:tabLst/>
               <a:defRPr/>
             </a:pPr>
-            <a:endParaRPr kumimoji="0" lang="en-US" altLang="ko-KR" sz="2398" b="0" i="0" u="none" strike="noStrike" kern="1200" cap="none" spc="0" normalizeH="0" baseline="0" noProof="0" dirty="0">
+            <a:endParaRPr kumimoji="0" lang="en-US" altLang="ko-KR" sz="2398" b="0" i="0" u="none" strike="noStrike" kern="1200" cap="none" spc="0" normalizeH="0" baseline="0" noProof="0">
               <a:ln>
                 <a:noFill/>
               </a:ln>
@@ -4195,42 +4191,6 @@
           </a:p>
         </p:txBody>
       </p:sp>
-      <p:pic>
-        <p:nvPicPr>
-          <p:cNvPr id="12" name="Logo Software University Down" descr="Software University logo">
-            <a:extLst>
-              <a:ext uri="{FF2B5EF4-FFF2-40B4-BE49-F238E27FC236}">
-                <a16:creationId xmlns:a16="http://schemas.microsoft.com/office/drawing/2014/main" id="{7028D2F0-1E67-414B-A93D-D3F8F131A132}"/>
-              </a:ext>
-            </a:extLst>
-          </p:cNvPr>
-          <p:cNvPicPr>
-            <a:picLocks noChangeAspect="1"/>
-          </p:cNvPicPr>
-          <p:nvPr/>
-        </p:nvPicPr>
-        <p:blipFill>
-          <a:blip r:embed="rId2" cstate="print">
-            <a:extLst>
-              <a:ext uri="{28A0092B-C50C-407E-A947-70E740481C1C}">
-                <a14:useLocalDpi xmlns:a14="http://schemas.microsoft.com/office/drawing/2010/main" val="0"/>
-              </a:ext>
-            </a:extLst>
-          </a:blip>
-          <a:stretch>
-            <a:fillRect/>
-          </a:stretch>
-        </p:blipFill>
-        <p:spPr>
-          <a:xfrm>
-            <a:off x="5616551" y="5206773"/>
-            <a:ext cx="958900" cy="1184869"/>
-          </a:xfrm>
-          <a:prstGeom prst="rect">
-            <a:avLst/>
-          </a:prstGeom>
-        </p:spPr>
-      </p:pic>
       <p:sp>
         <p:nvSpPr>
           <p:cNvPr id="10" name="Text Placeholder Right">
@@ -4451,7 +4411,7 @@
               <a:tabLst/>
               <a:defRPr/>
             </a:pPr>
-            <a:endParaRPr kumimoji="0" lang="en-US" altLang="ko-KR" sz="2398" b="0" i="0" u="none" strike="noStrike" kern="1200" cap="none" spc="0" normalizeH="0" baseline="0" noProof="0" dirty="0">
+            <a:endParaRPr kumimoji="0" lang="en-US" altLang="ko-KR" sz="2398" b="0" i="0" u="none" strike="noStrike" kern="1200" cap="none" spc="0" normalizeH="0" baseline="0" noProof="0">
               <a:ln>
                 <a:noFill/>
               </a:ln>
@@ -4468,42 +4428,6 @@
           </a:p>
         </p:txBody>
       </p:sp>
-      <p:pic>
-        <p:nvPicPr>
-          <p:cNvPr id="14" name="Logo Software University" descr="Software University logo">
-            <a:extLst>
-              <a:ext uri="{FF2B5EF4-FFF2-40B4-BE49-F238E27FC236}">
-                <a16:creationId xmlns:a16="http://schemas.microsoft.com/office/drawing/2014/main" id="{19A67BB9-D880-4EAD-B90E-89C4219BFC0B}"/>
-              </a:ext>
-            </a:extLst>
-          </p:cNvPr>
-          <p:cNvPicPr>
-            <a:picLocks noChangeAspect="1"/>
-          </p:cNvPicPr>
-          <p:nvPr userDrawn="1"/>
-        </p:nvPicPr>
-        <p:blipFill>
-          <a:blip r:embed="rId3">
-            <a:extLst>
-              <a:ext uri="{28A0092B-C50C-407E-A947-70E740481C1C}">
-                <a14:useLocalDpi xmlns:a14="http://schemas.microsoft.com/office/drawing/2010/main" val="0"/>
-              </a:ext>
-            </a:extLst>
-          </a:blip>
-          <a:stretch>
-            <a:fillRect/>
-          </a:stretch>
-        </p:blipFill>
-        <p:spPr>
-          <a:xfrm>
-            <a:off x="10067957" y="253936"/>
-            <a:ext cx="1915704" cy="559235"/>
-          </a:xfrm>
-          <a:prstGeom prst="rect">
-            <a:avLst/>
-          </a:prstGeom>
-        </p:spPr>
-      </p:pic>
       <p:sp>
         <p:nvSpPr>
           <p:cNvPr id="15" name="Slide Title">
@@ -4522,8 +4446,8 @@
         </p:nvSpPr>
         <p:spPr>
           <a:xfrm>
-            <a:off x="190406" y="100750"/>
-            <a:ext cx="9715594" cy="882654"/>
+            <a:off x="190405" y="100750"/>
+            <a:ext cx="10270595" cy="882654"/>
           </a:xfrm>
         </p:spPr>
         <p:txBody>
@@ -4545,6 +4469,72 @@
           </a:p>
         </p:txBody>
       </p:sp>
+      <p:pic>
+        <p:nvPicPr>
+          <p:cNvPr id="8" name="Picture 7">
+            <a:extLst>
+              <a:ext uri="{FF2B5EF4-FFF2-40B4-BE49-F238E27FC236}">
+                <a16:creationId xmlns:a16="http://schemas.microsoft.com/office/drawing/2014/main" id="{2C9792D8-D354-4699-B7D6-B8CB7F77594F}"/>
+              </a:ext>
+            </a:extLst>
+          </p:cNvPr>
+          <p:cNvPicPr>
+            <a:picLocks noChangeAspect="1"/>
+          </p:cNvPicPr>
+          <p:nvPr userDrawn="1"/>
+        </p:nvPicPr>
+        <p:blipFill>
+          <a:blip r:embed="rId2"/>
+          <a:stretch>
+            <a:fillRect/>
+          </a:stretch>
+        </p:blipFill>
+        <p:spPr>
+          <a:xfrm>
+            <a:off x="5398753" y="5340443"/>
+            <a:ext cx="1334859" cy="982867"/>
+          </a:xfrm>
+          <a:prstGeom prst="rect">
+            <a:avLst/>
+          </a:prstGeom>
+        </p:spPr>
+      </p:pic>
+      <p:pic>
+        <p:nvPicPr>
+          <p:cNvPr id="3" name="Picture 2">
+            <a:extLst>
+              <a:ext uri="{FF2B5EF4-FFF2-40B4-BE49-F238E27FC236}">
+                <a16:creationId xmlns:a16="http://schemas.microsoft.com/office/drawing/2014/main" id="{B6351E19-25DA-EAD2-9FBE-358B6135D728}"/>
+              </a:ext>
+            </a:extLst>
+          </p:cNvPr>
+          <p:cNvPicPr>
+            <a:picLocks noChangeAspect="1"/>
+          </p:cNvPicPr>
+          <p:nvPr userDrawn="1"/>
+        </p:nvPicPr>
+        <p:blipFill>
+          <a:blip r:embed="rId3" cstate="print">
+            <a:extLst>
+              <a:ext uri="{28A0092B-C50C-407E-A947-70E740481C1C}">
+                <a14:useLocalDpi xmlns:a14="http://schemas.microsoft.com/office/drawing/2010/main" val="0"/>
+              </a:ext>
+            </a:extLst>
+          </a:blip>
+          <a:stretch>
+            <a:fillRect/>
+          </a:stretch>
+        </p:blipFill>
+        <p:spPr>
+          <a:xfrm>
+            <a:off x="10553573" y="368999"/>
+            <a:ext cx="1443361" cy="360001"/>
+          </a:xfrm>
+          <a:prstGeom prst="rect">
+            <a:avLst/>
+          </a:prstGeom>
+        </p:spPr>
+      </p:pic>
     </p:spTree>
     <p:extLst>
       <p:ext uri="{BB962C8B-B14F-4D97-AF65-F5344CB8AC3E}">
@@ -4637,7 +4627,7 @@
               <a:pPr/>
               <a:t>‹#›</a:t>
             </a:fld>
-            <a:endParaRPr lang="en-US" noProof="0" dirty="0"/>
+            <a:endParaRPr lang="en-US" noProof="0"/>
           </a:p>
         </p:txBody>
       </p:sp>
@@ -4791,7 +4781,7 @@
           </a:lstStyle>
           <a:p>
             <a:r>
-              <a:rPr lang="en-US" altLang="ko-KR" noProof="0" dirty="0"/>
+              <a:rPr lang="en-US" altLang="ko-KR" noProof="0"/>
               <a:t>Your Picture Here</a:t>
             </a:r>
           </a:p>
@@ -4855,7 +4845,7 @@
               <a:tabLst/>
               <a:defRPr/>
             </a:pPr>
-            <a:endParaRPr kumimoji="0" lang="en-US" altLang="ko-KR" sz="2398" b="0" i="0" u="none" strike="noStrike" kern="1200" cap="none" spc="0" normalizeH="0" baseline="0" noProof="0" dirty="0">
+            <a:endParaRPr kumimoji="0" lang="en-US" altLang="ko-KR" sz="2398" b="0" i="0" u="none" strike="noStrike" kern="1200" cap="none" spc="0" normalizeH="0" baseline="0" noProof="0">
               <a:ln>
                 <a:noFill/>
               </a:ln>
@@ -4930,7 +4920,7 @@
               <a:tabLst/>
               <a:defRPr/>
             </a:pPr>
-            <a:endParaRPr kumimoji="0" lang="en-US" altLang="ko-KR" sz="2398" b="0" i="0" u="none" strike="noStrike" kern="1200" cap="none" spc="0" normalizeH="0" baseline="0" noProof="0" dirty="0">
+            <a:endParaRPr kumimoji="0" lang="en-US" altLang="ko-KR" sz="2398" b="0" i="0" u="none" strike="noStrike" kern="1200" cap="none" spc="0" normalizeH="0" baseline="0" noProof="0">
               <a:ln>
                 <a:noFill/>
               </a:ln>
@@ -5011,7 +5001,7 @@
               <a:tabLst/>
               <a:defRPr/>
             </a:pPr>
-            <a:endParaRPr kumimoji="0" lang="en-US" altLang="ko-KR" sz="2398" b="0" i="0" u="none" strike="noStrike" kern="1200" cap="none" spc="0" normalizeH="0" baseline="0" noProof="0" dirty="0">
+            <a:endParaRPr kumimoji="0" lang="en-US" altLang="ko-KR" sz="2398" b="0" i="0" u="none" strike="noStrike" kern="1200" cap="none" spc="0" normalizeH="0" baseline="0" noProof="0">
               <a:ln>
                 <a:noFill/>
               </a:ln>
@@ -5092,7 +5082,7 @@
               <a:tabLst/>
               <a:defRPr/>
             </a:pPr>
-            <a:endParaRPr kumimoji="0" lang="en-US" altLang="ko-KR" sz="2398" b="0" i="0" u="none" strike="noStrike" kern="1200" cap="none" spc="0" normalizeH="0" baseline="0" noProof="0" dirty="0">
+            <a:endParaRPr kumimoji="0" lang="en-US" altLang="ko-KR" sz="2398" b="0" i="0" u="none" strike="noStrike" kern="1200" cap="none" spc="0" normalizeH="0" baseline="0" noProof="0">
               <a:ln>
                 <a:noFill/>
               </a:ln>
@@ -5109,42 +5099,6 @@
           </a:p>
         </p:txBody>
       </p:sp>
-      <p:pic>
-        <p:nvPicPr>
-          <p:cNvPr id="12" name="Logo Software University" descr="Software University logo">
-            <a:extLst>
-              <a:ext uri="{FF2B5EF4-FFF2-40B4-BE49-F238E27FC236}">
-                <a16:creationId xmlns:a16="http://schemas.microsoft.com/office/drawing/2014/main" id="{233CBB95-791E-4630-B3D9-FADFCE7BCF52}"/>
-              </a:ext>
-            </a:extLst>
-          </p:cNvPr>
-          <p:cNvPicPr>
-            <a:picLocks noChangeAspect="1"/>
-          </p:cNvPicPr>
-          <p:nvPr userDrawn="1"/>
-        </p:nvPicPr>
-        <p:blipFill>
-          <a:blip r:embed="rId2">
-            <a:extLst>
-              <a:ext uri="{28A0092B-C50C-407E-A947-70E740481C1C}">
-                <a14:useLocalDpi xmlns:a14="http://schemas.microsoft.com/office/drawing/2010/main" val="0"/>
-              </a:ext>
-            </a:extLst>
-          </a:blip>
-          <a:stretch>
-            <a:fillRect/>
-          </a:stretch>
-        </p:blipFill>
-        <p:spPr>
-          <a:xfrm>
-            <a:off x="10067957" y="253936"/>
-            <a:ext cx="1915704" cy="559235"/>
-          </a:xfrm>
-          <a:prstGeom prst="rect">
-            <a:avLst/>
-          </a:prstGeom>
-        </p:spPr>
-      </p:pic>
       <p:sp>
         <p:nvSpPr>
           <p:cNvPr id="13" name="Slide Title">
@@ -5164,7 +5118,7 @@
         <p:spPr>
           <a:xfrm>
             <a:off x="190406" y="100750"/>
-            <a:ext cx="9715594" cy="882654"/>
+            <a:ext cx="10270594" cy="882654"/>
           </a:xfrm>
         </p:spPr>
         <p:txBody>
@@ -5186,6 +5140,42 @@
           </a:p>
         </p:txBody>
       </p:sp>
+      <p:pic>
+        <p:nvPicPr>
+          <p:cNvPr id="4" name="Picture 3">
+            <a:extLst>
+              <a:ext uri="{FF2B5EF4-FFF2-40B4-BE49-F238E27FC236}">
+                <a16:creationId xmlns:a16="http://schemas.microsoft.com/office/drawing/2014/main" id="{42F3DB3E-BDAA-8201-9A01-2F52640A84CA}"/>
+              </a:ext>
+            </a:extLst>
+          </p:cNvPr>
+          <p:cNvPicPr>
+            <a:picLocks noChangeAspect="1"/>
+          </p:cNvPicPr>
+          <p:nvPr userDrawn="1"/>
+        </p:nvPicPr>
+        <p:blipFill>
+          <a:blip r:embed="rId2" cstate="print">
+            <a:extLst>
+              <a:ext uri="{28A0092B-C50C-407E-A947-70E740481C1C}">
+                <a14:useLocalDpi xmlns:a14="http://schemas.microsoft.com/office/drawing/2010/main" val="0"/>
+              </a:ext>
+            </a:extLst>
+          </a:blip>
+          <a:stretch>
+            <a:fillRect/>
+          </a:stretch>
+        </p:blipFill>
+        <p:spPr>
+          <a:xfrm>
+            <a:off x="10553573" y="368999"/>
+            <a:ext cx="1443361" cy="360001"/>
+          </a:xfrm>
+          <a:prstGeom prst="rect">
+            <a:avLst/>
+          </a:prstGeom>
+        </p:spPr>
+      </p:pic>
     </p:spTree>
     <p:extLst>
       <p:ext uri="{BB962C8B-B14F-4D97-AF65-F5344CB8AC3E}">
@@ -5296,7 +5286,7 @@
               <a:tabLst/>
               <a:defRPr/>
             </a:pPr>
-            <a:endParaRPr kumimoji="0" lang="en-US" altLang="ko-KR" sz="2398" b="0" i="0" u="none" strike="noStrike" kern="1200" cap="none" spc="0" normalizeH="0" baseline="0" noProof="0" dirty="0">
+            <a:endParaRPr kumimoji="0" lang="en-US" altLang="ko-KR" sz="2398" b="0" i="0" u="none" strike="noStrike" kern="1200" cap="none" spc="0" normalizeH="0" baseline="0" noProof="0">
               <a:ln>
                 <a:noFill/>
               </a:ln>
@@ -5315,714 +5305,10 @@
       </p:sp>
       <p:sp>
         <p:nvSpPr>
-          <p:cNvPr id="53" name="Rectangle Bottom Copyright">
+          <p:cNvPr id="3" name="Title 2">
             <a:extLst>
               <a:ext uri="{FF2B5EF4-FFF2-40B4-BE49-F238E27FC236}">
-                <a16:creationId xmlns:a16="http://schemas.microsoft.com/office/drawing/2014/main" id="{B07FB7FB-DA6C-4F5D-B068-357F0FCE27D8}"/>
-              </a:ext>
-            </a:extLst>
-          </p:cNvPr>
-          <p:cNvSpPr/>
-          <p:nvPr userDrawn="1"/>
-        </p:nvSpPr>
-        <p:spPr>
-          <a:xfrm>
-            <a:off x="111000" y="6454758"/>
-            <a:ext cx="11970000" cy="258449"/>
-          </a:xfrm>
-          <a:prstGeom prst="rect">
-            <a:avLst/>
-          </a:prstGeom>
-        </p:spPr>
-        <p:txBody>
-          <a:bodyPr wrap="square">
-            <a:noAutofit/>
-          </a:bodyPr>
-          <a:lstStyle/>
-          <a:p>
-            <a:pPr algn="ctr">
-              <a:lnSpc>
-                <a:spcPct val="100000"/>
-              </a:lnSpc>
-              <a:spcBef>
-                <a:spcPts val="0"/>
-              </a:spcBef>
-              <a:spcAft>
-                <a:spcPts val="0"/>
-              </a:spcAft>
-            </a:pPr>
-            <a:r>
-              <a:rPr lang="en-US" sz="1600" noProof="0" dirty="0">
-                <a:solidFill>
-                  <a:schemeClr val="bg2"/>
-                </a:solidFill>
-                <a:effectLst/>
-                <a:latin typeface="Calibri" panose="020F0502020204030204" pitchFamily="34" charset="0"/>
-                <a:ea typeface="Calibri" panose="020F0502020204030204" pitchFamily="34" charset="0"/>
-                <a:cs typeface="Arial" panose="020B0604020202020204" pitchFamily="34" charset="0"/>
-              </a:rPr>
-              <a:t>© SoftUni – </a:t>
-            </a:r>
-            <a:r>
-              <a:rPr lang="en-US" sz="1600" u="sng" noProof="0" dirty="0">
-                <a:solidFill>
-                  <a:schemeClr val="bg2"/>
-                </a:solidFill>
-                <a:effectLst/>
-                <a:latin typeface="Calibri" panose="020F0502020204030204" pitchFamily="34" charset="0"/>
-                <a:ea typeface="Calibri" panose="020F0502020204030204" pitchFamily="34" charset="0"/>
-                <a:cs typeface="Arial" panose="020B0604020202020204" pitchFamily="34" charset="0"/>
-                <a:hlinkClick r:id="rId2">
-                  <a:extLst>
-                    <a:ext uri="{A12FA001-AC4F-418D-AE19-62706E023703}">
-                      <ahyp:hlinkClr xmlns:ahyp="http://schemas.microsoft.com/office/drawing/2018/hyperlinkcolor" val="tx"/>
-                    </a:ext>
-                  </a:extLst>
-                </a:hlinkClick>
-              </a:rPr>
-              <a:t>https://softuni.org</a:t>
-            </a:r>
-            <a:r>
-              <a:rPr lang="en-US" sz="1600" noProof="0" dirty="0">
-                <a:solidFill>
-                  <a:schemeClr val="bg2"/>
-                </a:solidFill>
-                <a:effectLst/>
-                <a:latin typeface="Calibri" panose="020F0502020204030204" pitchFamily="34" charset="0"/>
-                <a:ea typeface="Calibri" panose="020F0502020204030204" pitchFamily="34" charset="0"/>
-                <a:cs typeface="Arial" panose="020B0604020202020204" pitchFamily="34" charset="0"/>
-              </a:rPr>
-              <a:t>. Copyrighted document. Unauthorized copy, reproduction or use is not permitted.</a:t>
-            </a:r>
-            <a:endParaRPr lang="en-US" sz="2400" noProof="0" dirty="0">
-              <a:solidFill>
-                <a:schemeClr val="bg2"/>
-              </a:solidFill>
-              <a:effectLst/>
-              <a:latin typeface="Calibri" panose="020F0502020204030204" pitchFamily="34" charset="0"/>
-              <a:ea typeface="Calibri" panose="020F0502020204030204" pitchFamily="34" charset="0"/>
-              <a:cs typeface="Arial" panose="020B0604020202020204" pitchFamily="34" charset="0"/>
-            </a:endParaRPr>
-          </a:p>
-        </p:txBody>
-      </p:sp>
-      <p:pic>
-        <p:nvPicPr>
-          <p:cNvPr id="26" name="Picture SoftUni Mascot" descr="SoftUni mascot with open hand">
-            <a:extLst>
-              <a:ext uri="{FF2B5EF4-FFF2-40B4-BE49-F238E27FC236}">
-                <a16:creationId xmlns:a16="http://schemas.microsoft.com/office/drawing/2014/main" id="{247CFF3C-C4FA-493D-8505-DF469F4D36A4}"/>
-              </a:ext>
-            </a:extLst>
-          </p:cNvPr>
-          <p:cNvPicPr>
-            <a:picLocks noChangeAspect="1"/>
-          </p:cNvPicPr>
-          <p:nvPr/>
-        </p:nvPicPr>
-        <p:blipFill>
-          <a:blip r:embed="rId3" cstate="print">
-            <a:extLst>
-              <a:ext uri="{28A0092B-C50C-407E-A947-70E740481C1C}">
-                <a14:useLocalDpi xmlns:a14="http://schemas.microsoft.com/office/drawing/2010/main" val="0"/>
-              </a:ext>
-            </a:extLst>
-          </a:blip>
-          <a:stretch>
-            <a:fillRect/>
-          </a:stretch>
-        </p:blipFill>
-        <p:spPr>
-          <a:xfrm>
-            <a:off x="642586" y="2898830"/>
-            <a:ext cx="2451608" cy="2959741"/>
-          </a:xfrm>
-          <a:prstGeom prst="rect">
-            <a:avLst/>
-          </a:prstGeom>
-        </p:spPr>
-      </p:pic>
-      <p:grpSp>
-        <p:nvGrpSpPr>
-          <p:cNvPr id="2" name="Group SoftUni Brands">
-            <a:extLst>
-              <a:ext uri="{FF2B5EF4-FFF2-40B4-BE49-F238E27FC236}">
-                <a16:creationId xmlns:a16="http://schemas.microsoft.com/office/drawing/2014/main" id="{418FAE34-C1F8-46C7-A4AE-F270D1E70F25}"/>
-              </a:ext>
-            </a:extLst>
-          </p:cNvPr>
-          <p:cNvGrpSpPr/>
-          <p:nvPr userDrawn="1"/>
-        </p:nvGrpSpPr>
-        <p:grpSpPr>
-          <a:xfrm>
-            <a:off x="3332216" y="1702473"/>
-            <a:ext cx="8314909" cy="3543782"/>
-            <a:chOff x="3332216" y="1702473"/>
-            <a:chExt cx="8314909" cy="3543782"/>
-          </a:xfrm>
-        </p:grpSpPr>
-        <p:pic>
-          <p:nvPicPr>
-            <p:cNvPr id="24" name="Picture SoftUni Kids Logo" descr="SoftUni Kids logo">
-              <a:extLst>
-                <a:ext uri="{FF2B5EF4-FFF2-40B4-BE49-F238E27FC236}">
-                  <a16:creationId xmlns:a16="http://schemas.microsoft.com/office/drawing/2014/main" id="{B0812936-74B6-4265-8C08-AEDC8C798702}"/>
-                </a:ext>
-              </a:extLst>
-            </p:cNvPr>
-            <p:cNvPicPr>
-              <a:picLocks noChangeAspect="1"/>
-            </p:cNvPicPr>
-            <p:nvPr/>
-          </p:nvPicPr>
-          <p:blipFill>
-            <a:blip r:embed="rId4" cstate="print">
-              <a:extLst>
-                <a:ext uri="{28A0092B-C50C-407E-A947-70E740481C1C}">
-                  <a14:useLocalDpi xmlns:a14="http://schemas.microsoft.com/office/drawing/2010/main" val="0"/>
-                </a:ext>
-              </a:extLst>
-            </a:blip>
-            <a:stretch>
-              <a:fillRect/>
-            </a:stretch>
-          </p:blipFill>
-          <p:spPr>
-            <a:xfrm>
-              <a:off x="10516883" y="3776294"/>
-              <a:ext cx="1130242" cy="1389256"/>
-            </a:xfrm>
-            <a:prstGeom prst="rect">
-              <a:avLst/>
-            </a:prstGeom>
-          </p:spPr>
-        </p:pic>
-        <p:pic>
-          <p:nvPicPr>
-            <p:cNvPr id="23" name="Picture SoftUni Foundation Logo" descr="SoftUni Foundation logo">
-              <a:extLst>
-                <a:ext uri="{FF2B5EF4-FFF2-40B4-BE49-F238E27FC236}">
-                  <a16:creationId xmlns:a16="http://schemas.microsoft.com/office/drawing/2014/main" id="{6643F71A-2013-433A-8322-FBAAED3162D8}"/>
-                </a:ext>
-              </a:extLst>
-            </p:cNvPr>
-            <p:cNvPicPr>
-              <a:picLocks noChangeAspect="1"/>
-            </p:cNvPicPr>
-            <p:nvPr userDrawn="1"/>
-          </p:nvPicPr>
-          <p:blipFill>
-            <a:blip r:embed="rId5" cstate="print">
-              <a:extLst>
-                <a:ext uri="{28A0092B-C50C-407E-A947-70E740481C1C}">
-                  <a14:useLocalDpi xmlns:a14="http://schemas.microsoft.com/office/drawing/2010/main" val="0"/>
-                </a:ext>
-              </a:extLst>
-            </a:blip>
-            <a:stretch>
-              <a:fillRect/>
-            </a:stretch>
-          </p:blipFill>
-          <p:spPr>
-            <a:xfrm>
-              <a:off x="9053913" y="3788231"/>
-              <a:ext cx="1166400" cy="1350756"/>
-            </a:xfrm>
-            <a:prstGeom prst="rect">
-              <a:avLst/>
-            </a:prstGeom>
-          </p:spPr>
-        </p:pic>
-        <p:pic>
-          <p:nvPicPr>
-            <p:cNvPr id="22" name="Picture SoftUni Digital Logo" descr="SoftUni Digital logo">
-              <a:extLst>
-                <a:ext uri="{FF2B5EF4-FFF2-40B4-BE49-F238E27FC236}">
-                  <a16:creationId xmlns:a16="http://schemas.microsoft.com/office/drawing/2014/main" id="{0A83D66F-855B-463B-920B-BF239B01A206}"/>
-                </a:ext>
-              </a:extLst>
-            </p:cNvPr>
-            <p:cNvPicPr>
-              <a:picLocks noChangeAspect="1"/>
-            </p:cNvPicPr>
-            <p:nvPr userDrawn="1"/>
-          </p:nvPicPr>
-          <p:blipFill>
-            <a:blip r:embed="rId6" cstate="print">
-              <a:extLst>
-                <a:ext uri="{28A0092B-C50C-407E-A947-70E740481C1C}">
-                  <a14:useLocalDpi xmlns:a14="http://schemas.microsoft.com/office/drawing/2010/main" val="0"/>
-                </a:ext>
-              </a:extLst>
-            </a:blip>
-            <a:stretch>
-              <a:fillRect/>
-            </a:stretch>
-          </p:blipFill>
-          <p:spPr>
-            <a:xfrm>
-              <a:off x="7657695" y="3789000"/>
-              <a:ext cx="1084614" cy="1457255"/>
-            </a:xfrm>
-            <a:prstGeom prst="rect">
-              <a:avLst/>
-            </a:prstGeom>
-          </p:spPr>
-        </p:pic>
-        <p:pic>
-          <p:nvPicPr>
-            <p:cNvPr id="21" name="Picture SoftUni Creative Logo" descr="SoftUni Creative logo">
-              <a:extLst>
-                <a:ext uri="{FF2B5EF4-FFF2-40B4-BE49-F238E27FC236}">
-                  <a16:creationId xmlns:a16="http://schemas.microsoft.com/office/drawing/2014/main" id="{EA755AAE-BA08-481C-9224-0061170EE4B8}"/>
-                </a:ext>
-              </a:extLst>
-            </p:cNvPr>
-            <p:cNvPicPr>
-              <a:picLocks noChangeAspect="1"/>
-            </p:cNvPicPr>
-            <p:nvPr/>
-          </p:nvPicPr>
-          <p:blipFill>
-            <a:blip r:embed="rId7" cstate="print">
-              <a:extLst>
-                <a:ext uri="{28A0092B-C50C-407E-A947-70E740481C1C}">
-                  <a14:useLocalDpi xmlns:a14="http://schemas.microsoft.com/office/drawing/2010/main" val="0"/>
-                </a:ext>
-              </a:extLst>
-            </a:blip>
-            <a:stretch>
-              <a:fillRect/>
-            </a:stretch>
-          </p:blipFill>
-          <p:spPr>
-            <a:xfrm>
-              <a:off x="6173913" y="3776293"/>
-              <a:ext cx="1166400" cy="1389257"/>
-            </a:xfrm>
-            <a:prstGeom prst="rect">
-              <a:avLst/>
-            </a:prstGeom>
-          </p:spPr>
-        </p:pic>
-        <p:pic>
-          <p:nvPicPr>
-            <p:cNvPr id="20" name="Picture SoftUni Svetlina Logo" descr="SoftUni Svetlina logo">
-              <a:extLst>
-                <a:ext uri="{FF2B5EF4-FFF2-40B4-BE49-F238E27FC236}">
-                  <a16:creationId xmlns:a16="http://schemas.microsoft.com/office/drawing/2014/main" id="{827D15FD-4C66-4B85-98E6-7826AA8F61C6}"/>
-                </a:ext>
-              </a:extLst>
-            </p:cNvPr>
-            <p:cNvPicPr>
-              <a:picLocks noChangeAspect="1"/>
-            </p:cNvPicPr>
-            <p:nvPr/>
-          </p:nvPicPr>
-          <p:blipFill>
-            <a:blip r:embed="rId8">
-              <a:extLst>
-                <a:ext uri="{28A0092B-C50C-407E-A947-70E740481C1C}">
-                  <a14:useLocalDpi xmlns:a14="http://schemas.microsoft.com/office/drawing/2010/main" val="0"/>
-                </a:ext>
-              </a:extLst>
-            </a:blip>
-            <a:stretch>
-              <a:fillRect/>
-            </a:stretch>
-          </p:blipFill>
-          <p:spPr>
-            <a:xfrm>
-              <a:off x="4735029" y="3776293"/>
-              <a:ext cx="1166400" cy="1402229"/>
-            </a:xfrm>
-            <a:prstGeom prst="rect">
-              <a:avLst/>
-            </a:prstGeom>
-          </p:spPr>
-        </p:pic>
-        <p:pic>
-          <p:nvPicPr>
-            <p:cNvPr id="25" name="Picture Software University Logo" descr="Software University logo">
-              <a:extLst>
-                <a:ext uri="{FF2B5EF4-FFF2-40B4-BE49-F238E27FC236}">
-                  <a16:creationId xmlns:a16="http://schemas.microsoft.com/office/drawing/2014/main" id="{C74C190C-5856-41B9-8819-AE8DE0E10980}"/>
-                </a:ext>
-              </a:extLst>
-            </p:cNvPr>
-            <p:cNvPicPr>
-              <a:picLocks noChangeAspect="1"/>
-            </p:cNvPicPr>
-            <p:nvPr/>
-          </p:nvPicPr>
-          <p:blipFill>
-            <a:blip r:embed="rId9" cstate="print">
-              <a:extLst>
-                <a:ext uri="{28A0092B-C50C-407E-A947-70E740481C1C}">
-                  <a14:useLocalDpi xmlns:a14="http://schemas.microsoft.com/office/drawing/2010/main" val="0"/>
-                </a:ext>
-              </a:extLst>
-            </a:blip>
-            <a:stretch>
-              <a:fillRect/>
-            </a:stretch>
-          </p:blipFill>
-          <p:spPr>
-            <a:xfrm>
-              <a:off x="3332216" y="3776295"/>
-              <a:ext cx="1164654" cy="1440000"/>
-            </a:xfrm>
-            <a:prstGeom prst="rect">
-              <a:avLst/>
-            </a:prstGeom>
-          </p:spPr>
-        </p:pic>
-        <p:cxnSp>
-          <p:nvCxnSpPr>
-            <p:cNvPr id="33" name="Straight Connector 6">
-              <a:extLst>
-                <a:ext uri="{FF2B5EF4-FFF2-40B4-BE49-F238E27FC236}">
-                  <a16:creationId xmlns:a16="http://schemas.microsoft.com/office/drawing/2014/main" id="{5C63D1E8-4A92-4691-8A24-A2FC7E8008E5}"/>
-                </a:ext>
-              </a:extLst>
-            </p:cNvPr>
-            <p:cNvCxnSpPr>
-              <a:cxnSpLocks/>
-            </p:cNvCxnSpPr>
-            <p:nvPr userDrawn="1"/>
-          </p:nvCxnSpPr>
-          <p:spPr>
-            <a:xfrm>
-              <a:off x="11077113" y="3335565"/>
-              <a:ext cx="0" cy="236220"/>
-            </a:xfrm>
-            <a:prstGeom prst="line">
-              <a:avLst/>
-            </a:prstGeom>
-            <a:ln w="25400"/>
-          </p:spPr>
-          <p:style>
-            <a:lnRef idx="1">
-              <a:schemeClr val="accent1"/>
-            </a:lnRef>
-            <a:fillRef idx="0">
-              <a:schemeClr val="accent1"/>
-            </a:fillRef>
-            <a:effectRef idx="0">
-              <a:schemeClr val="accent1"/>
-            </a:effectRef>
-            <a:fontRef idx="minor">
-              <a:schemeClr val="tx1"/>
-            </a:fontRef>
-          </p:style>
-        </p:cxnSp>
-        <p:cxnSp>
-          <p:nvCxnSpPr>
-            <p:cNvPr id="32" name="Straight Connector 5">
-              <a:extLst>
-                <a:ext uri="{FF2B5EF4-FFF2-40B4-BE49-F238E27FC236}">
-                  <a16:creationId xmlns:a16="http://schemas.microsoft.com/office/drawing/2014/main" id="{6E91D320-3732-40B8-864D-142D0A277ED1}"/>
-                </a:ext>
-              </a:extLst>
-            </p:cNvPr>
-            <p:cNvCxnSpPr>
-              <a:cxnSpLocks/>
-            </p:cNvCxnSpPr>
-            <p:nvPr userDrawn="1"/>
-          </p:nvCxnSpPr>
-          <p:spPr>
-            <a:xfrm>
-              <a:off x="9637113" y="3329215"/>
-              <a:ext cx="0" cy="236220"/>
-            </a:xfrm>
-            <a:prstGeom prst="line">
-              <a:avLst/>
-            </a:prstGeom>
-            <a:ln w="25400"/>
-          </p:spPr>
-          <p:style>
-            <a:lnRef idx="1">
-              <a:schemeClr val="accent1"/>
-            </a:lnRef>
-            <a:fillRef idx="0">
-              <a:schemeClr val="accent1"/>
-            </a:fillRef>
-            <a:effectRef idx="0">
-              <a:schemeClr val="accent1"/>
-            </a:effectRef>
-            <a:fontRef idx="minor">
-              <a:schemeClr val="tx1"/>
-            </a:fontRef>
-          </p:style>
-        </p:cxnSp>
-        <p:cxnSp>
-          <p:nvCxnSpPr>
-            <p:cNvPr id="31" name="Straight Connector 4">
-              <a:extLst>
-                <a:ext uri="{FF2B5EF4-FFF2-40B4-BE49-F238E27FC236}">
-                  <a16:creationId xmlns:a16="http://schemas.microsoft.com/office/drawing/2014/main" id="{299ABE09-E33C-46B7-A80D-7BF4A6956211}"/>
-                </a:ext>
-              </a:extLst>
-            </p:cNvPr>
-            <p:cNvCxnSpPr/>
-            <p:nvPr userDrawn="1"/>
-          </p:nvCxnSpPr>
-          <p:spPr>
-            <a:xfrm>
-              <a:off x="8197113" y="3329215"/>
-              <a:ext cx="0" cy="236220"/>
-            </a:xfrm>
-            <a:prstGeom prst="line">
-              <a:avLst/>
-            </a:prstGeom>
-            <a:ln w="25400"/>
-          </p:spPr>
-          <p:style>
-            <a:lnRef idx="1">
-              <a:schemeClr val="accent1"/>
-            </a:lnRef>
-            <a:fillRef idx="0">
-              <a:schemeClr val="accent1"/>
-            </a:fillRef>
-            <a:effectRef idx="0">
-              <a:schemeClr val="accent1"/>
-            </a:effectRef>
-            <a:fontRef idx="minor">
-              <a:schemeClr val="tx1"/>
-            </a:fontRef>
-          </p:style>
-        </p:cxnSp>
-        <p:cxnSp>
-          <p:nvCxnSpPr>
-            <p:cNvPr id="30" name="Straight Connector 3">
-              <a:extLst>
-                <a:ext uri="{FF2B5EF4-FFF2-40B4-BE49-F238E27FC236}">
-                  <a16:creationId xmlns:a16="http://schemas.microsoft.com/office/drawing/2014/main" id="{93DDBF37-0764-47AA-94E3-9A44F3ED8FB5}"/>
-                </a:ext>
-              </a:extLst>
-            </p:cNvPr>
-            <p:cNvCxnSpPr/>
-            <p:nvPr userDrawn="1"/>
-          </p:nvCxnSpPr>
-          <p:spPr>
-            <a:xfrm>
-              <a:off x="6757113" y="3329215"/>
-              <a:ext cx="0" cy="236220"/>
-            </a:xfrm>
-            <a:prstGeom prst="line">
-              <a:avLst/>
-            </a:prstGeom>
-            <a:ln w="25400"/>
-          </p:spPr>
-          <p:style>
-            <a:lnRef idx="1">
-              <a:schemeClr val="accent1"/>
-            </a:lnRef>
-            <a:fillRef idx="0">
-              <a:schemeClr val="accent1"/>
-            </a:fillRef>
-            <a:effectRef idx="0">
-              <a:schemeClr val="accent1"/>
-            </a:effectRef>
-            <a:fontRef idx="minor">
-              <a:schemeClr val="tx1"/>
-            </a:fontRef>
-          </p:style>
-        </p:cxnSp>
-        <p:cxnSp>
-          <p:nvCxnSpPr>
-            <p:cNvPr id="29" name="Straight Connector 2">
-              <a:extLst>
-                <a:ext uri="{FF2B5EF4-FFF2-40B4-BE49-F238E27FC236}">
-                  <a16:creationId xmlns:a16="http://schemas.microsoft.com/office/drawing/2014/main" id="{72BFE2F3-0845-4E5B-9375-E9D4027DD675}"/>
-                </a:ext>
-              </a:extLst>
-            </p:cNvPr>
-            <p:cNvCxnSpPr/>
-            <p:nvPr userDrawn="1"/>
-          </p:nvCxnSpPr>
-          <p:spPr>
-            <a:xfrm>
-              <a:off x="5309913" y="3335565"/>
-              <a:ext cx="0" cy="236220"/>
-            </a:xfrm>
-            <a:prstGeom prst="line">
-              <a:avLst/>
-            </a:prstGeom>
-            <a:ln w="25400"/>
-          </p:spPr>
-          <p:style>
-            <a:lnRef idx="1">
-              <a:schemeClr val="accent1"/>
-            </a:lnRef>
-            <a:fillRef idx="0">
-              <a:schemeClr val="accent1"/>
-            </a:fillRef>
-            <a:effectRef idx="0">
-              <a:schemeClr val="accent1"/>
-            </a:effectRef>
-            <a:fontRef idx="minor">
-              <a:schemeClr val="tx1"/>
-            </a:fontRef>
-          </p:style>
-        </p:cxnSp>
-        <p:cxnSp>
-          <p:nvCxnSpPr>
-            <p:cNvPr id="28" name="Straight Connector 1">
-              <a:extLst>
-                <a:ext uri="{FF2B5EF4-FFF2-40B4-BE49-F238E27FC236}">
-                  <a16:creationId xmlns:a16="http://schemas.microsoft.com/office/drawing/2014/main" id="{D4E5982E-3110-47E1-A5BB-91B7BECC3093}"/>
-                </a:ext>
-              </a:extLst>
-            </p:cNvPr>
-            <p:cNvCxnSpPr/>
-            <p:nvPr userDrawn="1"/>
-          </p:nvCxnSpPr>
-          <p:spPr>
-            <a:xfrm>
-              <a:off x="3915327" y="3335565"/>
-              <a:ext cx="0" cy="236220"/>
-            </a:xfrm>
-            <a:prstGeom prst="line">
-              <a:avLst/>
-            </a:prstGeom>
-            <a:ln w="25400"/>
-          </p:spPr>
-          <p:style>
-            <a:lnRef idx="1">
-              <a:schemeClr val="accent1"/>
-            </a:lnRef>
-            <a:fillRef idx="0">
-              <a:schemeClr val="accent1"/>
-            </a:fillRef>
-            <a:effectRef idx="0">
-              <a:schemeClr val="accent1"/>
-            </a:effectRef>
-            <a:fontRef idx="minor">
-              <a:schemeClr val="tx1"/>
-            </a:fontRef>
-          </p:style>
-        </p:cxnSp>
-        <p:cxnSp>
-          <p:nvCxnSpPr>
-            <p:cNvPr id="27" name="Straight Connector Horizontal">
-              <a:extLst>
-                <a:ext uri="{FF2B5EF4-FFF2-40B4-BE49-F238E27FC236}">
-                  <a16:creationId xmlns:a16="http://schemas.microsoft.com/office/drawing/2014/main" id="{5F62FB7C-BD6E-4383-98C1-2CF30F34CAFD}"/>
-                </a:ext>
-              </a:extLst>
-            </p:cNvPr>
-            <p:cNvCxnSpPr>
-              <a:cxnSpLocks/>
-            </p:cNvCxnSpPr>
-            <p:nvPr userDrawn="1"/>
-          </p:nvCxnSpPr>
-          <p:spPr>
-            <a:xfrm>
-              <a:off x="3915327" y="3335565"/>
-              <a:ext cx="7161786" cy="0"/>
-            </a:xfrm>
-            <a:prstGeom prst="line">
-              <a:avLst/>
-            </a:prstGeom>
-            <a:ln w="25400"/>
-          </p:spPr>
-          <p:style>
-            <a:lnRef idx="1">
-              <a:schemeClr val="accent1"/>
-            </a:lnRef>
-            <a:fillRef idx="0">
-              <a:schemeClr val="accent1"/>
-            </a:fillRef>
-            <a:effectRef idx="0">
-              <a:schemeClr val="accent1"/>
-            </a:effectRef>
-            <a:fontRef idx="minor">
-              <a:schemeClr val="tx1"/>
-            </a:fontRef>
-          </p:style>
-        </p:cxnSp>
-        <p:cxnSp>
-          <p:nvCxnSpPr>
-            <p:cNvPr id="34" name="Straight Connector 0">
-              <a:extLst>
-                <a:ext uri="{FF2B5EF4-FFF2-40B4-BE49-F238E27FC236}">
-                  <a16:creationId xmlns:a16="http://schemas.microsoft.com/office/drawing/2014/main" id="{C84A0FE1-723D-4682-8682-77BAD950EE15}"/>
-                </a:ext>
-              </a:extLst>
-            </p:cNvPr>
-            <p:cNvCxnSpPr/>
-            <p:nvPr userDrawn="1"/>
-          </p:nvCxnSpPr>
-          <p:spPr>
-            <a:xfrm>
-              <a:off x="7496220" y="3092995"/>
-              <a:ext cx="0" cy="236220"/>
-            </a:xfrm>
-            <a:prstGeom prst="line">
-              <a:avLst/>
-            </a:prstGeom>
-            <a:ln w="25400"/>
-          </p:spPr>
-          <p:style>
-            <a:lnRef idx="1">
-              <a:schemeClr val="accent1"/>
-            </a:lnRef>
-            <a:fillRef idx="0">
-              <a:schemeClr val="accent1"/>
-            </a:fillRef>
-            <a:effectRef idx="0">
-              <a:schemeClr val="accent1"/>
-            </a:effectRef>
-            <a:fontRef idx="minor">
-              <a:schemeClr val="tx1"/>
-            </a:fontRef>
-          </p:style>
-        </p:cxnSp>
-        <p:pic>
-          <p:nvPicPr>
-            <p:cNvPr id="18" name="Picture SoftUni Logo" descr="SoftUni logo">
-              <a:extLst>
-                <a:ext uri="{FF2B5EF4-FFF2-40B4-BE49-F238E27FC236}">
-                  <a16:creationId xmlns:a16="http://schemas.microsoft.com/office/drawing/2014/main" id="{A0675455-B7FA-4569-A5FD-A3B0F20B2A26}"/>
-                </a:ext>
-              </a:extLst>
-            </p:cNvPr>
-            <p:cNvPicPr>
-              <a:picLocks noChangeAspect="1"/>
-            </p:cNvPicPr>
-            <p:nvPr/>
-          </p:nvPicPr>
-          <p:blipFill>
-            <a:blip r:embed="rId10" cstate="print">
-              <a:extLst>
-                <a:ext uri="{28A0092B-C50C-407E-A947-70E740481C1C}">
-                  <a14:useLocalDpi xmlns:a14="http://schemas.microsoft.com/office/drawing/2010/main" val="0"/>
-                </a:ext>
-              </a:extLst>
-            </a:blip>
-            <a:stretch>
-              <a:fillRect/>
-            </a:stretch>
-          </p:blipFill>
-          <p:spPr>
-            <a:xfrm>
-              <a:off x="6896770" y="1702473"/>
-              <a:ext cx="1198901" cy="1198901"/>
-            </a:xfrm>
-            <a:prstGeom prst="rect">
-              <a:avLst/>
-            </a:prstGeom>
-          </p:spPr>
-        </p:pic>
-      </p:grpSp>
-      <p:sp>
-        <p:nvSpPr>
-          <p:cNvPr id="19" name="Slide Title">
-            <a:extLst>
-              <a:ext uri="{FF2B5EF4-FFF2-40B4-BE49-F238E27FC236}">
-                <a16:creationId xmlns:a16="http://schemas.microsoft.com/office/drawing/2014/main" id="{7CFDBB16-985C-4CC7-B6DB-B81B36037922}"/>
+                <a16:creationId xmlns:a16="http://schemas.microsoft.com/office/drawing/2014/main" id="{3107753B-8639-4399-B782-EE5377184D2E}"/>
               </a:ext>
             </a:extLst>
           </p:cNvPr>
@@ -6030,142 +5316,33 @@
             <a:spLocks noGrp="1"/>
           </p:cNvSpPr>
           <p:nvPr>
-            <p:ph type="title"/>
+            <p:ph type="title" hasCustomPrompt="1"/>
           </p:nvPr>
         </p:nvSpPr>
         <p:spPr>
           <a:xfrm>
-            <a:off x="809628" y="703244"/>
-            <a:ext cx="5916372" cy="1033303"/>
+            <a:off x="726988" y="1461842"/>
+            <a:ext cx="10731663" cy="3047158"/>
           </a:xfrm>
-          <a:prstGeom prst="rect">
-            <a:avLst/>
-          </a:prstGeom>
         </p:spPr>
         <p:txBody>
-          <a:bodyPr wrap="none" lIns="0" tIns="0" rIns="0" bIns="0" anchor="ctr" anchorCtr="0">
-            <a:noAutofit/>
-            <a:scene3d>
-              <a:camera prst="orthographicFront"/>
-              <a:lightRig rig="soft" dir="t">
-                <a:rot lat="0" lon="0" rev="10800000"/>
-              </a:lightRig>
-            </a:scene3d>
-            <a:sp3d>
-              <a:bevelT w="27940" h="12700"/>
-              <a:contourClr>
-                <a:srgbClr val="DDDDDD"/>
-              </a:contourClr>
-            </a:sp3d>
+          <a:bodyPr>
+            <a:normAutofit/>
           </a:bodyPr>
-          <a:lstStyle/>
-          <a:p>
-            <a:pPr marL="0" marR="0" lvl="0" indent="0" algn="l" defTabSz="913852" rtl="0" eaLnBrk="0" fontAlgn="auto" latinLnBrk="0" hangingPunct="0">
-              <a:lnSpc>
-                <a:spcPct val="100000"/>
-              </a:lnSpc>
-              <a:spcBef>
-                <a:spcPts val="0"/>
-              </a:spcBef>
-              <a:spcAft>
-                <a:spcPts val="0"/>
-              </a:spcAft>
-              <a:buClr>
-                <a:srgbClr val="67748E">
-                  <a:lumMod val="40000"/>
-                  <a:lumOff val="60000"/>
-                </a:srgbClr>
-              </a:buClr>
-              <a:buSzPct val="70000"/>
-              <a:buFont typeface="Wingdings 2" pitchFamily="18" charset="2"/>
-              <a:buNone/>
-              <a:tabLst/>
-              <a:defRPr/>
-            </a:pPr>
-            <a:r>
-              <a:rPr kumimoji="0" lang="en-US" sz="8797" b="1" i="0" u="none" strike="noStrike" kern="1200" cap="none" spc="0" normalizeH="0" baseline="0" noProof="0" dirty="0">
-                <a:ln>
-                  <a:noFill/>
-                </a:ln>
-                <a:solidFill>
-                  <a:srgbClr val="234465"/>
-                </a:solidFill>
-                <a:effectLst/>
-                <a:uLnTx/>
-                <a:uFillTx/>
-                <a:latin typeface="Calibri" panose="020F0502020204030204"/>
-                <a:ea typeface="+mn-ea"/>
-                <a:cs typeface="+mn-cs"/>
-              </a:rPr>
-              <a:t>Questions?</a:t>
-            </a:r>
-            <a:endParaRPr kumimoji="0" lang="en-US" sz="8797" b="1" i="0" u="none" strike="noStrike" kern="1200" cap="none" spc="150" normalizeH="0" baseline="0" noProof="0" dirty="0">
-              <a:ln w="11430"/>
-              <a:solidFill>
-                <a:srgbClr val="234465"/>
-              </a:solidFill>
-              <a:effectLst>
-                <a:outerShdw blurRad="25400" algn="tl" rotWithShape="0">
-                  <a:srgbClr val="000000">
-                    <a:alpha val="43000"/>
-                  </a:srgbClr>
-                </a:outerShdw>
-              </a:effectLst>
-              <a:uLnTx/>
-              <a:uFillTx/>
-              <a:latin typeface="Calibri" panose="020F0502020204030204"/>
-              <a:ea typeface="+mn-ea"/>
-              <a:cs typeface="+mn-cs"/>
-            </a:endParaRPr>
+          <a:lstStyle>
+            <a:lvl1pPr algn="ctr">
+              <a:defRPr sz="13800"/>
+            </a:lvl1pPr>
+          </a:lstStyle>
+          <a:p>
+            <a:r>
+              <a:rPr lang="bg-BG" dirty="0"/>
+              <a:t>Въпроси?</a:t>
+            </a:r>
+            <a:endParaRPr lang="en-US" dirty="0"/>
           </a:p>
         </p:txBody>
       </p:sp>
-      <p:pic>
-        <p:nvPicPr>
-          <p:cNvPr id="36" name="Logo Software University" descr="Software University logo">
-            <a:extLst>
-              <a:ext uri="{FF2B5EF4-FFF2-40B4-BE49-F238E27FC236}">
-                <a16:creationId xmlns:a16="http://schemas.microsoft.com/office/drawing/2014/main" id="{67FC4D2E-913D-432A-B658-F0D82839FA5E}"/>
-              </a:ext>
-            </a:extLst>
-          </p:cNvPr>
-          <p:cNvPicPr>
-            <a:picLocks noChangeAspect="1"/>
-          </p:cNvPicPr>
-          <p:nvPr userDrawn="1"/>
-        </p:nvPicPr>
-        <p:blipFill>
-          <a:blip r:embed="rId11">
-            <a:clrChange>
-              <a:clrFrom>
-                <a:srgbClr val="FFFFFF"/>
-              </a:clrFrom>
-              <a:clrTo>
-                <a:srgbClr val="FFFFFF">
-                  <a:alpha val="0"/>
-                </a:srgbClr>
-              </a:clrTo>
-            </a:clrChange>
-            <a:extLst>
-              <a:ext uri="{28A0092B-C50C-407E-A947-70E740481C1C}">
-                <a14:useLocalDpi xmlns:a14="http://schemas.microsoft.com/office/drawing/2010/main" val="0"/>
-              </a:ext>
-            </a:extLst>
-          </a:blip>
-          <a:stretch>
-            <a:fillRect/>
-          </a:stretch>
-        </p:blipFill>
-        <p:spPr>
-          <a:xfrm>
-            <a:off x="10008761" y="190267"/>
-            <a:ext cx="2013336" cy="690975"/>
-          </a:xfrm>
-          <a:prstGeom prst="rect">
-            <a:avLst/>
-          </a:prstGeom>
-        </p:spPr>
-      </p:pic>
     </p:spTree>
     <p:extLst>
       <p:ext uri="{BB962C8B-B14F-4D97-AF65-F5344CB8AC3E}">
@@ -6200,528 +5377,6 @@
       </p15:sldGuideLst>
     </p:ext>
   </p:extLst>
-</p:sldLayout>
-</file>
-
-<file path=ppt/slideLayouts/slideLayout13.xml><?xml version="1.0" encoding="utf-8"?>
-<p:sldLayout xmlns:a="http://schemas.openxmlformats.org/drawingml/2006/main" xmlns:r="http://schemas.openxmlformats.org/officeDocument/2006/relationships" xmlns:p="http://schemas.openxmlformats.org/presentationml/2006/main" preserve="1" userDrawn="1">
-  <p:cSld name="About Slide">
-    <p:spTree>
-      <p:nvGrpSpPr>
-        <p:cNvPr id="1" name=""/>
-        <p:cNvGrpSpPr/>
-        <p:nvPr/>
-      </p:nvGrpSpPr>
-      <p:grpSpPr>
-        <a:xfrm>
-          <a:off x="0" y="0"/>
-          <a:ext cx="0" cy="0"/>
-          <a:chOff x="0" y="0"/>
-          <a:chExt cx="0" cy="0"/>
-        </a:xfrm>
-      </p:grpSpPr>
-      <p:sp>
-        <p:nvSpPr>
-          <p:cNvPr id="13" name="Slide Number">
-            <a:extLst>
-              <a:ext uri="{FF2B5EF4-FFF2-40B4-BE49-F238E27FC236}">
-                <a16:creationId xmlns:a16="http://schemas.microsoft.com/office/drawing/2014/main" id="{5B8761D8-B42F-4A70-A0CE-682CEB2AE31B}"/>
-              </a:ext>
-            </a:extLst>
-          </p:cNvPr>
-          <p:cNvSpPr>
-            <a:spLocks noGrp="1"/>
-          </p:cNvSpPr>
-          <p:nvPr>
-            <p:ph type="sldNum" sz="quarter" idx="4"/>
-          </p:nvPr>
-        </p:nvSpPr>
-        <p:spPr>
-          <a:xfrm>
-            <a:off x="11753030" y="6507000"/>
-            <a:ext cx="367414" cy="297000"/>
-          </a:xfrm>
-          <a:prstGeom prst="rect">
-            <a:avLst/>
-          </a:prstGeom>
-        </p:spPr>
-        <p:txBody>
-          <a:bodyPr vert="horz" lIns="91440" tIns="45720" rIns="91440" bIns="45720" rtlCol="0" anchor="b"/>
-          <a:lstStyle>
-            <a:lvl1pPr algn="r">
-              <a:defRPr sz="1000"/>
-            </a:lvl1pPr>
-          </a:lstStyle>
-          <a:p>
-            <a:fld id="{2BF067CD-8E6B-4360-9AA8-C5DF2A48A6D1}" type="slidenum">
-              <a:rPr lang="en-US" noProof="0" smtClean="0"/>
-              <a:pPr/>
-              <a:t>‹#›</a:t>
-            </a:fld>
-            <a:endParaRPr lang="en-US" noProof="0" dirty="0"/>
-          </a:p>
-        </p:txBody>
-      </p:sp>
-      <p:pic>
-        <p:nvPicPr>
-          <p:cNvPr id="19" name="Picture Forum" descr="Forum icon">
-            <a:hlinkClick r:id="rId2" tooltip="Software University Discussion Forum"/>
-            <a:extLst>
-              <a:ext uri="{FF2B5EF4-FFF2-40B4-BE49-F238E27FC236}">
-                <a16:creationId xmlns:a16="http://schemas.microsoft.com/office/drawing/2014/main" id="{98C579AD-FAF5-4B28-9B52-5457F1E90061}"/>
-              </a:ext>
-            </a:extLst>
-          </p:cNvPr>
-          <p:cNvPicPr>
-            <a:picLocks noChangeAspect="1"/>
-          </p:cNvPicPr>
-          <p:nvPr userDrawn="1"/>
-        </p:nvPicPr>
-        <p:blipFill>
-          <a:blip r:embed="rId3" cstate="print">
-            <a:extLst>
-              <a:ext uri="{28A0092B-C50C-407E-A947-70E740481C1C}">
-                <a14:useLocalDpi xmlns:a14="http://schemas.microsoft.com/office/drawing/2010/main"/>
-              </a:ext>
-            </a:extLst>
-          </a:blip>
-          <a:stretch>
-            <a:fillRect/>
-          </a:stretch>
-        </p:blipFill>
-        <p:spPr>
-          <a:xfrm>
-            <a:off x="10524350" y="5249556"/>
-            <a:ext cx="970156" cy="965726"/>
-          </a:xfrm>
-          <a:prstGeom prst="rect">
-            <a:avLst/>
-          </a:prstGeom>
-        </p:spPr>
-      </p:pic>
-      <p:pic>
-        <p:nvPicPr>
-          <p:cNvPr id="17" name="Picture Logo FB" descr="Facebook logo">
-            <a:hlinkClick r:id="rId4" tooltip="Software University @ Facebook"/>
-            <a:extLst>
-              <a:ext uri="{FF2B5EF4-FFF2-40B4-BE49-F238E27FC236}">
-                <a16:creationId xmlns:a16="http://schemas.microsoft.com/office/drawing/2014/main" id="{6B2C510E-5EF2-49F6-B926-2BD74CD3C7F8}"/>
-              </a:ext>
-            </a:extLst>
-          </p:cNvPr>
-          <p:cNvPicPr>
-            <a:picLocks noChangeAspect="1" noChangeArrowheads="1"/>
-          </p:cNvPicPr>
-          <p:nvPr userDrawn="1"/>
-        </p:nvPicPr>
-        <p:blipFill rotWithShape="1">
-          <a:blip r:embed="rId5" cstate="print">
-            <a:extLst>
-              <a:ext uri="{28A0092B-C50C-407E-A947-70E740481C1C}">
-                <a14:useLocalDpi xmlns:a14="http://schemas.microsoft.com/office/drawing/2010/main"/>
-              </a:ext>
-            </a:extLst>
-          </a:blip>
-          <a:srcRect/>
-          <a:stretch/>
-        </p:blipFill>
-        <p:spPr bwMode="auto">
-          <a:xfrm>
-            <a:off x="10507451" y="3689937"/>
-            <a:ext cx="1003954" cy="1017562"/>
-          </a:xfrm>
-          <a:prstGeom prst="rect">
-            <a:avLst/>
-          </a:prstGeom>
-          <a:noFill/>
-          <a:extLst>
-            <a:ext uri="{909E8E84-426E-40DD-AFC4-6F175D3DCCD1}">
-              <a14:hiddenFill xmlns:a14="http://schemas.microsoft.com/office/drawing/2010/main">
-                <a:solidFill>
-                  <a:srgbClr val="FFFFFF"/>
-                </a:solidFill>
-              </a14:hiddenFill>
-            </a:ext>
-          </a:extLst>
-        </p:spPr>
-      </p:pic>
-      <p:pic>
-        <p:nvPicPr>
-          <p:cNvPr id="20" name="Picture Logo SoftUni Right" descr="Software University logo">
-            <a:hlinkClick r:id="rId6"/>
-            <a:extLst>
-              <a:ext uri="{FF2B5EF4-FFF2-40B4-BE49-F238E27FC236}">
-                <a16:creationId xmlns:a16="http://schemas.microsoft.com/office/drawing/2014/main" id="{F4604840-E810-44B7-9FF1-3B28CD68B758}"/>
-              </a:ext>
-            </a:extLst>
-          </p:cNvPr>
-          <p:cNvPicPr>
-            <a:picLocks noChangeAspect="1"/>
-          </p:cNvPicPr>
-          <p:nvPr userDrawn="1"/>
-        </p:nvPicPr>
-        <p:blipFill>
-          <a:blip r:embed="rId7">
-            <a:extLst>
-              <a:ext uri="{28A0092B-C50C-407E-A947-70E740481C1C}">
-                <a14:useLocalDpi xmlns:a14="http://schemas.microsoft.com/office/drawing/2010/main" val="0"/>
-              </a:ext>
-            </a:extLst>
-          </a:blip>
-          <a:stretch>
-            <a:fillRect/>
-          </a:stretch>
-        </p:blipFill>
-        <p:spPr>
-          <a:xfrm>
-            <a:off x="10413401" y="1674000"/>
-            <a:ext cx="1192055" cy="1473880"/>
-          </a:xfrm>
-          <a:prstGeom prst="rect">
-            <a:avLst/>
-          </a:prstGeom>
-        </p:spPr>
-      </p:pic>
-      <p:pic>
-        <p:nvPicPr>
-          <p:cNvPr id="16" name="Picture SoftUni Mascot" descr="SoftUni mascot">
-            <a:hlinkClick r:id="rId8"/>
-            <a:extLst>
-              <a:ext uri="{FF2B5EF4-FFF2-40B4-BE49-F238E27FC236}">
-                <a16:creationId xmlns:a16="http://schemas.microsoft.com/office/drawing/2014/main" id="{07C965FA-A87E-4824-AFA8-C67AF548A76A}"/>
-              </a:ext>
-            </a:extLst>
-          </p:cNvPr>
-          <p:cNvPicPr>
-            <a:picLocks noChangeAspect="1"/>
-          </p:cNvPicPr>
-          <p:nvPr/>
-        </p:nvPicPr>
-        <p:blipFill>
-          <a:blip r:embed="rId9">
-            <a:extLst>
-              <a:ext uri="{28A0092B-C50C-407E-A947-70E740481C1C}">
-                <a14:useLocalDpi xmlns:a14="http://schemas.microsoft.com/office/drawing/2010/main" val="0"/>
-              </a:ext>
-            </a:extLst>
-          </a:blip>
-          <a:srcRect/>
-          <a:stretch/>
-        </p:blipFill>
-        <p:spPr>
-          <a:xfrm>
-            <a:off x="7181957" y="2584289"/>
-            <a:ext cx="2732955" cy="3630993"/>
-          </a:xfrm>
-          <a:prstGeom prst="rect">
-            <a:avLst/>
-          </a:prstGeom>
-        </p:spPr>
-      </p:pic>
-      <p:sp>
-        <p:nvSpPr>
-          <p:cNvPr id="12" name="Slide Body Text">
-            <a:extLst>
-              <a:ext uri="{FF2B5EF4-FFF2-40B4-BE49-F238E27FC236}">
-                <a16:creationId xmlns:a16="http://schemas.microsoft.com/office/drawing/2014/main" id="{0C1F9416-8B6E-46DE-973C-777785E27A26}"/>
-              </a:ext>
-            </a:extLst>
-          </p:cNvPr>
-          <p:cNvSpPr>
-            <a:spLocks noGrp="1"/>
-          </p:cNvSpPr>
-          <p:nvPr>
-            <p:ph idx="4294967295" hasCustomPrompt="1"/>
-          </p:nvPr>
-        </p:nvSpPr>
-        <p:spPr>
-          <a:xfrm>
-            <a:off x="152410" y="1186307"/>
-            <a:ext cx="8688590" cy="5496127"/>
-          </a:xfrm>
-        </p:spPr>
-        <p:txBody>
-          <a:bodyPr wrap="square">
-            <a:noAutofit/>
-          </a:bodyPr>
-          <a:lstStyle>
-            <a:lvl1pPr latinLnBrk="0">
-              <a:buClr>
-                <a:schemeClr val="tx1"/>
-              </a:buClr>
-              <a:defRPr sz="2798"/>
-            </a:lvl1pPr>
-            <a:lvl2pPr marL="989981" marR="0" indent="-380762" algn="l" defTabSz="1218438" rtl="0" eaLnBrk="1" fontAlgn="auto" latinLnBrk="1" hangingPunct="1">
-              <a:lnSpc>
-                <a:spcPct val="100000"/>
-              </a:lnSpc>
-              <a:spcBef>
-                <a:spcPts val="600"/>
-              </a:spcBef>
-              <a:spcAft>
-                <a:spcPts val="600"/>
-              </a:spcAft>
-              <a:buClrTx/>
-              <a:buSzTx/>
-              <a:buFont typeface="Wingdings" panose="05000000000000000000" pitchFamily="2" charset="2"/>
-              <a:buChar char="§"/>
-              <a:tabLst>
-                <a:tab pos="282405" algn="l"/>
-              </a:tabLst>
-              <a:defRPr sz="2800"/>
-            </a:lvl2pPr>
-            <a:lvl3pPr>
-              <a:buClr>
-                <a:schemeClr val="tx1"/>
-              </a:buClr>
-              <a:defRPr/>
-            </a:lvl3pPr>
-          </a:lstStyle>
-          <a:p>
-            <a:r>
-              <a:rPr lang="en-US" sz="3000" noProof="0" dirty="0"/>
-              <a:t>Software University – High-Quality Education, Profession and Job for Software Developers</a:t>
-            </a:r>
-          </a:p>
-          <a:p>
-            <a:pPr lvl="1"/>
-            <a:r>
-              <a:rPr lang="en-US" noProof="1">
-                <a:hlinkClick r:id="rId8"/>
-              </a:rPr>
-              <a:t>softuni.bg</a:t>
-            </a:r>
-            <a:r>
-              <a:rPr lang="en-US" noProof="1"/>
-              <a:t> </a:t>
-            </a:r>
-          </a:p>
-          <a:p>
-            <a:r>
-              <a:rPr lang="en-US" sz="3000" noProof="0" dirty="0"/>
-              <a:t>Software University Foundation</a:t>
-            </a:r>
-          </a:p>
-          <a:p>
-            <a:pPr lvl="1"/>
-            <a:r>
-              <a:rPr lang="en-US" noProof="1">
-                <a:hlinkClick r:id="rId10"/>
-              </a:rPr>
-              <a:t>softuni.foundation</a:t>
-            </a:r>
-            <a:endParaRPr lang="en-US" noProof="1"/>
-          </a:p>
-          <a:p>
-            <a:r>
-              <a:rPr lang="en-US" sz="3000" noProof="0" dirty="0"/>
-              <a:t>Software University @ Facebook</a:t>
-            </a:r>
-          </a:p>
-          <a:p>
-            <a:pPr lvl="1"/>
-            <a:r>
-              <a:rPr lang="en-US" noProof="1">
-                <a:hlinkClick r:id="rId4"/>
-              </a:rPr>
-              <a:t>facebook.com/SoftwareUniversity</a:t>
-            </a:r>
-            <a:endParaRPr lang="en-US" noProof="1"/>
-          </a:p>
-          <a:p>
-            <a:r>
-              <a:rPr lang="en-US" sz="3000" noProof="0" dirty="0"/>
-              <a:t>Software University Forums</a:t>
-            </a:r>
-          </a:p>
-          <a:p>
-            <a:pPr lvl="1"/>
-            <a:r>
-              <a:rPr lang="en-US" noProof="1">
-                <a:hlinkClick r:id="rId2"/>
-              </a:rPr>
-              <a:t>forum.softuni.bg</a:t>
-            </a:r>
-            <a:endParaRPr lang="en-US" noProof="1"/>
-          </a:p>
-        </p:txBody>
-      </p:sp>
-      <p:sp>
-        <p:nvSpPr>
-          <p:cNvPr id="10" name="Rectangle Top">
-            <a:extLst>
-              <a:ext uri="{FF2B5EF4-FFF2-40B4-BE49-F238E27FC236}">
-                <a16:creationId xmlns:a16="http://schemas.microsoft.com/office/drawing/2014/main" id="{86646B95-5E3B-4DE8-9118-031C2C296D8C}"/>
-              </a:ext>
-            </a:extLst>
-          </p:cNvPr>
-          <p:cNvSpPr/>
-          <p:nvPr userDrawn="1"/>
-        </p:nvSpPr>
-        <p:spPr>
-          <a:xfrm>
-            <a:off x="0" y="0"/>
-            <a:ext cx="12195176" cy="1095376"/>
-          </a:xfrm>
-          <a:prstGeom prst="rect">
-            <a:avLst/>
-          </a:prstGeom>
-          <a:solidFill>
-            <a:schemeClr val="tx2"/>
-          </a:solidFill>
-          <a:ln>
-            <a:noFill/>
-          </a:ln>
-        </p:spPr>
-        <p:style>
-          <a:lnRef idx="2">
-            <a:schemeClr val="accent1">
-              <a:shade val="50000"/>
-            </a:schemeClr>
-          </a:lnRef>
-          <a:fillRef idx="1">
-            <a:schemeClr val="accent1"/>
-          </a:fillRef>
-          <a:effectRef idx="0">
-            <a:schemeClr val="accent1"/>
-          </a:effectRef>
-          <a:fontRef idx="minor">
-            <a:schemeClr val="lt1"/>
-          </a:fontRef>
-        </p:style>
-        <p:txBody>
-          <a:bodyPr rtlCol="0" anchor="ctr"/>
-          <a:lstStyle/>
-          <a:p>
-            <a:pPr marL="0" marR="0" lvl="0" indent="0" algn="ctr" defTabSz="913852" rtl="0" eaLnBrk="1" fontAlgn="auto" latinLnBrk="0" hangingPunct="1">
-              <a:lnSpc>
-                <a:spcPct val="100000"/>
-              </a:lnSpc>
-              <a:spcBef>
-                <a:spcPts val="0"/>
-              </a:spcBef>
-              <a:spcAft>
-                <a:spcPts val="0"/>
-              </a:spcAft>
-              <a:buClrTx/>
-              <a:buSzTx/>
-              <a:buFontTx/>
-              <a:buNone/>
-              <a:tabLst/>
-              <a:defRPr/>
-            </a:pPr>
-            <a:endParaRPr kumimoji="0" lang="en-US" altLang="ko-KR" sz="2398" b="0" i="0" u="none" strike="noStrike" kern="1200" cap="none" spc="0" normalizeH="0" baseline="0" noProof="0" dirty="0">
-              <a:ln>
-                <a:noFill/>
-              </a:ln>
-              <a:solidFill>
-                <a:srgbClr val="F7C86D"/>
-              </a:solidFill>
-              <a:effectLst/>
-              <a:uLnTx/>
-              <a:uFillTx/>
-              <a:latin typeface="Calibri" panose="020F0502020204030204"/>
-              <a:ea typeface="맑은 고딕" panose="020B0503020000020004" pitchFamily="34" charset="-127"/>
-              <a:cs typeface="+mn-cs"/>
-            </a:endParaRPr>
-          </a:p>
-        </p:txBody>
-      </p:sp>
-      <p:pic>
-        <p:nvPicPr>
-          <p:cNvPr id="11" name="Logo Software University" descr="Software University logo">
-            <a:extLst>
-              <a:ext uri="{FF2B5EF4-FFF2-40B4-BE49-F238E27FC236}">
-                <a16:creationId xmlns:a16="http://schemas.microsoft.com/office/drawing/2014/main" id="{58AB1944-B146-4E89-B2D9-426EB610F319}"/>
-              </a:ext>
-            </a:extLst>
-          </p:cNvPr>
-          <p:cNvPicPr>
-            <a:picLocks noChangeAspect="1"/>
-          </p:cNvPicPr>
-          <p:nvPr userDrawn="1"/>
-        </p:nvPicPr>
-        <p:blipFill>
-          <a:blip r:embed="rId11">
-            <a:extLst>
-              <a:ext uri="{28A0092B-C50C-407E-A947-70E740481C1C}">
-                <a14:useLocalDpi xmlns:a14="http://schemas.microsoft.com/office/drawing/2010/main" val="0"/>
-              </a:ext>
-            </a:extLst>
-          </a:blip>
-          <a:stretch>
-            <a:fillRect/>
-          </a:stretch>
-        </p:blipFill>
-        <p:spPr>
-          <a:xfrm>
-            <a:off x="10067957" y="253936"/>
-            <a:ext cx="1915704" cy="559235"/>
-          </a:xfrm>
-          <a:prstGeom prst="rect">
-            <a:avLst/>
-          </a:prstGeom>
-        </p:spPr>
-      </p:pic>
-      <p:sp>
-        <p:nvSpPr>
-          <p:cNvPr id="18" name="Slide Title">
-            <a:extLst>
-              <a:ext uri="{FF2B5EF4-FFF2-40B4-BE49-F238E27FC236}">
-                <a16:creationId xmlns:a16="http://schemas.microsoft.com/office/drawing/2014/main" id="{AE87ED9C-76E1-4D85-9B06-3AF44AABB668}"/>
-              </a:ext>
-            </a:extLst>
-          </p:cNvPr>
-          <p:cNvSpPr>
-            <a:spLocks noGrp="1"/>
-          </p:cNvSpPr>
-          <p:nvPr>
-            <p:ph type="title" hasCustomPrompt="1"/>
-          </p:nvPr>
-        </p:nvSpPr>
-        <p:spPr>
-          <a:xfrm>
-            <a:off x="172286" y="108873"/>
-            <a:ext cx="9742626" cy="882654"/>
-          </a:xfrm>
-        </p:spPr>
-        <p:txBody>
-          <a:bodyPr/>
-          <a:lstStyle>
-            <a:lvl1pPr latinLnBrk="0">
-              <a:defRPr>
-                <a:solidFill>
-                  <a:schemeClr val="bg2"/>
-                </a:solidFill>
-              </a:defRPr>
-            </a:lvl1pPr>
-          </a:lstStyle>
-          <a:p>
-            <a:r>
-              <a:rPr lang="en-US" noProof="0" dirty="0"/>
-              <a:t>Trainings @ Software University (SoftUni)</a:t>
-            </a:r>
-          </a:p>
-        </p:txBody>
-      </p:sp>
-    </p:spTree>
-    <p:extLst>
-      <p:ext uri="{BB962C8B-B14F-4D97-AF65-F5344CB8AC3E}">
-        <p14:creationId xmlns:p14="http://schemas.microsoft.com/office/powerpoint/2010/main" val="2196466322"/>
-      </p:ext>
-    </p:extLst>
-  </p:cSld>
-  <p:clrMapOvr>
-    <a:masterClrMapping/>
-  </p:clrMapOvr>
-  <mc:AlternateContent xmlns:mc="http://schemas.openxmlformats.org/markup-compatibility/2006" xmlns:p14="http://schemas.microsoft.com/office/powerpoint/2010/main">
-    <mc:Choice Requires="p14">
-      <p:transition spd="slow" p14:dur="2000" advClick="0" advTm="5000"/>
-    </mc:Choice>
-    <mc:Fallback xmlns="">
-      <p:transition spd="slow" advClick="0" advTm="5000"/>
-    </mc:Fallback>
-  </mc:AlternateContent>
 </p:sldLayout>
 </file>
 
@@ -6802,7 +5457,7 @@
               <a:tabLst/>
               <a:defRPr/>
             </a:pPr>
-            <a:endParaRPr kumimoji="0" lang="en-US" altLang="ko-KR" sz="2398" b="0" i="0" u="none" strike="noStrike" kern="1200" cap="none" spc="0" normalizeH="0" baseline="0" noProof="0" dirty="0">
+            <a:endParaRPr kumimoji="0" lang="en-US" altLang="ko-KR" sz="2398" b="0" i="0" u="none" strike="noStrike" kern="1200" cap="none" spc="0" normalizeH="0" baseline="0" noProof="0">
               <a:ln>
                 <a:noFill/>
               </a:ln>
@@ -7130,7 +5785,7 @@
               <a:tabLst/>
               <a:defRPr/>
             </a:pPr>
-            <a:endParaRPr kumimoji="0" lang="en-US" altLang="ko-KR" sz="2398" b="0" i="0" u="none" strike="noStrike" kern="1200" cap="none" spc="0" normalizeH="0" baseline="0" noProof="0" dirty="0">
+            <a:endParaRPr kumimoji="0" lang="en-US" altLang="ko-KR" sz="2398" b="0" i="0" u="none" strike="noStrike" kern="1200" cap="none" spc="0" normalizeH="0" baseline="0" noProof="0">
               <a:ln>
                 <a:noFill/>
               </a:ln>
@@ -7147,42 +5802,6 @@
           </a:p>
         </p:txBody>
       </p:sp>
-      <p:pic>
-        <p:nvPicPr>
-          <p:cNvPr id="12" name="Logo Software University" descr="Software University logo">
-            <a:extLst>
-              <a:ext uri="{FF2B5EF4-FFF2-40B4-BE49-F238E27FC236}">
-                <a16:creationId xmlns:a16="http://schemas.microsoft.com/office/drawing/2014/main" id="{B1D3B425-B9BF-43ED-9DEC-C05002FBA22F}"/>
-              </a:ext>
-            </a:extLst>
-          </p:cNvPr>
-          <p:cNvPicPr>
-            <a:picLocks noChangeAspect="1"/>
-          </p:cNvPicPr>
-          <p:nvPr userDrawn="1"/>
-        </p:nvPicPr>
-        <p:blipFill>
-          <a:blip r:embed="rId2">
-            <a:extLst>
-              <a:ext uri="{28A0092B-C50C-407E-A947-70E740481C1C}">
-                <a14:useLocalDpi xmlns:a14="http://schemas.microsoft.com/office/drawing/2010/main" val="0"/>
-              </a:ext>
-            </a:extLst>
-          </a:blip>
-          <a:stretch>
-            <a:fillRect/>
-          </a:stretch>
-        </p:blipFill>
-        <p:spPr>
-          <a:xfrm>
-            <a:off x="10067957" y="253936"/>
-            <a:ext cx="1915704" cy="559235"/>
-          </a:xfrm>
-          <a:prstGeom prst="rect">
-            <a:avLst/>
-          </a:prstGeom>
-        </p:spPr>
-      </p:pic>
       <p:sp>
         <p:nvSpPr>
           <p:cNvPr id="6" name="Slide Title">
@@ -7202,7 +5821,7 @@
         <p:spPr>
           <a:xfrm>
             <a:off x="190406" y="100750"/>
-            <a:ext cx="9715594" cy="882654"/>
+            <a:ext cx="10270594" cy="882654"/>
           </a:xfrm>
         </p:spPr>
         <p:txBody>
@@ -7224,6 +5843,42 @@
           </a:p>
         </p:txBody>
       </p:sp>
+      <p:pic>
+        <p:nvPicPr>
+          <p:cNvPr id="4" name="Picture 3">
+            <a:extLst>
+              <a:ext uri="{FF2B5EF4-FFF2-40B4-BE49-F238E27FC236}">
+                <a16:creationId xmlns:a16="http://schemas.microsoft.com/office/drawing/2014/main" id="{4B9A1D0F-F579-6A3C-C698-4E2E7F1AB265}"/>
+              </a:ext>
+            </a:extLst>
+          </p:cNvPr>
+          <p:cNvPicPr>
+            <a:picLocks noChangeAspect="1"/>
+          </p:cNvPicPr>
+          <p:nvPr userDrawn="1"/>
+        </p:nvPicPr>
+        <p:blipFill>
+          <a:blip r:embed="rId2" cstate="print">
+            <a:extLst>
+              <a:ext uri="{28A0092B-C50C-407E-A947-70E740481C1C}">
+                <a14:useLocalDpi xmlns:a14="http://schemas.microsoft.com/office/drawing/2010/main" val="0"/>
+              </a:ext>
+            </a:extLst>
+          </a:blip>
+          <a:stretch>
+            <a:fillRect/>
+          </a:stretch>
+        </p:blipFill>
+        <p:spPr>
+          <a:xfrm>
+            <a:off x="10553573" y="368999"/>
+            <a:ext cx="1443361" cy="360001"/>
+          </a:xfrm>
+          <a:prstGeom prst="rect">
+            <a:avLst/>
+          </a:prstGeom>
+        </p:spPr>
+      </p:pic>
     </p:spTree>
     <p:extLst>
       <p:ext uri="{BB962C8B-B14F-4D97-AF65-F5344CB8AC3E}">
@@ -7246,371 +5901,6 @@
 </file>
 
 <file path=ppt/slideLayouts/slideLayout4.xml><?xml version="1.0" encoding="utf-8"?>
-<p:sldLayout xmlns:a="http://schemas.openxmlformats.org/drawingml/2006/main" xmlns:r="http://schemas.openxmlformats.org/officeDocument/2006/relationships" xmlns:p="http://schemas.openxmlformats.org/presentationml/2006/main" preserve="1" userDrawn="1">
-  <p:cSld name="Table of Contents">
-    <p:spTree>
-      <p:nvGrpSpPr>
-        <p:cNvPr id="1" name=""/>
-        <p:cNvGrpSpPr/>
-        <p:nvPr/>
-      </p:nvGrpSpPr>
-      <p:grpSpPr>
-        <a:xfrm>
-          <a:off x="0" y="0"/>
-          <a:ext cx="0" cy="0"/>
-          <a:chOff x="0" y="0"/>
-          <a:chExt cx="0" cy="0"/>
-        </a:xfrm>
-      </p:grpSpPr>
-      <p:sp>
-        <p:nvSpPr>
-          <p:cNvPr id="10" name="Slide Number">
-            <a:extLst>
-              <a:ext uri="{FF2B5EF4-FFF2-40B4-BE49-F238E27FC236}">
-                <a16:creationId xmlns:a16="http://schemas.microsoft.com/office/drawing/2014/main" id="{39DDE17E-5472-41F3-AF5F-54DFF10DC63C}"/>
-              </a:ext>
-            </a:extLst>
-          </p:cNvPr>
-          <p:cNvSpPr>
-            <a:spLocks noGrp="1"/>
-          </p:cNvSpPr>
-          <p:nvPr>
-            <p:ph type="sldNum" sz="quarter" idx="4"/>
-          </p:nvPr>
-        </p:nvSpPr>
-        <p:spPr>
-          <a:xfrm>
-            <a:off x="11753030" y="6507000"/>
-            <a:ext cx="367414" cy="297000"/>
-          </a:xfrm>
-          <a:prstGeom prst="rect">
-            <a:avLst/>
-          </a:prstGeom>
-        </p:spPr>
-        <p:txBody>
-          <a:bodyPr vert="horz" lIns="91440" tIns="45720" rIns="91440" bIns="45720" rtlCol="0" anchor="b"/>
-          <a:lstStyle>
-            <a:lvl1pPr algn="r">
-              <a:defRPr sz="1000"/>
-            </a:lvl1pPr>
-          </a:lstStyle>
-          <a:p>
-            <a:fld id="{2BF067CD-8E6B-4360-9AA8-C5DF2A48A6D1}" type="slidenum">
-              <a:rPr lang="en-US" noProof="0" smtClean="0"/>
-              <a:pPr/>
-              <a:t>‹#›</a:t>
-            </a:fld>
-            <a:endParaRPr lang="en-US" noProof="0" dirty="0"/>
-          </a:p>
-        </p:txBody>
-      </p:sp>
-      <p:pic>
-        <p:nvPicPr>
-          <p:cNvPr id="9" name="Picture SoftUni Mascot" descr="SoftUni mascot with laptop">
-            <a:extLst>
-              <a:ext uri="{FF2B5EF4-FFF2-40B4-BE49-F238E27FC236}">
-                <a16:creationId xmlns:a16="http://schemas.microsoft.com/office/drawing/2014/main" id="{DC4365F6-D2C1-47B4-8477-38FD2C7711AA}"/>
-              </a:ext>
-            </a:extLst>
-          </p:cNvPr>
-          <p:cNvPicPr>
-            <a:picLocks noChangeAspect="1"/>
-          </p:cNvPicPr>
-          <p:nvPr/>
-        </p:nvPicPr>
-        <p:blipFill>
-          <a:blip r:embed="rId2" cstate="print">
-            <a:extLst>
-              <a:ext uri="{28A0092B-C50C-407E-A947-70E740481C1C}">
-                <a14:useLocalDpi xmlns:a14="http://schemas.microsoft.com/office/drawing/2010/main" val="0"/>
-              </a:ext>
-            </a:extLst>
-          </a:blip>
-          <a:stretch>
-            <a:fillRect/>
-          </a:stretch>
-        </p:blipFill>
-        <p:spPr>
-          <a:xfrm flipH="1">
-            <a:off x="9516000" y="3408496"/>
-            <a:ext cx="2251057" cy="3044431"/>
-          </a:xfrm>
-          <a:prstGeom prst="rect">
-            <a:avLst/>
-          </a:prstGeom>
-        </p:spPr>
-      </p:pic>
-      <p:sp>
-        <p:nvSpPr>
-          <p:cNvPr id="23" name="Slide Body Text">
-            <a:extLst>
-              <a:ext uri="{FF2B5EF4-FFF2-40B4-BE49-F238E27FC236}">
-                <a16:creationId xmlns:a16="http://schemas.microsoft.com/office/drawing/2014/main" id="{889D93F4-ABFA-46BF-8E5D-FE6562ACB20F}"/>
-              </a:ext>
-            </a:extLst>
-          </p:cNvPr>
-          <p:cNvSpPr>
-            <a:spLocks noGrp="1"/>
-          </p:cNvSpPr>
-          <p:nvPr>
-            <p:ph type="body" sz="quarter" idx="13" hasCustomPrompt="1"/>
-          </p:nvPr>
-        </p:nvSpPr>
-        <p:spPr>
-          <a:xfrm>
-            <a:off x="196766" y="1371604"/>
-            <a:ext cx="9049234" cy="5207396"/>
-          </a:xfrm>
-        </p:spPr>
-        <p:txBody>
-          <a:bodyPr>
-            <a:normAutofit/>
-          </a:bodyPr>
-          <a:lstStyle>
-            <a:lvl1pPr marL="514042" indent="-514042" latinLnBrk="0">
-              <a:buFont typeface="+mj-lt"/>
-              <a:buAutoNum type="arabicPeriod"/>
-              <a:defRPr sz="3600">
-                <a:solidFill>
-                  <a:schemeClr val="tx1"/>
-                </a:solidFill>
-              </a:defRPr>
-            </a:lvl1pPr>
-            <a:lvl2pPr>
-              <a:defRPr sz="3400"/>
-            </a:lvl2pPr>
-          </a:lstStyle>
-          <a:p>
-            <a:pPr lvl="0"/>
-            <a:r>
-              <a:rPr lang="en-US" noProof="0"/>
-              <a:t>…</a:t>
-            </a:r>
-          </a:p>
-          <a:p>
-            <a:pPr lvl="1"/>
-            <a:r>
-              <a:rPr lang="en-US" noProof="0"/>
-              <a:t>…</a:t>
-            </a:r>
-          </a:p>
-          <a:p>
-            <a:pPr lvl="1"/>
-            <a:r>
-              <a:rPr lang="en-US" noProof="0"/>
-              <a:t>…</a:t>
-            </a:r>
-          </a:p>
-          <a:p>
-            <a:pPr lvl="0"/>
-            <a:r>
-              <a:rPr lang="en-US" noProof="0"/>
-              <a:t>…</a:t>
-            </a:r>
-          </a:p>
-          <a:p>
-            <a:pPr lvl="1"/>
-            <a:r>
-              <a:rPr lang="en-US" noProof="0"/>
-              <a:t>…</a:t>
-            </a:r>
-          </a:p>
-          <a:p>
-            <a:pPr lvl="1"/>
-            <a:r>
-              <a:rPr lang="en-US" noProof="0"/>
-              <a:t>…</a:t>
-            </a:r>
-          </a:p>
-          <a:p>
-            <a:pPr lvl="0"/>
-            <a:r>
-              <a:rPr lang="en-US" noProof="0"/>
-              <a:t>…</a:t>
-            </a:r>
-          </a:p>
-        </p:txBody>
-      </p:sp>
-      <p:sp>
-        <p:nvSpPr>
-          <p:cNvPr id="8" name="Rectangle Top">
-            <a:extLst>
-              <a:ext uri="{FF2B5EF4-FFF2-40B4-BE49-F238E27FC236}">
-                <a16:creationId xmlns:a16="http://schemas.microsoft.com/office/drawing/2014/main" id="{930E0800-9260-4369-8330-8264DD33C5CE}"/>
-              </a:ext>
-            </a:extLst>
-          </p:cNvPr>
-          <p:cNvSpPr/>
-          <p:nvPr userDrawn="1"/>
-        </p:nvSpPr>
-        <p:spPr>
-          <a:xfrm>
-            <a:off x="0" y="0"/>
-            <a:ext cx="12196800" cy="1095376"/>
-          </a:xfrm>
-          <a:prstGeom prst="rect">
-            <a:avLst/>
-          </a:prstGeom>
-          <a:solidFill>
-            <a:schemeClr val="tx2"/>
-          </a:solidFill>
-          <a:ln>
-            <a:noFill/>
-          </a:ln>
-        </p:spPr>
-        <p:style>
-          <a:lnRef idx="2">
-            <a:schemeClr val="accent1">
-              <a:shade val="50000"/>
-            </a:schemeClr>
-          </a:lnRef>
-          <a:fillRef idx="1">
-            <a:schemeClr val="accent1"/>
-          </a:fillRef>
-          <a:effectRef idx="0">
-            <a:schemeClr val="accent1"/>
-          </a:effectRef>
-          <a:fontRef idx="minor">
-            <a:schemeClr val="lt1"/>
-          </a:fontRef>
-        </p:style>
-        <p:txBody>
-          <a:bodyPr rtlCol="0" anchor="ctr"/>
-          <a:lstStyle/>
-          <a:p>
-            <a:pPr marL="0" marR="0" lvl="0" indent="0" algn="ctr" defTabSz="913852" rtl="0" eaLnBrk="1" fontAlgn="auto" latinLnBrk="0" hangingPunct="1">
-              <a:lnSpc>
-                <a:spcPct val="100000"/>
-              </a:lnSpc>
-              <a:spcBef>
-                <a:spcPts val="0"/>
-              </a:spcBef>
-              <a:spcAft>
-                <a:spcPts val="0"/>
-              </a:spcAft>
-              <a:buClrTx/>
-              <a:buSzTx/>
-              <a:buFontTx/>
-              <a:buNone/>
-              <a:tabLst/>
-              <a:defRPr/>
-            </a:pPr>
-            <a:endParaRPr kumimoji="0" lang="en-US" altLang="ko-KR" sz="2398" b="0" i="0" u="none" strike="noStrike" kern="1200" cap="none" spc="0" normalizeH="0" baseline="0" noProof="0" dirty="0">
-              <a:ln>
-                <a:noFill/>
-              </a:ln>
-              <a:solidFill>
-                <a:srgbClr val="F7C86D"/>
-              </a:solidFill>
-              <a:effectLst/>
-              <a:uLnTx/>
-              <a:uFillTx/>
-              <a:latin typeface="Calibri" panose="020F0502020204030204"/>
-              <a:ea typeface="맑은 고딕" panose="020B0503020000020004" pitchFamily="34" charset="-127"/>
-              <a:cs typeface="+mn-cs"/>
-            </a:endParaRPr>
-          </a:p>
-        </p:txBody>
-      </p:sp>
-      <p:pic>
-        <p:nvPicPr>
-          <p:cNvPr id="11" name="Logo Software University" descr="Software University logo">
-            <a:extLst>
-              <a:ext uri="{FF2B5EF4-FFF2-40B4-BE49-F238E27FC236}">
-                <a16:creationId xmlns:a16="http://schemas.microsoft.com/office/drawing/2014/main" id="{14F779A7-4A91-448B-BEFA-956C70A1C22F}"/>
-              </a:ext>
-            </a:extLst>
-          </p:cNvPr>
-          <p:cNvPicPr>
-            <a:picLocks noChangeAspect="1"/>
-          </p:cNvPicPr>
-          <p:nvPr userDrawn="1"/>
-        </p:nvPicPr>
-        <p:blipFill>
-          <a:blip r:embed="rId3">
-            <a:extLst>
-              <a:ext uri="{28A0092B-C50C-407E-A947-70E740481C1C}">
-                <a14:useLocalDpi xmlns:a14="http://schemas.microsoft.com/office/drawing/2010/main" val="0"/>
-              </a:ext>
-            </a:extLst>
-          </a:blip>
-          <a:stretch>
-            <a:fillRect/>
-          </a:stretch>
-        </p:blipFill>
-        <p:spPr>
-          <a:xfrm>
-            <a:off x="10067957" y="253936"/>
-            <a:ext cx="1915704" cy="559235"/>
-          </a:xfrm>
-          <a:prstGeom prst="rect">
-            <a:avLst/>
-          </a:prstGeom>
-        </p:spPr>
-      </p:pic>
-      <p:sp>
-        <p:nvSpPr>
-          <p:cNvPr id="13" name="Slide Title">
-            <a:extLst>
-              <a:ext uri="{FF2B5EF4-FFF2-40B4-BE49-F238E27FC236}">
-                <a16:creationId xmlns:a16="http://schemas.microsoft.com/office/drawing/2014/main" id="{357D7BE1-6358-42CC-94F3-7BCDD91DCB6D}"/>
-              </a:ext>
-            </a:extLst>
-          </p:cNvPr>
-          <p:cNvSpPr>
-            <a:spLocks noGrp="1"/>
-          </p:cNvSpPr>
-          <p:nvPr>
-            <p:ph type="title" hasCustomPrompt="1"/>
-          </p:nvPr>
-        </p:nvSpPr>
-        <p:spPr>
-          <a:xfrm>
-            <a:off x="190406" y="100750"/>
-            <a:ext cx="9715594" cy="882654"/>
-          </a:xfrm>
-        </p:spPr>
-        <p:txBody>
-          <a:bodyPr/>
-          <a:lstStyle>
-            <a:lvl1pPr latinLnBrk="0">
-              <a:defRPr>
-                <a:solidFill>
-                  <a:schemeClr val="bg2"/>
-                </a:solidFill>
-              </a:defRPr>
-            </a:lvl1pPr>
-          </a:lstStyle>
-          <a:p>
-            <a:r>
-              <a:rPr lang="en-US" noProof="0" dirty="0"/>
-              <a:t>Table of Contents</a:t>
-            </a:r>
-          </a:p>
-        </p:txBody>
-      </p:sp>
-    </p:spTree>
-    <p:extLst>
-      <p:ext uri="{BB962C8B-B14F-4D97-AF65-F5344CB8AC3E}">
-        <p14:creationId xmlns:p14="http://schemas.microsoft.com/office/powerpoint/2010/main" val="1028724482"/>
-      </p:ext>
-    </p:extLst>
-  </p:cSld>
-  <p:clrMapOvr>
-    <a:masterClrMapping/>
-  </p:clrMapOvr>
-  <mc:AlternateContent xmlns:mc="http://schemas.openxmlformats.org/markup-compatibility/2006" xmlns:p14="http://schemas.microsoft.com/office/powerpoint/2010/main">
-    <mc:Choice Requires="p14">
-      <p:transition spd="slow" p14:dur="2000" advClick="0" advTm="5000"/>
-    </mc:Choice>
-    <mc:Fallback xmlns="">
-      <p:transition spd="slow" advClick="0" advTm="5000"/>
-    </mc:Fallback>
-  </mc:AlternateContent>
-</p:sldLayout>
-</file>
-
-<file path=ppt/slideLayouts/slideLayout5.xml><?xml version="1.0" encoding="utf-8"?>
 <p:sldLayout xmlns:a="http://schemas.openxmlformats.org/drawingml/2006/main" xmlns:r="http://schemas.openxmlformats.org/officeDocument/2006/relationships" xmlns:p="http://schemas.openxmlformats.org/presentationml/2006/main" preserve="1" userDrawn="1">
   <p:cSld name="Important Concept">
     <p:spTree>
@@ -7881,52 +6171,6 @@
           </a:p>
         </p:txBody>
       </p:sp>
-      <p:pic>
-        <p:nvPicPr>
-          <p:cNvPr id="3" name="Logo Software University" descr="Software University logo">
-            <a:extLst>
-              <a:ext uri="{FF2B5EF4-FFF2-40B4-BE49-F238E27FC236}">
-                <a16:creationId xmlns:a16="http://schemas.microsoft.com/office/drawing/2014/main" id="{5573C101-930B-47AC-967A-A64513DFFDEE}"/>
-              </a:ext>
-            </a:extLst>
-          </p:cNvPr>
-          <p:cNvPicPr>
-            <a:picLocks noChangeAspect="1"/>
-          </p:cNvPicPr>
-          <p:nvPr userDrawn="1"/>
-        </p:nvPicPr>
-        <p:blipFill>
-          <a:blip r:embed="rId3">
-            <a:clrChange>
-              <a:clrFrom>
-                <a:srgbClr val="FFFFFF"/>
-              </a:clrFrom>
-              <a:clrTo>
-                <a:srgbClr val="FFFFFF">
-                  <a:alpha val="0"/>
-                </a:srgbClr>
-              </a:clrTo>
-            </a:clrChange>
-            <a:extLst>
-              <a:ext uri="{28A0092B-C50C-407E-A947-70E740481C1C}">
-                <a14:useLocalDpi xmlns:a14="http://schemas.microsoft.com/office/drawing/2010/main" val="0"/>
-              </a:ext>
-            </a:extLst>
-          </a:blip>
-          <a:stretch>
-            <a:fillRect/>
-          </a:stretch>
-        </p:blipFill>
-        <p:spPr>
-          <a:xfrm>
-            <a:off x="10008761" y="190267"/>
-            <a:ext cx="2013336" cy="690975"/>
-          </a:xfrm>
-          <a:prstGeom prst="rect">
-            <a:avLst/>
-          </a:prstGeom>
-        </p:spPr>
-      </p:pic>
       <p:sp>
         <p:nvSpPr>
           <p:cNvPr id="8" name="Slide Title">
@@ -7945,8 +6189,8 @@
         </p:nvSpPr>
         <p:spPr>
           <a:xfrm>
-            <a:off x="1296957" y="100750"/>
-            <a:ext cx="8625520" cy="882654"/>
+            <a:off x="1296956" y="100750"/>
+            <a:ext cx="9164044" cy="882654"/>
           </a:xfrm>
         </p:spPr>
         <p:txBody>
@@ -7964,6 +6208,42 @@
           </a:p>
         </p:txBody>
       </p:sp>
+      <p:pic>
+        <p:nvPicPr>
+          <p:cNvPr id="2" name="Picture 1">
+            <a:extLst>
+              <a:ext uri="{FF2B5EF4-FFF2-40B4-BE49-F238E27FC236}">
+                <a16:creationId xmlns:a16="http://schemas.microsoft.com/office/drawing/2014/main" id="{78CA5371-2597-CF8F-1859-226395807433}"/>
+              </a:ext>
+            </a:extLst>
+          </p:cNvPr>
+          <p:cNvPicPr>
+            <a:picLocks noChangeAspect="1"/>
+          </p:cNvPicPr>
+          <p:nvPr userDrawn="1"/>
+        </p:nvPicPr>
+        <p:blipFill>
+          <a:blip r:embed="rId3" cstate="print">
+            <a:extLst>
+              <a:ext uri="{28A0092B-C50C-407E-A947-70E740481C1C}">
+                <a14:useLocalDpi xmlns:a14="http://schemas.microsoft.com/office/drawing/2010/main" val="0"/>
+              </a:ext>
+            </a:extLst>
+          </a:blip>
+          <a:stretch>
+            <a:fillRect/>
+          </a:stretch>
+        </p:blipFill>
+        <p:spPr>
+          <a:xfrm>
+            <a:off x="10551877" y="362077"/>
+            <a:ext cx="1443357" cy="360000"/>
+          </a:xfrm>
+          <a:prstGeom prst="rect">
+            <a:avLst/>
+          </a:prstGeom>
+        </p:spPr>
+      </p:pic>
     </p:spTree>
     <p:extLst>
       <p:ext uri="{BB962C8B-B14F-4D97-AF65-F5344CB8AC3E}">
@@ -7985,7 +6265,7 @@
 </p:sldLayout>
 </file>
 
-<file path=ppt/slideLayouts/slideLayout6.xml><?xml version="1.0" encoding="utf-8"?>
+<file path=ppt/slideLayouts/slideLayout5.xml><?xml version="1.0" encoding="utf-8"?>
 <p:sldLayout xmlns:a="http://schemas.openxmlformats.org/drawingml/2006/main" xmlns:r="http://schemas.openxmlformats.org/officeDocument/2006/relationships" xmlns:p="http://schemas.openxmlformats.org/presentationml/2006/main" preserve="1">
   <p:cSld name="Important Example">
     <p:spTree>
@@ -8262,52 +6542,6 @@
           </a:p>
         </p:txBody>
       </p:sp>
-      <p:pic>
-        <p:nvPicPr>
-          <p:cNvPr id="16" name="Logo Software University" descr="Software University logo">
-            <a:extLst>
-              <a:ext uri="{FF2B5EF4-FFF2-40B4-BE49-F238E27FC236}">
-                <a16:creationId xmlns:a16="http://schemas.microsoft.com/office/drawing/2014/main" id="{EFEBB553-EACE-4B4F-8B4F-7629FDD910A4}"/>
-              </a:ext>
-            </a:extLst>
-          </p:cNvPr>
-          <p:cNvPicPr>
-            <a:picLocks noChangeAspect="1"/>
-          </p:cNvPicPr>
-          <p:nvPr userDrawn="1"/>
-        </p:nvPicPr>
-        <p:blipFill>
-          <a:blip r:embed="rId3">
-            <a:clrChange>
-              <a:clrFrom>
-                <a:srgbClr val="FFFFFF"/>
-              </a:clrFrom>
-              <a:clrTo>
-                <a:srgbClr val="FFFFFF">
-                  <a:alpha val="0"/>
-                </a:srgbClr>
-              </a:clrTo>
-            </a:clrChange>
-            <a:extLst>
-              <a:ext uri="{28A0092B-C50C-407E-A947-70E740481C1C}">
-                <a14:useLocalDpi xmlns:a14="http://schemas.microsoft.com/office/drawing/2010/main" val="0"/>
-              </a:ext>
-            </a:extLst>
-          </a:blip>
-          <a:stretch>
-            <a:fillRect/>
-          </a:stretch>
-        </p:blipFill>
-        <p:spPr>
-          <a:xfrm>
-            <a:off x="10008761" y="190267"/>
-            <a:ext cx="2013336" cy="690975"/>
-          </a:xfrm>
-          <a:prstGeom prst="rect">
-            <a:avLst/>
-          </a:prstGeom>
-        </p:spPr>
-      </p:pic>
       <p:sp>
         <p:nvSpPr>
           <p:cNvPr id="13" name="Slide Title">
@@ -8326,8 +6560,8 @@
         </p:nvSpPr>
         <p:spPr>
           <a:xfrm>
-            <a:off x="1296957" y="100750"/>
-            <a:ext cx="8625520" cy="882654"/>
+            <a:off x="1296956" y="100750"/>
+            <a:ext cx="9164044" cy="882654"/>
           </a:xfrm>
         </p:spPr>
         <p:txBody>
@@ -8345,6 +6579,42 @@
           </a:p>
         </p:txBody>
       </p:sp>
+      <p:pic>
+        <p:nvPicPr>
+          <p:cNvPr id="2" name="Picture 1">
+            <a:extLst>
+              <a:ext uri="{FF2B5EF4-FFF2-40B4-BE49-F238E27FC236}">
+                <a16:creationId xmlns:a16="http://schemas.microsoft.com/office/drawing/2014/main" id="{A37AF1B9-D67A-246A-86B6-E28F19C52390}"/>
+              </a:ext>
+            </a:extLst>
+          </p:cNvPr>
+          <p:cNvPicPr>
+            <a:picLocks noChangeAspect="1"/>
+          </p:cNvPicPr>
+          <p:nvPr userDrawn="1"/>
+        </p:nvPicPr>
+        <p:blipFill>
+          <a:blip r:embed="rId3" cstate="print">
+            <a:extLst>
+              <a:ext uri="{28A0092B-C50C-407E-A947-70E740481C1C}">
+                <a14:useLocalDpi xmlns:a14="http://schemas.microsoft.com/office/drawing/2010/main" val="0"/>
+              </a:ext>
+            </a:extLst>
+          </a:blip>
+          <a:stretch>
+            <a:fillRect/>
+          </a:stretch>
+        </p:blipFill>
+        <p:spPr>
+          <a:xfrm>
+            <a:off x="10551877" y="362077"/>
+            <a:ext cx="1443357" cy="360000"/>
+          </a:xfrm>
+          <a:prstGeom prst="rect">
+            <a:avLst/>
+          </a:prstGeom>
+        </p:spPr>
+      </p:pic>
     </p:spTree>
     <p:extLst>
       <p:ext uri="{BB962C8B-B14F-4D97-AF65-F5344CB8AC3E}">
@@ -8366,7 +6636,7 @@
 </p:sldLayout>
 </file>
 
-<file path=ppt/slideLayouts/slideLayout7.xml><?xml version="1.0" encoding="utf-8"?>
+<file path=ppt/slideLayouts/slideLayout6.xml><?xml version="1.0" encoding="utf-8"?>
 <p:sldLayout xmlns:a="http://schemas.openxmlformats.org/drawingml/2006/main" xmlns:r="http://schemas.openxmlformats.org/officeDocument/2006/relationships" xmlns:p="http://schemas.openxmlformats.org/presentationml/2006/main" preserve="1" userDrawn="1">
   <p:cSld name="Blank Slide">
     <p:spTree>
@@ -8661,8 +6931,8 @@
         </p:nvSpPr>
         <p:spPr>
           <a:xfrm>
-            <a:off x="585176" y="100750"/>
-            <a:ext cx="11410061" cy="882654"/>
+            <a:off x="585177" y="100750"/>
+            <a:ext cx="9875824" cy="882654"/>
           </a:xfrm>
         </p:spPr>
         <p:txBody>
@@ -8680,6 +6950,42 @@
           </a:p>
         </p:txBody>
       </p:sp>
+      <p:pic>
+        <p:nvPicPr>
+          <p:cNvPr id="2" name="Picture 1">
+            <a:extLst>
+              <a:ext uri="{FF2B5EF4-FFF2-40B4-BE49-F238E27FC236}">
+                <a16:creationId xmlns:a16="http://schemas.microsoft.com/office/drawing/2014/main" id="{9C2C375B-43BF-D1DD-F160-1500A111885C}"/>
+              </a:ext>
+            </a:extLst>
+          </p:cNvPr>
+          <p:cNvPicPr>
+            <a:picLocks noChangeAspect="1"/>
+          </p:cNvPicPr>
+          <p:nvPr userDrawn="1"/>
+        </p:nvPicPr>
+        <p:blipFill>
+          <a:blip r:embed="rId3" cstate="print">
+            <a:extLst>
+              <a:ext uri="{28A0092B-C50C-407E-A947-70E740481C1C}">
+                <a14:useLocalDpi xmlns:a14="http://schemas.microsoft.com/office/drawing/2010/main" val="0"/>
+              </a:ext>
+            </a:extLst>
+          </a:blip>
+          <a:stretch>
+            <a:fillRect/>
+          </a:stretch>
+        </p:blipFill>
+        <p:spPr>
+          <a:xfrm>
+            <a:off x="10551877" y="362077"/>
+            <a:ext cx="1443357" cy="360000"/>
+          </a:xfrm>
+          <a:prstGeom prst="rect">
+            <a:avLst/>
+          </a:prstGeom>
+        </p:spPr>
+      </p:pic>
     </p:spTree>
     <p:extLst>
       <p:ext uri="{BB962C8B-B14F-4D97-AF65-F5344CB8AC3E}">
@@ -8701,7 +7007,7 @@
 </p:sldLayout>
 </file>
 
-<file path=ppt/slideLayouts/slideLayout8.xml><?xml version="1.0" encoding="utf-8"?>
+<file path=ppt/slideLayouts/slideLayout7.xml><?xml version="1.0" encoding="utf-8"?>
 <p:sldLayout xmlns:a="http://schemas.openxmlformats.org/drawingml/2006/main" xmlns:r="http://schemas.openxmlformats.org/officeDocument/2006/relationships" xmlns:p="http://schemas.openxmlformats.org/presentationml/2006/main" preserve="1" userDrawn="1">
   <p:cSld name="Source Code Example">
     <p:spTree>
@@ -8756,7 +7062,7 @@
               <a:pPr/>
               <a:t>‹#›</a:t>
             </a:fld>
-            <a:endParaRPr lang="en-US" noProof="0" dirty="0"/>
+            <a:endParaRPr lang="en-US" noProof="0"/>
           </a:p>
         </p:txBody>
       </p:sp>
@@ -8774,7 +7080,7 @@
         </p:nvSpPr>
         <p:spPr>
           <a:xfrm>
-            <a:off x="0" y="0"/>
+            <a:off x="0" y="1311"/>
             <a:ext cx="12196800" cy="1095376"/>
           </a:xfrm>
           <a:prstGeom prst="rect">
@@ -8841,48 +7147,12 @@
           </a:p>
         </p:txBody>
       </p:sp>
-      <p:pic>
-        <p:nvPicPr>
-          <p:cNvPr id="10" name="Logo Software University" descr="Software University logo">
+      <p:sp>
+        <p:nvSpPr>
+          <p:cNvPr id="12" name="Slide Body Text">
             <a:extLst>
               <a:ext uri="{FF2B5EF4-FFF2-40B4-BE49-F238E27FC236}">
-                <a16:creationId xmlns:a16="http://schemas.microsoft.com/office/drawing/2014/main" id="{8C01D7AF-7CBD-46E1-99F3-8EB60E838D91}"/>
-              </a:ext>
-            </a:extLst>
-          </p:cNvPr>
-          <p:cNvPicPr>
-            <a:picLocks noChangeAspect="1"/>
-          </p:cNvPicPr>
-          <p:nvPr userDrawn="1"/>
-        </p:nvPicPr>
-        <p:blipFill>
-          <a:blip r:embed="rId2">
-            <a:extLst>
-              <a:ext uri="{28A0092B-C50C-407E-A947-70E740481C1C}">
-                <a14:useLocalDpi xmlns:a14="http://schemas.microsoft.com/office/drawing/2010/main" val="0"/>
-              </a:ext>
-            </a:extLst>
-          </a:blip>
-          <a:stretch>
-            <a:fillRect/>
-          </a:stretch>
-        </p:blipFill>
-        <p:spPr>
-          <a:xfrm>
-            <a:off x="10067957" y="253936"/>
-            <a:ext cx="1915704" cy="559235"/>
-          </a:xfrm>
-          <a:prstGeom prst="rect">
-            <a:avLst/>
-          </a:prstGeom>
-        </p:spPr>
-      </p:pic>
-      <p:sp>
-        <p:nvSpPr>
-          <p:cNvPr id="17" name="Slide Body Text">
-            <a:extLst>
-              <a:ext uri="{FF2B5EF4-FFF2-40B4-BE49-F238E27FC236}">
-                <a16:creationId xmlns:a16="http://schemas.microsoft.com/office/drawing/2014/main" id="{1E60575F-8475-4C78-97A7-27D7891D2770}"/>
+                <a16:creationId xmlns:a16="http://schemas.microsoft.com/office/drawing/2014/main" id="{B608ED73-CE88-49E4-8BFC-DBD6E9AE6B10}"/>
               </a:ext>
             </a:extLst>
           </p:cNvPr>
@@ -8890,32 +7160,52 @@
             <a:spLocks noGrp="1"/>
           </p:cNvSpPr>
           <p:nvPr>
-            <p:ph type="body" sz="quarter" idx="12" hasCustomPrompt="1"/>
+            <p:ph type="body" sz="quarter" idx="10" hasCustomPrompt="1"/>
           </p:nvPr>
         </p:nvSpPr>
         <p:spPr>
           <a:xfrm>
-            <a:off x="190402" y="1196125"/>
-            <a:ext cx="11818096" cy="5528766"/>
+            <a:off x="190406" y="1206668"/>
+            <a:ext cx="11804831" cy="5550582"/>
           </a:xfrm>
         </p:spPr>
         <p:txBody>
           <a:bodyPr/>
           <a:lstStyle>
             <a:lvl1pPr latinLnBrk="0">
-              <a:defRPr/>
+              <a:defRPr>
+                <a:solidFill>
+                  <a:schemeClr val="tx1"/>
+                </a:solidFill>
+              </a:defRPr>
             </a:lvl1pPr>
             <a:lvl2pPr latinLnBrk="0">
-              <a:defRPr/>
+              <a:defRPr>
+                <a:solidFill>
+                  <a:schemeClr val="tx1"/>
+                </a:solidFill>
+              </a:defRPr>
             </a:lvl2pPr>
             <a:lvl3pPr latinLnBrk="0">
-              <a:defRPr/>
+              <a:defRPr>
+                <a:solidFill>
+                  <a:schemeClr val="tx1"/>
+                </a:solidFill>
+              </a:defRPr>
             </a:lvl3pPr>
             <a:lvl4pPr latinLnBrk="0">
-              <a:defRPr/>
+              <a:defRPr>
+                <a:solidFill>
+                  <a:schemeClr val="tx1"/>
+                </a:solidFill>
+              </a:defRPr>
             </a:lvl4pPr>
             <a:lvl5pPr latinLnBrk="0">
-              <a:defRPr/>
+              <a:defRPr>
+                <a:solidFill>
+                  <a:schemeClr val="tx1"/>
+                </a:solidFill>
+              </a:defRPr>
             </a:lvl5pPr>
           </a:lstStyle>
           <a:p>
@@ -8929,10 +7219,10 @@
       </p:sp>
       <p:sp>
         <p:nvSpPr>
-          <p:cNvPr id="15" name="Code Box">
+          <p:cNvPr id="4" name="Code Box">
             <a:extLst>
               <a:ext uri="{FF2B5EF4-FFF2-40B4-BE49-F238E27FC236}">
-                <a16:creationId xmlns:a16="http://schemas.microsoft.com/office/drawing/2014/main" id="{29C63EC2-5578-406B-8C2A-23FDE6C14C82}"/>
+                <a16:creationId xmlns:a16="http://schemas.microsoft.com/office/drawing/2014/main" id="{F4E021E9-D6DB-4272-8C9F-CEF4940FDC10}"/>
               </a:ext>
             </a:extLst>
           </p:cNvPr>
@@ -8946,7 +7236,7 @@
         <p:spPr>
           <a:xfrm>
             <a:off x="674683" y="2034000"/>
-            <a:ext cx="10836275" cy="2318684"/>
+            <a:ext cx="10836275" cy="2237893"/>
           </a:xfrm>
           <a:solidFill>
             <a:schemeClr val="accent6">
@@ -8968,15 +7258,6 @@
           </a:bodyPr>
           <a:lstStyle>
             <a:lvl1pPr>
-              <a:lnSpc>
-                <a:spcPct val="110000"/>
-              </a:lnSpc>
-              <a:spcBef>
-                <a:spcPts val="0"/>
-              </a:spcBef>
-              <a:spcAft>
-                <a:spcPts val="0"/>
-              </a:spcAft>
               <a:buNone/>
               <a:defRPr lang="en-US" sz="2800" b="1" smtClean="0">
                 <a:latin typeface="Consolas" pitchFamily="49" charset="0"/>
@@ -9071,8 +7352,8 @@
         </p:nvSpPr>
         <p:spPr>
           <a:xfrm>
-            <a:off x="190406" y="100750"/>
-            <a:ext cx="9715594" cy="882654"/>
+            <a:off x="190405" y="100750"/>
+            <a:ext cx="10239658" cy="882654"/>
           </a:xfrm>
         </p:spPr>
         <p:txBody>
@@ -9094,6 +7375,42 @@
           </a:p>
         </p:txBody>
       </p:sp>
+      <p:pic>
+        <p:nvPicPr>
+          <p:cNvPr id="3" name="Picture 2">
+            <a:extLst>
+              <a:ext uri="{FF2B5EF4-FFF2-40B4-BE49-F238E27FC236}">
+                <a16:creationId xmlns:a16="http://schemas.microsoft.com/office/drawing/2014/main" id="{4B69A4E8-9221-8F79-65B4-BF9AA7F87DD7}"/>
+              </a:ext>
+            </a:extLst>
+          </p:cNvPr>
+          <p:cNvPicPr>
+            <a:picLocks noChangeAspect="1"/>
+          </p:cNvPicPr>
+          <p:nvPr userDrawn="1"/>
+        </p:nvPicPr>
+        <p:blipFill>
+          <a:blip r:embed="rId2" cstate="print">
+            <a:extLst>
+              <a:ext uri="{28A0092B-C50C-407E-A947-70E740481C1C}">
+                <a14:useLocalDpi xmlns:a14="http://schemas.microsoft.com/office/drawing/2010/main" val="0"/>
+              </a:ext>
+            </a:extLst>
+          </a:blip>
+          <a:stretch>
+            <a:fillRect/>
+          </a:stretch>
+        </p:blipFill>
+        <p:spPr>
+          <a:xfrm>
+            <a:off x="10553573" y="368999"/>
+            <a:ext cx="1443361" cy="360001"/>
+          </a:xfrm>
+          <a:prstGeom prst="rect">
+            <a:avLst/>
+          </a:prstGeom>
+        </p:spPr>
+      </p:pic>
     </p:spTree>
     <p:extLst>
       <p:ext uri="{BB962C8B-B14F-4D97-AF65-F5344CB8AC3E}">
@@ -9115,7 +7432,7 @@
 </p:sldLayout>
 </file>
 
-<file path=ppt/slideLayouts/slideLayout9.xml><?xml version="1.0" encoding="utf-8"?>
+<file path=ppt/slideLayouts/slideLayout8.xml><?xml version="1.0" encoding="utf-8"?>
 <p:sldLayout xmlns:a="http://schemas.openxmlformats.org/drawingml/2006/main" xmlns:r="http://schemas.openxmlformats.org/officeDocument/2006/relationships" xmlns:p="http://schemas.openxmlformats.org/presentationml/2006/main" preserve="1">
   <p:cSld name="Demo Slide">
     <p:spTree>
@@ -9192,7 +7509,7 @@
               <a:tabLst/>
               <a:defRPr/>
             </a:pPr>
-            <a:endParaRPr kumimoji="0" lang="en-US" altLang="ko-KR" sz="2398" b="0" i="0" u="none" strike="noStrike" kern="1200" cap="none" spc="0" normalizeH="0" baseline="0" noProof="0" dirty="0">
+            <a:endParaRPr kumimoji="0" lang="en-US" altLang="ko-KR" sz="2398" b="0" i="0" u="none" strike="noStrike" kern="1200" cap="none" spc="0" normalizeH="0" baseline="0" noProof="0">
               <a:ln>
                 <a:noFill/>
               </a:ln>
@@ -9302,6 +7619,335 @@
     <p:extLst>
       <p:ext uri="{BB962C8B-B14F-4D97-AF65-F5344CB8AC3E}">
         <p14:creationId xmlns:p14="http://schemas.microsoft.com/office/powerpoint/2010/main" val="2423919747"/>
+      </p:ext>
+    </p:extLst>
+  </p:cSld>
+  <p:clrMapOvr>
+    <a:masterClrMapping/>
+  </p:clrMapOvr>
+  <mc:AlternateContent xmlns:mc="http://schemas.openxmlformats.org/markup-compatibility/2006" xmlns:p14="http://schemas.microsoft.com/office/powerpoint/2010/main">
+    <mc:Choice Requires="p14">
+      <p:transition spd="slow" p14:dur="2000" advClick="0" advTm="5000"/>
+    </mc:Choice>
+    <mc:Fallback xmlns="">
+      <p:transition spd="slow" advClick="0" advTm="5000"/>
+    </mc:Fallback>
+  </mc:AlternateContent>
+</p:sldLayout>
+</file>
+
+<file path=ppt/slideLayouts/slideLayout9.xml><?xml version="1.0" encoding="utf-8"?>
+<p:sldLayout xmlns:a="http://schemas.openxmlformats.org/drawingml/2006/main" xmlns:r="http://schemas.openxmlformats.org/officeDocument/2006/relationships" xmlns:p="http://schemas.openxmlformats.org/presentationml/2006/main" preserve="1" userDrawn="1">
+  <p:cSld name="Table of Contents">
+    <p:spTree>
+      <p:nvGrpSpPr>
+        <p:cNvPr id="1" name=""/>
+        <p:cNvGrpSpPr/>
+        <p:nvPr/>
+      </p:nvGrpSpPr>
+      <p:grpSpPr>
+        <a:xfrm>
+          <a:off x="0" y="0"/>
+          <a:ext cx="0" cy="0"/>
+          <a:chOff x="0" y="0"/>
+          <a:chExt cx="0" cy="0"/>
+        </a:xfrm>
+      </p:grpSpPr>
+      <p:sp>
+        <p:nvSpPr>
+          <p:cNvPr id="10" name="Slide Number">
+            <a:extLst>
+              <a:ext uri="{FF2B5EF4-FFF2-40B4-BE49-F238E27FC236}">
+                <a16:creationId xmlns:a16="http://schemas.microsoft.com/office/drawing/2014/main" id="{39DDE17E-5472-41F3-AF5F-54DFF10DC63C}"/>
+              </a:ext>
+            </a:extLst>
+          </p:cNvPr>
+          <p:cNvSpPr>
+            <a:spLocks noGrp="1"/>
+          </p:cNvSpPr>
+          <p:nvPr>
+            <p:ph type="sldNum" sz="quarter" idx="4"/>
+          </p:nvPr>
+        </p:nvSpPr>
+        <p:spPr>
+          <a:xfrm>
+            <a:off x="11753030" y="6507000"/>
+            <a:ext cx="367414" cy="297000"/>
+          </a:xfrm>
+          <a:prstGeom prst="rect">
+            <a:avLst/>
+          </a:prstGeom>
+        </p:spPr>
+        <p:txBody>
+          <a:bodyPr vert="horz" lIns="91440" tIns="45720" rIns="91440" bIns="45720" rtlCol="0" anchor="b"/>
+          <a:lstStyle>
+            <a:lvl1pPr algn="r">
+              <a:defRPr sz="1000"/>
+            </a:lvl1pPr>
+          </a:lstStyle>
+          <a:p>
+            <a:fld id="{2BF067CD-8E6B-4360-9AA8-C5DF2A48A6D1}" type="slidenum">
+              <a:rPr lang="en-US" noProof="0" smtClean="0"/>
+              <a:pPr/>
+              <a:t>‹#›</a:t>
+            </a:fld>
+            <a:endParaRPr lang="en-US" noProof="0"/>
+          </a:p>
+        </p:txBody>
+      </p:sp>
+      <p:sp>
+        <p:nvSpPr>
+          <p:cNvPr id="23" name="Slide Body Text">
+            <a:extLst>
+              <a:ext uri="{FF2B5EF4-FFF2-40B4-BE49-F238E27FC236}">
+                <a16:creationId xmlns:a16="http://schemas.microsoft.com/office/drawing/2014/main" id="{889D93F4-ABFA-46BF-8E5D-FE6562ACB20F}"/>
+              </a:ext>
+            </a:extLst>
+          </p:cNvPr>
+          <p:cNvSpPr>
+            <a:spLocks noGrp="1"/>
+          </p:cNvSpPr>
+          <p:nvPr>
+            <p:ph type="body" sz="quarter" idx="13" hasCustomPrompt="1"/>
+          </p:nvPr>
+        </p:nvSpPr>
+        <p:spPr>
+          <a:xfrm>
+            <a:off x="196766" y="1371604"/>
+            <a:ext cx="11781606" cy="5207396"/>
+          </a:xfrm>
+        </p:spPr>
+        <p:txBody>
+          <a:bodyPr>
+            <a:normAutofit/>
+          </a:bodyPr>
+          <a:lstStyle>
+            <a:lvl1pPr marL="514042" indent="-514042" latinLnBrk="0">
+              <a:buFont typeface="+mj-lt"/>
+              <a:buAutoNum type="arabicPeriod"/>
+              <a:defRPr sz="3600">
+                <a:solidFill>
+                  <a:schemeClr val="tx1"/>
+                </a:solidFill>
+              </a:defRPr>
+            </a:lvl1pPr>
+            <a:lvl2pPr>
+              <a:defRPr sz="3400"/>
+            </a:lvl2pPr>
+          </a:lstStyle>
+          <a:p>
+            <a:pPr lvl="0"/>
+            <a:r>
+              <a:rPr lang="en-US" noProof="0" dirty="0"/>
+              <a:t>…</a:t>
+            </a:r>
+          </a:p>
+          <a:p>
+            <a:pPr lvl="1"/>
+            <a:r>
+              <a:rPr lang="en-US" noProof="0" dirty="0"/>
+              <a:t>…</a:t>
+            </a:r>
+          </a:p>
+          <a:p>
+            <a:pPr lvl="1"/>
+            <a:r>
+              <a:rPr lang="en-US" noProof="0" dirty="0"/>
+              <a:t>…</a:t>
+            </a:r>
+          </a:p>
+          <a:p>
+            <a:pPr lvl="0"/>
+            <a:r>
+              <a:rPr lang="en-US" noProof="0" dirty="0"/>
+              <a:t>…</a:t>
+            </a:r>
+          </a:p>
+          <a:p>
+            <a:pPr lvl="1"/>
+            <a:r>
+              <a:rPr lang="en-US" noProof="0" dirty="0"/>
+              <a:t>…</a:t>
+            </a:r>
+          </a:p>
+          <a:p>
+            <a:pPr lvl="1"/>
+            <a:r>
+              <a:rPr lang="en-US" noProof="0" dirty="0"/>
+              <a:t>…</a:t>
+            </a:r>
+          </a:p>
+          <a:p>
+            <a:pPr lvl="0"/>
+            <a:r>
+              <a:rPr lang="en-US" noProof="0" dirty="0"/>
+              <a:t>…</a:t>
+            </a:r>
+          </a:p>
+        </p:txBody>
+      </p:sp>
+      <p:sp>
+        <p:nvSpPr>
+          <p:cNvPr id="8" name="Rectangle Top">
+            <a:extLst>
+              <a:ext uri="{FF2B5EF4-FFF2-40B4-BE49-F238E27FC236}">
+                <a16:creationId xmlns:a16="http://schemas.microsoft.com/office/drawing/2014/main" id="{930E0800-9260-4369-8330-8264DD33C5CE}"/>
+              </a:ext>
+            </a:extLst>
+          </p:cNvPr>
+          <p:cNvSpPr/>
+          <p:nvPr userDrawn="1"/>
+        </p:nvSpPr>
+        <p:spPr>
+          <a:xfrm>
+            <a:off x="0" y="0"/>
+            <a:ext cx="12196800" cy="1095376"/>
+          </a:xfrm>
+          <a:prstGeom prst="rect">
+            <a:avLst/>
+          </a:prstGeom>
+          <a:solidFill>
+            <a:schemeClr val="tx2"/>
+          </a:solidFill>
+          <a:ln>
+            <a:noFill/>
+          </a:ln>
+        </p:spPr>
+        <p:style>
+          <a:lnRef idx="2">
+            <a:schemeClr val="accent1">
+              <a:shade val="50000"/>
+            </a:schemeClr>
+          </a:lnRef>
+          <a:fillRef idx="1">
+            <a:schemeClr val="accent1"/>
+          </a:fillRef>
+          <a:effectRef idx="0">
+            <a:schemeClr val="accent1"/>
+          </a:effectRef>
+          <a:fontRef idx="minor">
+            <a:schemeClr val="lt1"/>
+          </a:fontRef>
+        </p:style>
+        <p:txBody>
+          <a:bodyPr rtlCol="0" anchor="ctr"/>
+          <a:lstStyle/>
+          <a:p>
+            <a:pPr marL="0" marR="0" lvl="0" indent="0" algn="ctr" defTabSz="913852" rtl="0" eaLnBrk="1" fontAlgn="auto" latinLnBrk="0" hangingPunct="1">
+              <a:lnSpc>
+                <a:spcPct val="100000"/>
+              </a:lnSpc>
+              <a:spcBef>
+                <a:spcPts val="0"/>
+              </a:spcBef>
+              <a:spcAft>
+                <a:spcPts val="0"/>
+              </a:spcAft>
+              <a:buClrTx/>
+              <a:buSzTx/>
+              <a:buFontTx/>
+              <a:buNone/>
+              <a:tabLst/>
+              <a:defRPr/>
+            </a:pPr>
+            <a:endParaRPr kumimoji="0" lang="en-US" altLang="ko-KR" sz="2398" b="0" i="0" u="none" strike="noStrike" kern="1200" cap="none" spc="0" normalizeH="0" baseline="0" noProof="0">
+              <a:ln>
+                <a:noFill/>
+              </a:ln>
+              <a:solidFill>
+                <a:srgbClr val="F7C86D"/>
+              </a:solidFill>
+              <a:effectLst/>
+              <a:uLnTx/>
+              <a:uFillTx/>
+              <a:latin typeface="Calibri" panose="020F0502020204030204"/>
+              <a:ea typeface="맑은 고딕" panose="020B0503020000020004" pitchFamily="34" charset="-127"/>
+              <a:cs typeface="+mn-cs"/>
+            </a:endParaRPr>
+          </a:p>
+        </p:txBody>
+      </p:sp>
+      <p:sp>
+        <p:nvSpPr>
+          <p:cNvPr id="13" name="Slide Title">
+            <a:extLst>
+              <a:ext uri="{FF2B5EF4-FFF2-40B4-BE49-F238E27FC236}">
+                <a16:creationId xmlns:a16="http://schemas.microsoft.com/office/drawing/2014/main" id="{357D7BE1-6358-42CC-94F3-7BCDD91DCB6D}"/>
+              </a:ext>
+            </a:extLst>
+          </p:cNvPr>
+          <p:cNvSpPr>
+            <a:spLocks noGrp="1"/>
+          </p:cNvSpPr>
+          <p:nvPr>
+            <p:ph type="title" hasCustomPrompt="1"/>
+          </p:nvPr>
+        </p:nvSpPr>
+        <p:spPr>
+          <a:xfrm>
+            <a:off x="190406" y="100750"/>
+            <a:ext cx="10270594" cy="882654"/>
+          </a:xfrm>
+        </p:spPr>
+        <p:txBody>
+          <a:bodyPr/>
+          <a:lstStyle>
+            <a:lvl1pPr latinLnBrk="0">
+              <a:defRPr>
+                <a:solidFill>
+                  <a:schemeClr val="bg2"/>
+                </a:solidFill>
+              </a:defRPr>
+            </a:lvl1pPr>
+          </a:lstStyle>
+          <a:p>
+            <a:r>
+              <a:rPr lang="en-US" noProof="0" dirty="0"/>
+              <a:t>Table of Contents</a:t>
+            </a:r>
+          </a:p>
+        </p:txBody>
+      </p:sp>
+      <p:pic>
+        <p:nvPicPr>
+          <p:cNvPr id="3" name="Picture 2">
+            <a:extLst>
+              <a:ext uri="{FF2B5EF4-FFF2-40B4-BE49-F238E27FC236}">
+                <a16:creationId xmlns:a16="http://schemas.microsoft.com/office/drawing/2014/main" id="{4FD808AB-EC49-1578-0005-D58D2A365AA1}"/>
+              </a:ext>
+            </a:extLst>
+          </p:cNvPr>
+          <p:cNvPicPr>
+            <a:picLocks noChangeAspect="1"/>
+          </p:cNvPicPr>
+          <p:nvPr userDrawn="1"/>
+        </p:nvPicPr>
+        <p:blipFill>
+          <a:blip r:embed="rId2" cstate="print">
+            <a:extLst>
+              <a:ext uri="{28A0092B-C50C-407E-A947-70E740481C1C}">
+                <a14:useLocalDpi xmlns:a14="http://schemas.microsoft.com/office/drawing/2010/main" val="0"/>
+              </a:ext>
+            </a:extLst>
+          </a:blip>
+          <a:stretch>
+            <a:fillRect/>
+          </a:stretch>
+        </p:blipFill>
+        <p:spPr>
+          <a:xfrm>
+            <a:off x="10553573" y="368999"/>
+            <a:ext cx="1443361" cy="360001"/>
+          </a:xfrm>
+          <a:prstGeom prst="rect">
+            <a:avLst/>
+          </a:prstGeom>
+        </p:spPr>
+      </p:pic>
+    </p:spTree>
+    <p:extLst>
+      <p:ext uri="{BB962C8B-B14F-4D97-AF65-F5344CB8AC3E}">
+        <p14:creationId xmlns:p14="http://schemas.microsoft.com/office/powerpoint/2010/main" val="1028724482"/>
       </p:ext>
     </p:extLst>
   </p:cSld>
@@ -9344,35 +7990,6 @@
           <a:chExt cx="0" cy="0"/>
         </a:xfrm>
       </p:grpSpPr>
-      <p:pic>
-        <p:nvPicPr>
-          <p:cNvPr id="4" name="Picture Background" descr="SoftUni Background">
-            <a:extLst>
-              <a:ext uri="{FF2B5EF4-FFF2-40B4-BE49-F238E27FC236}">
-                <a16:creationId xmlns:a16="http://schemas.microsoft.com/office/drawing/2014/main" id="{5BE90A63-DDD9-4B3B-A234-DF69B9BC812F}"/>
-              </a:ext>
-            </a:extLst>
-          </p:cNvPr>
-          <p:cNvPicPr>
-            <a:picLocks noChangeAspect="1"/>
-          </p:cNvPicPr>
-          <p:nvPr userDrawn="1"/>
-        </p:nvPicPr>
-        <p:blipFill rotWithShape="1">
-          <a:blip r:embed="rId15"/>
-          <a:srcRect b="1672"/>
-          <a:stretch/>
-        </p:blipFill>
-        <p:spPr>
-          <a:xfrm>
-            <a:off x="0" y="1"/>
-            <a:ext cx="12192000" cy="6857999"/>
-          </a:xfrm>
-          <a:prstGeom prst="rect">
-            <a:avLst/>
-          </a:prstGeom>
-        </p:spPr>
-      </p:pic>
       <p:sp>
         <p:nvSpPr>
           <p:cNvPr id="11" name="Slide Body Text">
@@ -9489,19 +8106,18 @@
   </p:cSld>
   <p:clrMap bg1="lt1" tx1="dk1" bg2="lt2" tx2="dk2" accent1="accent1" accent2="accent2" accent3="accent3" accent4="accent4" accent5="accent5" accent6="accent6" hlink="hlink" folHlink="folHlink"/>
   <p:sldLayoutIdLst>
-    <p:sldLayoutId id="2147483676" r:id="rId1"/>
+    <p:sldLayoutId id="2147483691" r:id="rId1"/>
     <p:sldLayoutId id="2147483689" r:id="rId2"/>
     <p:sldLayoutId id="2147483681" r:id="rId3"/>
-    <p:sldLayoutId id="2147483677" r:id="rId4"/>
-    <p:sldLayoutId id="2147483679" r:id="rId5"/>
-    <p:sldLayoutId id="2147483680" r:id="rId6"/>
-    <p:sldLayoutId id="2147483688" r:id="rId7"/>
-    <p:sldLayoutId id="2147483684" r:id="rId8"/>
-    <p:sldLayoutId id="2147483690" r:id="rId9"/>
+    <p:sldLayoutId id="2147483679" r:id="rId4"/>
+    <p:sldLayoutId id="2147483680" r:id="rId5"/>
+    <p:sldLayoutId id="2147483688" r:id="rId6"/>
+    <p:sldLayoutId id="2147483684" r:id="rId7"/>
+    <p:sldLayoutId id="2147483690" r:id="rId8"/>
+    <p:sldLayoutId id="2147483677" r:id="rId9"/>
     <p:sldLayoutId id="2147483683" r:id="rId10"/>
     <p:sldLayoutId id="2147483685" r:id="rId11"/>
     <p:sldLayoutId id="2147483686" r:id="rId12"/>
-    <p:sldLayoutId id="2147483687" r:id="rId13"/>
   </p:sldLayoutIdLst>
   <mc:AlternateContent xmlns:mc="http://schemas.openxmlformats.org/markup-compatibility/2006" xmlns:p14="http://schemas.microsoft.com/office/powerpoint/2010/main">
     <mc:Choice Requires="p14">
@@ -9830,10 +8446,10 @@
       </p:grpSpPr>
       <p:sp>
         <p:nvSpPr>
-          <p:cNvPr id="3" name="Subtitle 2">
+          <p:cNvPr id="8" name="Text Placeholder 7">
             <a:extLst>
               <a:ext uri="{FF2B5EF4-FFF2-40B4-BE49-F238E27FC236}">
-                <a16:creationId xmlns:a16="http://schemas.microsoft.com/office/drawing/2014/main" id="{CFD8F2F6-C6FD-45C1-9A34-493A96B5F569}"/>
+                <a16:creationId xmlns:a16="http://schemas.microsoft.com/office/drawing/2014/main" id="{82620A03-31A9-4562-A242-606C6E0A9C07}"/>
               </a:ext>
             </a:extLst>
           </p:cNvPr>
@@ -9841,62 +8457,32 @@
             <a:spLocks noGrp="1"/>
           </p:cNvSpPr>
           <p:nvPr>
-            <p:ph type="subTitle" idx="1"/>
+            <p:ph type="body" sz="quarter" idx="22"/>
           </p:nvPr>
         </p:nvSpPr>
         <p:spPr>
           <a:xfrm>
-            <a:off x="1840812" y="1113078"/>
-            <a:ext cx="8510375" cy="675000"/>
+            <a:off x="6390120" y="5859243"/>
+            <a:ext cx="5248260" cy="341313"/>
           </a:xfrm>
         </p:spPr>
         <p:txBody>
-          <a:bodyPr>
-            <a:normAutofit/>
-          </a:bodyPr>
+          <a:bodyPr/>
           <a:lstStyle/>
           <a:p>
             <a:r>
-              <a:rPr lang="en-US" sz="3150" dirty="0">
-                <a:cs typeface="Calibri"/>
-              </a:rPr>
-              <a:t>Хващане на </a:t>
-            </a:r>
-            <a:r>
-              <a:rPr lang="bg-BG" sz="3150" dirty="0">
-                <a:cs typeface="Calibri"/>
-              </a:rPr>
-              <a:t>грешки </a:t>
-            </a:r>
-            <a:r>
-              <a:rPr lang="en-US" sz="3150" dirty="0">
-                <a:cs typeface="Calibri"/>
-              </a:rPr>
-              <a:t>по време на програмат</a:t>
-            </a:r>
-            <a:r>
-              <a:rPr lang="bg-BG" sz="3150" dirty="0">
-                <a:cs typeface="Calibri"/>
-              </a:rPr>
-              <a:t>а</a:t>
-            </a:r>
-            <a:endParaRPr lang="en-US" sz="3150" dirty="0">
-              <a:cs typeface="Calibri"/>
-            </a:endParaRPr>
-          </a:p>
-          <a:p>
-            <a:endParaRPr lang="en-US" dirty="0">
-              <a:cs typeface="Calibri"/>
-            </a:endParaRPr>
+              <a:rPr lang="bg-BG" sz="2400" dirty="0"/>
+              <a:t>Софтуерни и хардуерни науки</a:t>
+            </a:r>
           </a:p>
         </p:txBody>
       </p:sp>
       <p:sp>
         <p:nvSpPr>
-          <p:cNvPr id="4" name="Title 3">
+          <p:cNvPr id="7" name="Text Placeholder 6">
             <a:extLst>
               <a:ext uri="{FF2B5EF4-FFF2-40B4-BE49-F238E27FC236}">
-                <a16:creationId xmlns:a16="http://schemas.microsoft.com/office/drawing/2014/main" id="{FE9694CC-2C89-48B9-B825-F4BC36B7B505}"/>
+                <a16:creationId xmlns:a16="http://schemas.microsoft.com/office/drawing/2014/main" id="{6097C783-9341-472A-8A98-F8A6ED1C4F9F}"/>
               </a:ext>
             </a:extLst>
           </p:cNvPr>
@@ -9904,43 +8490,100 @@
             <a:spLocks noGrp="1"/>
           </p:cNvSpPr>
           <p:nvPr>
-            <p:ph type="title"/>
+            <p:ph type="body" sz="quarter" idx="21"/>
           </p:nvPr>
         </p:nvSpPr>
         <p:spPr>
           <a:xfrm>
-            <a:off x="555625" y="234832"/>
-            <a:ext cx="11080750" cy="882424"/>
+            <a:off x="6390120" y="5430435"/>
+            <a:ext cx="5248260" cy="374236"/>
           </a:xfrm>
         </p:spPr>
         <p:txBody>
-          <a:bodyPr vert="horz" lIns="108000" tIns="36000" rIns="108000" bIns="36000" rtlCol="0" anchor="ctr" anchorCtr="0">
-            <a:noAutofit/>
+          <a:bodyPr>
+            <a:normAutofit fontScale="77500" lnSpcReduction="20000"/>
           </a:bodyPr>
           <a:lstStyle/>
           <a:p>
             <a:r>
-              <a:rPr lang="en-US" sz="4750" dirty="0">
-                <a:cs typeface="Calibri"/>
-              </a:rPr>
-              <a:t>Хващане на </a:t>
-            </a:r>
-            <a:r>
-              <a:rPr lang="bg-BG" sz="4750" dirty="0">
-                <a:ea typeface="+mj-lt"/>
-                <a:cs typeface="+mj-lt"/>
-              </a:rPr>
-              <a:t>грешки</a:t>
-            </a:r>
-            <a:r>
-              <a:rPr lang="en-US" sz="4750" dirty="0">
-                <a:ea typeface="+mj-lt"/>
-                <a:cs typeface="+mj-lt"/>
-              </a:rPr>
-              <a:t> </a:t>
-            </a:r>
-            <a:endParaRPr lang="en-US" sz="4750" dirty="0">
-              <a:cs typeface="Calibri"/>
+              <a:rPr lang="bg-BG" sz="2800" dirty="0">
+                <a:solidFill>
+                  <a:srgbClr val="234465"/>
+                </a:solidFill>
+              </a:rPr>
+              <a:t>Курс "</a:t>
+            </a:r>
+            <a:r>
+              <a:rPr lang="ru-RU" sz="2800" dirty="0">
+                <a:solidFill>
+                  <a:srgbClr val="234465"/>
+                </a:solidFill>
+              </a:rPr>
+              <a:t>Структури от данни и алгоритми</a:t>
+            </a:r>
+            <a:r>
+              <a:rPr lang="bg-BG" sz="2800" dirty="0">
+                <a:solidFill>
+                  <a:srgbClr val="234465"/>
+                </a:solidFill>
+              </a:rPr>
+              <a:t>"</a:t>
+            </a:r>
+          </a:p>
+        </p:txBody>
+      </p:sp>
+      <p:sp>
+        <p:nvSpPr>
+          <p:cNvPr id="6" name="Text Placeholder 5">
+            <a:extLst>
+              <a:ext uri="{FF2B5EF4-FFF2-40B4-BE49-F238E27FC236}">
+                <a16:creationId xmlns:a16="http://schemas.microsoft.com/office/drawing/2014/main" id="{8A25C836-E808-4793-BF48-8291E986A5D5}"/>
+              </a:ext>
+            </a:extLst>
+          </p:cNvPr>
+          <p:cNvSpPr>
+            <a:spLocks noGrp="1"/>
+          </p:cNvSpPr>
+          <p:nvPr>
+            <p:ph type="body" sz="quarter" idx="18"/>
+          </p:nvPr>
+        </p:nvSpPr>
+        <p:spPr>
+          <a:xfrm>
+            <a:off x="553620" y="5859000"/>
+            <a:ext cx="4751953" cy="341556"/>
+          </a:xfrm>
+        </p:spPr>
+        <p:txBody>
+          <a:bodyPr/>
+          <a:lstStyle/>
+          <a:p>
+            <a:pPr marL="0" indent="0" algn="l" rtl="0" eaLnBrk="1" fontAlgn="base" latinLnBrk="0" hangingPunct="1">
+              <a:lnSpc>
+                <a:spcPct val="105000"/>
+              </a:lnSpc>
+              <a:spcBef>
+                <a:spcPts val="0"/>
+              </a:spcBef>
+              <a:spcAft>
+                <a:spcPts val="0"/>
+              </a:spcAft>
+            </a:pPr>
+            <a:r>
+              <a:rPr lang="en-US" sz="1800" b="0" kern="1200">
+                <a:solidFill>
+                  <a:srgbClr val="1A334C"/>
+                </a:solidFill>
+                <a:effectLst/>
+                <a:latin typeface="Calibri" panose="020F0502020204030204" pitchFamily="34" charset="0"/>
+                <a:ea typeface="+mn-ea"/>
+                <a:cs typeface="+mn-cs"/>
+                <a:hlinkClick r:id="rId2"/>
+              </a:rPr>
+              <a:t>https://github.com/BG-IT-Edu</a:t>
+            </a:r>
+            <a:endParaRPr lang="bg-BG" sz="1800" dirty="0">
+              <a:effectLst/>
             </a:endParaRPr>
           </a:p>
         </p:txBody>
@@ -9967,22 +8610,22 @@
           <a:lstStyle/>
           <a:p>
             <a:r>
-              <a:rPr lang="en-US" sz="2000" dirty="0"/>
-              <a:t>Софтуерен университет</a:t>
-            </a:r>
-            <a:endParaRPr lang="en-US" sz="2000" b="0" dirty="0">
-              <a:ea typeface="+mn-lt"/>
-              <a:cs typeface="+mn-lt"/>
-            </a:endParaRPr>
+              <a:rPr lang="bg-BG" sz="2000" dirty="0">
+                <a:solidFill>
+                  <a:srgbClr val="234465"/>
+                </a:solidFill>
+              </a:rPr>
+              <a:t>Проект "Отворено учебно съдържание по програмиране и ИТ", СофтУни Фондация</a:t>
+            </a:r>
           </a:p>
         </p:txBody>
       </p:sp>
       <p:sp>
         <p:nvSpPr>
-          <p:cNvPr id="6" name="Text Placeholder 5">
+          <p:cNvPr id="3" name="Subtitle 2">
             <a:extLst>
               <a:ext uri="{FF2B5EF4-FFF2-40B4-BE49-F238E27FC236}">
-                <a16:creationId xmlns:a16="http://schemas.microsoft.com/office/drawing/2014/main" id="{8A25C836-E808-4793-BF48-8291E986A5D5}"/>
+                <a16:creationId xmlns:a16="http://schemas.microsoft.com/office/drawing/2014/main" id="{CFD8F2F6-C6FD-45C1-9A34-493A96B5F569}"/>
               </a:ext>
             </a:extLst>
           </p:cNvPr>
@@ -9990,41 +8633,57 @@
             <a:spLocks noGrp="1"/>
           </p:cNvSpPr>
           <p:nvPr>
-            <p:ph type="body" sz="quarter" idx="18"/>
+            <p:ph type="subTitle" idx="1"/>
           </p:nvPr>
         </p:nvSpPr>
         <p:spPr/>
         <p:txBody>
-          <a:bodyPr/>
+          <a:bodyPr>
+            <a:normAutofit/>
+          </a:bodyPr>
           <a:lstStyle/>
           <a:p>
             <a:r>
-              <a:rPr lang="en-US" dirty="0">
-                <a:solidFill>
-                  <a:srgbClr val="234465">
-                    <a:lumMod val="75000"/>
-                  </a:srgbClr>
-                </a:solidFill>
-                <a:hlinkClick r:id="rId2"/>
-              </a:rPr>
-              <a:t>https://softuni.bg</a:t>
-            </a:r>
+              <a:rPr lang="en-US" sz="3150" dirty="0">
+                <a:cs typeface="Calibri"/>
+              </a:rPr>
+              <a:t>Хващане на </a:t>
+            </a:r>
+            <a:r>
+              <a:rPr lang="bg-BG" sz="3150" dirty="0">
+                <a:cs typeface="Calibri"/>
+              </a:rPr>
+              <a:t>грешки </a:t>
+            </a:r>
+            <a:r>
+              <a:rPr lang="en-US" sz="3150" dirty="0">
+                <a:cs typeface="Calibri"/>
+              </a:rPr>
+              <a:t>по време на програмат</a:t>
+            </a:r>
+            <a:r>
+              <a:rPr lang="bg-BG" sz="3150" dirty="0">
+                <a:cs typeface="Calibri"/>
+              </a:rPr>
+              <a:t>а</a:t>
+            </a:r>
+            <a:endParaRPr lang="en-US" sz="3150" dirty="0">
+              <a:cs typeface="Calibri"/>
+            </a:endParaRPr>
+          </a:p>
+          <a:p>
             <a:endParaRPr lang="en-US" dirty="0">
-              <a:solidFill>
-                <a:srgbClr val="234465">
-                  <a:lumMod val="75000"/>
-                </a:srgbClr>
-              </a:solidFill>
+              <a:cs typeface="Calibri"/>
             </a:endParaRPr>
           </a:p>
         </p:txBody>
       </p:sp>
       <p:sp>
         <p:nvSpPr>
-          <p:cNvPr id="7" name="Text Placeholder 6">
+          <p:cNvPr id="4" name="Title 3">
             <a:extLst>
               <a:ext uri="{FF2B5EF4-FFF2-40B4-BE49-F238E27FC236}">
-                <a16:creationId xmlns:a16="http://schemas.microsoft.com/office/drawing/2014/main" id="{6097C783-9341-472A-8A98-F8A6ED1C4F9F}"/>
+                <a16:creationId xmlns:a16="http://schemas.microsoft.com/office/drawing/2014/main" id="{FE9694CC-2C89-48B9-B825-F4BC36B7B505}"/>
               </a:ext>
             </a:extLst>
           </p:cNvPr>
@@ -10032,63 +8691,38 @@
             <a:spLocks noGrp="1"/>
           </p:cNvSpPr>
           <p:nvPr>
-            <p:ph type="body" sz="quarter" idx="19"/>
+            <p:ph type="title"/>
           </p:nvPr>
         </p:nvSpPr>
-        <p:spPr>
-          <a:xfrm>
-            <a:off x="673975" y="4650685"/>
-            <a:ext cx="2949981" cy="958145"/>
-          </a:xfrm>
-        </p:spPr>
+        <p:spPr/>
         <p:txBody>
-          <a:bodyPr/>
+          <a:bodyPr vert="horz" lIns="108000" tIns="36000" rIns="108000" bIns="36000" rtlCol="0" anchor="ctr" anchorCtr="0">
+            <a:noAutofit/>
+          </a:bodyPr>
           <a:lstStyle/>
           <a:p>
             <a:r>
-              <a:rPr lang="en-US" sz="2800" dirty="0">
-                <a:ea typeface="+mn-lt"/>
-                <a:cs typeface="+mn-lt"/>
-              </a:rPr>
-              <a:t>СофтУни</a:t>
-            </a:r>
-            <a:endParaRPr lang="en-US" dirty="0"/>
-          </a:p>
-        </p:txBody>
-      </p:sp>
-      <p:sp>
-        <p:nvSpPr>
-          <p:cNvPr id="8" name="Text Placeholder 7">
-            <a:extLst>
-              <a:ext uri="{FF2B5EF4-FFF2-40B4-BE49-F238E27FC236}">
-                <a16:creationId xmlns:a16="http://schemas.microsoft.com/office/drawing/2014/main" id="{82620A03-31A9-4562-A242-606C6E0A9C07}"/>
-              </a:ext>
-            </a:extLst>
-          </p:cNvPr>
-          <p:cNvSpPr>
-            <a:spLocks noGrp="1"/>
-          </p:cNvSpPr>
-          <p:nvPr>
-            <p:ph type="body" sz="quarter" idx="20"/>
-          </p:nvPr>
-        </p:nvSpPr>
-        <p:spPr>
-          <a:xfrm>
-            <a:off x="673975" y="5368180"/>
-            <a:ext cx="3217025" cy="444793"/>
-          </a:xfrm>
-        </p:spPr>
-        <p:txBody>
-          <a:bodyPr/>
-          <a:lstStyle/>
-          <a:p>
-            <a:r>
-              <a:rPr lang="en-US" sz="2400" dirty="0"/>
-              <a:t>Преподавателски екип</a:t>
-            </a:r>
-            <a:endParaRPr lang="en-US" sz="2400" b="0" dirty="0">
-              <a:ea typeface="+mn-lt"/>
-              <a:cs typeface="+mn-lt"/>
+              <a:rPr lang="en-US" sz="4750" dirty="0">
+                <a:cs typeface="Calibri"/>
+              </a:rPr>
+              <a:t>Хващане на </a:t>
+            </a:r>
+            <a:r>
+              <a:rPr lang="bg-BG" sz="4750" dirty="0">
+                <a:ea typeface="+mj-lt"/>
+                <a:cs typeface="+mj-lt"/>
+              </a:rPr>
+              <a:t>грешки</a:t>
+            </a:r>
+            <a:r>
+              <a:rPr lang="en-US" sz="4750" dirty="0">
+                <a:ea typeface="+mj-lt"/>
+                <a:cs typeface="+mj-lt"/>
+              </a:rPr>
+              <a:t> </a:t>
+            </a:r>
+            <a:endParaRPr lang="en-US" sz="4750" dirty="0">
+              <a:cs typeface="Calibri"/>
             </a:endParaRPr>
           </a:p>
         </p:txBody>
@@ -10115,8 +8749,8 @@
         </p:blipFill>
         <p:spPr>
           <a:xfrm>
-            <a:off x="7925275" y="3110124"/>
-            <a:ext cx="1540547" cy="1540547"/>
+            <a:off x="10541473" y="3412950"/>
+            <a:ext cx="1050238" cy="1050238"/>
           </a:xfrm>
           <a:prstGeom prst="rect">
             <a:avLst/>
@@ -10152,8 +8786,8 @@
         </p:blipFill>
         <p:spPr bwMode="auto">
           <a:xfrm>
-            <a:off x="2740670" y="1879006"/>
-            <a:ext cx="4579466" cy="3350195"/>
+            <a:off x="6683073" y="2304000"/>
+            <a:ext cx="3916622" cy="2865279"/>
           </a:xfrm>
           <a:prstGeom prst="rect">
             <a:avLst/>
@@ -10192,8 +8826,8 @@
         </p:blipFill>
         <p:spPr>
           <a:xfrm>
-            <a:off x="7305613" y="1879006"/>
-            <a:ext cx="1523603" cy="1523603"/>
+            <a:off x="10541473" y="2320234"/>
+            <a:ext cx="1038687" cy="1038687"/>
           </a:xfrm>
           <a:prstGeom prst="rect">
             <a:avLst/>
@@ -10203,7 +8837,7 @@
     </p:spTree>
     <p:extLst>
       <p:ext uri="{BB962C8B-B14F-4D97-AF65-F5344CB8AC3E}">
-        <p14:creationId xmlns:p14="http://schemas.microsoft.com/office/powerpoint/2010/main" val="3828448615"/>
+        <p14:creationId xmlns:p14="http://schemas.microsoft.com/office/powerpoint/2010/main" val="125959654"/>
       </p:ext>
     </p:extLst>
   </p:cSld>
@@ -10706,10 +9340,10 @@
       </p:sp>
       <p:sp>
         <p:nvSpPr>
-          <p:cNvPr id="6" name="Slide Number">
+          <p:cNvPr id="2" name="Slide Number">
             <a:extLst>
               <a:ext uri="{FF2B5EF4-FFF2-40B4-BE49-F238E27FC236}">
-                <a16:creationId xmlns:a16="http://schemas.microsoft.com/office/drawing/2014/main" id="{D41D7EA9-02D3-45D1-B48F-91E06FB3C702}"/>
+                <a16:creationId xmlns:a16="http://schemas.microsoft.com/office/drawing/2014/main" id="{F9B38BB0-E985-5218-D214-42504343A1FA}"/>
               </a:ext>
             </a:extLst>
           </p:cNvPr>
@@ -10749,7 +9383,7 @@
     </p:spTree>
     <p:extLst>
       <p:ext uri="{BB962C8B-B14F-4D97-AF65-F5344CB8AC3E}">
-        <p14:creationId xmlns:p14="http://schemas.microsoft.com/office/powerpoint/2010/main" val="3259910828"/>
+        <p14:creationId xmlns:p14="http://schemas.microsoft.com/office/powerpoint/2010/main" val="2891600855"/>
       </p:ext>
     </p:extLst>
   </p:cSld>
@@ -11388,34 +10022,8 @@
           <a:lstStyle/>
           <a:p>
             <a:r>
-              <a:rPr lang="bg-BG" sz="3600" dirty="0"/>
-              <a:t>Многократно използване на </a:t>
-            </a:r>
-            <a:r>
-              <a:rPr lang="en-US" sz="3600" dirty="0">
-                <a:latin typeface="Consolas"/>
-              </a:rPr>
-              <a:t>catch</a:t>
-            </a:r>
-            <a:r>
-              <a:rPr lang="ru-RU" sz="3600" b="0" dirty="0">
-                <a:solidFill>
-                  <a:schemeClr val="tx2">
-                    <a:lumMod val="75000"/>
-                  </a:schemeClr>
-                </a:solidFill>
-                <a:ea typeface="+mj-lt"/>
-                <a:cs typeface="+mj-lt"/>
-              </a:rPr>
-              <a:t> </a:t>
-            </a:r>
-            <a:r>
-              <a:rPr lang="en-US" sz="3600" dirty="0"/>
-              <a:t>– </a:t>
-            </a:r>
-            <a:r>
-              <a:rPr lang="bg-BG" sz="3600" dirty="0"/>
-              <a:t>Пример</a:t>
+              <a:rPr lang="ru-RU" sz="3600"/>
+              <a:t>Многократно използване на Catch – Пример</a:t>
             </a:r>
             <a:endParaRPr lang="en-US" sz="3600" dirty="0">
               <a:cs typeface="Calibri"/>
@@ -11425,17 +10033,19 @@
       </p:sp>
       <p:sp>
         <p:nvSpPr>
-          <p:cNvPr id="7" name="Slide Number">
+          <p:cNvPr id="3" name="Slide Number">
             <a:extLst>
               <a:ext uri="{FF2B5EF4-FFF2-40B4-BE49-F238E27FC236}">
-                <a16:creationId xmlns:a16="http://schemas.microsoft.com/office/drawing/2014/main" id="{B79CF0DA-10BB-471C-A134-575EAE052AB8}"/>
+                <a16:creationId xmlns:a16="http://schemas.microsoft.com/office/drawing/2014/main" id="{154BAADA-4400-9929-2614-6527AC373C06}"/>
               </a:ext>
             </a:extLst>
           </p:cNvPr>
-          <p:cNvSpPr txBox="1">
-            <a:spLocks/>
+          <p:cNvSpPr>
+            <a:spLocks noGrp="1"/>
           </p:cNvSpPr>
-          <p:nvPr/>
+          <p:nvPr>
+            <p:ph type="sldNum" sz="quarter" idx="5"/>
+          </p:nvPr>
         </p:nvSpPr>
         <p:spPr>
           <a:xfrm>
@@ -11449,114 +10059,24 @@
         <p:txBody>
           <a:bodyPr vert="horz" lIns="91440" tIns="45720" rIns="91440" bIns="45720" rtlCol="0" anchor="b"/>
           <a:lstStyle>
-            <a:defPPr>
-              <a:defRPr lang="en-US"/>
-            </a:defPPr>
-            <a:lvl1pPr marL="0" algn="r" defTabSz="914400" rtl="0" eaLnBrk="1" latinLnBrk="0" hangingPunct="1">
-              <a:defRPr sz="1000" kern="1200">
-                <a:solidFill>
-                  <a:schemeClr val="tx1"/>
-                </a:solidFill>
-                <a:latin typeface="+mn-lt"/>
-                <a:ea typeface="+mn-ea"/>
-                <a:cs typeface="+mn-cs"/>
-              </a:defRPr>
+            <a:lvl1pPr algn="r">
+              <a:defRPr sz="1000"/>
             </a:lvl1pPr>
-            <a:lvl2pPr marL="457200" algn="l" defTabSz="914400" rtl="0" eaLnBrk="1" latinLnBrk="0" hangingPunct="1">
-              <a:defRPr sz="1800" kern="1200">
-                <a:solidFill>
-                  <a:schemeClr val="tx1"/>
-                </a:solidFill>
-                <a:latin typeface="+mn-lt"/>
-                <a:ea typeface="+mn-ea"/>
-                <a:cs typeface="+mn-cs"/>
-              </a:defRPr>
-            </a:lvl2pPr>
-            <a:lvl3pPr marL="914400" algn="l" defTabSz="914400" rtl="0" eaLnBrk="1" latinLnBrk="0" hangingPunct="1">
-              <a:defRPr sz="1800" kern="1200">
-                <a:solidFill>
-                  <a:schemeClr val="tx1"/>
-                </a:solidFill>
-                <a:latin typeface="+mn-lt"/>
-                <a:ea typeface="+mn-ea"/>
-                <a:cs typeface="+mn-cs"/>
-              </a:defRPr>
-            </a:lvl3pPr>
-            <a:lvl4pPr marL="1371600" algn="l" defTabSz="914400" rtl="0" eaLnBrk="1" latinLnBrk="0" hangingPunct="1">
-              <a:defRPr sz="1800" kern="1200">
-                <a:solidFill>
-                  <a:schemeClr val="tx1"/>
-                </a:solidFill>
-                <a:latin typeface="+mn-lt"/>
-                <a:ea typeface="+mn-ea"/>
-                <a:cs typeface="+mn-cs"/>
-              </a:defRPr>
-            </a:lvl4pPr>
-            <a:lvl5pPr marL="1828800" algn="l" defTabSz="914400" rtl="0" eaLnBrk="1" latinLnBrk="0" hangingPunct="1">
-              <a:defRPr sz="1800" kern="1200">
-                <a:solidFill>
-                  <a:schemeClr val="tx1"/>
-                </a:solidFill>
-                <a:latin typeface="+mn-lt"/>
-                <a:ea typeface="+mn-ea"/>
-                <a:cs typeface="+mn-cs"/>
-              </a:defRPr>
-            </a:lvl5pPr>
-            <a:lvl6pPr marL="2286000" algn="l" defTabSz="914400" rtl="0" eaLnBrk="1" latinLnBrk="0" hangingPunct="1">
-              <a:defRPr sz="1800" kern="1200">
-                <a:solidFill>
-                  <a:schemeClr val="tx1"/>
-                </a:solidFill>
-                <a:latin typeface="+mn-lt"/>
-                <a:ea typeface="+mn-ea"/>
-                <a:cs typeface="+mn-cs"/>
-              </a:defRPr>
-            </a:lvl6pPr>
-            <a:lvl7pPr marL="2743200" algn="l" defTabSz="914400" rtl="0" eaLnBrk="1" latinLnBrk="0" hangingPunct="1">
-              <a:defRPr sz="1800" kern="1200">
-                <a:solidFill>
-                  <a:schemeClr val="tx1"/>
-                </a:solidFill>
-                <a:latin typeface="+mn-lt"/>
-                <a:ea typeface="+mn-ea"/>
-                <a:cs typeface="+mn-cs"/>
-              </a:defRPr>
-            </a:lvl7pPr>
-            <a:lvl8pPr marL="3200400" algn="l" defTabSz="914400" rtl="0" eaLnBrk="1" latinLnBrk="0" hangingPunct="1">
-              <a:defRPr sz="1800" kern="1200">
-                <a:solidFill>
-                  <a:schemeClr val="tx1"/>
-                </a:solidFill>
-                <a:latin typeface="+mn-lt"/>
-                <a:ea typeface="+mn-ea"/>
-                <a:cs typeface="+mn-cs"/>
-              </a:defRPr>
-            </a:lvl8pPr>
-            <a:lvl9pPr marL="3657600" algn="l" defTabSz="914400" rtl="0" eaLnBrk="1" latinLnBrk="0" hangingPunct="1">
-              <a:defRPr sz="1800" kern="1200">
-                <a:solidFill>
-                  <a:schemeClr val="tx1"/>
-                </a:solidFill>
-                <a:latin typeface="+mn-lt"/>
-                <a:ea typeface="+mn-ea"/>
-                <a:cs typeface="+mn-cs"/>
-              </a:defRPr>
-            </a:lvl9pPr>
           </a:lstStyle>
           <a:p>
             <a:fld id="{2BF067CD-8E6B-4360-9AA8-C5DF2A48A6D1}" type="slidenum">
-              <a:rPr lang="en-US" smtClean="0"/>
+              <a:rPr lang="en-US" noProof="0" smtClean="0"/>
               <a:pPr/>
               <a:t>11</a:t>
             </a:fld>
-            <a:endParaRPr lang="en-US" dirty="0"/>
+            <a:endParaRPr lang="en-US" noProof="0" dirty="0"/>
           </a:p>
         </p:txBody>
       </p:sp>
     </p:spTree>
     <p:extLst>
       <p:ext uri="{BB962C8B-B14F-4D97-AF65-F5344CB8AC3E}">
-        <p14:creationId xmlns:p14="http://schemas.microsoft.com/office/powerpoint/2010/main" val="546344311"/>
+        <p14:creationId xmlns:p14="http://schemas.microsoft.com/office/powerpoint/2010/main" val="2939907981"/>
       </p:ext>
     </p:extLst>
   </p:cSld>
@@ -12592,10 +11112,10 @@
       </p:sp>
       <p:sp>
         <p:nvSpPr>
-          <p:cNvPr id="12" name="Slide Number">
+          <p:cNvPr id="2" name="Slide Number">
             <a:extLst>
               <a:ext uri="{FF2B5EF4-FFF2-40B4-BE49-F238E27FC236}">
-                <a16:creationId xmlns:a16="http://schemas.microsoft.com/office/drawing/2014/main" id="{B3F53597-B3E2-433C-A2E2-E8FD6694243A}"/>
+                <a16:creationId xmlns:a16="http://schemas.microsoft.com/office/drawing/2014/main" id="{13C8CD08-7487-EB14-9D44-2090E6715BDC}"/>
               </a:ext>
             </a:extLst>
           </p:cNvPr>
@@ -12635,7 +11155,7 @@
     </p:spTree>
     <p:extLst>
       <p:ext uri="{BB962C8B-B14F-4D97-AF65-F5344CB8AC3E}">
-        <p14:creationId xmlns:p14="http://schemas.microsoft.com/office/powerpoint/2010/main" val="1553317795"/>
+        <p14:creationId xmlns:p14="http://schemas.microsoft.com/office/powerpoint/2010/main" val="1859397483"/>
       </p:ext>
     </p:extLst>
   </p:cSld>
@@ -13642,10 +12162,10 @@
       </p:sp>
       <p:sp>
         <p:nvSpPr>
-          <p:cNvPr id="6" name="Slide Number">
+          <p:cNvPr id="2" name="Slide Number">
             <a:extLst>
               <a:ext uri="{FF2B5EF4-FFF2-40B4-BE49-F238E27FC236}">
-                <a16:creationId xmlns:a16="http://schemas.microsoft.com/office/drawing/2014/main" id="{4F0F6139-96F9-4D17-87D9-7401097F5A65}"/>
+                <a16:creationId xmlns:a16="http://schemas.microsoft.com/office/drawing/2014/main" id="{8E967823-BA66-8158-1B15-FD6166C1E58D}"/>
               </a:ext>
             </a:extLst>
           </p:cNvPr>
@@ -13685,7 +12205,7 @@
     </p:spTree>
     <p:extLst>
       <p:ext uri="{BB962C8B-B14F-4D97-AF65-F5344CB8AC3E}">
-        <p14:creationId xmlns:p14="http://schemas.microsoft.com/office/powerpoint/2010/main" val="2658465210"/>
+        <p14:creationId xmlns:p14="http://schemas.microsoft.com/office/powerpoint/2010/main" val="1851843513"/>
       </p:ext>
     </p:extLst>
   </p:cSld>
@@ -14257,19 +12777,12 @@
           <a:lstStyle/>
           <a:p>
             <a:r>
-              <a:rPr lang="bg-BG" sz="4000" dirty="0"/>
-              <a:t>Конструкцията</a:t>
-            </a:r>
-            <a:r>
-              <a:rPr lang="en-US" sz="4000" dirty="0"/>
-              <a:t> </a:t>
-            </a:r>
-            <a:r>
-              <a:rPr lang="en-US" sz="4000" dirty="0">
-                <a:latin typeface="Consolas" panose="020B0609020204030204" pitchFamily="49" charset="0"/>
-                <a:cs typeface="Consolas" panose="020B0609020204030204" pitchFamily="49" charset="0"/>
-              </a:rPr>
-              <a:t>try-finally </a:t>
+              <a:rPr lang="bg-BG" sz="4000"/>
+              <a:t>Конструкцията </a:t>
+            </a:r>
+            <a:r>
+              <a:rPr lang="en-US" sz="4000"/>
+              <a:t>Try-finally </a:t>
             </a:r>
             <a:endParaRPr lang="bg-BG" sz="4000" dirty="0">
               <a:latin typeface="Consolas" panose="020B0609020204030204" pitchFamily="49" charset="0"/>
@@ -14501,10 +13014,10 @@
       </p:sp>
       <p:sp>
         <p:nvSpPr>
-          <p:cNvPr id="7" name="Slide Number">
+          <p:cNvPr id="2" name="Slide Number">
             <a:extLst>
               <a:ext uri="{FF2B5EF4-FFF2-40B4-BE49-F238E27FC236}">
-                <a16:creationId xmlns:a16="http://schemas.microsoft.com/office/drawing/2014/main" id="{4D83F54F-7BBF-4623-8ACD-94AA767E3A3C}"/>
+                <a16:creationId xmlns:a16="http://schemas.microsoft.com/office/drawing/2014/main" id="{0FCB9A75-CF30-3718-A394-F520EDAAB8E4}"/>
               </a:ext>
             </a:extLst>
           </p:cNvPr>
@@ -14544,7 +13057,7 @@
     </p:spTree>
     <p:extLst>
       <p:ext uri="{BB962C8B-B14F-4D97-AF65-F5344CB8AC3E}">
-        <p14:creationId xmlns:p14="http://schemas.microsoft.com/office/powerpoint/2010/main" val="923127014"/>
+        <p14:creationId xmlns:p14="http://schemas.microsoft.com/office/powerpoint/2010/main" val="3863572840"/>
       </p:ext>
     </p:extLst>
   </p:cSld>
@@ -15113,16 +13626,6 @@
               </a:rPr>
               <a:t>; </a:t>
             </a:r>
-            <a:r>
-              <a:rPr lang="en-US" sz="2150" b="1" i="1" noProof="1">
-                <a:solidFill>
-                  <a:schemeClr val="accent2"/>
-                </a:solidFill>
-                <a:latin typeface="Consolas"/>
-                <a:cs typeface="Consolas" pitchFamily="49" charset="0"/>
-              </a:rPr>
-              <a:t>// Излиза от метода</a:t>
-            </a:r>
             <a:endParaRPr lang="en-US" sz="2150" b="1" i="1" noProof="1">
               <a:solidFill>
                 <a:schemeClr val="accent2"/>
@@ -15247,10 +13750,10 @@
       </p:sp>
       <p:sp>
         <p:nvSpPr>
-          <p:cNvPr id="6" name="Slide Number">
+          <p:cNvPr id="2" name="Slide Number">
             <a:extLst>
               <a:ext uri="{FF2B5EF4-FFF2-40B4-BE49-F238E27FC236}">
-                <a16:creationId xmlns:a16="http://schemas.microsoft.com/office/drawing/2014/main" id="{CE6C578D-FA1A-460B-B62D-AE5F1C1F670D}"/>
+                <a16:creationId xmlns:a16="http://schemas.microsoft.com/office/drawing/2014/main" id="{A8428F8C-5456-A17C-F4BE-AA5315CA18B3}"/>
               </a:ext>
             </a:extLst>
           </p:cNvPr>
@@ -15287,10 +13790,67 @@
           </a:p>
         </p:txBody>
       </p:sp>
+      <p:sp>
+        <p:nvSpPr>
+          <p:cNvPr id="3" name="Текстово поле 2">
+            <a:extLst>
+              <a:ext uri="{FF2B5EF4-FFF2-40B4-BE49-F238E27FC236}">
+                <a16:creationId xmlns:a16="http://schemas.microsoft.com/office/drawing/2014/main" id="{E09D9D6E-40E0-2B8F-4D09-4E0071DB408E}"/>
+              </a:ext>
+            </a:extLst>
+          </p:cNvPr>
+          <p:cNvSpPr txBox="1"/>
+          <p:nvPr/>
+        </p:nvSpPr>
+        <p:spPr>
+          <a:xfrm>
+            <a:off x="2451000" y="3429000"/>
+            <a:ext cx="3870000" cy="563460"/>
+          </a:xfrm>
+          <a:prstGeom prst="rect">
+            <a:avLst/>
+          </a:prstGeom>
+          <a:noFill/>
+          <a:ln w="12700">
+            <a:noFill/>
+          </a:ln>
+        </p:spPr>
+        <p:txBody>
+          <a:bodyPr vert="horz" wrap="square" lIns="144000" tIns="108000" rIns="144000" bIns="108000" rtlCol="0">
+            <a:spAutoFit/>
+          </a:bodyPr>
+          <a:lstStyle/>
+          <a:p>
+            <a:pPr algn="l" eaLnBrk="0" hangingPunct="0">
+              <a:lnSpc>
+                <a:spcPct val="110000"/>
+              </a:lnSpc>
+              <a:buClr>
+                <a:schemeClr val="accent5">
+                  <a:lumMod val="40000"/>
+                  <a:lumOff val="60000"/>
+                </a:schemeClr>
+              </a:buClr>
+              <a:buSzPct val="70000"/>
+            </a:pPr>
+            <a:r>
+              <a:rPr lang="en-US" sz="2150" b="1" i="1" noProof="1">
+                <a:solidFill>
+                  <a:schemeClr val="accent2"/>
+                </a:solidFill>
+                <a:latin typeface="Consolas"/>
+                <a:cs typeface="Consolas" pitchFamily="49" charset="0"/>
+              </a:rPr>
+              <a:t>// Излиза от метода</a:t>
+            </a:r>
+            <a:endParaRPr lang="bg-BG" sz="2150" dirty="0"/>
+          </a:p>
+        </p:txBody>
+      </p:sp>
     </p:spTree>
     <p:extLst>
       <p:ext uri="{BB962C8B-B14F-4D97-AF65-F5344CB8AC3E}">
-        <p14:creationId xmlns:p14="http://schemas.microsoft.com/office/powerpoint/2010/main" val="4135480426"/>
+        <p14:creationId xmlns:p14="http://schemas.microsoft.com/office/powerpoint/2010/main" val="1376046693"/>
       </p:ext>
     </p:extLst>
   </p:cSld>
@@ -15530,6 +14090,55 @@
                                           </p:stCondLst>
                                         </p:cTn>
                                         <p:tgtEl>
+                                          <p:spTgt spid="3">
+                                            <p:txEl>
+                                              <p:pRg st="0" end="0"/>
+                                            </p:txEl>
+                                          </p:spTgt>
+                                        </p:tgtEl>
+                                        <p:attrNameLst>
+                                          <p:attrName>style.visibility</p:attrName>
+                                        </p:attrNameLst>
+                                      </p:cBhvr>
+                                      <p:to>
+                                        <p:strVal val="visible"/>
+                                      </p:to>
+                                    </p:set>
+                                  </p:childTnLst>
+                                </p:cTn>
+                              </p:par>
+                            </p:childTnLst>
+                          </p:cTn>
+                        </p:par>
+                      </p:childTnLst>
+                    </p:cTn>
+                  </p:par>
+                  <p:par>
+                    <p:cTn id="21" fill="hold">
+                      <p:stCondLst>
+                        <p:cond delay="indefinite"/>
+                      </p:stCondLst>
+                      <p:childTnLst>
+                        <p:par>
+                          <p:cTn id="22" fill="hold">
+                            <p:stCondLst>
+                              <p:cond delay="0"/>
+                            </p:stCondLst>
+                            <p:childTnLst>
+                              <p:par>
+                                <p:cTn id="23" presetID="1" presetClass="entr" presetSubtype="0" fill="hold" nodeType="clickEffect">
+                                  <p:stCondLst>
+                                    <p:cond delay="0"/>
+                                  </p:stCondLst>
+                                  <p:childTnLst>
+                                    <p:set>
+                                      <p:cBhvr>
+                                        <p:cTn id="24" dur="1" fill="hold">
+                                          <p:stCondLst>
+                                            <p:cond delay="0"/>
+                                          </p:stCondLst>
+                                        </p:cTn>
+                                        <p:tgtEl>
                                           <p:spTgt spid="646147">
                                             <p:txEl>
                                               <p:pRg st="7" end="7"/>
@@ -15548,14 +14157,14 @@
                                 </p:cTn>
                               </p:par>
                               <p:par>
-                                <p:cTn id="21" presetID="1" presetClass="entr" presetSubtype="0" fill="hold" nodeType="withEffect">
+                                <p:cTn id="25" presetID="1" presetClass="entr" presetSubtype="0" fill="hold" nodeType="withEffect">
                                   <p:stCondLst>
                                     <p:cond delay="0"/>
                                   </p:stCondLst>
                                   <p:childTnLst>
                                     <p:set>
                                       <p:cBhvr>
-                                        <p:cTn id="22" dur="1" fill="hold">
+                                        <p:cTn id="26" dur="1" fill="hold">
                                           <p:stCondLst>
                                             <p:cond delay="0"/>
                                           </p:stCondLst>
@@ -15585,26 +14194,26 @@
                     </p:cTn>
                   </p:par>
                   <p:par>
-                    <p:cTn id="23" fill="hold">
+                    <p:cTn id="27" fill="hold">
                       <p:stCondLst>
                         <p:cond delay="indefinite"/>
                       </p:stCondLst>
                       <p:childTnLst>
                         <p:par>
-                          <p:cTn id="24" fill="hold">
+                          <p:cTn id="28" fill="hold">
                             <p:stCondLst>
                               <p:cond delay="0"/>
                             </p:stCondLst>
                             <p:childTnLst>
                               <p:par>
-                                <p:cTn id="25" presetID="1" presetClass="entr" presetSubtype="0" fill="hold" nodeType="clickEffect">
+                                <p:cTn id="29" presetID="1" presetClass="entr" presetSubtype="0" fill="hold" nodeType="clickEffect">
                                   <p:stCondLst>
                                     <p:cond delay="0"/>
                                   </p:stCondLst>
                                   <p:childTnLst>
                                     <p:set>
                                       <p:cBhvr>
-                                        <p:cTn id="26" dur="1" fill="hold">
+                                        <p:cTn id="30" dur="1" fill="hold">
                                           <p:stCondLst>
                                             <p:cond delay="0"/>
                                           </p:stCondLst>
@@ -15628,14 +14237,14 @@
                                 </p:cTn>
                               </p:par>
                               <p:par>
-                                <p:cTn id="27" presetID="1" presetClass="entr" presetSubtype="0" fill="hold" nodeType="withEffect">
+                                <p:cTn id="31" presetID="1" presetClass="entr" presetSubtype="0" fill="hold" nodeType="withEffect">
                                   <p:stCondLst>
                                     <p:cond delay="0"/>
                                   </p:stCondLst>
                                   <p:childTnLst>
                                     <p:set>
                                       <p:cBhvr>
-                                        <p:cTn id="28" dur="1" fill="hold">
+                                        <p:cTn id="32" dur="1" fill="hold">
                                           <p:stCondLst>
                                             <p:cond delay="0"/>
                                           </p:stCondLst>
@@ -15659,14 +14268,14 @@
                                 </p:cTn>
                               </p:par>
                               <p:par>
-                                <p:cTn id="29" presetID="1" presetClass="entr" presetSubtype="0" fill="hold" nodeType="withEffect">
+                                <p:cTn id="33" presetID="1" presetClass="entr" presetSubtype="0" fill="hold" nodeType="withEffect">
                                   <p:stCondLst>
                                     <p:cond delay="0"/>
                                   </p:stCondLst>
                                   <p:childTnLst>
                                     <p:set>
                                       <p:cBhvr>
-                                        <p:cTn id="30" dur="1" fill="hold">
+                                        <p:cTn id="34" dur="1" fill="hold">
                                           <p:stCondLst>
                                             <p:cond delay="0"/>
                                           </p:stCondLst>
@@ -15696,26 +14305,26 @@
                     </p:cTn>
                   </p:par>
                   <p:par>
-                    <p:cTn id="31" fill="hold">
+                    <p:cTn id="35" fill="hold">
                       <p:stCondLst>
                         <p:cond delay="indefinite"/>
                       </p:stCondLst>
                       <p:childTnLst>
                         <p:par>
-                          <p:cTn id="32" fill="hold">
+                          <p:cTn id="36" fill="hold">
                             <p:stCondLst>
                               <p:cond delay="0"/>
                             </p:stCondLst>
                             <p:childTnLst>
                               <p:par>
-                                <p:cTn id="33" presetID="1" presetClass="entr" presetSubtype="0" fill="hold" nodeType="clickEffect">
+                                <p:cTn id="37" presetID="1" presetClass="entr" presetSubtype="0" fill="hold" nodeType="clickEffect">
                                   <p:stCondLst>
                                     <p:cond delay="0"/>
                                   </p:stCondLst>
                                   <p:childTnLst>
                                     <p:set>
                                       <p:cBhvr>
-                                        <p:cTn id="34" dur="1" fill="hold">
+                                        <p:cTn id="38" dur="1" fill="hold">
                                           <p:stCondLst>
                                             <p:cond delay="0"/>
                                           </p:stCondLst>
@@ -15818,10 +14427,10 @@
       </p:pic>
       <p:sp>
         <p:nvSpPr>
-          <p:cNvPr id="3" name="Subtitle 2">
+          <p:cNvPr id="5" name="Подзаглавие 4">
             <a:extLst>
               <a:ext uri="{FF2B5EF4-FFF2-40B4-BE49-F238E27FC236}">
-                <a16:creationId xmlns:a16="http://schemas.microsoft.com/office/drawing/2014/main" id="{2572CC87-7E4C-3CFA-39FF-32594C6391A4}"/>
+                <a16:creationId xmlns:a16="http://schemas.microsoft.com/office/drawing/2014/main" id="{2031462D-E69C-01AC-4E03-30999BEE6BD7}"/>
               </a:ext>
             </a:extLst>
           </p:cNvPr>
@@ -15838,25 +14447,17 @@
           <a:lstStyle/>
           <a:p>
             <a:r>
-              <a:rPr lang="bg-BG" sz="4000" dirty="0">
-                <a:cs typeface="Arial"/>
-              </a:rPr>
-              <a:t>Ключовата </a:t>
-            </a:r>
-            <a:r>
-              <a:rPr lang="en-US" sz="4000" dirty="0">
-                <a:cs typeface="Arial"/>
-              </a:rPr>
-              <a:t>дума </a:t>
-            </a:r>
-            <a:r>
-              <a:rPr lang="en-US" sz="4000" dirty="0">
+              <a:rPr lang="bg-BG" dirty="0"/>
+              <a:t>Ключовата дума </a:t>
+            </a:r>
+            <a:r>
+              <a:rPr lang="en-US" dirty="0">
                 <a:latin typeface="Consolas" panose="020B0609020204030204" pitchFamily="49" charset="0"/>
                 <a:cs typeface="Consolas" panose="020B0609020204030204" pitchFamily="49" charset="0"/>
               </a:rPr>
               <a:t>Throw</a:t>
             </a:r>
-            <a:endParaRPr lang="en-BG" dirty="0">
+            <a:endParaRPr lang="bg-BG" dirty="0">
               <a:latin typeface="Consolas" panose="020B0609020204030204" pitchFamily="49" charset="0"/>
               <a:cs typeface="Consolas" panose="020B0609020204030204" pitchFamily="49" charset="0"/>
             </a:endParaRPr>
@@ -15865,10 +14466,10 @@
       </p:sp>
       <p:sp>
         <p:nvSpPr>
-          <p:cNvPr id="4" name="Title 3">
+          <p:cNvPr id="8" name="Заглавие 7">
             <a:extLst>
               <a:ext uri="{FF2B5EF4-FFF2-40B4-BE49-F238E27FC236}">
-                <a16:creationId xmlns:a16="http://schemas.microsoft.com/office/drawing/2014/main" id="{F5A94D8E-F462-4E6F-811E-970F5489D448}"/>
+                <a16:creationId xmlns:a16="http://schemas.microsoft.com/office/drawing/2014/main" id="{3BC00B77-2447-87B5-C104-E7E28491D3D8}"/>
               </a:ext>
             </a:extLst>
           </p:cNvPr>
@@ -15879,12 +14480,7 @@
             <p:ph type="title" sz="quarter" idx="10"/>
           </p:nvPr>
         </p:nvSpPr>
-        <p:spPr>
-          <a:xfrm>
-            <a:off x="615109" y="4704825"/>
-            <a:ext cx="10961783" cy="768084"/>
-          </a:xfrm>
-        </p:spPr>
+        <p:spPr/>
         <p:txBody>
           <a:bodyPr/>
           <a:lstStyle/>
@@ -15893,14 +14489,13 @@
               <a:rPr lang="bg-BG" dirty="0"/>
               <a:t>Хвърляне на грешки</a:t>
             </a:r>
-            <a:endParaRPr lang="en-US" dirty="0"/>
           </a:p>
         </p:txBody>
       </p:sp>
     </p:spTree>
     <p:extLst>
       <p:ext uri="{BB962C8B-B14F-4D97-AF65-F5344CB8AC3E}">
-        <p14:creationId xmlns:p14="http://schemas.microsoft.com/office/powerpoint/2010/main" val="1558828877"/>
+        <p14:creationId xmlns:p14="http://schemas.microsoft.com/office/powerpoint/2010/main" val="1406728397"/>
       </p:ext>
     </p:extLst>
   </p:cSld>
@@ -16375,10 +14970,10 @@
       </p:sp>
       <p:sp>
         <p:nvSpPr>
-          <p:cNvPr id="8" name="Slide Number">
+          <p:cNvPr id="2" name="Slide Number">
             <a:extLst>
               <a:ext uri="{FF2B5EF4-FFF2-40B4-BE49-F238E27FC236}">
-                <a16:creationId xmlns:a16="http://schemas.microsoft.com/office/drawing/2014/main" id="{B15F40CF-F55D-4AA5-B08C-874B888A0DC0}"/>
+                <a16:creationId xmlns:a16="http://schemas.microsoft.com/office/drawing/2014/main" id="{7C8578EA-D3DA-C2EF-D29E-E3D0728F1CED}"/>
               </a:ext>
             </a:extLst>
           </p:cNvPr>
@@ -16418,7 +15013,7 @@
     </p:spTree>
     <p:extLst>
       <p:ext uri="{BB962C8B-B14F-4D97-AF65-F5344CB8AC3E}">
-        <p14:creationId xmlns:p14="http://schemas.microsoft.com/office/powerpoint/2010/main" val="3618907144"/>
+        <p14:creationId xmlns:p14="http://schemas.microsoft.com/office/powerpoint/2010/main" val="975876591"/>
       </p:ext>
     </p:extLst>
   </p:cSld>
@@ -16932,10 +15527,10 @@
       </p:sp>
       <p:sp>
         <p:nvSpPr>
-          <p:cNvPr id="6" name="Slide Number">
+          <p:cNvPr id="2" name="Slide Number">
             <a:extLst>
               <a:ext uri="{FF2B5EF4-FFF2-40B4-BE49-F238E27FC236}">
-                <a16:creationId xmlns:a16="http://schemas.microsoft.com/office/drawing/2014/main" id="{BF7C3091-3B4E-4406-9C91-5EAA4F1BF448}"/>
+                <a16:creationId xmlns:a16="http://schemas.microsoft.com/office/drawing/2014/main" id="{1D24323E-EADD-974B-8FA8-6CB03B3D597B}"/>
               </a:ext>
             </a:extLst>
           </p:cNvPr>
@@ -16975,7 +15570,7 @@
     </p:spTree>
     <p:extLst>
       <p:ext uri="{BB962C8B-B14F-4D97-AF65-F5344CB8AC3E}">
-        <p14:creationId xmlns:p14="http://schemas.microsoft.com/office/powerpoint/2010/main" val="2604579061"/>
+        <p14:creationId xmlns:p14="http://schemas.microsoft.com/office/powerpoint/2010/main" val="1672266594"/>
       </p:ext>
     </p:extLst>
   </p:cSld>
@@ -17090,15 +15685,33 @@
                                   </p:childTnLst>
                                 </p:cTn>
                               </p:par>
+                            </p:childTnLst>
+                          </p:cTn>
+                        </p:par>
+                      </p:childTnLst>
+                    </p:cTn>
+                  </p:par>
+                  <p:par>
+                    <p:cTn id="11" fill="hold">
+                      <p:stCondLst>
+                        <p:cond delay="indefinite"/>
+                      </p:stCondLst>
+                      <p:childTnLst>
+                        <p:par>
+                          <p:cTn id="12" fill="hold">
+                            <p:stCondLst>
+                              <p:cond delay="0"/>
+                            </p:stCondLst>
+                            <p:childTnLst>
                               <p:par>
-                                <p:cTn id="11" presetID="1" presetClass="entr" presetSubtype="0" fill="hold" nodeType="withEffect">
+                                <p:cTn id="13" presetID="1" presetClass="entr" presetSubtype="0" fill="hold" nodeType="clickEffect">
                                   <p:stCondLst>
                                     <p:cond delay="0"/>
                                   </p:stCondLst>
                                   <p:childTnLst>
                                     <p:set>
                                       <p:cBhvr>
-                                        <p:cTn id="12" dur="1" fill="hold">
+                                        <p:cTn id="14" dur="1" fill="hold">
                                           <p:stCondLst>
                                             <p:cond delay="0"/>
                                           </p:stCondLst>
@@ -17128,26 +15741,26 @@
                     </p:cTn>
                   </p:par>
                   <p:par>
-                    <p:cTn id="13" fill="hold">
+                    <p:cTn id="15" fill="hold">
                       <p:stCondLst>
                         <p:cond delay="indefinite"/>
                       </p:stCondLst>
                       <p:childTnLst>
                         <p:par>
-                          <p:cTn id="14" fill="hold">
+                          <p:cTn id="16" fill="hold">
                             <p:stCondLst>
                               <p:cond delay="0"/>
                             </p:stCondLst>
                             <p:childTnLst>
                               <p:par>
-                                <p:cTn id="15" presetID="1" presetClass="entr" presetSubtype="0" fill="hold" nodeType="clickEffect">
+                                <p:cTn id="17" presetID="1" presetClass="entr" presetSubtype="0" fill="hold" nodeType="clickEffect">
                                   <p:stCondLst>
                                     <p:cond delay="0"/>
                                   </p:stCondLst>
                                   <p:childTnLst>
                                     <p:set>
                                       <p:cBhvr>
-                                        <p:cTn id="16" dur="1" fill="hold">
+                                        <p:cTn id="18" dur="1" fill="hold">
                                           <p:stCondLst>
                                             <p:cond delay="0"/>
                                           </p:stCondLst>
@@ -17177,26 +15790,26 @@
                     </p:cTn>
                   </p:par>
                   <p:par>
-                    <p:cTn id="17" fill="hold">
+                    <p:cTn id="19" fill="hold">
                       <p:stCondLst>
                         <p:cond delay="indefinite"/>
                       </p:stCondLst>
                       <p:childTnLst>
                         <p:par>
-                          <p:cTn id="18" fill="hold">
+                          <p:cTn id="20" fill="hold">
                             <p:stCondLst>
                               <p:cond delay="0"/>
                             </p:stCondLst>
                             <p:childTnLst>
                               <p:par>
-                                <p:cTn id="19" presetID="1" presetClass="entr" presetSubtype="0" fill="hold" nodeType="clickEffect">
+                                <p:cTn id="21" presetID="1" presetClass="entr" presetSubtype="0" fill="hold" nodeType="clickEffect">
                                   <p:stCondLst>
                                     <p:cond delay="0"/>
                                   </p:stCondLst>
                                   <p:childTnLst>
                                     <p:set>
                                       <p:cBhvr>
-                                        <p:cTn id="20" dur="1" fill="hold">
+                                        <p:cTn id="22" dur="1" fill="hold">
                                           <p:stCondLst>
                                             <p:cond delay="0"/>
                                           </p:stCondLst>
@@ -17339,7 +15952,7 @@
         <p:spPr/>
         <p:txBody>
           <a:bodyPr>
-            <a:normAutofit fontScale="90000"/>
+            <a:normAutofit/>
           </a:bodyPr>
           <a:lstStyle/>
           <a:p>
@@ -17620,10 +16233,10 @@
       </p:sp>
       <p:sp>
         <p:nvSpPr>
-          <p:cNvPr id="8" name="Slide Number">
+          <p:cNvPr id="2" name="Slide Number">
             <a:extLst>
               <a:ext uri="{FF2B5EF4-FFF2-40B4-BE49-F238E27FC236}">
-                <a16:creationId xmlns:a16="http://schemas.microsoft.com/office/drawing/2014/main" id="{412CCFFD-6A75-405E-B81F-BE6E6F9F691B}"/>
+                <a16:creationId xmlns:a16="http://schemas.microsoft.com/office/drawing/2014/main" id="{535988FA-F8F5-3914-3E04-A781EE554917}"/>
               </a:ext>
             </a:extLst>
           </p:cNvPr>
@@ -17663,7 +16276,7 @@
     </p:spTree>
     <p:extLst>
       <p:ext uri="{BB962C8B-B14F-4D97-AF65-F5344CB8AC3E}">
-        <p14:creationId xmlns:p14="http://schemas.microsoft.com/office/powerpoint/2010/main" val="3584635907"/>
+        <p14:creationId xmlns:p14="http://schemas.microsoft.com/office/powerpoint/2010/main" val="593237767"/>
       </p:ext>
     </p:extLst>
   </p:cSld>
@@ -18039,10 +16652,10 @@
       </p:sp>
       <p:sp>
         <p:nvSpPr>
-          <p:cNvPr id="6" name="Slide Number">
+          <p:cNvPr id="4" name="Slide Number">
             <a:extLst>
               <a:ext uri="{FF2B5EF4-FFF2-40B4-BE49-F238E27FC236}">
-                <a16:creationId xmlns:a16="http://schemas.microsoft.com/office/drawing/2014/main" id="{85962866-5E8E-4504-A5D8-A702B09606D2}"/>
+                <a16:creationId xmlns:a16="http://schemas.microsoft.com/office/drawing/2014/main" id="{023B2F64-4594-B8CB-E0FD-DB2C272F7238}"/>
               </a:ext>
             </a:extLst>
           </p:cNvPr>
@@ -18170,7 +16783,7 @@
     </p:spTree>
     <p:extLst>
       <p:ext uri="{BB962C8B-B14F-4D97-AF65-F5344CB8AC3E}">
-        <p14:creationId xmlns:p14="http://schemas.microsoft.com/office/powerpoint/2010/main" val="3224249641"/>
+        <p14:creationId xmlns:p14="http://schemas.microsoft.com/office/powerpoint/2010/main" val="460019641"/>
       </p:ext>
     </p:extLst>
   </p:cSld>
@@ -18285,15 +16898,33 @@
                                   </p:childTnLst>
                                 </p:cTn>
                               </p:par>
+                            </p:childTnLst>
+                          </p:cTn>
+                        </p:par>
+                      </p:childTnLst>
+                    </p:cTn>
+                  </p:par>
+                  <p:par>
+                    <p:cTn id="11" fill="hold">
+                      <p:stCondLst>
+                        <p:cond delay="indefinite"/>
+                      </p:stCondLst>
+                      <p:childTnLst>
+                        <p:par>
+                          <p:cTn id="12" fill="hold">
+                            <p:stCondLst>
+                              <p:cond delay="0"/>
+                            </p:stCondLst>
+                            <p:childTnLst>
                               <p:par>
-                                <p:cTn id="11" presetID="1" presetClass="entr" presetSubtype="0" fill="hold" nodeType="withEffect">
+                                <p:cTn id="13" presetID="1" presetClass="entr" presetSubtype="0" fill="hold" nodeType="clickEffect">
                                   <p:stCondLst>
                                     <p:cond delay="0"/>
                                   </p:stCondLst>
                                   <p:childTnLst>
                                     <p:set>
                                       <p:cBhvr>
-                                        <p:cTn id="12" dur="1" fill="hold">
+                                        <p:cTn id="14" dur="1" fill="hold">
                                           <p:stCondLst>
                                             <p:cond delay="0"/>
                                           </p:stCondLst>
@@ -18323,50 +16954,19 @@
                     </p:cTn>
                   </p:par>
                   <p:par>
-                    <p:cTn id="13" fill="hold">
+                    <p:cTn id="15" fill="hold">
                       <p:stCondLst>
                         <p:cond delay="indefinite"/>
                       </p:stCondLst>
                       <p:childTnLst>
                         <p:par>
-                          <p:cTn id="14" fill="hold">
+                          <p:cTn id="16" fill="hold">
                             <p:stCondLst>
                               <p:cond delay="0"/>
                             </p:stCondLst>
                             <p:childTnLst>
                               <p:par>
-                                <p:cTn id="15" presetID="1" presetClass="entr" presetSubtype="0" fill="hold" nodeType="clickEffect">
-                                  <p:stCondLst>
-                                    <p:cond delay="0"/>
-                                  </p:stCondLst>
-                                  <p:childTnLst>
-                                    <p:set>
-                                      <p:cBhvr>
-                                        <p:cTn id="16" dur="1" fill="hold">
-                                          <p:stCondLst>
-                                            <p:cond delay="0"/>
-                                          </p:stCondLst>
-                                        </p:cTn>
-                                        <p:tgtEl>
-                                          <p:spTgt spid="3">
-                                            <p:txEl>
-                                              <p:pRg st="5" end="5"/>
-                                            </p:txEl>
-                                          </p:spTgt>
-                                        </p:tgtEl>
-                                        <p:attrNameLst>
-                                          <p:attrName>style.visibility</p:attrName>
-                                        </p:attrNameLst>
-                                      </p:cBhvr>
-                                      <p:to>
-                                        <p:strVal val="visible"/>
-                                      </p:to>
-                                    </p:set>
-                                  </p:childTnLst>
-                                </p:cTn>
-                              </p:par>
-                              <p:par>
-                                <p:cTn id="17" presetID="1" presetClass="entr" presetSubtype="0" fill="hold" nodeType="withEffect">
+                                <p:cTn id="17" presetID="1" presetClass="entr" presetSubtype="0" fill="hold" nodeType="clickEffect">
                                   <p:stCondLst>
                                     <p:cond delay="0"/>
                                   </p:stCondLst>
@@ -18381,7 +16981,7 @@
                                         <p:tgtEl>
                                           <p:spTgt spid="3">
                                             <p:txEl>
-                                              <p:pRg st="6" end="6"/>
+                                              <p:pRg st="5" end="5"/>
                                             </p:txEl>
                                           </p:spTgt>
                                         </p:tgtEl>
@@ -18423,6 +17023,55 @@
                                     <p:set>
                                       <p:cBhvr>
                                         <p:cTn id="22" dur="1" fill="hold">
+                                          <p:stCondLst>
+                                            <p:cond delay="0"/>
+                                          </p:stCondLst>
+                                        </p:cTn>
+                                        <p:tgtEl>
+                                          <p:spTgt spid="3">
+                                            <p:txEl>
+                                              <p:pRg st="6" end="6"/>
+                                            </p:txEl>
+                                          </p:spTgt>
+                                        </p:tgtEl>
+                                        <p:attrNameLst>
+                                          <p:attrName>style.visibility</p:attrName>
+                                        </p:attrNameLst>
+                                      </p:cBhvr>
+                                      <p:to>
+                                        <p:strVal val="visible"/>
+                                      </p:to>
+                                    </p:set>
+                                  </p:childTnLst>
+                                </p:cTn>
+                              </p:par>
+                            </p:childTnLst>
+                          </p:cTn>
+                        </p:par>
+                      </p:childTnLst>
+                    </p:cTn>
+                  </p:par>
+                  <p:par>
+                    <p:cTn id="23" fill="hold">
+                      <p:stCondLst>
+                        <p:cond delay="indefinite"/>
+                      </p:stCondLst>
+                      <p:childTnLst>
+                        <p:par>
+                          <p:cTn id="24" fill="hold">
+                            <p:stCondLst>
+                              <p:cond delay="0"/>
+                            </p:stCondLst>
+                            <p:childTnLst>
+                              <p:par>
+                                <p:cTn id="25" presetID="1" presetClass="entr" presetSubtype="0" fill="hold" nodeType="clickEffect">
+                                  <p:stCondLst>
+                                    <p:cond delay="0"/>
+                                  </p:stCondLst>
+                                  <p:childTnLst>
+                                    <p:set>
+                                      <p:cBhvr>
+                                        <p:cTn id="26" dur="1" fill="hold">
                                           <p:stCondLst>
                                             <p:cond delay="0"/>
                                           </p:stCondLst>
@@ -18887,10 +17536,10 @@
       </p:sp>
       <p:sp>
         <p:nvSpPr>
-          <p:cNvPr id="6" name="Slide Number">
+          <p:cNvPr id="2" name="Slide Number">
             <a:extLst>
               <a:ext uri="{FF2B5EF4-FFF2-40B4-BE49-F238E27FC236}">
-                <a16:creationId xmlns:a16="http://schemas.microsoft.com/office/drawing/2014/main" id="{2AE5F351-AC49-44B3-AEE8-D31A41572307}"/>
+                <a16:creationId xmlns:a16="http://schemas.microsoft.com/office/drawing/2014/main" id="{194A410A-DEFD-7D2B-3289-114A9062AC8B}"/>
               </a:ext>
             </a:extLst>
           </p:cNvPr>
@@ -18930,7 +17579,7 @@
     </p:spTree>
     <p:extLst>
       <p:ext uri="{BB962C8B-B14F-4D97-AF65-F5344CB8AC3E}">
-        <p14:creationId xmlns:p14="http://schemas.microsoft.com/office/powerpoint/2010/main" val="3266032492"/>
+        <p14:creationId xmlns:p14="http://schemas.microsoft.com/office/powerpoint/2010/main" val="267830342"/>
       </p:ext>
     </p:extLst>
   </p:cSld>
@@ -19378,10 +18027,10 @@
       </p:pic>
       <p:sp>
         <p:nvSpPr>
-          <p:cNvPr id="4" name="Title 3">
+          <p:cNvPr id="3" name="Заглавие 2">
             <a:extLst>
               <a:ext uri="{FF2B5EF4-FFF2-40B4-BE49-F238E27FC236}">
-                <a16:creationId xmlns:a16="http://schemas.microsoft.com/office/drawing/2014/main" id="{1CFE7439-6BC3-4230-99A6-C88D8C0B192D}"/>
+                <a16:creationId xmlns:a16="http://schemas.microsoft.com/office/drawing/2014/main" id="{E76B4AB5-D405-DB80-9682-CDC21E7B0C75}"/>
               </a:ext>
             </a:extLst>
           </p:cNvPr>
@@ -19394,8 +18043,8 @@
         </p:nvSpPr>
         <p:spPr>
           <a:xfrm>
-            <a:off x="2577005" y="4689000"/>
-            <a:ext cx="7037989" cy="1784175"/>
+            <a:off x="615109" y="4704824"/>
+            <a:ext cx="10961783" cy="1694175"/>
           </a:xfrm>
         </p:spPr>
         <p:txBody>
@@ -19403,32 +18052,23 @@
           <a:lstStyle/>
           <a:p>
             <a:r>
-              <a:rPr lang="bg-BG" sz="5350" dirty="0">
-                <a:cs typeface="Arial"/>
-              </a:rPr>
+              <a:rPr lang="bg-BG" dirty="0"/>
               <a:t>Утвърдени практики </a:t>
             </a:r>
             <a:br>
-              <a:rPr lang="bg-BG" sz="5350" dirty="0">
-                <a:cs typeface="Arial"/>
-              </a:rPr>
+              <a:rPr lang="bg-BG" dirty="0"/>
             </a:br>
             <a:r>
-              <a:rPr lang="bg-BG" sz="5350" dirty="0">
-                <a:cs typeface="Arial"/>
-              </a:rPr>
+              <a:rPr lang="bg-BG" dirty="0"/>
               <a:t>при изключенията</a:t>
             </a:r>
-            <a:endParaRPr lang="en-GB" sz="5350" dirty="0">
-              <a:cs typeface="Arial"/>
-            </a:endParaRPr>
           </a:p>
         </p:txBody>
       </p:sp>
     </p:spTree>
     <p:extLst>
       <p:ext uri="{BB962C8B-B14F-4D97-AF65-F5344CB8AC3E}">
-        <p14:creationId xmlns:p14="http://schemas.microsoft.com/office/powerpoint/2010/main" val="2435948547"/>
+        <p14:creationId xmlns:p14="http://schemas.microsoft.com/office/powerpoint/2010/main" val="1012800126"/>
       </p:ext>
     </p:extLst>
   </p:cSld>
@@ -19736,10 +18376,10 @@
       </p:sp>
       <p:sp>
         <p:nvSpPr>
-          <p:cNvPr id="6" name="Slide Number">
+          <p:cNvPr id="2" name="Slide Number">
             <a:extLst>
               <a:ext uri="{FF2B5EF4-FFF2-40B4-BE49-F238E27FC236}">
-                <a16:creationId xmlns:a16="http://schemas.microsoft.com/office/drawing/2014/main" id="{6A89AB76-70C2-49A6-A82A-8D0BCB5EC705}"/>
+                <a16:creationId xmlns:a16="http://schemas.microsoft.com/office/drawing/2014/main" id="{4495584C-D2C8-750A-6373-ADC5EBF8AC8F}"/>
               </a:ext>
             </a:extLst>
           </p:cNvPr>
@@ -19779,7 +18419,7 @@
     </p:spTree>
     <p:extLst>
       <p:ext uri="{BB962C8B-B14F-4D97-AF65-F5344CB8AC3E}">
-        <p14:creationId xmlns:p14="http://schemas.microsoft.com/office/powerpoint/2010/main" val="3618641952"/>
+        <p14:creationId xmlns:p14="http://schemas.microsoft.com/office/powerpoint/2010/main" val="1594432721"/>
       </p:ext>
     </p:extLst>
   </p:cSld>
@@ -19845,15 +18485,33 @@
                                   </p:childTnLst>
                                 </p:cTn>
                               </p:par>
+                            </p:childTnLst>
+                          </p:cTn>
+                        </p:par>
+                      </p:childTnLst>
+                    </p:cTn>
+                  </p:par>
+                  <p:par>
+                    <p:cTn id="7" fill="hold">
+                      <p:stCondLst>
+                        <p:cond delay="indefinite"/>
+                      </p:stCondLst>
+                      <p:childTnLst>
+                        <p:par>
+                          <p:cTn id="8" fill="hold">
+                            <p:stCondLst>
+                              <p:cond delay="0"/>
+                            </p:stCondLst>
+                            <p:childTnLst>
                               <p:par>
-                                <p:cTn id="7" presetID="1" presetClass="entr" presetSubtype="0" fill="hold" nodeType="withEffect">
+                                <p:cTn id="9" presetID="1" presetClass="entr" presetSubtype="0" fill="hold" nodeType="clickEffect">
                                   <p:stCondLst>
                                     <p:cond delay="0"/>
                                   </p:stCondLst>
                                   <p:childTnLst>
                                     <p:set>
                                       <p:cBhvr>
-                                        <p:cTn id="8" dur="1" fill="hold">
+                                        <p:cTn id="10" dur="1" fill="hold">
                                           <p:stCondLst>
                                             <p:cond delay="0"/>
                                           </p:stCondLst>
@@ -19883,26 +18541,26 @@
                     </p:cTn>
                   </p:par>
                   <p:par>
-                    <p:cTn id="9" fill="hold">
+                    <p:cTn id="11" fill="hold">
                       <p:stCondLst>
                         <p:cond delay="indefinite"/>
                       </p:stCondLst>
                       <p:childTnLst>
                         <p:par>
-                          <p:cTn id="10" fill="hold">
+                          <p:cTn id="12" fill="hold">
                             <p:stCondLst>
                               <p:cond delay="0"/>
                             </p:stCondLst>
                             <p:childTnLst>
                               <p:par>
-                                <p:cTn id="11" presetID="1" presetClass="entr" presetSubtype="0" fill="hold" nodeType="clickEffect">
+                                <p:cTn id="13" presetID="1" presetClass="entr" presetSubtype="0" fill="hold" nodeType="clickEffect">
                                   <p:stCondLst>
                                     <p:cond delay="0"/>
                                   </p:stCondLst>
                                   <p:childTnLst>
                                     <p:set>
                                       <p:cBhvr>
-                                        <p:cTn id="12" dur="1" fill="hold">
+                                        <p:cTn id="14" dur="1" fill="hold">
                                           <p:stCondLst>
                                             <p:cond delay="0"/>
                                           </p:stCondLst>
@@ -20343,10 +19001,10 @@
       </p:sp>
       <p:sp>
         <p:nvSpPr>
-          <p:cNvPr id="6" name="Slide Number">
+          <p:cNvPr id="3" name="Slide Number">
             <a:extLst>
               <a:ext uri="{FF2B5EF4-FFF2-40B4-BE49-F238E27FC236}">
-                <a16:creationId xmlns:a16="http://schemas.microsoft.com/office/drawing/2014/main" id="{DBA4D4F8-087A-4CCD-B531-84C5CD38F9B4}"/>
+                <a16:creationId xmlns:a16="http://schemas.microsoft.com/office/drawing/2014/main" id="{6A31F32F-CD86-BB29-3D8B-4B6E467A5EBD}"/>
               </a:ext>
             </a:extLst>
           </p:cNvPr>
@@ -20386,7 +19044,7 @@
     </p:spTree>
     <p:extLst>
       <p:ext uri="{BB962C8B-B14F-4D97-AF65-F5344CB8AC3E}">
-        <p14:creationId xmlns:p14="http://schemas.microsoft.com/office/powerpoint/2010/main" val="3495795282"/>
+        <p14:creationId xmlns:p14="http://schemas.microsoft.com/office/powerpoint/2010/main" val="406122645"/>
       </p:ext>
     </p:extLst>
   </p:cSld>
@@ -20452,15 +19110,33 @@
                                   </p:childTnLst>
                                 </p:cTn>
                               </p:par>
+                            </p:childTnLst>
+                          </p:cTn>
+                        </p:par>
+                      </p:childTnLst>
+                    </p:cTn>
+                  </p:par>
+                  <p:par>
+                    <p:cTn id="7" fill="hold">
+                      <p:stCondLst>
+                        <p:cond delay="indefinite"/>
+                      </p:stCondLst>
+                      <p:childTnLst>
+                        <p:par>
+                          <p:cTn id="8" fill="hold">
+                            <p:stCondLst>
+                              <p:cond delay="0"/>
+                            </p:stCondLst>
+                            <p:childTnLst>
                               <p:par>
-                                <p:cTn id="7" presetID="1" presetClass="entr" presetSubtype="0" fill="hold" nodeType="withEffect">
+                                <p:cTn id="9" presetID="1" presetClass="entr" presetSubtype="0" fill="hold" nodeType="clickEffect">
                                   <p:stCondLst>
                                     <p:cond delay="0"/>
                                   </p:stCondLst>
                                   <p:childTnLst>
                                     <p:set>
                                       <p:cBhvr>
-                                        <p:cTn id="8" dur="1" fill="hold">
+                                        <p:cTn id="10" dur="1" fill="hold">
                                           <p:stCondLst>
                                             <p:cond delay="0"/>
                                           </p:stCondLst>
@@ -20490,50 +19166,19 @@
                     </p:cTn>
                   </p:par>
                   <p:par>
-                    <p:cTn id="9" fill="hold">
+                    <p:cTn id="11" fill="hold">
                       <p:stCondLst>
                         <p:cond delay="indefinite"/>
                       </p:stCondLst>
                       <p:childTnLst>
                         <p:par>
-                          <p:cTn id="10" fill="hold">
+                          <p:cTn id="12" fill="hold">
                             <p:stCondLst>
                               <p:cond delay="0"/>
                             </p:stCondLst>
                             <p:childTnLst>
                               <p:par>
-                                <p:cTn id="11" presetID="1" presetClass="entr" presetSubtype="0" fill="hold" nodeType="clickEffect">
-                                  <p:stCondLst>
-                                    <p:cond delay="0"/>
-                                  </p:stCondLst>
-                                  <p:childTnLst>
-                                    <p:set>
-                                      <p:cBhvr>
-                                        <p:cTn id="12" dur="1" fill="hold">
-                                          <p:stCondLst>
-                                            <p:cond delay="0"/>
-                                          </p:stCondLst>
-                                        </p:cTn>
-                                        <p:tgtEl>
-                                          <p:spTgt spid="8">
-                                            <p:txEl>
-                                              <p:pRg st="4" end="4"/>
-                                            </p:txEl>
-                                          </p:spTgt>
-                                        </p:tgtEl>
-                                        <p:attrNameLst>
-                                          <p:attrName>style.visibility</p:attrName>
-                                        </p:attrNameLst>
-                                      </p:cBhvr>
-                                      <p:to>
-                                        <p:strVal val="visible"/>
-                                      </p:to>
-                                    </p:set>
-                                  </p:childTnLst>
-                                </p:cTn>
-                              </p:par>
-                              <p:par>
-                                <p:cTn id="13" presetID="1" presetClass="entr" presetSubtype="0" fill="hold" nodeType="withEffect">
+                                <p:cTn id="13" presetID="1" presetClass="entr" presetSubtype="0" fill="hold" nodeType="clickEffect">
                                   <p:stCondLst>
                                     <p:cond delay="0"/>
                                   </p:stCondLst>
@@ -20548,7 +19193,7 @@
                                         <p:tgtEl>
                                           <p:spTgt spid="8">
                                             <p:txEl>
-                                              <p:pRg st="5" end="5"/>
+                                              <p:pRg st="4" end="4"/>
                                             </p:txEl>
                                           </p:spTgt>
                                         </p:tgtEl>
@@ -20597,6 +19242,55 @@
                                         <p:tgtEl>
                                           <p:spTgt spid="8">
                                             <p:txEl>
+                                              <p:pRg st="5" end="5"/>
+                                            </p:txEl>
+                                          </p:spTgt>
+                                        </p:tgtEl>
+                                        <p:attrNameLst>
+                                          <p:attrName>style.visibility</p:attrName>
+                                        </p:attrNameLst>
+                                      </p:cBhvr>
+                                      <p:to>
+                                        <p:strVal val="visible"/>
+                                      </p:to>
+                                    </p:set>
+                                  </p:childTnLst>
+                                </p:cTn>
+                              </p:par>
+                            </p:childTnLst>
+                          </p:cTn>
+                        </p:par>
+                      </p:childTnLst>
+                    </p:cTn>
+                  </p:par>
+                  <p:par>
+                    <p:cTn id="19" fill="hold">
+                      <p:stCondLst>
+                        <p:cond delay="indefinite"/>
+                      </p:stCondLst>
+                      <p:childTnLst>
+                        <p:par>
+                          <p:cTn id="20" fill="hold">
+                            <p:stCondLst>
+                              <p:cond delay="0"/>
+                            </p:stCondLst>
+                            <p:childTnLst>
+                              <p:par>
+                                <p:cTn id="21" presetID="1" presetClass="entr" presetSubtype="0" fill="hold" nodeType="clickEffect">
+                                  <p:stCondLst>
+                                    <p:cond delay="0"/>
+                                  </p:stCondLst>
+                                  <p:childTnLst>
+                                    <p:set>
+                                      <p:cBhvr>
+                                        <p:cTn id="22" dur="1" fill="hold">
+                                          <p:stCondLst>
+                                            <p:cond delay="0"/>
+                                          </p:stCondLst>
+                                        </p:cTn>
+                                        <p:tgtEl>
+                                          <p:spTgt spid="8">
+                                            <p:txEl>
                                               <p:pRg st="6" end="6"/>
                                             </p:txEl>
                                           </p:spTgt>
@@ -20612,15 +19306,33 @@
                                   </p:childTnLst>
                                 </p:cTn>
                               </p:par>
+                            </p:childTnLst>
+                          </p:cTn>
+                        </p:par>
+                      </p:childTnLst>
+                    </p:cTn>
+                  </p:par>
+                  <p:par>
+                    <p:cTn id="23" fill="hold">
+                      <p:stCondLst>
+                        <p:cond delay="indefinite"/>
+                      </p:stCondLst>
+                      <p:childTnLst>
+                        <p:par>
+                          <p:cTn id="24" fill="hold">
+                            <p:stCondLst>
+                              <p:cond delay="0"/>
+                            </p:stCondLst>
+                            <p:childTnLst>
                               <p:par>
-                                <p:cTn id="19" presetID="1" presetClass="entr" presetSubtype="0" fill="hold" nodeType="withEffect">
+                                <p:cTn id="25" presetID="1" presetClass="entr" presetSubtype="0" fill="hold" nodeType="clickEffect">
                                   <p:stCondLst>
                                     <p:cond delay="0"/>
                                   </p:stCondLst>
                                   <p:childTnLst>
                                     <p:set>
                                       <p:cBhvr>
-                                        <p:cTn id="20" dur="1" fill="hold">
+                                        <p:cTn id="26" dur="1" fill="hold">
                                           <p:stCondLst>
                                             <p:cond delay="0"/>
                                           </p:stCondLst>
@@ -20945,10 +19657,10 @@
       </p:sp>
       <p:sp>
         <p:nvSpPr>
-          <p:cNvPr id="6" name="Slide Number">
+          <p:cNvPr id="4" name="Slide Number">
             <a:extLst>
               <a:ext uri="{FF2B5EF4-FFF2-40B4-BE49-F238E27FC236}">
-                <a16:creationId xmlns:a16="http://schemas.microsoft.com/office/drawing/2014/main" id="{31DE7C96-3626-4988-9C62-A7023CF30615}"/>
+                <a16:creationId xmlns:a16="http://schemas.microsoft.com/office/drawing/2014/main" id="{6A09D081-DF3D-179C-BE6A-CBC61F110B95}"/>
               </a:ext>
             </a:extLst>
           </p:cNvPr>
@@ -20988,7 +19700,7 @@
     </p:spTree>
     <p:extLst>
       <p:ext uri="{BB962C8B-B14F-4D97-AF65-F5344CB8AC3E}">
-        <p14:creationId xmlns:p14="http://schemas.microsoft.com/office/powerpoint/2010/main" val="351978305"/>
+        <p14:creationId xmlns:p14="http://schemas.microsoft.com/office/powerpoint/2010/main" val="153820362"/>
       </p:ext>
     </p:extLst>
   </p:cSld>
@@ -21551,10 +20263,10 @@
       </p:sp>
       <p:sp>
         <p:nvSpPr>
-          <p:cNvPr id="6" name="Slide Number">
+          <p:cNvPr id="2" name="Slide Number">
             <a:extLst>
               <a:ext uri="{FF2B5EF4-FFF2-40B4-BE49-F238E27FC236}">
-                <a16:creationId xmlns:a16="http://schemas.microsoft.com/office/drawing/2014/main" id="{9BCE7EC8-9CC3-4099-808A-CCCB203DBC9F}"/>
+                <a16:creationId xmlns:a16="http://schemas.microsoft.com/office/drawing/2014/main" id="{F2594A64-B8BD-2FCF-221F-42296F5C1193}"/>
               </a:ext>
             </a:extLst>
           </p:cNvPr>
@@ -21594,7 +20306,7 @@
     </p:spTree>
     <p:extLst>
       <p:ext uri="{BB962C8B-B14F-4D97-AF65-F5344CB8AC3E}">
-        <p14:creationId xmlns:p14="http://schemas.microsoft.com/office/powerpoint/2010/main" val="3115790637"/>
+        <p14:creationId xmlns:p14="http://schemas.microsoft.com/office/powerpoint/2010/main" val="3859964331"/>
       </p:ext>
     </p:extLst>
   </p:cSld>
@@ -21621,6 +20333,9 @@
                     <p:cTn id="3" fill="hold">
                       <p:stCondLst>
                         <p:cond delay="indefinite"/>
+                        <p:cond evt="onBegin" delay="0">
+                          <p:tn val="2"/>
+                        </p:cond>
                       </p:stCondLst>
                       <p:childTnLst>
                         <p:par>
@@ -21630,7 +20345,7 @@
                             </p:stCondLst>
                             <p:childTnLst>
                               <p:par>
-                                <p:cTn id="5" presetID="1" presetClass="entr" presetSubtype="0" fill="hold" nodeType="clickEffect">
+                                <p:cTn id="5" presetID="1" presetClass="entr" presetSubtype="0" fill="hold" nodeType="withEffect">
                                   <p:stCondLst>
                                     <p:cond delay="0"/>
                                   </p:stCondLst>
@@ -22190,10 +20905,10 @@
       </p:sp>
       <p:sp>
         <p:nvSpPr>
-          <p:cNvPr id="9" name="Slide Number">
+          <p:cNvPr id="2" name="Slide Number">
             <a:extLst>
               <a:ext uri="{FF2B5EF4-FFF2-40B4-BE49-F238E27FC236}">
-                <a16:creationId xmlns:a16="http://schemas.microsoft.com/office/drawing/2014/main" id="{55C5BCD1-520A-4613-81B4-591F6AB3D0F2}"/>
+                <a16:creationId xmlns:a16="http://schemas.microsoft.com/office/drawing/2014/main" id="{07DB1285-6BD8-37A6-D9AF-DA8DED39FAD5}"/>
               </a:ext>
             </a:extLst>
           </p:cNvPr>
@@ -22233,7 +20948,7 @@
     </p:spTree>
     <p:extLst>
       <p:ext uri="{BB962C8B-B14F-4D97-AF65-F5344CB8AC3E}">
-        <p14:creationId xmlns:p14="http://schemas.microsoft.com/office/powerpoint/2010/main" val="4182630230"/>
+        <p14:creationId xmlns:p14="http://schemas.microsoft.com/office/powerpoint/2010/main" val="3764593052"/>
       </p:ext>
     </p:extLst>
   </p:cSld>
@@ -23385,10 +22100,10 @@
       </p:sp>
       <p:sp>
         <p:nvSpPr>
-          <p:cNvPr id="13" name="Slide Number">
+          <p:cNvPr id="3" name="Slide Number">
             <a:extLst>
               <a:ext uri="{FF2B5EF4-FFF2-40B4-BE49-F238E27FC236}">
-                <a16:creationId xmlns:a16="http://schemas.microsoft.com/office/drawing/2014/main" id="{226741E3-1090-49BE-8521-19463814DAD3}"/>
+                <a16:creationId xmlns:a16="http://schemas.microsoft.com/office/drawing/2014/main" id="{06ADA298-402F-8ABA-2B69-352B5E2949A5}"/>
               </a:ext>
             </a:extLst>
           </p:cNvPr>
@@ -23428,7 +22143,7 @@
     </p:spTree>
     <p:extLst>
       <p:ext uri="{BB962C8B-B14F-4D97-AF65-F5344CB8AC3E}">
-        <p14:creationId xmlns:p14="http://schemas.microsoft.com/office/powerpoint/2010/main" val="4072425952"/>
+        <p14:creationId xmlns:p14="http://schemas.microsoft.com/office/powerpoint/2010/main" val="2264238070"/>
       </p:ext>
     </p:extLst>
   </p:cSld>
@@ -23692,21 +22407,140 @@
           <a:lstStyle/>
           <a:p>
             <a:r>
-              <a:rPr lang="en-US" sz="8800" dirty="0">
-                <a:solidFill>
-                  <a:srgbClr val="234465"/>
-                </a:solidFill>
-              </a:rPr>
-              <a:t>Въпроси?</a:t>
-            </a:r>
-            <a:endParaRPr lang="en-US" sz="8800" dirty="0"/>
+              <a:rPr lang="bg-BG" dirty="0"/>
+              <a:t>Въпроси</a:t>
+            </a:r>
+            <a:r>
+              <a:rPr lang="en-US" dirty="0"/>
+              <a:t>?</a:t>
+            </a:r>
+          </a:p>
+        </p:txBody>
+      </p:sp>
+      <p:sp>
+        <p:nvSpPr>
+          <p:cNvPr id="2" name="Rectangle Bottom Copyright">
+            <a:extLst>
+              <a:ext uri="{FF2B5EF4-FFF2-40B4-BE49-F238E27FC236}">
+                <a16:creationId xmlns:a16="http://schemas.microsoft.com/office/drawing/2014/main" id="{664812A4-2991-44D1-BFE9-32E55AADF8A5}"/>
+              </a:ext>
+            </a:extLst>
+          </p:cNvPr>
+          <p:cNvSpPr/>
+          <p:nvPr/>
+        </p:nvSpPr>
+        <p:spPr>
+          <a:xfrm>
+            <a:off x="111000" y="6454758"/>
+            <a:ext cx="11970000" cy="304242"/>
+          </a:xfrm>
+          <a:prstGeom prst="rect">
+            <a:avLst/>
+          </a:prstGeom>
+        </p:spPr>
+        <p:txBody>
+          <a:bodyPr wrap="square">
+            <a:noAutofit/>
+          </a:bodyPr>
+          <a:lstStyle/>
+          <a:p>
+            <a:pPr algn="ctr">
+              <a:lnSpc>
+                <a:spcPct val="100000"/>
+              </a:lnSpc>
+              <a:spcBef>
+                <a:spcPts val="0"/>
+              </a:spcBef>
+              <a:spcAft>
+                <a:spcPts val="0"/>
+              </a:spcAft>
+            </a:pPr>
+            <a:r>
+              <a:rPr lang="bg-BG" sz="1600" dirty="0">
+                <a:solidFill>
+                  <a:schemeClr val="bg2"/>
+                </a:solidFill>
+                <a:effectLst/>
+                <a:latin typeface="Calibri" panose="020F0502020204030204" pitchFamily="34" charset="0"/>
+                <a:ea typeface="Calibri" panose="020F0502020204030204" pitchFamily="34" charset="0"/>
+                <a:cs typeface="Arial" panose="020B0604020202020204" pitchFamily="34" charset="0"/>
+              </a:rPr>
+              <a:t>Проект "</a:t>
+            </a:r>
+            <a:r>
+              <a:rPr lang="bg-BG" sz="1600" dirty="0">
+                <a:solidFill>
+                  <a:schemeClr val="bg1">
+                    <a:lumMod val="20000"/>
+                    <a:lumOff val="80000"/>
+                  </a:schemeClr>
+                </a:solidFill>
+                <a:effectLst/>
+                <a:latin typeface="Calibri" panose="020F0502020204030204" pitchFamily="34" charset="0"/>
+                <a:ea typeface="Calibri" panose="020F0502020204030204" pitchFamily="34" charset="0"/>
+                <a:cs typeface="Arial" panose="020B0604020202020204" pitchFamily="34" charset="0"/>
+                <a:hlinkClick r:id="rId3">
+                  <a:extLst>
+                    <a:ext uri="{A12FA001-AC4F-418D-AE19-62706E023703}">
+                      <ahyp:hlinkClr xmlns:ahyp="http://schemas.microsoft.com/office/drawing/2018/hyperlinkcolor" val="tx"/>
+                    </a:ext>
+                  </a:extLst>
+                </a:hlinkClick>
+              </a:rPr>
+              <a:t>Отворено учебно съдържание по програмиране и ИТ</a:t>
+            </a:r>
+            <a:r>
+              <a:rPr lang="bg-BG" sz="1600" dirty="0">
+                <a:solidFill>
+                  <a:schemeClr val="bg2"/>
+                </a:solidFill>
+                <a:effectLst/>
+                <a:latin typeface="Calibri" panose="020F0502020204030204" pitchFamily="34" charset="0"/>
+                <a:ea typeface="Calibri" panose="020F0502020204030204" pitchFamily="34" charset="0"/>
+                <a:cs typeface="Arial" panose="020B0604020202020204" pitchFamily="34" charset="0"/>
+              </a:rPr>
+              <a:t>", СофтУни Фондация (лиценз </a:t>
+            </a:r>
+            <a:r>
+              <a:rPr lang="en-US" sz="1600" dirty="0">
+                <a:solidFill>
+                  <a:schemeClr val="bg2"/>
+                </a:solidFill>
+                <a:effectLst/>
+                <a:latin typeface="Calibri" panose="020F0502020204030204" pitchFamily="34" charset="0"/>
+                <a:ea typeface="Calibri" panose="020F0502020204030204" pitchFamily="34" charset="0"/>
+                <a:cs typeface="Arial" panose="020B0604020202020204" pitchFamily="34" charset="0"/>
+              </a:rPr>
+              <a:t>CC-BY-NC-SA</a:t>
+            </a:r>
+            <a:r>
+              <a:rPr lang="bg-BG" sz="1600" dirty="0">
+                <a:solidFill>
+                  <a:schemeClr val="bg2"/>
+                </a:solidFill>
+                <a:effectLst/>
+                <a:latin typeface="Calibri" panose="020F0502020204030204" pitchFamily="34" charset="0"/>
+                <a:ea typeface="Calibri" panose="020F0502020204030204" pitchFamily="34" charset="0"/>
+                <a:cs typeface="Arial" panose="020B0604020202020204" pitchFamily="34" charset="0"/>
+              </a:rPr>
+              <a:t>)</a:t>
+            </a:r>
+            <a:endParaRPr lang="bg-BG" sz="2400" dirty="0">
+              <a:solidFill>
+                <a:schemeClr val="bg2"/>
+              </a:solidFill>
+              <a:effectLst/>
+              <a:latin typeface="Calibri" panose="020F0502020204030204" pitchFamily="34" charset="0"/>
+              <a:ea typeface="Calibri" panose="020F0502020204030204" pitchFamily="34" charset="0"/>
+              <a:cs typeface="Arial" panose="020B0604020202020204" pitchFamily="34" charset="0"/>
+            </a:endParaRPr>
           </a:p>
         </p:txBody>
       </p:sp>
     </p:spTree>
     <p:extLst>
       <p:ext uri="{BB962C8B-B14F-4D97-AF65-F5344CB8AC3E}">
-        <p14:creationId xmlns:p14="http://schemas.microsoft.com/office/powerpoint/2010/main" val="729203706"/>
+        <p14:creationId xmlns:p14="http://schemas.microsoft.com/office/powerpoint/2010/main" val="2017313719"/>
       </p:ext>
     </p:extLst>
   </p:cSld>
@@ -23760,11 +22594,13 @@
         <p:spPr>
           <a:xfrm>
             <a:off x="190402" y="1269001"/>
-            <a:ext cx="11818096" cy="5455890"/>
+            <a:ext cx="9865598" cy="2474999"/>
           </a:xfrm>
         </p:spPr>
         <p:txBody>
-          <a:bodyPr/>
+          <a:bodyPr>
+            <a:normAutofit/>
+          </a:bodyPr>
           <a:lstStyle/>
           <a:p>
             <a:pPr>
@@ -23773,113 +22609,42 @@
               </a:lnSpc>
             </a:pPr>
             <a:r>
-              <a:rPr lang="bg-BG" dirty="0"/>
+              <a:rPr lang="bg-BG" sz="3200" dirty="0"/>
               <a:t>Този курс</a:t>
             </a:r>
             <a:r>
-              <a:rPr lang="en-US" dirty="0"/>
+              <a:rPr lang="en-US" sz="3200" dirty="0"/>
               <a:t> (</a:t>
             </a:r>
             <a:r>
-              <a:rPr lang="bg-BG" dirty="0"/>
+              <a:rPr lang="bg-BG" sz="3200" dirty="0"/>
               <a:t>презентации, примери, демонстрационен код, упражнения, домашни, видео и други активи</a:t>
             </a:r>
             <a:r>
-              <a:rPr lang="en-US" dirty="0"/>
+              <a:rPr lang="en-US" sz="3200" dirty="0"/>
               <a:t>) </a:t>
             </a:r>
             <a:r>
-              <a:rPr lang="bg-BG" dirty="0"/>
+              <a:rPr lang="bg-BG" sz="3200" dirty="0"/>
               <a:t>представлява</a:t>
             </a:r>
             <a:r>
-              <a:rPr lang="en-US" dirty="0"/>
+              <a:rPr lang="en-US" sz="3200" dirty="0"/>
               <a:t> </a:t>
             </a:r>
             <a:r>
-              <a:rPr lang="bg-BG" b="1" dirty="0"/>
-              <a:t>защитено авторско съдържание</a:t>
-            </a:r>
-            <a:endParaRPr lang="en-US" dirty="0"/>
-          </a:p>
-          <a:p>
-            <a:pPr>
-              <a:lnSpc>
-                <a:spcPct val="120000"/>
-              </a:lnSpc>
-            </a:pPr>
-            <a:r>
-              <a:rPr lang="bg-BG" dirty="0"/>
-              <a:t>Нерегламентирано копиране</a:t>
-            </a:r>
-            <a:r>
-              <a:rPr lang="en-US" dirty="0"/>
-              <a:t>,</a:t>
-            </a:r>
-            <a:r>
-              <a:rPr lang="bg-BG" dirty="0"/>
-              <a:t> разпространение или използване е незаконно</a:t>
-            </a:r>
-          </a:p>
-          <a:p>
-            <a:pPr>
-              <a:lnSpc>
-                <a:spcPct val="120000"/>
-              </a:lnSpc>
-            </a:pPr>
-            <a:r>
-              <a:rPr lang="en-US" dirty="0"/>
-              <a:t>© </a:t>
-            </a:r>
-            <a:r>
-              <a:rPr lang="bg-BG" dirty="0"/>
-              <a:t>СофтУни</a:t>
-            </a:r>
-            <a:r>
-              <a:rPr lang="en-US" dirty="0"/>
-              <a:t> – </a:t>
-            </a:r>
-            <a:r>
-              <a:rPr lang="en-US" dirty="0">
-                <a:hlinkClick r:id="rId3"/>
-              </a:rPr>
-              <a:t>https://softuni.org</a:t>
-            </a:r>
-            <a:endParaRPr lang="en-US" dirty="0"/>
-          </a:p>
-          <a:p>
-            <a:pPr>
-              <a:lnSpc>
-                <a:spcPct val="120000"/>
-              </a:lnSpc>
-            </a:pPr>
-            <a:r>
-              <a:rPr lang="en-US" dirty="0"/>
-              <a:t>© </a:t>
-            </a:r>
-            <a:r>
-              <a:rPr lang="bg-BG" dirty="0"/>
-              <a:t>Софтуерен университет</a:t>
-            </a:r>
-            <a:r>
-              <a:rPr lang="en-US" dirty="0"/>
-              <a:t> – </a:t>
-            </a:r>
-            <a:r>
-              <a:rPr lang="en-US" dirty="0">
-                <a:hlinkClick r:id="rId4"/>
-              </a:rPr>
-              <a:t>https://softuni.bg</a:t>
-            </a:r>
-            <a:endParaRPr lang="bg-BG" dirty="0"/>
-          </a:p>
-          <a:p>
-            <a:pPr>
-              <a:lnSpc>
-                <a:spcPct val="120000"/>
-              </a:lnSpc>
-            </a:pPr>
-            <a:endParaRPr lang="bg-BG" dirty="0"/>
+              <a:rPr lang="bg-BG" sz="3200" b="1" dirty="0"/>
+              <a:t>свободно учебно съдържание </a:t>
+            </a:r>
+            <a:r>
+              <a:rPr lang="bg-BG" sz="3200" dirty="0"/>
+              <a:t>и се разпространява под свободен лиценз </a:t>
+            </a:r>
+            <a:r>
+              <a:rPr lang="en-US" sz="3200" b="1" dirty="0"/>
+              <a:t>CC-BY-NC-SA</a:t>
+            </a:r>
+            <a:endParaRPr lang="bg-BG" sz="3200" dirty="0"/>
           </a:p>
         </p:txBody>
       </p:sp>
@@ -23898,7 +22663,7 @@
           <p:nvPr/>
         </p:nvPicPr>
         <p:blipFill>
-          <a:blip r:embed="rId5">
+          <a:blip r:embed="rId3">
             <a:clrChange>
               <a:clrFrom>
                 <a:srgbClr val="FFFFFF"/>
@@ -23916,8 +22681,8 @@
         </p:blipFill>
         <p:spPr>
           <a:xfrm>
-            <a:off x="9745023" y="4445455"/>
-            <a:ext cx="1930977" cy="2043545"/>
+            <a:off x="10226175" y="1440120"/>
+            <a:ext cx="1198986" cy="1268880"/>
           </a:xfrm>
           <a:prstGeom prst="rect">
             <a:avLst/>
@@ -23954,10 +22719,171 @@
       </p:sp>
       <p:sp>
         <p:nvSpPr>
-          <p:cNvPr id="7" name="Slide Number">
+          <p:cNvPr id="11" name="TextBox 10">
             <a:extLst>
               <a:ext uri="{FF2B5EF4-FFF2-40B4-BE49-F238E27FC236}">
-                <a16:creationId xmlns:a16="http://schemas.microsoft.com/office/drawing/2014/main" id="{986F1241-4467-4A33-8F42-658BD1961EF6}"/>
+                <a16:creationId xmlns:a16="http://schemas.microsoft.com/office/drawing/2014/main" id="{0C18DF19-B750-4C88-975B-661A6BF61F5E}"/>
+              </a:ext>
+            </a:extLst>
+          </p:cNvPr>
+          <p:cNvSpPr txBox="1"/>
+          <p:nvPr/>
+        </p:nvSpPr>
+        <p:spPr>
+          <a:xfrm>
+            <a:off x="190401" y="3927519"/>
+            <a:ext cx="11710599" cy="1979644"/>
+          </a:xfrm>
+          <a:prstGeom prst="rect">
+            <a:avLst/>
+          </a:prstGeom>
+          <a:noFill/>
+          <a:ln w="12700">
+            <a:noFill/>
+          </a:ln>
+        </p:spPr>
+        <p:txBody>
+          <a:bodyPr wrap="square">
+            <a:spAutoFit/>
+          </a:bodyPr>
+          <a:lstStyle/>
+          <a:p>
+            <a:pPr marL="360363" indent="-360363" defTabSz="1218438">
+              <a:lnSpc>
+                <a:spcPct val="120000"/>
+              </a:lnSpc>
+              <a:spcBef>
+                <a:spcPts val="600"/>
+              </a:spcBef>
+              <a:spcAft>
+                <a:spcPts val="600"/>
+              </a:spcAft>
+              <a:buFont typeface="Wingdings" panose="05000000000000000000" pitchFamily="2" charset="2"/>
+              <a:buChar char="§"/>
+              <a:defRPr/>
+            </a:pPr>
+            <a:r>
+              <a:rPr lang="bg-BG" sz="3200" dirty="0"/>
+              <a:t>Проект "</a:t>
+            </a:r>
+            <a:r>
+              <a:rPr lang="bg-BG" sz="3200" b="1" dirty="0"/>
+              <a:t>Отворено учебно съдържание по програмиране и ИТ</a:t>
+            </a:r>
+            <a:r>
+              <a:rPr lang="bg-BG" sz="3200" dirty="0"/>
+              <a:t>" към Фондация "Софтуерен университет"</a:t>
+            </a:r>
+            <a:r>
+              <a:rPr lang="en-US" sz="3200" dirty="0"/>
+              <a:t>:</a:t>
+            </a:r>
+            <a:endParaRPr lang="bg-BG" sz="3200" dirty="0"/>
+          </a:p>
+          <a:p>
+            <a:pPr marL="817563" lvl="1" indent="-360363" defTabSz="1218438">
+              <a:lnSpc>
+                <a:spcPct val="120000"/>
+              </a:lnSpc>
+              <a:spcBef>
+                <a:spcPts val="600"/>
+              </a:spcBef>
+              <a:spcAft>
+                <a:spcPts val="600"/>
+              </a:spcAft>
+              <a:buFont typeface="Wingdings" panose="05000000000000000000" pitchFamily="2" charset="2"/>
+              <a:buChar char="§"/>
+              <a:defRPr/>
+            </a:pPr>
+            <a:r>
+              <a:rPr kumimoji="0" lang="en-US" sz="3200" b="0" i="0" u="none" strike="noStrike" kern="1200" cap="none" spc="0" normalizeH="0" baseline="0" noProof="0" dirty="0">
+                <a:ln>
+                  <a:noFill/>
+                </a:ln>
+                <a:solidFill>
+                  <a:srgbClr val="234465"/>
+                </a:solidFill>
+                <a:effectLst/>
+                <a:uLnTx/>
+                <a:uFillTx/>
+                <a:latin typeface="Calibri"/>
+                <a:ea typeface="+mn-ea"/>
+                <a:cs typeface="+mn-cs"/>
+                <a:hlinkClick r:id="rId4"/>
+              </a:rPr>
+              <a:t>https://github.com/BG-IT-Edu</a:t>
+            </a:r>
+            <a:endParaRPr kumimoji="0" lang="bg-BG" sz="3200" b="0" i="0" u="none" strike="noStrike" kern="1200" cap="none" spc="0" normalizeH="0" baseline="0" noProof="0" dirty="0">
+              <a:ln>
+                <a:noFill/>
+              </a:ln>
+              <a:solidFill>
+                <a:srgbClr val="234465"/>
+              </a:solidFill>
+              <a:effectLst/>
+              <a:uLnTx/>
+              <a:uFillTx/>
+              <a:latin typeface="Calibri"/>
+              <a:ea typeface="+mn-ea"/>
+              <a:cs typeface="+mn-cs"/>
+            </a:endParaRPr>
+          </a:p>
+        </p:txBody>
+      </p:sp>
+      <p:pic>
+        <p:nvPicPr>
+          <p:cNvPr id="7" name="Picture 6" title="CC-BY-NC-SA License">
+            <a:hlinkClick r:id="rId5" tooltip="This work is licensed under the &quot;Creative Commons Attribution-NonCommercial-ShareAlike 4.0 International&quot; license"/>
+            <a:extLst>
+              <a:ext uri="{FF2B5EF4-FFF2-40B4-BE49-F238E27FC236}">
+                <a16:creationId xmlns:a16="http://schemas.microsoft.com/office/drawing/2014/main" id="{F6C77C47-F7D8-A176-5C69-7FDE5C7E8003}"/>
+              </a:ext>
+            </a:extLst>
+          </p:cNvPr>
+          <p:cNvPicPr>
+            <a:picLocks noChangeAspect="1" noChangeArrowheads="1"/>
+          </p:cNvPicPr>
+          <p:nvPr/>
+        </p:nvPicPr>
+        <p:blipFill>
+          <a:blip r:embed="rId6">
+            <a:extLst>
+              <a:ext uri="{28A0092B-C50C-407E-A947-70E740481C1C}">
+                <a14:useLocalDpi xmlns:a14="http://schemas.microsoft.com/office/drawing/2010/main"/>
+              </a:ext>
+            </a:extLst>
+          </a:blip>
+          <a:srcRect/>
+          <a:stretch>
+            <a:fillRect/>
+          </a:stretch>
+        </p:blipFill>
+        <p:spPr bwMode="auto">
+          <a:xfrm>
+            <a:off x="9831000" y="2908593"/>
+            <a:ext cx="1989336" cy="696022"/>
+          </a:xfrm>
+          <a:prstGeom prst="roundRect">
+            <a:avLst>
+              <a:gd name="adj" fmla="val 3940"/>
+            </a:avLst>
+          </a:prstGeom>
+          <a:solidFill>
+            <a:srgbClr val="231F20">
+              <a:alpha val="50000"/>
+            </a:srgbClr>
+          </a:solidFill>
+          <a:ln>
+            <a:noFill/>
+          </a:ln>
+        </p:spPr>
+      </p:pic>
+      <p:sp>
+        <p:nvSpPr>
+          <p:cNvPr id="4" name="Slide Number">
+            <a:extLst>
+              <a:ext uri="{FF2B5EF4-FFF2-40B4-BE49-F238E27FC236}">
+                <a16:creationId xmlns:a16="http://schemas.microsoft.com/office/drawing/2014/main" id="{08FC892B-6F48-9219-3C19-67A8FFBBB2CE}"/>
               </a:ext>
             </a:extLst>
           </p:cNvPr>
@@ -23997,7 +22923,7 @@
     </p:spTree>
     <p:extLst>
       <p:ext uri="{BB962C8B-B14F-4D97-AF65-F5344CB8AC3E}">
-        <p14:creationId xmlns:p14="http://schemas.microsoft.com/office/powerpoint/2010/main" val="3476842721"/>
+        <p14:creationId xmlns:p14="http://schemas.microsoft.com/office/powerpoint/2010/main" val="1871224176"/>
       </p:ext>
     </p:extLst>
   </p:cSld>
@@ -24064,10 +22990,10 @@
       </p:pic>
       <p:sp>
         <p:nvSpPr>
-          <p:cNvPr id="4" name="Subtitle 3">
+          <p:cNvPr id="5" name="Подзаглавие 4">
             <a:extLst>
               <a:ext uri="{FF2B5EF4-FFF2-40B4-BE49-F238E27FC236}">
-                <a16:creationId xmlns:a16="http://schemas.microsoft.com/office/drawing/2014/main" id="{88CEF802-9EDA-9A95-1F8B-5B6B3F11EC9C}"/>
+                <a16:creationId xmlns:a16="http://schemas.microsoft.com/office/drawing/2014/main" id="{2721BE8F-BB57-A69C-18B7-019FBDDB1E78}"/>
               </a:ext>
             </a:extLst>
           </p:cNvPr>
@@ -24087,16 +23013,15 @@
               <a:rPr lang="bg-BG" dirty="0"/>
               <a:t>Същност, синтаксис, видове</a:t>
             </a:r>
-            <a:endParaRPr lang="en-BG" dirty="0"/>
           </a:p>
         </p:txBody>
       </p:sp>
       <p:sp>
         <p:nvSpPr>
-          <p:cNvPr id="3" name="Title 2">
+          <p:cNvPr id="8" name="Заглавие 7">
             <a:extLst>
               <a:ext uri="{FF2B5EF4-FFF2-40B4-BE49-F238E27FC236}">
-                <a16:creationId xmlns:a16="http://schemas.microsoft.com/office/drawing/2014/main" id="{97A5F9D7-C027-4297-A74E-45C975F26EA3}"/>
+                <a16:creationId xmlns:a16="http://schemas.microsoft.com/office/drawing/2014/main" id="{D55B77BD-9023-E7F7-3B44-212A98292C4F}"/>
               </a:ext>
             </a:extLst>
           </p:cNvPr>
@@ -24107,12 +23032,7 @@
             <p:ph type="title" sz="quarter" idx="10"/>
           </p:nvPr>
         </p:nvSpPr>
-        <p:spPr>
-          <a:xfrm>
-            <a:off x="615109" y="4704825"/>
-            <a:ext cx="10961783" cy="768084"/>
-          </a:xfrm>
-        </p:spPr>
+        <p:spPr/>
         <p:txBody>
           <a:bodyPr/>
           <a:lstStyle/>
@@ -24121,14 +23041,13 @@
               <a:rPr lang="bg-BG" dirty="0"/>
               <a:t>Изключения</a:t>
             </a:r>
-            <a:endParaRPr lang="en-US" dirty="0"/>
           </a:p>
         </p:txBody>
       </p:sp>
     </p:spTree>
     <p:extLst>
       <p:ext uri="{BB962C8B-B14F-4D97-AF65-F5344CB8AC3E}">
-        <p14:creationId xmlns:p14="http://schemas.microsoft.com/office/powerpoint/2010/main" val="275002229"/>
+        <p14:creationId xmlns:p14="http://schemas.microsoft.com/office/powerpoint/2010/main" val="1196511860"/>
       </p:ext>
     </p:extLst>
   </p:cSld>
@@ -25050,10 +23969,10 @@
       </p:sp>
       <p:sp>
         <p:nvSpPr>
-          <p:cNvPr id="7" name="Slide Number">
+          <p:cNvPr id="4" name="Slide Number">
             <a:extLst>
               <a:ext uri="{FF2B5EF4-FFF2-40B4-BE49-F238E27FC236}">
-                <a16:creationId xmlns:a16="http://schemas.microsoft.com/office/drawing/2014/main" id="{59A0CEE4-6DA1-4DF7-A046-C83821FDA005}"/>
+                <a16:creationId xmlns:a16="http://schemas.microsoft.com/office/drawing/2014/main" id="{1396E5DE-34F0-DC25-30C2-4E9FDC04A859}"/>
               </a:ext>
             </a:extLst>
           </p:cNvPr>
@@ -25181,7 +24100,7 @@
     </p:spTree>
     <p:extLst>
       <p:ext uri="{BB962C8B-B14F-4D97-AF65-F5344CB8AC3E}">
-        <p14:creationId xmlns:p14="http://schemas.microsoft.com/office/powerpoint/2010/main" val="835774028"/>
+        <p14:creationId xmlns:p14="http://schemas.microsoft.com/office/powerpoint/2010/main" val="2776047276"/>
       </p:ext>
     </p:extLst>
   </p:cSld>
@@ -26083,10 +25002,10 @@
       </p:sp>
       <p:sp>
         <p:nvSpPr>
-          <p:cNvPr id="15" name="Slide Number">
+          <p:cNvPr id="2" name="Slide Number">
             <a:extLst>
               <a:ext uri="{FF2B5EF4-FFF2-40B4-BE49-F238E27FC236}">
-                <a16:creationId xmlns:a16="http://schemas.microsoft.com/office/drawing/2014/main" id="{D51DF367-F0CF-492C-9185-6B90ADC1FFC8}"/>
+                <a16:creationId xmlns:a16="http://schemas.microsoft.com/office/drawing/2014/main" id="{41D80D23-B3D6-972B-D601-1FDB597DAC55}"/>
               </a:ext>
             </a:extLst>
           </p:cNvPr>
@@ -26126,7 +25045,7 @@
     </p:spTree>
     <p:extLst>
       <p:ext uri="{BB962C8B-B14F-4D97-AF65-F5344CB8AC3E}">
-        <p14:creationId xmlns:p14="http://schemas.microsoft.com/office/powerpoint/2010/main" val="585419347"/>
+        <p14:creationId xmlns:p14="http://schemas.microsoft.com/office/powerpoint/2010/main" val="3387911399"/>
       </p:ext>
     </p:extLst>
   </p:cSld>
@@ -26662,10 +25581,10 @@
       </p:sp>
       <p:sp>
         <p:nvSpPr>
-          <p:cNvPr id="6" name="Slide Number">
+          <p:cNvPr id="4" name="Slide Number">
             <a:extLst>
               <a:ext uri="{FF2B5EF4-FFF2-40B4-BE49-F238E27FC236}">
-                <a16:creationId xmlns:a16="http://schemas.microsoft.com/office/drawing/2014/main" id="{8D1861D8-F726-4DCF-A11B-813C503C10AD}"/>
+                <a16:creationId xmlns:a16="http://schemas.microsoft.com/office/drawing/2014/main" id="{6341215B-A401-99C7-DAA9-C6EFC33F1A45}"/>
               </a:ext>
             </a:extLst>
           </p:cNvPr>
@@ -26793,7 +25712,7 @@
     </p:spTree>
     <p:extLst>
       <p:ext uri="{BB962C8B-B14F-4D97-AF65-F5344CB8AC3E}">
-        <p14:creationId xmlns:p14="http://schemas.microsoft.com/office/powerpoint/2010/main" val="1994999918"/>
+        <p14:creationId xmlns:p14="http://schemas.microsoft.com/office/powerpoint/2010/main" val="2562579010"/>
       </p:ext>
     </p:extLst>
   </p:cSld>
@@ -26859,15 +25778,33 @@
                                   </p:childTnLst>
                                 </p:cTn>
                               </p:par>
+                            </p:childTnLst>
+                          </p:cTn>
+                        </p:par>
+                      </p:childTnLst>
+                    </p:cTn>
+                  </p:par>
+                  <p:par>
+                    <p:cTn id="7" fill="hold">
+                      <p:stCondLst>
+                        <p:cond delay="indefinite"/>
+                      </p:stCondLst>
+                      <p:childTnLst>
+                        <p:par>
+                          <p:cTn id="8" fill="hold">
+                            <p:stCondLst>
+                              <p:cond delay="0"/>
+                            </p:stCondLst>
+                            <p:childTnLst>
                               <p:par>
-                                <p:cTn id="7" presetID="1" presetClass="entr" presetSubtype="0" fill="hold" nodeType="withEffect">
+                                <p:cTn id="9" presetID="1" presetClass="entr" presetSubtype="0" fill="hold" nodeType="clickEffect">
                                   <p:stCondLst>
                                     <p:cond delay="0"/>
                                   </p:stCondLst>
                                   <p:childTnLst>
                                     <p:set>
                                       <p:cBhvr>
-                                        <p:cTn id="8" dur="1" fill="hold">
+                                        <p:cTn id="10" dur="1" fill="hold">
                                           <p:stCondLst>
                                             <p:cond delay="0"/>
                                           </p:stCondLst>
@@ -26897,26 +25834,26 @@
                     </p:cTn>
                   </p:par>
                   <p:par>
-                    <p:cTn id="9" fill="hold">
+                    <p:cTn id="11" fill="hold">
                       <p:stCondLst>
                         <p:cond delay="indefinite"/>
                       </p:stCondLst>
                       <p:childTnLst>
                         <p:par>
-                          <p:cTn id="10" fill="hold">
+                          <p:cTn id="12" fill="hold">
                             <p:stCondLst>
                               <p:cond delay="0"/>
                             </p:stCondLst>
                             <p:childTnLst>
                               <p:par>
-                                <p:cTn id="11" presetID="1" presetClass="entr" presetSubtype="0" fill="hold" nodeType="clickEffect">
+                                <p:cTn id="13" presetID="1" presetClass="entr" presetSubtype="0" fill="hold" nodeType="clickEffect">
                                   <p:stCondLst>
                                     <p:cond delay="0"/>
                                   </p:stCondLst>
                                   <p:childTnLst>
                                     <p:set>
                                       <p:cBhvr>
-                                        <p:cTn id="12" dur="1" fill="hold">
+                                        <p:cTn id="14" dur="1" fill="hold">
                                           <p:stCondLst>
                                             <p:cond delay="0"/>
                                           </p:stCondLst>
@@ -26946,26 +25883,26 @@
                     </p:cTn>
                   </p:par>
                   <p:par>
-                    <p:cTn id="13" fill="hold">
+                    <p:cTn id="15" fill="hold">
                       <p:stCondLst>
                         <p:cond delay="indefinite"/>
                       </p:stCondLst>
                       <p:childTnLst>
                         <p:par>
-                          <p:cTn id="14" fill="hold">
+                          <p:cTn id="16" fill="hold">
                             <p:stCondLst>
                               <p:cond delay="0"/>
                             </p:stCondLst>
                             <p:childTnLst>
                               <p:par>
-                                <p:cTn id="15" presetID="1" presetClass="entr" presetSubtype="0" fill="hold" nodeType="clickEffect">
+                                <p:cTn id="17" presetID="1" presetClass="entr" presetSubtype="0" fill="hold" nodeType="clickEffect">
                                   <p:stCondLst>
                                     <p:cond delay="0"/>
                                   </p:stCondLst>
                                   <p:childTnLst>
                                     <p:set>
                                       <p:cBhvr>
-                                        <p:cTn id="16" dur="1" fill="hold">
+                                        <p:cTn id="18" dur="1" fill="hold">
                                           <p:stCondLst>
                                             <p:cond delay="0"/>
                                           </p:stCondLst>
@@ -27413,10 +26350,10 @@
       </p:sp>
       <p:sp>
         <p:nvSpPr>
-          <p:cNvPr id="7" name="Slide Number">
+          <p:cNvPr id="4" name="Slide Number">
             <a:extLst>
               <a:ext uri="{FF2B5EF4-FFF2-40B4-BE49-F238E27FC236}">
-                <a16:creationId xmlns:a16="http://schemas.microsoft.com/office/drawing/2014/main" id="{E135733D-7AC7-4282-B8B9-22A4DA404909}"/>
+                <a16:creationId xmlns:a16="http://schemas.microsoft.com/office/drawing/2014/main" id="{9CDD4C53-FAEE-1E93-C670-B7017E724D5A}"/>
               </a:ext>
             </a:extLst>
           </p:cNvPr>
@@ -27544,7 +26481,7 @@
     </p:spTree>
     <p:extLst>
       <p:ext uri="{BB962C8B-B14F-4D97-AF65-F5344CB8AC3E}">
-        <p14:creationId xmlns:p14="http://schemas.microsoft.com/office/powerpoint/2010/main" val="1654544697"/>
+        <p14:creationId xmlns:p14="http://schemas.microsoft.com/office/powerpoint/2010/main" val="3737929914"/>
       </p:ext>
     </p:extLst>
   </p:cSld>
@@ -27580,7 +26517,7 @@
                             </p:stCondLst>
                             <p:childTnLst>
                               <p:par>
-                                <p:cTn id="5" presetID="1" presetClass="entr" presetSubtype="0" fill="hold" nodeType="clickEffect">
+                                <p:cTn id="5" presetID="1" presetClass="entr" presetSubtype="0" fill="hold" grpId="0" nodeType="clickEffect">
                                   <p:stCondLst>
                                     <p:cond delay="0"/>
                                   </p:stCondLst>
@@ -27588,6 +26525,162 @@
                                     <p:set>
                                       <p:cBhvr>
                                         <p:cTn id="6" dur="1" fill="hold">
+                                          <p:stCondLst>
+                                            <p:cond delay="0"/>
+                                          </p:stCondLst>
+                                        </p:cTn>
+                                        <p:tgtEl>
+                                          <p:spTgt spid="5"/>
+                                        </p:tgtEl>
+                                        <p:attrNameLst>
+                                          <p:attrName>style.visibility</p:attrName>
+                                        </p:attrNameLst>
+                                      </p:cBhvr>
+                                      <p:to>
+                                        <p:strVal val="visible"/>
+                                      </p:to>
+                                    </p:set>
+                                  </p:childTnLst>
+                                </p:cTn>
+                              </p:par>
+                              <p:par>
+                                <p:cTn id="7" presetID="1" presetClass="entr" presetSubtype="0" fill="hold" nodeType="withEffect">
+                                  <p:stCondLst>
+                                    <p:cond delay="0"/>
+                                  </p:stCondLst>
+                                  <p:childTnLst>
+                                    <p:set>
+                                      <p:cBhvr>
+                                        <p:cTn id="8" dur="1" fill="hold">
+                                          <p:stCondLst>
+                                            <p:cond delay="0"/>
+                                          </p:stCondLst>
+                                        </p:cTn>
+                                        <p:tgtEl>
+                                          <p:spTgt spid="5">
+                                            <p:txEl>
+                                              <p:pRg st="0" end="0"/>
+                                            </p:txEl>
+                                          </p:spTgt>
+                                        </p:tgtEl>
+                                        <p:attrNameLst>
+                                          <p:attrName>style.visibility</p:attrName>
+                                        </p:attrNameLst>
+                                      </p:cBhvr>
+                                      <p:to>
+                                        <p:strVal val="visible"/>
+                                      </p:to>
+                                    </p:set>
+                                  </p:childTnLst>
+                                </p:cTn>
+                              </p:par>
+                              <p:par>
+                                <p:cTn id="9" presetID="1" presetClass="entr" presetSubtype="0" fill="hold" nodeType="withEffect">
+                                  <p:stCondLst>
+                                    <p:cond delay="0"/>
+                                  </p:stCondLst>
+                                  <p:childTnLst>
+                                    <p:set>
+                                      <p:cBhvr>
+                                        <p:cTn id="10" dur="1" fill="hold">
+                                          <p:stCondLst>
+                                            <p:cond delay="0"/>
+                                          </p:stCondLst>
+                                        </p:cTn>
+                                        <p:tgtEl>
+                                          <p:spTgt spid="5">
+                                            <p:txEl>
+                                              <p:pRg st="2" end="2"/>
+                                            </p:txEl>
+                                          </p:spTgt>
+                                        </p:tgtEl>
+                                        <p:attrNameLst>
+                                          <p:attrName>style.visibility</p:attrName>
+                                        </p:attrNameLst>
+                                      </p:cBhvr>
+                                      <p:to>
+                                        <p:strVal val="visible"/>
+                                      </p:to>
+                                    </p:set>
+                                  </p:childTnLst>
+                                </p:cTn>
+                              </p:par>
+                            </p:childTnLst>
+                          </p:cTn>
+                        </p:par>
+                      </p:childTnLst>
+                    </p:cTn>
+                  </p:par>
+                  <p:par>
+                    <p:cTn id="11" fill="hold">
+                      <p:stCondLst>
+                        <p:cond delay="indefinite"/>
+                      </p:stCondLst>
+                      <p:childTnLst>
+                        <p:par>
+                          <p:cTn id="12" fill="hold">
+                            <p:stCondLst>
+                              <p:cond delay="0"/>
+                            </p:stCondLst>
+                            <p:childTnLst>
+                              <p:par>
+                                <p:cTn id="13" presetID="1" presetClass="entr" presetSubtype="0" fill="hold" nodeType="clickEffect">
+                                  <p:stCondLst>
+                                    <p:cond delay="0"/>
+                                  </p:stCondLst>
+                                  <p:childTnLst>
+                                    <p:set>
+                                      <p:cBhvr>
+                                        <p:cTn id="14" dur="1" fill="hold">
+                                          <p:stCondLst>
+                                            <p:cond delay="0"/>
+                                          </p:stCondLst>
+                                        </p:cTn>
+                                        <p:tgtEl>
+                                          <p:spTgt spid="5">
+                                            <p:txEl>
+                                              <p:pRg st="1" end="1"/>
+                                            </p:txEl>
+                                          </p:spTgt>
+                                        </p:tgtEl>
+                                        <p:attrNameLst>
+                                          <p:attrName>style.visibility</p:attrName>
+                                        </p:attrNameLst>
+                                      </p:cBhvr>
+                                      <p:to>
+                                        <p:strVal val="visible"/>
+                                      </p:to>
+                                    </p:set>
+                                  </p:childTnLst>
+                                </p:cTn>
+                              </p:par>
+                            </p:childTnLst>
+                          </p:cTn>
+                        </p:par>
+                      </p:childTnLst>
+                    </p:cTn>
+                  </p:par>
+                  <p:par>
+                    <p:cTn id="15" fill="hold">
+                      <p:stCondLst>
+                        <p:cond delay="indefinite"/>
+                      </p:stCondLst>
+                      <p:childTnLst>
+                        <p:par>
+                          <p:cTn id="16" fill="hold">
+                            <p:stCondLst>
+                              <p:cond delay="0"/>
+                            </p:stCondLst>
+                            <p:childTnLst>
+                              <p:par>
+                                <p:cTn id="17" presetID="1" presetClass="entr" presetSubtype="0" fill="hold" nodeType="clickEffect">
+                                  <p:stCondLst>
+                                    <p:cond delay="0"/>
+                                  </p:stCondLst>
+                                  <p:childTnLst>
+                                    <p:set>
+                                      <p:cBhvr>
+                                        <p:cTn id="18" dur="1" fill="hold">
                                           <p:stCondLst>
                                             <p:cond delay="0"/>
                                           </p:stCondLst>
@@ -27611,14 +26704,14 @@
                                 </p:cTn>
                               </p:par>
                               <p:par>
-                                <p:cTn id="7" presetID="1" presetClass="entr" presetSubtype="0" fill="hold" nodeType="withEffect">
+                                <p:cTn id="19" presetID="1" presetClass="entr" presetSubtype="0" fill="hold" nodeType="withEffect">
                                   <p:stCondLst>
                                     <p:cond delay="0"/>
                                   </p:stCondLst>
                                   <p:childTnLst>
                                     <p:set>
                                       <p:cBhvr>
-                                        <p:cTn id="8" dur="1" fill="hold">
+                                        <p:cTn id="20" dur="1" fill="hold">
                                           <p:stCondLst>
                                             <p:cond delay="0"/>
                                           </p:stCondLst>
@@ -27648,26 +26741,26 @@
                     </p:cTn>
                   </p:par>
                   <p:par>
-                    <p:cTn id="9" fill="hold">
+                    <p:cTn id="21" fill="hold">
                       <p:stCondLst>
                         <p:cond delay="indefinite"/>
                       </p:stCondLst>
                       <p:childTnLst>
                         <p:par>
-                          <p:cTn id="10" fill="hold">
+                          <p:cTn id="22" fill="hold">
                             <p:stCondLst>
                               <p:cond delay="0"/>
                             </p:stCondLst>
                             <p:childTnLst>
                               <p:par>
-                                <p:cTn id="11" presetID="1" presetClass="entr" presetSubtype="0" fill="hold" nodeType="clickEffect">
+                                <p:cTn id="23" presetID="1" presetClass="entr" presetSubtype="0" fill="hold" nodeType="clickEffect">
                                   <p:stCondLst>
                                     <p:cond delay="0"/>
                                   </p:stCondLst>
                                   <p:childTnLst>
                                     <p:set>
                                       <p:cBhvr>
-                                        <p:cTn id="12" dur="1" fill="hold">
+                                        <p:cTn id="24" dur="1" fill="hold">
                                           <p:stCondLst>
                                             <p:cond delay="0"/>
                                           </p:stCondLst>
@@ -27697,26 +26790,26 @@
                     </p:cTn>
                   </p:par>
                   <p:par>
-                    <p:cTn id="13" fill="hold">
+                    <p:cTn id="25" fill="hold">
                       <p:stCondLst>
                         <p:cond delay="indefinite"/>
                       </p:stCondLst>
                       <p:childTnLst>
                         <p:par>
-                          <p:cTn id="14" fill="hold">
+                          <p:cTn id="26" fill="hold">
                             <p:stCondLst>
                               <p:cond delay="0"/>
                             </p:stCondLst>
                             <p:childTnLst>
                               <p:par>
-                                <p:cTn id="15" presetID="1" presetClass="entr" presetSubtype="0" fill="hold" nodeType="clickEffect">
+                                <p:cTn id="27" presetID="1" presetClass="entr" presetSubtype="0" fill="hold" nodeType="clickEffect">
                                   <p:stCondLst>
                                     <p:cond delay="0"/>
                                   </p:stCondLst>
                                   <p:childTnLst>
                                     <p:set>
                                       <p:cBhvr>
-                                        <p:cTn id="16" dur="1" fill="hold">
+                                        <p:cTn id="28" dur="1" fill="hold">
                                           <p:stCondLst>
                                             <p:cond delay="0"/>
                                           </p:stCondLst>
@@ -27766,6 +26859,9 @@
         </p:cTn>
       </p:par>
     </p:tnLst>
+    <p:bldLst>
+      <p:bldP spid="5" grpId="0" animBg="1"/>
+    </p:bldLst>
   </p:timing>
 </p:sld>
 </file>
@@ -28824,10 +27920,10 @@
       </p:sp>
       <p:sp>
         <p:nvSpPr>
-          <p:cNvPr id="19" name="Slide Number">
+          <p:cNvPr id="2" name="Slide Number">
             <a:extLst>
               <a:ext uri="{FF2B5EF4-FFF2-40B4-BE49-F238E27FC236}">
-                <a16:creationId xmlns:a16="http://schemas.microsoft.com/office/drawing/2014/main" id="{8EC9BDCF-8028-4CA8-AAD4-9B55D44063D3}"/>
+                <a16:creationId xmlns:a16="http://schemas.microsoft.com/office/drawing/2014/main" id="{5E2B88E9-B1FB-76CE-D5DB-B0170E51A3E7}"/>
               </a:ext>
             </a:extLst>
           </p:cNvPr>
@@ -28955,7 +28051,7 @@
     </p:spTree>
     <p:extLst>
       <p:ext uri="{BB962C8B-B14F-4D97-AF65-F5344CB8AC3E}">
-        <p14:creationId xmlns:p14="http://schemas.microsoft.com/office/powerpoint/2010/main" val="2123352221"/>
+        <p14:creationId xmlns:p14="http://schemas.microsoft.com/office/powerpoint/2010/main" val="1230275519"/>
       </p:ext>
     </p:extLst>
   </p:cSld>
@@ -29518,10 +28614,10 @@
       </p:pic>
       <p:sp>
         <p:nvSpPr>
-          <p:cNvPr id="4" name="Subtitle 3">
+          <p:cNvPr id="5" name="Подзаглавие 4">
             <a:extLst>
               <a:ext uri="{FF2B5EF4-FFF2-40B4-BE49-F238E27FC236}">
-                <a16:creationId xmlns:a16="http://schemas.microsoft.com/office/drawing/2014/main" id="{267DB33E-75B9-5BA4-6C58-804892D26A5A}"/>
+                <a16:creationId xmlns:a16="http://schemas.microsoft.com/office/drawing/2014/main" id="{85007E2F-C27B-4916-6C68-F9028B2D452D}"/>
               </a:ext>
             </a:extLst>
           </p:cNvPr>
@@ -29538,28 +28634,18 @@
           <a:lstStyle/>
           <a:p>
             <a:r>
-              <a:rPr lang="en-GB" dirty="0">
-                <a:latin typeface="Consolas" panose="020B0609020204030204" pitchFamily="49" charset="0"/>
-                <a:cs typeface="Consolas" panose="020B0609020204030204" pitchFamily="49" charset="0"/>
-              </a:rPr>
-              <a:t>t</a:t>
-            </a:r>
-            <a:r>
-              <a:rPr lang="en-BG" dirty="0">
-                <a:latin typeface="Consolas" panose="020B0609020204030204" pitchFamily="49" charset="0"/>
-                <a:cs typeface="Consolas" panose="020B0609020204030204" pitchFamily="49" charset="0"/>
-              </a:rPr>
-              <a:t>ry-catch</a:t>
+              <a:rPr lang="bg-BG"/>
+              <a:t>Хващане на изключения</a:t>
             </a:r>
           </a:p>
         </p:txBody>
       </p:sp>
       <p:sp>
         <p:nvSpPr>
-          <p:cNvPr id="3" name="Title 2">
+          <p:cNvPr id="8" name="Заглавие 7">
             <a:extLst>
               <a:ext uri="{FF2B5EF4-FFF2-40B4-BE49-F238E27FC236}">
-                <a16:creationId xmlns:a16="http://schemas.microsoft.com/office/drawing/2014/main" id="{4CB308C4-2F58-4E30-BF14-F3EB6FBF10BB}"/>
+                <a16:creationId xmlns:a16="http://schemas.microsoft.com/office/drawing/2014/main" id="{18D287C2-FDC9-EEB0-22CC-7A7C732FEE30}"/>
               </a:ext>
             </a:extLst>
           </p:cNvPr>
@@ -29570,32 +28656,23 @@
             <p:ph type="title" sz="quarter" idx="10"/>
           </p:nvPr>
         </p:nvSpPr>
-        <p:spPr>
-          <a:xfrm>
-            <a:off x="615109" y="4704825"/>
-            <a:ext cx="10961783" cy="768084"/>
-          </a:xfrm>
-        </p:spPr>
+        <p:spPr/>
         <p:txBody>
           <a:bodyPr/>
           <a:lstStyle/>
           <a:p>
             <a:r>
-              <a:rPr lang="en-US" dirty="0"/>
-              <a:t>Хващане на </a:t>
-            </a:r>
-            <a:r>
-              <a:rPr lang="bg-BG" dirty="0"/>
-              <a:t>изключения</a:t>
-            </a:r>
-            <a:endParaRPr lang="en-US" dirty="0"/>
+              <a:rPr lang="en-US"/>
+              <a:t>Try-catch</a:t>
+            </a:r>
+            <a:endParaRPr lang="bg-BG"/>
           </a:p>
         </p:txBody>
       </p:sp>
     </p:spTree>
     <p:extLst>
       <p:ext uri="{BB962C8B-B14F-4D97-AF65-F5344CB8AC3E}">
-        <p14:creationId xmlns:p14="http://schemas.microsoft.com/office/powerpoint/2010/main" val="1571630387"/>
+        <p14:creationId xmlns:p14="http://schemas.microsoft.com/office/powerpoint/2010/main" val="2272541103"/>
       </p:ext>
     </p:extLst>
   </p:cSld>
@@ -29616,12 +28693,12 @@
 <file path=ppt/theme/theme1.xml><?xml version="1.0" encoding="utf-8"?>
 <a:theme xmlns:a="http://schemas.openxmlformats.org/drawingml/2006/main" name="SoftUni">
   <a:themeElements>
-    <a:clrScheme name="Custom 28">
+    <a:clrScheme name="Custom 2">
       <a:dk1>
         <a:srgbClr val="234465"/>
       </a:dk1>
       <a:lt1>
-        <a:srgbClr val="FFA000"/>
+        <a:srgbClr val="BF7800"/>
       </a:lt1>
       <a:dk2>
         <a:srgbClr val="234465"/>
@@ -29630,7 +28707,7 @@
         <a:srgbClr val="FFFFFF"/>
       </a:lt2>
       <a:accent1>
-        <a:srgbClr val="F29600"/>
+        <a:srgbClr val="FFA000"/>
       </a:accent1>
       <a:accent2>
         <a:srgbClr val="00B050"/>
@@ -29648,10 +28725,10 @@
         <a:srgbClr val="F4F5F7"/>
       </a:accent6>
       <a:hlink>
-        <a:srgbClr val="F2AC44"/>
+        <a:srgbClr val="BF7800"/>
       </a:hlink>
       <a:folHlink>
-        <a:srgbClr val="F6C781"/>
+        <a:srgbClr val="EF9511"/>
       </a:folHlink>
     </a:clrScheme>
     <a:fontScheme name="SoftUni">
